--- a/Docs/Documents/Presentazione/presentazioneFallSimulator.pptx
+++ b/Docs/Documents/Presentazione/presentazioneFallSimulator.pptx
@@ -5,10 +5,10 @@
     <p:sldMasterId id="2147483733" r:id="rId4"/>
   </p:sldMasterIdLst>
   <p:notesMasterIdLst>
-    <p:notesMasterId r:id="rId19"/>
+    <p:notesMasterId r:id="rId30"/>
   </p:notesMasterIdLst>
   <p:handoutMasterIdLst>
-    <p:handoutMasterId r:id="rId20"/>
+    <p:handoutMasterId r:id="rId31"/>
   </p:handoutMasterIdLst>
   <p:sldIdLst>
     <p:sldId id="256" r:id="rId5"/>
@@ -24,7 +24,18 @@
     <p:sldId id="304" r:id="rId15"/>
     <p:sldId id="310" r:id="rId16"/>
     <p:sldId id="311" r:id="rId17"/>
-    <p:sldId id="322" r:id="rId18"/>
+    <p:sldId id="323" r:id="rId18"/>
+    <p:sldId id="324" r:id="rId19"/>
+    <p:sldId id="325" r:id="rId20"/>
+    <p:sldId id="326" r:id="rId21"/>
+    <p:sldId id="327" r:id="rId22"/>
+    <p:sldId id="328" r:id="rId23"/>
+    <p:sldId id="329" r:id="rId24"/>
+    <p:sldId id="330" r:id="rId25"/>
+    <p:sldId id="331" r:id="rId26"/>
+    <p:sldId id="332" r:id="rId27"/>
+    <p:sldId id="333" r:id="rId28"/>
+    <p:sldId id="322" r:id="rId29"/>
   </p:sldIdLst>
   <p:sldSz cx="12192000" cy="6858000"/>
   <p:notesSz cx="6858000" cy="9144000"/>
@@ -125,7 +136,7 @@
   </p:defaultTextStyle>
   <p:extLst>
     <p:ext uri="{EFAFB233-063F-42B5-8137-9DF3F51BA10A}">
-      <p15:sldGuideLst xmlns:p15="http://schemas.microsoft.com/office/powerpoint/2012/main" xmlns="">
+      <p15:sldGuideLst xmlns="" xmlns:p15="http://schemas.microsoft.com/office/powerpoint/2012/main">
         <p15:guide id="1" orient="horz" pos="3360" userDrawn="1">
           <p15:clr>
             <a:srgbClr val="A4A3A4"/>
@@ -139,7 +150,7 @@
       </p15:sldGuideLst>
     </p:ext>
     <p:ext uri="{2D200454-40CA-4A62-9FC3-DE9A4176ACB9}">
-      <p15:notesGuideLst xmlns:p15="http://schemas.microsoft.com/office/powerpoint/2012/main" xmlns=""/>
+      <p15:notesGuideLst xmlns="" xmlns:p15="http://schemas.microsoft.com/office/powerpoint/2012/main"/>
     </p:ext>
   </p:extLst>
 </p:presentation>
@@ -184,7 +195,7 @@
           <p:cNvPr id="2" name="Segnaposto intestazione 1">
             <a:extLst>
               <a:ext uri="{FF2B5EF4-FFF2-40B4-BE49-F238E27FC236}">
-                <a16:creationId xmlns:a16="http://schemas.microsoft.com/office/drawing/2014/main" xmlns="" id="{53F6ED8B-CF52-4A64-BACC-61D9C1041E04}"/>
+                <a16:creationId xmlns="" xmlns:a16="http://schemas.microsoft.com/office/drawing/2014/main" id="{53F6ED8B-CF52-4A64-BACC-61D9C1041E04}"/>
               </a:ext>
             </a:extLst>
           </p:cNvPr>
@@ -222,7 +233,7 @@
           <p:cNvPr id="3" name="Segnaposto data 2">
             <a:extLst>
               <a:ext uri="{FF2B5EF4-FFF2-40B4-BE49-F238E27FC236}">
-                <a16:creationId xmlns:a16="http://schemas.microsoft.com/office/drawing/2014/main" xmlns="" id="{0D7022B2-02C5-4E03-99BC-0BA3C57AC49B}"/>
+                <a16:creationId xmlns="" xmlns:a16="http://schemas.microsoft.com/office/drawing/2014/main" id="{0D7022B2-02C5-4E03-99BC-0BA3C57AC49B}"/>
               </a:ext>
             </a:extLst>
           </p:cNvPr>
@@ -265,7 +276,7 @@
           <p:cNvPr id="4" name="Segnaposto piè di pagina 3">
             <a:extLst>
               <a:ext uri="{FF2B5EF4-FFF2-40B4-BE49-F238E27FC236}">
-                <a16:creationId xmlns:a16="http://schemas.microsoft.com/office/drawing/2014/main" xmlns="" id="{BC3FEE8C-8D38-4F2A-950E-071C6823E271}"/>
+                <a16:creationId xmlns="" xmlns:a16="http://schemas.microsoft.com/office/drawing/2014/main" id="{BC3FEE8C-8D38-4F2A-950E-071C6823E271}"/>
               </a:ext>
             </a:extLst>
           </p:cNvPr>
@@ -303,7 +314,7 @@
           <p:cNvPr id="5" name="Segnaposto numero diapositiva 4">
             <a:extLst>
               <a:ext uri="{FF2B5EF4-FFF2-40B4-BE49-F238E27FC236}">
-                <a16:creationId xmlns:a16="http://schemas.microsoft.com/office/drawing/2014/main" xmlns="" id="{8C567A6D-959B-4552-AB8D-4CCA819CAA71}"/>
+                <a16:creationId xmlns="" xmlns:a16="http://schemas.microsoft.com/office/drawing/2014/main" id="{8C567A6D-959B-4552-AB8D-4CCA819CAA71}"/>
               </a:ext>
             </a:extLst>
           </p:cNvPr>
@@ -344,7 +355,7 @@
     </p:spTree>
     <p:extLst>
       <p:ext uri="{BB962C8B-B14F-4D97-AF65-F5344CB8AC3E}">
-        <p14:creationId xmlns:p14="http://schemas.microsoft.com/office/powerpoint/2010/main" xmlns="" val="1342467698"/>
+        <p14:creationId xmlns="" xmlns:p14="http://schemas.microsoft.com/office/powerpoint/2010/main" val="1342467698"/>
       </p:ext>
     </p:extLst>
   </p:cSld>
@@ -608,7 +619,7 @@
     </p:spTree>
     <p:extLst>
       <p:ext uri="{BB962C8B-B14F-4D97-AF65-F5344CB8AC3E}">
-        <p14:creationId xmlns:p14="http://schemas.microsoft.com/office/powerpoint/2010/main" xmlns="" val="1387783183"/>
+        <p14:creationId xmlns="" xmlns:p14="http://schemas.microsoft.com/office/powerpoint/2010/main" val="1387783183"/>
       </p:ext>
     </p:extLst>
   </p:cSld>
@@ -785,7 +796,7 @@
     </p:spTree>
     <p:extLst>
       <p:ext uri="{BB962C8B-B14F-4D97-AF65-F5344CB8AC3E}">
-        <p14:creationId xmlns:p14="http://schemas.microsoft.com/office/powerpoint/2010/main" xmlns="" val="3842955324"/>
+        <p14:creationId xmlns="" xmlns:p14="http://schemas.microsoft.com/office/powerpoint/2010/main" val="3842955324"/>
       </p:ext>
     </p:extLst>
   </p:cSld>
@@ -871,7 +882,7 @@
     </p:spTree>
     <p:extLst>
       <p:ext uri="{BB962C8B-B14F-4D97-AF65-F5344CB8AC3E}">
-        <p14:creationId xmlns:p14="http://schemas.microsoft.com/office/powerpoint/2010/main" xmlns="" val="2000366706"/>
+        <p14:creationId xmlns="" xmlns:p14="http://schemas.microsoft.com/office/powerpoint/2010/main" val="2000366706"/>
       </p:ext>
     </p:extLst>
   </p:cSld>
@@ -957,7 +968,7 @@
     </p:spTree>
     <p:extLst>
       <p:ext uri="{BB962C8B-B14F-4D97-AF65-F5344CB8AC3E}">
-        <p14:creationId xmlns:p14="http://schemas.microsoft.com/office/powerpoint/2010/main" xmlns="" val="719930975"/>
+        <p14:creationId xmlns="" xmlns:p14="http://schemas.microsoft.com/office/powerpoint/2010/main" val="719930975"/>
       </p:ext>
     </p:extLst>
   </p:cSld>
@@ -1043,7 +1054,7 @@
     </p:spTree>
     <p:extLst>
       <p:ext uri="{BB962C8B-B14F-4D97-AF65-F5344CB8AC3E}">
-        <p14:creationId xmlns:p14="http://schemas.microsoft.com/office/powerpoint/2010/main" xmlns="" val="1834207776"/>
+        <p14:creationId xmlns="" xmlns:p14="http://schemas.microsoft.com/office/powerpoint/2010/main" val="1834207776"/>
       </p:ext>
     </p:extLst>
   </p:cSld>
@@ -1129,7 +1140,7 @@
     </p:spTree>
     <p:extLst>
       <p:ext uri="{BB962C8B-B14F-4D97-AF65-F5344CB8AC3E}">
-        <p14:creationId xmlns:p14="http://schemas.microsoft.com/office/powerpoint/2010/main" xmlns="" val="77374246"/>
+        <p14:creationId xmlns="" xmlns:p14="http://schemas.microsoft.com/office/powerpoint/2010/main" val="77374246"/>
       </p:ext>
     </p:extLst>
   </p:cSld>
@@ -1215,7 +1226,7 @@
     </p:spTree>
     <p:extLst>
       <p:ext uri="{BB962C8B-B14F-4D97-AF65-F5344CB8AC3E}">
-        <p14:creationId xmlns:p14="http://schemas.microsoft.com/office/powerpoint/2010/main" xmlns="" val="952584841"/>
+        <p14:creationId xmlns="" xmlns:p14="http://schemas.microsoft.com/office/powerpoint/2010/main" val="952584841"/>
       </p:ext>
     </p:extLst>
   </p:cSld>
@@ -1301,7 +1312,7 @@
     </p:spTree>
     <p:extLst>
       <p:ext uri="{BB962C8B-B14F-4D97-AF65-F5344CB8AC3E}">
-        <p14:creationId xmlns:p14="http://schemas.microsoft.com/office/powerpoint/2010/main" xmlns="" val="745069816"/>
+        <p14:creationId xmlns="" xmlns:p14="http://schemas.microsoft.com/office/powerpoint/2010/main" val="745069816"/>
       </p:ext>
     </p:extLst>
   </p:cSld>
@@ -1387,7 +1398,7 @@
     </p:spTree>
     <p:extLst>
       <p:ext uri="{BB962C8B-B14F-4D97-AF65-F5344CB8AC3E}">
-        <p14:creationId xmlns:p14="http://schemas.microsoft.com/office/powerpoint/2010/main" xmlns="" val="1366984130"/>
+        <p14:creationId xmlns="" xmlns:p14="http://schemas.microsoft.com/office/powerpoint/2010/main" val="1366984130"/>
       </p:ext>
     </p:extLst>
   </p:cSld>
@@ -1473,7 +1484,7 @@
     </p:spTree>
     <p:extLst>
       <p:ext uri="{BB962C8B-B14F-4D97-AF65-F5344CB8AC3E}">
-        <p14:creationId xmlns:p14="http://schemas.microsoft.com/office/powerpoint/2010/main" xmlns="" val="3054411599"/>
+        <p14:creationId xmlns="" xmlns:p14="http://schemas.microsoft.com/office/powerpoint/2010/main" val="3054411599"/>
       </p:ext>
     </p:extLst>
   </p:cSld>
@@ -1559,7 +1570,7 @@
     </p:spTree>
     <p:extLst>
       <p:ext uri="{BB962C8B-B14F-4D97-AF65-F5344CB8AC3E}">
-        <p14:creationId xmlns:p14="http://schemas.microsoft.com/office/powerpoint/2010/main" xmlns="" val="579736977"/>
+        <p14:creationId xmlns="" xmlns:p14="http://schemas.microsoft.com/office/powerpoint/2010/main" val="579736977"/>
       </p:ext>
     </p:extLst>
   </p:cSld>
@@ -1645,7 +1656,7 @@
     </p:spTree>
     <p:extLst>
       <p:ext uri="{BB962C8B-B14F-4D97-AF65-F5344CB8AC3E}">
-        <p14:creationId xmlns:p14="http://schemas.microsoft.com/office/powerpoint/2010/main" xmlns="" val="3760930360"/>
+        <p14:creationId xmlns="" xmlns:p14="http://schemas.microsoft.com/office/powerpoint/2010/main" val="3760930360"/>
       </p:ext>
     </p:extLst>
   </p:cSld>
@@ -1684,7 +1695,7 @@
           <a:blip r:embed="rId2">
             <a:extLst>
               <a:ext uri="{28A0092B-C50C-407E-A947-70E740481C1C}">
-                <a14:useLocalDpi xmlns:a14="http://schemas.microsoft.com/office/drawing/2010/main" xmlns="" val="0"/>
+                <a14:useLocalDpi xmlns="" xmlns:a14="http://schemas.microsoft.com/office/drawing/2010/main" val="0"/>
               </a:ext>
             </a:extLst>
           </a:blip>
@@ -1892,7 +1903,7 @@
     </p:spTree>
     <p:extLst>
       <p:ext uri="{BB962C8B-B14F-4D97-AF65-F5344CB8AC3E}">
-        <p14:creationId xmlns:p14="http://schemas.microsoft.com/office/powerpoint/2010/main" xmlns="" val="2850544477"/>
+        <p14:creationId xmlns="" xmlns:p14="http://schemas.microsoft.com/office/powerpoint/2010/main" val="2850544477"/>
       </p:ext>
     </p:extLst>
   </p:cSld>
@@ -2156,7 +2167,7 @@
     </p:spTree>
     <p:extLst>
       <p:ext uri="{BB962C8B-B14F-4D97-AF65-F5344CB8AC3E}">
-        <p14:creationId xmlns:p14="http://schemas.microsoft.com/office/powerpoint/2010/main" xmlns="" val="275651329"/>
+        <p14:creationId xmlns="" xmlns:p14="http://schemas.microsoft.com/office/powerpoint/2010/main" val="275651329"/>
       </p:ext>
     </p:extLst>
   </p:cSld>
@@ -2196,7 +2207,7 @@
           <a:blip r:embed="rId2">
             <a:extLst>
               <a:ext uri="{28A0092B-C50C-407E-A947-70E740481C1C}">
-                <a14:useLocalDpi xmlns:a14="http://schemas.microsoft.com/office/drawing/2010/main" xmlns="" val="0"/>
+                <a14:useLocalDpi xmlns="" xmlns:a14="http://schemas.microsoft.com/office/drawing/2010/main" val="0"/>
               </a:ext>
             </a:extLst>
           </a:blip>
@@ -2404,7 +2415,7 @@
     </p:spTree>
     <p:extLst>
       <p:ext uri="{BB962C8B-B14F-4D97-AF65-F5344CB8AC3E}">
-        <p14:creationId xmlns:p14="http://schemas.microsoft.com/office/powerpoint/2010/main" xmlns="" val="3303284895"/>
+        <p14:creationId xmlns="" xmlns:p14="http://schemas.microsoft.com/office/powerpoint/2010/main" val="3303284895"/>
       </p:ext>
     </p:extLst>
   </p:cSld>
@@ -2444,7 +2455,7 @@
           <a:blip r:embed="rId2">
             <a:extLst>
               <a:ext uri="{28A0092B-C50C-407E-A947-70E740481C1C}">
-                <a14:useLocalDpi xmlns:a14="http://schemas.microsoft.com/office/drawing/2010/main" xmlns="" val="0"/>
+                <a14:useLocalDpi xmlns="" xmlns:a14="http://schemas.microsoft.com/office/drawing/2010/main" val="0"/>
               </a:ext>
             </a:extLst>
           </a:blip>
@@ -2953,7 +2964,7 @@
     </p:spTree>
     <p:extLst>
       <p:ext uri="{BB962C8B-B14F-4D97-AF65-F5344CB8AC3E}">
-        <p14:creationId xmlns:p14="http://schemas.microsoft.com/office/powerpoint/2010/main" xmlns="" val="1587108156"/>
+        <p14:creationId xmlns="" xmlns:p14="http://schemas.microsoft.com/office/powerpoint/2010/main" val="1587108156"/>
       </p:ext>
     </p:extLst>
   </p:cSld>
@@ -2993,7 +3004,7 @@
           <a:blip r:embed="rId2">
             <a:extLst>
               <a:ext uri="{28A0092B-C50C-407E-A947-70E740481C1C}">
-                <a14:useLocalDpi xmlns:a14="http://schemas.microsoft.com/office/drawing/2010/main" xmlns="" val="0"/>
+                <a14:useLocalDpi xmlns="" xmlns:a14="http://schemas.microsoft.com/office/drawing/2010/main" val="0"/>
               </a:ext>
             </a:extLst>
           </a:blip>
@@ -3201,7 +3212,7 @@
     </p:spTree>
     <p:extLst>
       <p:ext uri="{BB962C8B-B14F-4D97-AF65-F5344CB8AC3E}">
-        <p14:creationId xmlns:p14="http://schemas.microsoft.com/office/powerpoint/2010/main" xmlns="" val="3011158932"/>
+        <p14:creationId xmlns="" xmlns:p14="http://schemas.microsoft.com/office/powerpoint/2010/main" val="3011158932"/>
       </p:ext>
     </p:extLst>
   </p:cSld>
@@ -3745,7 +3756,7 @@
     </p:spTree>
     <p:extLst>
       <p:ext uri="{BB962C8B-B14F-4D97-AF65-F5344CB8AC3E}">
-        <p14:creationId xmlns:p14="http://schemas.microsoft.com/office/powerpoint/2010/main" xmlns="" val="2264619627"/>
+        <p14:creationId xmlns="" xmlns:p14="http://schemas.microsoft.com/office/powerpoint/2010/main" val="2264619627"/>
       </p:ext>
     </p:extLst>
   </p:cSld>
@@ -4526,7 +4537,7 @@
     </p:spTree>
     <p:extLst>
       <p:ext uri="{BB962C8B-B14F-4D97-AF65-F5344CB8AC3E}">
-        <p14:creationId xmlns:p14="http://schemas.microsoft.com/office/powerpoint/2010/main" xmlns="" val="1909033270"/>
+        <p14:creationId xmlns="" xmlns:p14="http://schemas.microsoft.com/office/powerpoint/2010/main" val="1909033270"/>
       </p:ext>
     </p:extLst>
   </p:cSld>
@@ -4708,7 +4719,7 @@
     </p:spTree>
     <p:extLst>
       <p:ext uri="{BB962C8B-B14F-4D97-AF65-F5344CB8AC3E}">
-        <p14:creationId xmlns:p14="http://schemas.microsoft.com/office/powerpoint/2010/main" xmlns="" val="2595505593"/>
+        <p14:creationId xmlns="" xmlns:p14="http://schemas.microsoft.com/office/powerpoint/2010/main" val="2595505593"/>
       </p:ext>
     </p:extLst>
   </p:cSld>
@@ -4748,7 +4759,7 @@
           <a:blip r:embed="rId2">
             <a:extLst>
               <a:ext uri="{28A0092B-C50C-407E-A947-70E740481C1C}">
-                <a14:useLocalDpi xmlns:a14="http://schemas.microsoft.com/office/drawing/2010/main" xmlns="" val="0"/>
+                <a14:useLocalDpi xmlns="" xmlns:a14="http://schemas.microsoft.com/office/drawing/2010/main" val="0"/>
               </a:ext>
             </a:extLst>
           </a:blip>
@@ -4948,7 +4959,7 @@
     </p:spTree>
     <p:extLst>
       <p:ext uri="{BB962C8B-B14F-4D97-AF65-F5344CB8AC3E}">
-        <p14:creationId xmlns:p14="http://schemas.microsoft.com/office/powerpoint/2010/main" xmlns="" val="3185133540"/>
+        <p14:creationId xmlns="" xmlns:p14="http://schemas.microsoft.com/office/powerpoint/2010/main" val="3185133540"/>
       </p:ext>
     </p:extLst>
   </p:cSld>
@@ -4989,7 +5000,7 @@
           <p:cNvPr id="14" name="Titolo 1">
             <a:extLst>
               <a:ext uri="{FF2B5EF4-FFF2-40B4-BE49-F238E27FC236}">
-                <a16:creationId xmlns:a16="http://schemas.microsoft.com/office/drawing/2014/main" xmlns="" id="{42ACEF30-0520-40B3-A1F1-F3D2530563D6}"/>
+                <a16:creationId xmlns="" xmlns:a16="http://schemas.microsoft.com/office/drawing/2014/main" id="{42ACEF30-0520-40B3-A1F1-F3D2530563D6}"/>
               </a:ext>
             </a:extLst>
           </p:cNvPr>
@@ -5039,7 +5050,7 @@
           <p:cNvPr id="15" name="Segnaposto testo 15">
             <a:extLst>
               <a:ext uri="{FF2B5EF4-FFF2-40B4-BE49-F238E27FC236}">
-                <a16:creationId xmlns:a16="http://schemas.microsoft.com/office/drawing/2014/main" xmlns="" id="{A1FB681F-A94D-4BF8-8290-0811E98D49D4}"/>
+                <a16:creationId xmlns="" xmlns:a16="http://schemas.microsoft.com/office/drawing/2014/main" id="{A1FB681F-A94D-4BF8-8290-0811E98D49D4}"/>
               </a:ext>
             </a:extLst>
           </p:cNvPr>
@@ -5090,7 +5101,7 @@
           <p:cNvPr id="17" name="Segnaposto testo 18">
             <a:extLst>
               <a:ext uri="{FF2B5EF4-FFF2-40B4-BE49-F238E27FC236}">
-                <a16:creationId xmlns:a16="http://schemas.microsoft.com/office/drawing/2014/main" xmlns="" id="{61E8C129-EF62-46A8-97F3-3CB5D014FBDD}"/>
+                <a16:creationId xmlns="" xmlns:a16="http://schemas.microsoft.com/office/drawing/2014/main" id="{61E8C129-EF62-46A8-97F3-3CB5D014FBDD}"/>
               </a:ext>
             </a:extLst>
           </p:cNvPr>
@@ -5142,7 +5153,7 @@
           <p:cNvPr id="31" name="Segnaposto testo 15">
             <a:extLst>
               <a:ext uri="{FF2B5EF4-FFF2-40B4-BE49-F238E27FC236}">
-                <a16:creationId xmlns:a16="http://schemas.microsoft.com/office/drawing/2014/main" xmlns="" id="{87DD41A9-B6B3-48D9-A3A6-831B39C9158C}"/>
+                <a16:creationId xmlns="" xmlns:a16="http://schemas.microsoft.com/office/drawing/2014/main" id="{87DD41A9-B6B3-48D9-A3A6-831B39C9158C}"/>
               </a:ext>
             </a:extLst>
           </p:cNvPr>
@@ -5202,7 +5213,7 @@
           <p:cNvPr id="32" name="Segnaposto testo 18">
             <a:extLst>
               <a:ext uri="{FF2B5EF4-FFF2-40B4-BE49-F238E27FC236}">
-                <a16:creationId xmlns:a16="http://schemas.microsoft.com/office/drawing/2014/main" xmlns="" id="{FB791E68-EDF5-4CC2-8774-A27AEF1D25E6}"/>
+                <a16:creationId xmlns="" xmlns:a16="http://schemas.microsoft.com/office/drawing/2014/main" id="{FB791E68-EDF5-4CC2-8774-A27AEF1D25E6}"/>
               </a:ext>
             </a:extLst>
           </p:cNvPr>
@@ -5254,7 +5265,7 @@
           <p:cNvPr id="33" name="Segnaposto testo 15">
             <a:extLst>
               <a:ext uri="{FF2B5EF4-FFF2-40B4-BE49-F238E27FC236}">
-                <a16:creationId xmlns:a16="http://schemas.microsoft.com/office/drawing/2014/main" xmlns="" id="{AA224F82-7E0C-4EBF-97D3-132481DBCDA9}"/>
+                <a16:creationId xmlns="" xmlns:a16="http://schemas.microsoft.com/office/drawing/2014/main" id="{AA224F82-7E0C-4EBF-97D3-132481DBCDA9}"/>
               </a:ext>
             </a:extLst>
           </p:cNvPr>
@@ -5314,7 +5325,7 @@
           <p:cNvPr id="34" name="Segnaposto testo 18">
             <a:extLst>
               <a:ext uri="{FF2B5EF4-FFF2-40B4-BE49-F238E27FC236}">
-                <a16:creationId xmlns:a16="http://schemas.microsoft.com/office/drawing/2014/main" xmlns="" id="{699D24C6-4AFB-4222-8E0C-4D11CD9C0FF7}"/>
+                <a16:creationId xmlns="" xmlns:a16="http://schemas.microsoft.com/office/drawing/2014/main" id="{699D24C6-4AFB-4222-8E0C-4D11CD9C0FF7}"/>
               </a:ext>
             </a:extLst>
           </p:cNvPr>
@@ -5366,7 +5377,7 @@
           <p:cNvPr id="12" name="Segnaposto testo 15">
             <a:extLst>
               <a:ext uri="{FF2B5EF4-FFF2-40B4-BE49-F238E27FC236}">
-                <a16:creationId xmlns:a16="http://schemas.microsoft.com/office/drawing/2014/main" xmlns="" id="{3B05E19C-DF33-4515-AC52-F95850810EC1}"/>
+                <a16:creationId xmlns="" xmlns:a16="http://schemas.microsoft.com/office/drawing/2014/main" id="{3B05E19C-DF33-4515-AC52-F95850810EC1}"/>
               </a:ext>
             </a:extLst>
           </p:cNvPr>
@@ -5426,7 +5437,7 @@
           <p:cNvPr id="13" name="Segnaposto testo 18">
             <a:extLst>
               <a:ext uri="{FF2B5EF4-FFF2-40B4-BE49-F238E27FC236}">
-                <a16:creationId xmlns:a16="http://schemas.microsoft.com/office/drawing/2014/main" xmlns="" id="{C0EBC62D-442C-45D3-B66B-C6578FBB3370}"/>
+                <a16:creationId xmlns="" xmlns:a16="http://schemas.microsoft.com/office/drawing/2014/main" id="{C0EBC62D-442C-45D3-B66B-C6578FBB3370}"/>
               </a:ext>
             </a:extLst>
           </p:cNvPr>
@@ -5478,7 +5489,7 @@
           <p:cNvPr id="3" name="Segnaposto data 2">
             <a:extLst>
               <a:ext uri="{FF2B5EF4-FFF2-40B4-BE49-F238E27FC236}">
-                <a16:creationId xmlns:a16="http://schemas.microsoft.com/office/drawing/2014/main" xmlns="" id="{98EC90C5-A811-4E5C-ADD1-A89DB4E94DAA}"/>
+                <a16:creationId xmlns="" xmlns:a16="http://schemas.microsoft.com/office/drawing/2014/main" id="{98EC90C5-A811-4E5C-ADD1-A89DB4E94DAA}"/>
               </a:ext>
             </a:extLst>
           </p:cNvPr>
@@ -5507,7 +5518,7 @@
           <p:cNvPr id="4" name="Segnaposto piè di pagina 3">
             <a:extLst>
               <a:ext uri="{FF2B5EF4-FFF2-40B4-BE49-F238E27FC236}">
-                <a16:creationId xmlns:a16="http://schemas.microsoft.com/office/drawing/2014/main" xmlns="" id="{3356B621-AE19-45D3-B25F-23256C242DDD}"/>
+                <a16:creationId xmlns="" xmlns:a16="http://schemas.microsoft.com/office/drawing/2014/main" id="{3356B621-AE19-45D3-B25F-23256C242DDD}"/>
               </a:ext>
             </a:extLst>
           </p:cNvPr>
@@ -5536,7 +5547,7 @@
           <p:cNvPr id="5" name="Segnaposto numero diapositiva 4">
             <a:extLst>
               <a:ext uri="{FF2B5EF4-FFF2-40B4-BE49-F238E27FC236}">
-                <a16:creationId xmlns:a16="http://schemas.microsoft.com/office/drawing/2014/main" xmlns="" id="{158BDCB2-D8C3-4571-8154-76BEA9AE41A8}"/>
+                <a16:creationId xmlns="" xmlns:a16="http://schemas.microsoft.com/office/drawing/2014/main" id="{158BDCB2-D8C3-4571-8154-76BEA9AE41A8}"/>
               </a:ext>
             </a:extLst>
           </p:cNvPr>
@@ -5567,10 +5578,10 @@
           <p:cNvPr id="2" name="Connettore diritto 1">
             <a:extLst>
               <a:ext uri="{FF2B5EF4-FFF2-40B4-BE49-F238E27FC236}">
-                <a16:creationId xmlns:a16="http://schemas.microsoft.com/office/drawing/2014/main" xmlns="" id="{9298DCF7-7DC1-4618-8133-F63847B0AFE2}"/>
+                <a16:creationId xmlns="" xmlns:a16="http://schemas.microsoft.com/office/drawing/2014/main" id="{9298DCF7-7DC1-4618-8133-F63847B0AFE2}"/>
               </a:ext>
               <a:ext uri="{C183D7F6-B498-43B3-948B-1728B52AA6E4}">
-                <adec:decorative xmlns:adec="http://schemas.microsoft.com/office/drawing/2017/decorative" xmlns="" val="1"/>
+                <adec:decorative xmlns="" xmlns:adec="http://schemas.microsoft.com/office/drawing/2017/decorative" val="1"/>
               </a:ext>
             </a:extLst>
           </p:cNvPr>
@@ -5608,10 +5619,10 @@
           <p:cNvPr id="6" name="Connettore diritto 5">
             <a:extLst>
               <a:ext uri="{FF2B5EF4-FFF2-40B4-BE49-F238E27FC236}">
-                <a16:creationId xmlns:a16="http://schemas.microsoft.com/office/drawing/2014/main" xmlns="" id="{653A6567-233D-4A3B-B52B-DE7E5E35A175}"/>
+                <a16:creationId xmlns="" xmlns:a16="http://schemas.microsoft.com/office/drawing/2014/main" id="{653A6567-233D-4A3B-B52B-DE7E5E35A175}"/>
               </a:ext>
               <a:ext uri="{C183D7F6-B498-43B3-948B-1728B52AA6E4}">
-                <adec:decorative xmlns:adec="http://schemas.microsoft.com/office/drawing/2017/decorative" xmlns="" val="1"/>
+                <adec:decorative xmlns="" xmlns:adec="http://schemas.microsoft.com/office/drawing/2017/decorative" val="1"/>
               </a:ext>
             </a:extLst>
           </p:cNvPr>
@@ -5649,10 +5660,10 @@
           <p:cNvPr id="7" name="Elemento grafico 6">
             <a:extLst>
               <a:ext uri="{FF2B5EF4-FFF2-40B4-BE49-F238E27FC236}">
-                <a16:creationId xmlns:a16="http://schemas.microsoft.com/office/drawing/2014/main" xmlns="" id="{64D564EB-CA78-42C6-AD76-3C4E7B3AEA8D}"/>
+                <a16:creationId xmlns="" xmlns:a16="http://schemas.microsoft.com/office/drawing/2014/main" id="{64D564EB-CA78-42C6-AD76-3C4E7B3AEA8D}"/>
               </a:ext>
               <a:ext uri="{C183D7F6-B498-43B3-948B-1728B52AA6E4}">
-                <adec:decorative xmlns:adec="http://schemas.microsoft.com/office/drawing/2017/decorative" xmlns="" val="1"/>
+                <adec:decorative xmlns="" xmlns:adec="http://schemas.microsoft.com/office/drawing/2017/decorative" val="1"/>
               </a:ext>
             </a:extLst>
           </p:cNvPr>
@@ -5665,7 +5676,7 @@
           <a:blip r:embed="rId2">
             <a:extLst>
               <a:ext uri="{96DAC541-7B7A-43D3-8B79-37D633B846F1}">
-                <asvg:svgBlip xmlns:asvg="http://schemas.microsoft.com/office/drawing/2016/SVG/main" xmlns="" r:embed="rId3"/>
+                <asvg:svgBlip xmlns="" xmlns:asvg="http://schemas.microsoft.com/office/drawing/2016/SVG/main" r:embed="rId3"/>
               </a:ext>
             </a:extLst>
           </a:blip>
@@ -5688,10 +5699,10 @@
           <p:cNvPr id="8" name="Elemento grafico 7">
             <a:extLst>
               <a:ext uri="{FF2B5EF4-FFF2-40B4-BE49-F238E27FC236}">
-                <a16:creationId xmlns:a16="http://schemas.microsoft.com/office/drawing/2014/main" xmlns="" id="{1CFFBB3A-BDCF-4878-8D04-E8BB9A050E71}"/>
+                <a16:creationId xmlns="" xmlns:a16="http://schemas.microsoft.com/office/drawing/2014/main" id="{1CFFBB3A-BDCF-4878-8D04-E8BB9A050E71}"/>
               </a:ext>
               <a:ext uri="{C183D7F6-B498-43B3-948B-1728B52AA6E4}">
-                <adec:decorative xmlns:adec="http://schemas.microsoft.com/office/drawing/2017/decorative" xmlns="" val="1"/>
+                <adec:decorative xmlns="" xmlns:adec="http://schemas.microsoft.com/office/drawing/2017/decorative" val="1"/>
               </a:ext>
             </a:extLst>
           </p:cNvPr>
@@ -5704,7 +5715,7 @@
           <a:blip r:embed="rId4">
             <a:extLst>
               <a:ext uri="{96DAC541-7B7A-43D3-8B79-37D633B846F1}">
-                <asvg:svgBlip xmlns:asvg="http://schemas.microsoft.com/office/drawing/2016/SVG/main" xmlns="" r:embed="rId5"/>
+                <asvg:svgBlip xmlns="" xmlns:asvg="http://schemas.microsoft.com/office/drawing/2016/SVG/main" r:embed="rId5"/>
               </a:ext>
             </a:extLst>
           </a:blip>
@@ -5725,7 +5736,7 @@
     </p:spTree>
     <p:extLst>
       <p:ext uri="{BB962C8B-B14F-4D97-AF65-F5344CB8AC3E}">
-        <p14:creationId xmlns:p14="http://schemas.microsoft.com/office/powerpoint/2010/main" xmlns="" val="2617525356"/>
+        <p14:creationId xmlns="" xmlns:p14="http://schemas.microsoft.com/office/powerpoint/2010/main" val="2617525356"/>
       </p:ext>
     </p:extLst>
   </p:cSld>
@@ -5765,7 +5776,7 @@
           <p:cNvPr id="14" name="Titolo 1">
             <a:extLst>
               <a:ext uri="{FF2B5EF4-FFF2-40B4-BE49-F238E27FC236}">
-                <a16:creationId xmlns:a16="http://schemas.microsoft.com/office/drawing/2014/main" xmlns="" id="{42ACEF30-0520-40B3-A1F1-F3D2530563D6}"/>
+                <a16:creationId xmlns="" xmlns:a16="http://schemas.microsoft.com/office/drawing/2014/main" id="{42ACEF30-0520-40B3-A1F1-F3D2530563D6}"/>
               </a:ext>
             </a:extLst>
           </p:cNvPr>
@@ -5815,7 +5826,7 @@
           <p:cNvPr id="15" name="Segnaposto testo 15">
             <a:extLst>
               <a:ext uri="{FF2B5EF4-FFF2-40B4-BE49-F238E27FC236}">
-                <a16:creationId xmlns:a16="http://schemas.microsoft.com/office/drawing/2014/main" xmlns="" id="{A1FB681F-A94D-4BF8-8290-0811E98D49D4}"/>
+                <a16:creationId xmlns="" xmlns:a16="http://schemas.microsoft.com/office/drawing/2014/main" id="{A1FB681F-A94D-4BF8-8290-0811E98D49D4}"/>
               </a:ext>
             </a:extLst>
           </p:cNvPr>
@@ -5866,7 +5877,7 @@
           <p:cNvPr id="17" name="Segnaposto testo 18">
             <a:extLst>
               <a:ext uri="{FF2B5EF4-FFF2-40B4-BE49-F238E27FC236}">
-                <a16:creationId xmlns:a16="http://schemas.microsoft.com/office/drawing/2014/main" xmlns="" id="{61E8C129-EF62-46A8-97F3-3CB5D014FBDD}"/>
+                <a16:creationId xmlns="" xmlns:a16="http://schemas.microsoft.com/office/drawing/2014/main" id="{61E8C129-EF62-46A8-97F3-3CB5D014FBDD}"/>
               </a:ext>
             </a:extLst>
           </p:cNvPr>
@@ -5918,7 +5929,7 @@
           <p:cNvPr id="16" name="Segnaposto testo 15">
             <a:extLst>
               <a:ext uri="{FF2B5EF4-FFF2-40B4-BE49-F238E27FC236}">
-                <a16:creationId xmlns:a16="http://schemas.microsoft.com/office/drawing/2014/main" xmlns="" id="{07D6A00C-D56B-4E8B-B992-7DA51D3C7261}"/>
+                <a16:creationId xmlns="" xmlns:a16="http://schemas.microsoft.com/office/drawing/2014/main" id="{07D6A00C-D56B-4E8B-B992-7DA51D3C7261}"/>
               </a:ext>
             </a:extLst>
           </p:cNvPr>
@@ -5969,7 +5980,7 @@
           <p:cNvPr id="18" name="Segnaposto testo 18">
             <a:extLst>
               <a:ext uri="{FF2B5EF4-FFF2-40B4-BE49-F238E27FC236}">
-                <a16:creationId xmlns:a16="http://schemas.microsoft.com/office/drawing/2014/main" xmlns="" id="{DA90DA32-7E6A-4713-BDC9-73910E2A0E68}"/>
+                <a16:creationId xmlns="" xmlns:a16="http://schemas.microsoft.com/office/drawing/2014/main" id="{DA90DA32-7E6A-4713-BDC9-73910E2A0E68}"/>
               </a:ext>
             </a:extLst>
           </p:cNvPr>
@@ -6021,7 +6032,7 @@
           <p:cNvPr id="19" name="Segnaposto testo 15">
             <a:extLst>
               <a:ext uri="{FF2B5EF4-FFF2-40B4-BE49-F238E27FC236}">
-                <a16:creationId xmlns:a16="http://schemas.microsoft.com/office/drawing/2014/main" xmlns="" id="{D7E57261-C874-4DFD-AF7D-F9EC50B3BFD0}"/>
+                <a16:creationId xmlns="" xmlns:a16="http://schemas.microsoft.com/office/drawing/2014/main" id="{D7E57261-C874-4DFD-AF7D-F9EC50B3BFD0}"/>
               </a:ext>
             </a:extLst>
           </p:cNvPr>
@@ -6072,7 +6083,7 @@
           <p:cNvPr id="20" name="Segnaposto testo 18">
             <a:extLst>
               <a:ext uri="{FF2B5EF4-FFF2-40B4-BE49-F238E27FC236}">
-                <a16:creationId xmlns:a16="http://schemas.microsoft.com/office/drawing/2014/main" xmlns="" id="{843F77CE-098F-4777-8C30-5CEE7954D140}"/>
+                <a16:creationId xmlns="" xmlns:a16="http://schemas.microsoft.com/office/drawing/2014/main" id="{843F77CE-098F-4777-8C30-5CEE7954D140}"/>
               </a:ext>
             </a:extLst>
           </p:cNvPr>
@@ -6124,7 +6135,7 @@
           <p:cNvPr id="23" name="Segnaposto testo 15">
             <a:extLst>
               <a:ext uri="{FF2B5EF4-FFF2-40B4-BE49-F238E27FC236}">
-                <a16:creationId xmlns:a16="http://schemas.microsoft.com/office/drawing/2014/main" xmlns="" id="{4CAE269A-B6AB-42A6-9575-6057FA25A29E}"/>
+                <a16:creationId xmlns="" xmlns:a16="http://schemas.microsoft.com/office/drawing/2014/main" id="{4CAE269A-B6AB-42A6-9575-6057FA25A29E}"/>
               </a:ext>
             </a:extLst>
           </p:cNvPr>
@@ -6175,7 +6186,7 @@
           <p:cNvPr id="24" name="Segnaposto testo 18">
             <a:extLst>
               <a:ext uri="{FF2B5EF4-FFF2-40B4-BE49-F238E27FC236}">
-                <a16:creationId xmlns:a16="http://schemas.microsoft.com/office/drawing/2014/main" xmlns="" id="{46866A49-A3A8-4869-961C-EB41F6BC7843}"/>
+                <a16:creationId xmlns="" xmlns:a16="http://schemas.microsoft.com/office/drawing/2014/main" id="{46866A49-A3A8-4869-961C-EB41F6BC7843}"/>
               </a:ext>
             </a:extLst>
           </p:cNvPr>
@@ -6227,7 +6238,7 @@
           <p:cNvPr id="3" name="Segnaposto data 2">
             <a:extLst>
               <a:ext uri="{FF2B5EF4-FFF2-40B4-BE49-F238E27FC236}">
-                <a16:creationId xmlns:a16="http://schemas.microsoft.com/office/drawing/2014/main" xmlns="" id="{98EC90C5-A811-4E5C-ADD1-A89DB4E94DAA}"/>
+                <a16:creationId xmlns="" xmlns:a16="http://schemas.microsoft.com/office/drawing/2014/main" id="{98EC90C5-A811-4E5C-ADD1-A89DB4E94DAA}"/>
               </a:ext>
             </a:extLst>
           </p:cNvPr>
@@ -6265,7 +6276,7 @@
           <p:cNvPr id="4" name="Segnaposto piè di pagina 3">
             <a:extLst>
               <a:ext uri="{FF2B5EF4-FFF2-40B4-BE49-F238E27FC236}">
-                <a16:creationId xmlns:a16="http://schemas.microsoft.com/office/drawing/2014/main" xmlns="" id="{3356B621-AE19-45D3-B25F-23256C242DDD}"/>
+                <a16:creationId xmlns="" xmlns:a16="http://schemas.microsoft.com/office/drawing/2014/main" id="{3356B621-AE19-45D3-B25F-23256C242DDD}"/>
               </a:ext>
             </a:extLst>
           </p:cNvPr>
@@ -6303,7 +6314,7 @@
           <p:cNvPr id="5" name="Segnaposto numero diapositiva 4">
             <a:extLst>
               <a:ext uri="{FF2B5EF4-FFF2-40B4-BE49-F238E27FC236}">
-                <a16:creationId xmlns:a16="http://schemas.microsoft.com/office/drawing/2014/main" xmlns="" id="{158BDCB2-D8C3-4571-8154-76BEA9AE41A8}"/>
+                <a16:creationId xmlns="" xmlns:a16="http://schemas.microsoft.com/office/drawing/2014/main" id="{158BDCB2-D8C3-4571-8154-76BEA9AE41A8}"/>
               </a:ext>
             </a:extLst>
           </p:cNvPr>
@@ -6343,10 +6354,10 @@
           <p:cNvPr id="2" name="Elemento grafico 1">
             <a:extLst>
               <a:ext uri="{FF2B5EF4-FFF2-40B4-BE49-F238E27FC236}">
-                <a16:creationId xmlns:a16="http://schemas.microsoft.com/office/drawing/2014/main" xmlns="" id="{6D8D9106-8780-461D-9091-E074B0A3C956}"/>
+                <a16:creationId xmlns="" xmlns:a16="http://schemas.microsoft.com/office/drawing/2014/main" id="{6D8D9106-8780-461D-9091-E074B0A3C956}"/>
               </a:ext>
               <a:ext uri="{C183D7F6-B498-43B3-948B-1728B52AA6E4}">
-                <adec:decorative xmlns:adec="http://schemas.microsoft.com/office/drawing/2017/decorative" xmlns="" val="1"/>
+                <adec:decorative xmlns="" xmlns:adec="http://schemas.microsoft.com/office/drawing/2017/decorative" val="1"/>
               </a:ext>
             </a:extLst>
           </p:cNvPr>
@@ -6359,7 +6370,7 @@
           <a:blip r:embed="rId2">
             <a:extLst>
               <a:ext uri="{96DAC541-7B7A-43D3-8B79-37D633B846F1}">
-                <asvg:svgBlip xmlns:asvg="http://schemas.microsoft.com/office/drawing/2016/SVG/main" xmlns="" r:embed="rId3"/>
+                <asvg:svgBlip xmlns="" xmlns:asvg="http://schemas.microsoft.com/office/drawing/2016/SVG/main" r:embed="rId3"/>
               </a:ext>
             </a:extLst>
           </a:blip>
@@ -6379,7 +6390,7 @@
     </p:spTree>
     <p:extLst>
       <p:ext uri="{BB962C8B-B14F-4D97-AF65-F5344CB8AC3E}">
-        <p14:creationId xmlns:p14="http://schemas.microsoft.com/office/powerpoint/2010/main" xmlns="" val="3061950496"/>
+        <p14:creationId xmlns="" xmlns:p14="http://schemas.microsoft.com/office/powerpoint/2010/main" val="3061950496"/>
       </p:ext>
     </p:extLst>
   </p:cSld>
@@ -6555,7 +6566,7 @@
     </p:spTree>
     <p:extLst>
       <p:ext uri="{BB962C8B-B14F-4D97-AF65-F5344CB8AC3E}">
-        <p14:creationId xmlns:p14="http://schemas.microsoft.com/office/powerpoint/2010/main" xmlns="" val="1493449127"/>
+        <p14:creationId xmlns="" xmlns:p14="http://schemas.microsoft.com/office/powerpoint/2010/main" val="1493449127"/>
       </p:ext>
     </p:extLst>
   </p:cSld>
@@ -6596,7 +6607,7 @@
           <p:cNvPr id="2" name="Titolo 1">
             <a:extLst>
               <a:ext uri="{FF2B5EF4-FFF2-40B4-BE49-F238E27FC236}">
-                <a16:creationId xmlns:a16="http://schemas.microsoft.com/office/drawing/2014/main" xmlns="" id="{415B3628-62D7-4A6D-A79F-34DE91DBA31E}"/>
+                <a16:creationId xmlns="" xmlns:a16="http://schemas.microsoft.com/office/drawing/2014/main" id="{415B3628-62D7-4A6D-A79F-34DE91DBA31E}"/>
               </a:ext>
             </a:extLst>
           </p:cNvPr>
@@ -6643,7 +6654,7 @@
           <p:cNvPr id="5" name="Elemento grafico 4">
             <a:extLst>
               <a:ext uri="{FF2B5EF4-FFF2-40B4-BE49-F238E27FC236}">
-                <a16:creationId xmlns:a16="http://schemas.microsoft.com/office/drawing/2014/main" xmlns="" id="{F05D2CCB-CCFC-4A8A-ADA9-C1E4D13B9681}"/>
+                <a16:creationId xmlns="" xmlns:a16="http://schemas.microsoft.com/office/drawing/2014/main" id="{F05D2CCB-CCFC-4A8A-ADA9-C1E4D13B9681}"/>
               </a:ext>
             </a:extLst>
           </p:cNvPr>
@@ -6656,7 +6667,7 @@
           <a:blip r:embed="rId2">
             <a:extLst>
               <a:ext uri="{96DAC541-7B7A-43D3-8B79-37D633B846F1}">
-                <asvg:svgBlip xmlns:asvg="http://schemas.microsoft.com/office/drawing/2016/SVG/main" xmlns="" r:embed="rId3"/>
+                <asvg:svgBlip xmlns="" xmlns:asvg="http://schemas.microsoft.com/office/drawing/2016/SVG/main" r:embed="rId3"/>
               </a:ext>
             </a:extLst>
           </a:blip>
@@ -6677,7 +6688,7 @@
     </p:spTree>
     <p:extLst>
       <p:ext uri="{BB962C8B-B14F-4D97-AF65-F5344CB8AC3E}">
-        <p14:creationId xmlns:p14="http://schemas.microsoft.com/office/powerpoint/2010/main" xmlns="" val="3228668804"/>
+        <p14:creationId xmlns="" xmlns:p14="http://schemas.microsoft.com/office/powerpoint/2010/main" val="3228668804"/>
       </p:ext>
     </p:extLst>
   </p:cSld>
@@ -6709,7 +6720,7 @@
           <p:cNvPr id="7" name="Elemento grafico 6">
             <a:extLst>
               <a:ext uri="{FF2B5EF4-FFF2-40B4-BE49-F238E27FC236}">
-                <a16:creationId xmlns:a16="http://schemas.microsoft.com/office/drawing/2014/main" xmlns="" id="{AEE644D4-F9A4-4237-BD5C-4B97ABA9337E}"/>
+                <a16:creationId xmlns="" xmlns:a16="http://schemas.microsoft.com/office/drawing/2014/main" id="{AEE644D4-F9A4-4237-BD5C-4B97ABA9337E}"/>
               </a:ext>
             </a:extLst>
           </p:cNvPr>
@@ -6722,7 +6733,7 @@
           <a:blip r:embed="rId2">
             <a:extLst>
               <a:ext uri="{96DAC541-7B7A-43D3-8B79-37D633B846F1}">
-                <asvg:svgBlip xmlns:asvg="http://schemas.microsoft.com/office/drawing/2016/SVG/main" xmlns="" r:embed="rId3"/>
+                <asvg:svgBlip xmlns="" xmlns:asvg="http://schemas.microsoft.com/office/drawing/2016/SVG/main" r:embed="rId3"/>
               </a:ext>
             </a:extLst>
           </a:blip>
@@ -6745,7 +6756,7 @@
           <p:cNvPr id="2" name="Titolo 1">
             <a:extLst>
               <a:ext uri="{FF2B5EF4-FFF2-40B4-BE49-F238E27FC236}">
-                <a16:creationId xmlns:a16="http://schemas.microsoft.com/office/drawing/2014/main" xmlns="" id="{C2FF67A8-55FA-435D-A18C-96D63D22B53E}"/>
+                <a16:creationId xmlns="" xmlns:a16="http://schemas.microsoft.com/office/drawing/2014/main" id="{C2FF67A8-55FA-435D-A18C-96D63D22B53E}"/>
               </a:ext>
             </a:extLst>
           </p:cNvPr>
@@ -6795,7 +6806,7 @@
           <p:cNvPr id="9" name="Connettore diritto 8">
             <a:extLst>
               <a:ext uri="{FF2B5EF4-FFF2-40B4-BE49-F238E27FC236}">
-                <a16:creationId xmlns:a16="http://schemas.microsoft.com/office/drawing/2014/main" xmlns="" id="{BDAC7E4E-FE06-4E90-8107-6B543E5515ED}"/>
+                <a16:creationId xmlns="" xmlns:a16="http://schemas.microsoft.com/office/drawing/2014/main" id="{BDAC7E4E-FE06-4E90-8107-6B543E5515ED}"/>
               </a:ext>
             </a:extLst>
           </p:cNvPr>
@@ -6838,7 +6849,7 @@
           <p:cNvPr id="11" name="Segnaposto testo 15">
             <a:extLst>
               <a:ext uri="{FF2B5EF4-FFF2-40B4-BE49-F238E27FC236}">
-                <a16:creationId xmlns:a16="http://schemas.microsoft.com/office/drawing/2014/main" xmlns="" id="{3864668D-D640-4ABF-BB9A-D60176660F07}"/>
+                <a16:creationId xmlns="" xmlns:a16="http://schemas.microsoft.com/office/drawing/2014/main" id="{3864668D-D640-4ABF-BB9A-D60176660F07}"/>
               </a:ext>
             </a:extLst>
           </p:cNvPr>
@@ -6889,7 +6900,7 @@
           <p:cNvPr id="12" name="Segnaposto testo 18">
             <a:extLst>
               <a:ext uri="{FF2B5EF4-FFF2-40B4-BE49-F238E27FC236}">
-                <a16:creationId xmlns:a16="http://schemas.microsoft.com/office/drawing/2014/main" xmlns="" id="{2E289D5A-B06B-43D4-A3CA-3B06C4D49FDD}"/>
+                <a16:creationId xmlns="" xmlns:a16="http://schemas.microsoft.com/office/drawing/2014/main" id="{2E289D5A-B06B-43D4-A3CA-3B06C4D49FDD}"/>
               </a:ext>
             </a:extLst>
           </p:cNvPr>
@@ -6941,7 +6952,7 @@
           <p:cNvPr id="13" name="Segnaposto testo 15">
             <a:extLst>
               <a:ext uri="{FF2B5EF4-FFF2-40B4-BE49-F238E27FC236}">
-                <a16:creationId xmlns:a16="http://schemas.microsoft.com/office/drawing/2014/main" xmlns="" id="{1DCC2995-DE17-436D-82AE-6E107865CB79}"/>
+                <a16:creationId xmlns="" xmlns:a16="http://schemas.microsoft.com/office/drawing/2014/main" id="{1DCC2995-DE17-436D-82AE-6E107865CB79}"/>
               </a:ext>
             </a:extLst>
           </p:cNvPr>
@@ -6992,7 +7003,7 @@
           <p:cNvPr id="14" name="Segnaposto testo 18">
             <a:extLst>
               <a:ext uri="{FF2B5EF4-FFF2-40B4-BE49-F238E27FC236}">
-                <a16:creationId xmlns:a16="http://schemas.microsoft.com/office/drawing/2014/main" xmlns="" id="{C7E70A65-1FB1-4F42-854B-8213ED73F792}"/>
+                <a16:creationId xmlns="" xmlns:a16="http://schemas.microsoft.com/office/drawing/2014/main" id="{C7E70A65-1FB1-4F42-854B-8213ED73F792}"/>
               </a:ext>
             </a:extLst>
           </p:cNvPr>
@@ -7044,7 +7055,7 @@
           <p:cNvPr id="15" name="Segnaposto testo 15">
             <a:extLst>
               <a:ext uri="{FF2B5EF4-FFF2-40B4-BE49-F238E27FC236}">
-                <a16:creationId xmlns:a16="http://schemas.microsoft.com/office/drawing/2014/main" xmlns="" id="{45657994-DC61-4DEB-BB2B-65DFCA997AF1}"/>
+                <a16:creationId xmlns="" xmlns:a16="http://schemas.microsoft.com/office/drawing/2014/main" id="{45657994-DC61-4DEB-BB2B-65DFCA997AF1}"/>
               </a:ext>
             </a:extLst>
           </p:cNvPr>
@@ -7095,7 +7106,7 @@
           <p:cNvPr id="16" name="Segnaposto testo 18">
             <a:extLst>
               <a:ext uri="{FF2B5EF4-FFF2-40B4-BE49-F238E27FC236}">
-                <a16:creationId xmlns:a16="http://schemas.microsoft.com/office/drawing/2014/main" xmlns="" id="{18397EE2-60CD-47FD-AF8F-83A5324D9D18}"/>
+                <a16:creationId xmlns="" xmlns:a16="http://schemas.microsoft.com/office/drawing/2014/main" id="{18397EE2-60CD-47FD-AF8F-83A5324D9D18}"/>
               </a:ext>
             </a:extLst>
           </p:cNvPr>
@@ -7147,7 +7158,7 @@
           <p:cNvPr id="17" name="Segnaposto data 2">
             <a:extLst>
               <a:ext uri="{FF2B5EF4-FFF2-40B4-BE49-F238E27FC236}">
-                <a16:creationId xmlns:a16="http://schemas.microsoft.com/office/drawing/2014/main" xmlns="" id="{1E25EFF1-65C7-4F93-8740-46885C6BEA57}"/>
+                <a16:creationId xmlns="" xmlns:a16="http://schemas.microsoft.com/office/drawing/2014/main" id="{1E25EFF1-65C7-4F93-8740-46885C6BEA57}"/>
               </a:ext>
             </a:extLst>
           </p:cNvPr>
@@ -7185,7 +7196,7 @@
           <p:cNvPr id="18" name="Segnaposto piè di pagina 3">
             <a:extLst>
               <a:ext uri="{FF2B5EF4-FFF2-40B4-BE49-F238E27FC236}">
-                <a16:creationId xmlns:a16="http://schemas.microsoft.com/office/drawing/2014/main" xmlns="" id="{C16D80BF-B599-4FC0-ABD5-98777872FE5F}"/>
+                <a16:creationId xmlns="" xmlns:a16="http://schemas.microsoft.com/office/drawing/2014/main" id="{C16D80BF-B599-4FC0-ABD5-98777872FE5F}"/>
               </a:ext>
             </a:extLst>
           </p:cNvPr>
@@ -7223,7 +7234,7 @@
           <p:cNvPr id="19" name="Segnaposto numero diapositiva 4">
             <a:extLst>
               <a:ext uri="{FF2B5EF4-FFF2-40B4-BE49-F238E27FC236}">
-                <a16:creationId xmlns:a16="http://schemas.microsoft.com/office/drawing/2014/main" xmlns="" id="{F64421B1-FF90-4939-90BD-8206DE5036D0}"/>
+                <a16:creationId xmlns="" xmlns:a16="http://schemas.microsoft.com/office/drawing/2014/main" id="{F64421B1-FF90-4939-90BD-8206DE5036D0}"/>
               </a:ext>
             </a:extLst>
           </p:cNvPr>
@@ -7261,7 +7272,7 @@
     </p:spTree>
     <p:extLst>
       <p:ext uri="{BB962C8B-B14F-4D97-AF65-F5344CB8AC3E}">
-        <p14:creationId xmlns:p14="http://schemas.microsoft.com/office/powerpoint/2010/main" xmlns="" val="264798778"/>
+        <p14:creationId xmlns="" xmlns:p14="http://schemas.microsoft.com/office/powerpoint/2010/main" val="264798778"/>
       </p:ext>
     </p:extLst>
   </p:cSld>
@@ -7301,7 +7312,7 @@
           <p:cNvPr id="2" name="Titolo 1">
             <a:extLst>
               <a:ext uri="{FF2B5EF4-FFF2-40B4-BE49-F238E27FC236}">
-                <a16:creationId xmlns:a16="http://schemas.microsoft.com/office/drawing/2014/main" xmlns="" id="{81CF3B5C-31C4-46BA-9FAD-72DF917A84DA}"/>
+                <a16:creationId xmlns="" xmlns:a16="http://schemas.microsoft.com/office/drawing/2014/main" id="{81CF3B5C-31C4-46BA-9FAD-72DF917A84DA}"/>
               </a:ext>
             </a:extLst>
           </p:cNvPr>
@@ -7351,7 +7362,7 @@
           <p:cNvPr id="3" name="Segnaposto testo 2">
             <a:extLst>
               <a:ext uri="{FF2B5EF4-FFF2-40B4-BE49-F238E27FC236}">
-                <a16:creationId xmlns:a16="http://schemas.microsoft.com/office/drawing/2014/main" xmlns="" id="{B659CD1F-9DFB-4048-9B9B-2BD7D4EC6400}"/>
+                <a16:creationId xmlns="" xmlns:a16="http://schemas.microsoft.com/office/drawing/2014/main" id="{B659CD1F-9DFB-4048-9B9B-2BD7D4EC6400}"/>
               </a:ext>
             </a:extLst>
           </p:cNvPr>
@@ -7434,7 +7445,7 @@
           <p:cNvPr id="23" name="Segnaposto testo 2">
             <a:extLst>
               <a:ext uri="{FF2B5EF4-FFF2-40B4-BE49-F238E27FC236}">
-                <a16:creationId xmlns:a16="http://schemas.microsoft.com/office/drawing/2014/main" xmlns="" id="{A066E2EA-C6EA-4A02-818E-33BD582D92E7}"/>
+                <a16:creationId xmlns="" xmlns:a16="http://schemas.microsoft.com/office/drawing/2014/main" id="{A066E2EA-C6EA-4A02-818E-33BD582D92E7}"/>
               </a:ext>
             </a:extLst>
           </p:cNvPr>
@@ -7517,7 +7528,7 @@
           <p:cNvPr id="24" name="Segnaposto testo 2">
             <a:extLst>
               <a:ext uri="{FF2B5EF4-FFF2-40B4-BE49-F238E27FC236}">
-                <a16:creationId xmlns:a16="http://schemas.microsoft.com/office/drawing/2014/main" xmlns="" id="{97B9C3B0-3522-407C-B662-631E19ECC95F}"/>
+                <a16:creationId xmlns="" xmlns:a16="http://schemas.microsoft.com/office/drawing/2014/main" id="{97B9C3B0-3522-407C-B662-631E19ECC95F}"/>
               </a:ext>
             </a:extLst>
           </p:cNvPr>
@@ -7600,7 +7611,7 @@
           <p:cNvPr id="4" name="Segnaposto contenuto 3">
             <a:extLst>
               <a:ext uri="{FF2B5EF4-FFF2-40B4-BE49-F238E27FC236}">
-                <a16:creationId xmlns:a16="http://schemas.microsoft.com/office/drawing/2014/main" xmlns="" id="{AC9B20CF-6B91-4562-B799-0ABDAEBC0D2A}"/>
+                <a16:creationId xmlns="" xmlns:a16="http://schemas.microsoft.com/office/drawing/2014/main" id="{AC9B20CF-6B91-4562-B799-0ABDAEBC0D2A}"/>
               </a:ext>
             </a:extLst>
           </p:cNvPr>
@@ -7695,7 +7706,7 @@
           <p:cNvPr id="6" name="Segnaposto contenuto 5">
             <a:extLst>
               <a:ext uri="{FF2B5EF4-FFF2-40B4-BE49-F238E27FC236}">
-                <a16:creationId xmlns:a16="http://schemas.microsoft.com/office/drawing/2014/main" xmlns="" id="{B36EE64B-44BF-4634-97BC-5ED74C6DF280}"/>
+                <a16:creationId xmlns="" xmlns:a16="http://schemas.microsoft.com/office/drawing/2014/main" id="{B36EE64B-44BF-4634-97BC-5ED74C6DF280}"/>
               </a:ext>
             </a:extLst>
           </p:cNvPr>
@@ -7790,7 +7801,7 @@
           <p:cNvPr id="22" name="Segnaposto contenuto 3">
             <a:extLst>
               <a:ext uri="{FF2B5EF4-FFF2-40B4-BE49-F238E27FC236}">
-                <a16:creationId xmlns:a16="http://schemas.microsoft.com/office/drawing/2014/main" xmlns="" id="{C464A9BD-B815-4632-8F54-6EB70E48BAFF}"/>
+                <a16:creationId xmlns="" xmlns:a16="http://schemas.microsoft.com/office/drawing/2014/main" id="{C464A9BD-B815-4632-8F54-6EB70E48BAFF}"/>
               </a:ext>
             </a:extLst>
           </p:cNvPr>
@@ -7885,10 +7896,10 @@
           <p:cNvPr id="11" name="Elemento grafico 10">
             <a:extLst>
               <a:ext uri="{FF2B5EF4-FFF2-40B4-BE49-F238E27FC236}">
-                <a16:creationId xmlns:a16="http://schemas.microsoft.com/office/drawing/2014/main" xmlns="" id="{B38B0D13-BD5F-460B-B337-F4A9342026D0}"/>
+                <a16:creationId xmlns="" xmlns:a16="http://schemas.microsoft.com/office/drawing/2014/main" id="{B38B0D13-BD5F-460B-B337-F4A9342026D0}"/>
               </a:ext>
               <a:ext uri="{C183D7F6-B498-43B3-948B-1728B52AA6E4}">
-                <adec:decorative xmlns:adec="http://schemas.microsoft.com/office/drawing/2017/decorative" xmlns="" val="1"/>
+                <adec:decorative xmlns="" xmlns:adec="http://schemas.microsoft.com/office/drawing/2017/decorative" val="1"/>
               </a:ext>
             </a:extLst>
           </p:cNvPr>
@@ -7901,7 +7912,7 @@
           <a:blip r:embed="rId2">
             <a:extLst>
               <a:ext uri="{96DAC541-7B7A-43D3-8B79-37D633B846F1}">
-                <asvg:svgBlip xmlns:asvg="http://schemas.microsoft.com/office/drawing/2016/SVG/main" xmlns="" r:embed="rId3"/>
+                <asvg:svgBlip xmlns="" xmlns:asvg="http://schemas.microsoft.com/office/drawing/2016/SVG/main" r:embed="rId3"/>
               </a:ext>
             </a:extLst>
           </a:blip>
@@ -7924,10 +7935,10 @@
           <p:cNvPr id="13" name="Elemento grafico 12">
             <a:extLst>
               <a:ext uri="{FF2B5EF4-FFF2-40B4-BE49-F238E27FC236}">
-                <a16:creationId xmlns:a16="http://schemas.microsoft.com/office/drawing/2014/main" xmlns="" id="{BE72876B-D3DA-4462-9E24-3354D8D02A27}"/>
+                <a16:creationId xmlns="" xmlns:a16="http://schemas.microsoft.com/office/drawing/2014/main" id="{BE72876B-D3DA-4462-9E24-3354D8D02A27}"/>
               </a:ext>
               <a:ext uri="{C183D7F6-B498-43B3-948B-1728B52AA6E4}">
-                <adec:decorative xmlns:adec="http://schemas.microsoft.com/office/drawing/2017/decorative" xmlns="" val="1"/>
+                <adec:decorative xmlns="" xmlns:adec="http://schemas.microsoft.com/office/drawing/2017/decorative" val="1"/>
               </a:ext>
             </a:extLst>
           </p:cNvPr>
@@ -7940,7 +7951,7 @@
           <a:blip r:embed="rId4">
             <a:extLst>
               <a:ext uri="{96DAC541-7B7A-43D3-8B79-37D633B846F1}">
-                <asvg:svgBlip xmlns:asvg="http://schemas.microsoft.com/office/drawing/2016/SVG/main" xmlns="" r:embed="rId5"/>
+                <asvg:svgBlip xmlns="" xmlns:asvg="http://schemas.microsoft.com/office/drawing/2016/SVG/main" r:embed="rId5"/>
               </a:ext>
             </a:extLst>
           </a:blip>
@@ -7963,10 +7974,10 @@
           <p:cNvPr id="15" name="Elemento grafico 14">
             <a:extLst>
               <a:ext uri="{FF2B5EF4-FFF2-40B4-BE49-F238E27FC236}">
-                <a16:creationId xmlns:a16="http://schemas.microsoft.com/office/drawing/2014/main" xmlns="" id="{14A539B6-6E3F-41BA-ACE2-76E8BB651636}"/>
+                <a16:creationId xmlns="" xmlns:a16="http://schemas.microsoft.com/office/drawing/2014/main" id="{14A539B6-6E3F-41BA-ACE2-76E8BB651636}"/>
               </a:ext>
               <a:ext uri="{C183D7F6-B498-43B3-948B-1728B52AA6E4}">
-                <adec:decorative xmlns:adec="http://schemas.microsoft.com/office/drawing/2017/decorative" xmlns="" val="1"/>
+                <adec:decorative xmlns="" xmlns:adec="http://schemas.microsoft.com/office/drawing/2017/decorative" val="1"/>
               </a:ext>
             </a:extLst>
           </p:cNvPr>
@@ -7979,7 +7990,7 @@
           <a:blip r:embed="rId6">
             <a:extLst>
               <a:ext uri="{96DAC541-7B7A-43D3-8B79-37D633B846F1}">
-                <asvg:svgBlip xmlns:asvg="http://schemas.microsoft.com/office/drawing/2016/SVG/main" xmlns="" r:embed="rId7"/>
+                <asvg:svgBlip xmlns="" xmlns:asvg="http://schemas.microsoft.com/office/drawing/2016/SVG/main" r:embed="rId7"/>
               </a:ext>
             </a:extLst>
           </a:blip>
@@ -8002,7 +8013,7 @@
           <p:cNvPr id="25" name="Segnaposto contenuto 3">
             <a:extLst>
               <a:ext uri="{FF2B5EF4-FFF2-40B4-BE49-F238E27FC236}">
-                <a16:creationId xmlns:a16="http://schemas.microsoft.com/office/drawing/2014/main" xmlns="" id="{82D8880F-3EAC-45C9-91F2-19A193791A18}"/>
+                <a16:creationId xmlns="" xmlns:a16="http://schemas.microsoft.com/office/drawing/2014/main" id="{82D8880F-3EAC-45C9-91F2-19A193791A18}"/>
               </a:ext>
             </a:extLst>
           </p:cNvPr>
@@ -8097,7 +8108,7 @@
           <p:cNvPr id="26" name="Segnaposto contenuto 5">
             <a:extLst>
               <a:ext uri="{FF2B5EF4-FFF2-40B4-BE49-F238E27FC236}">
-                <a16:creationId xmlns:a16="http://schemas.microsoft.com/office/drawing/2014/main" xmlns="" id="{9019518E-E850-403D-A5B5-4B53F8C4A56B}"/>
+                <a16:creationId xmlns="" xmlns:a16="http://schemas.microsoft.com/office/drawing/2014/main" id="{9019518E-E850-403D-A5B5-4B53F8C4A56B}"/>
               </a:ext>
             </a:extLst>
           </p:cNvPr>
@@ -8199,7 +8210,7 @@
           <p:cNvPr id="27" name="Segnaposto contenuto 3">
             <a:extLst>
               <a:ext uri="{FF2B5EF4-FFF2-40B4-BE49-F238E27FC236}">
-                <a16:creationId xmlns:a16="http://schemas.microsoft.com/office/drawing/2014/main" xmlns="" id="{A8058154-45E5-403E-B714-AC85774F391F}"/>
+                <a16:creationId xmlns="" xmlns:a16="http://schemas.microsoft.com/office/drawing/2014/main" id="{A8058154-45E5-403E-B714-AC85774F391F}"/>
               </a:ext>
             </a:extLst>
           </p:cNvPr>
@@ -8294,7 +8305,7 @@
           <p:cNvPr id="7" name="Segnaposto data 6">
             <a:extLst>
               <a:ext uri="{FF2B5EF4-FFF2-40B4-BE49-F238E27FC236}">
-                <a16:creationId xmlns:a16="http://schemas.microsoft.com/office/drawing/2014/main" xmlns="" id="{F255C16C-AA88-4BBF-8040-11ECFED618E0}"/>
+                <a16:creationId xmlns="" xmlns:a16="http://schemas.microsoft.com/office/drawing/2014/main" id="{F255C16C-AA88-4BBF-8040-11ECFED618E0}"/>
               </a:ext>
             </a:extLst>
           </p:cNvPr>
@@ -8327,7 +8338,7 @@
           <p:cNvPr id="8" name="Segnaposto piè di pagina 7">
             <a:extLst>
               <a:ext uri="{FF2B5EF4-FFF2-40B4-BE49-F238E27FC236}">
-                <a16:creationId xmlns:a16="http://schemas.microsoft.com/office/drawing/2014/main" xmlns="" id="{CBE560E3-F935-488F-8F0E-191D7B6B54B8}"/>
+                <a16:creationId xmlns="" xmlns:a16="http://schemas.microsoft.com/office/drawing/2014/main" id="{CBE560E3-F935-488F-8F0E-191D7B6B54B8}"/>
               </a:ext>
             </a:extLst>
           </p:cNvPr>
@@ -8360,7 +8371,7 @@
           <p:cNvPr id="9" name="Segnaposto numero diapositiva 8">
             <a:extLst>
               <a:ext uri="{FF2B5EF4-FFF2-40B4-BE49-F238E27FC236}">
-                <a16:creationId xmlns:a16="http://schemas.microsoft.com/office/drawing/2014/main" xmlns="" id="{9B9CD8B2-CC23-467F-B0EE-2CC06D6308BD}"/>
+                <a16:creationId xmlns="" xmlns:a16="http://schemas.microsoft.com/office/drawing/2014/main" id="{9B9CD8B2-CC23-467F-B0EE-2CC06D6308BD}"/>
               </a:ext>
             </a:extLst>
           </p:cNvPr>
@@ -8393,7 +8404,7 @@
     </p:spTree>
     <p:extLst>
       <p:ext uri="{BB962C8B-B14F-4D97-AF65-F5344CB8AC3E}">
-        <p14:creationId xmlns:p14="http://schemas.microsoft.com/office/powerpoint/2010/main" xmlns="" val="1442619314"/>
+        <p14:creationId xmlns="" xmlns:p14="http://schemas.microsoft.com/office/powerpoint/2010/main" val="1442619314"/>
       </p:ext>
     </p:extLst>
   </p:cSld>
@@ -8425,10 +8436,10 @@
           <p:cNvPr id="14" name="Elemento grafico 13">
             <a:extLst>
               <a:ext uri="{FF2B5EF4-FFF2-40B4-BE49-F238E27FC236}">
-                <a16:creationId xmlns:a16="http://schemas.microsoft.com/office/drawing/2014/main" xmlns="" id="{AE202E03-5C65-4305-B969-65220AD41002}"/>
+                <a16:creationId xmlns="" xmlns:a16="http://schemas.microsoft.com/office/drawing/2014/main" id="{AE202E03-5C65-4305-B969-65220AD41002}"/>
               </a:ext>
               <a:ext uri="{C183D7F6-B498-43B3-948B-1728B52AA6E4}">
-                <adec:decorative xmlns:adec="http://schemas.microsoft.com/office/drawing/2017/decorative" xmlns="" val="1"/>
+                <adec:decorative xmlns="" xmlns:adec="http://schemas.microsoft.com/office/drawing/2017/decorative" val="1"/>
               </a:ext>
             </a:extLst>
           </p:cNvPr>
@@ -8441,7 +8452,7 @@
           <a:blip r:embed="rId2">
             <a:extLst>
               <a:ext uri="{96DAC541-7B7A-43D3-8B79-37D633B846F1}">
-                <asvg:svgBlip xmlns:asvg="http://schemas.microsoft.com/office/drawing/2016/SVG/main" xmlns="" r:embed="rId3"/>
+                <asvg:svgBlip xmlns="" xmlns:asvg="http://schemas.microsoft.com/office/drawing/2016/SVG/main" r:embed="rId3"/>
               </a:ext>
             </a:extLst>
           </a:blip>
@@ -8506,7 +8517,7 @@
           <p:cNvPr id="19" name="Titolo 1">
             <a:extLst>
               <a:ext uri="{FF2B5EF4-FFF2-40B4-BE49-F238E27FC236}">
-                <a16:creationId xmlns:a16="http://schemas.microsoft.com/office/drawing/2014/main" xmlns="" id="{1E1C8C6D-0530-475B-A7F7-0E00C33ACFEB}"/>
+                <a16:creationId xmlns="" xmlns:a16="http://schemas.microsoft.com/office/drawing/2014/main" id="{1E1C8C6D-0530-475B-A7F7-0E00C33ACFEB}"/>
               </a:ext>
             </a:extLst>
           </p:cNvPr>
@@ -8556,7 +8567,7 @@
           <p:cNvPr id="20" name="Segnaposto testo 15">
             <a:extLst>
               <a:ext uri="{FF2B5EF4-FFF2-40B4-BE49-F238E27FC236}">
-                <a16:creationId xmlns:a16="http://schemas.microsoft.com/office/drawing/2014/main" xmlns="" id="{3D2778A3-7084-4333-8349-03B1FEB5FE75}"/>
+                <a16:creationId xmlns="" xmlns:a16="http://schemas.microsoft.com/office/drawing/2014/main" id="{3D2778A3-7084-4333-8349-03B1FEB5FE75}"/>
               </a:ext>
             </a:extLst>
           </p:cNvPr>
@@ -8607,7 +8618,7 @@
           <p:cNvPr id="25" name="Segnaposto testo 18">
             <a:extLst>
               <a:ext uri="{FF2B5EF4-FFF2-40B4-BE49-F238E27FC236}">
-                <a16:creationId xmlns:a16="http://schemas.microsoft.com/office/drawing/2014/main" xmlns="" id="{70ED2545-F96B-400C-B6F4-F1D2D83B7243}"/>
+                <a16:creationId xmlns="" xmlns:a16="http://schemas.microsoft.com/office/drawing/2014/main" id="{70ED2545-F96B-400C-B6F4-F1D2D83B7243}"/>
               </a:ext>
             </a:extLst>
           </p:cNvPr>
@@ -8659,7 +8670,7 @@
           <p:cNvPr id="26" name="Segnaposto testo 15">
             <a:extLst>
               <a:ext uri="{FF2B5EF4-FFF2-40B4-BE49-F238E27FC236}">
-                <a16:creationId xmlns:a16="http://schemas.microsoft.com/office/drawing/2014/main" xmlns="" id="{4A2FECA2-3808-47DC-84EB-CD3395C2052D}"/>
+                <a16:creationId xmlns="" xmlns:a16="http://schemas.microsoft.com/office/drawing/2014/main" id="{4A2FECA2-3808-47DC-84EB-CD3395C2052D}"/>
               </a:ext>
             </a:extLst>
           </p:cNvPr>
@@ -8710,7 +8721,7 @@
           <p:cNvPr id="27" name="Segnaposto testo 18">
             <a:extLst>
               <a:ext uri="{FF2B5EF4-FFF2-40B4-BE49-F238E27FC236}">
-                <a16:creationId xmlns:a16="http://schemas.microsoft.com/office/drawing/2014/main" xmlns="" id="{24393B9A-03C4-45C1-8172-F8B354458A48}"/>
+                <a16:creationId xmlns="" xmlns:a16="http://schemas.microsoft.com/office/drawing/2014/main" id="{24393B9A-03C4-45C1-8172-F8B354458A48}"/>
               </a:ext>
             </a:extLst>
           </p:cNvPr>
@@ -8762,7 +8773,7 @@
           <p:cNvPr id="28" name="Segnaposto testo 15">
             <a:extLst>
               <a:ext uri="{FF2B5EF4-FFF2-40B4-BE49-F238E27FC236}">
-                <a16:creationId xmlns:a16="http://schemas.microsoft.com/office/drawing/2014/main" xmlns="" id="{18EC24A5-B4A5-4BAB-AE40-30EB69D6EF73}"/>
+                <a16:creationId xmlns="" xmlns:a16="http://schemas.microsoft.com/office/drawing/2014/main" id="{18EC24A5-B4A5-4BAB-AE40-30EB69D6EF73}"/>
               </a:ext>
             </a:extLst>
           </p:cNvPr>
@@ -8813,7 +8824,7 @@
           <p:cNvPr id="29" name="Segnaposto testo 18">
             <a:extLst>
               <a:ext uri="{FF2B5EF4-FFF2-40B4-BE49-F238E27FC236}">
-                <a16:creationId xmlns:a16="http://schemas.microsoft.com/office/drawing/2014/main" xmlns="" id="{726F36C0-4E6A-4A10-960D-11D78D044478}"/>
+                <a16:creationId xmlns="" xmlns:a16="http://schemas.microsoft.com/office/drawing/2014/main" id="{726F36C0-4E6A-4A10-960D-11D78D044478}"/>
               </a:ext>
             </a:extLst>
           </p:cNvPr>
@@ -8865,7 +8876,7 @@
           <p:cNvPr id="21" name="Segnaposto data 6">
             <a:extLst>
               <a:ext uri="{FF2B5EF4-FFF2-40B4-BE49-F238E27FC236}">
-                <a16:creationId xmlns:a16="http://schemas.microsoft.com/office/drawing/2014/main" xmlns="" id="{71F34533-9677-48AF-9374-976825F4BB7E}"/>
+                <a16:creationId xmlns="" xmlns:a16="http://schemas.microsoft.com/office/drawing/2014/main" id="{71F34533-9677-48AF-9374-976825F4BB7E}"/>
               </a:ext>
             </a:extLst>
           </p:cNvPr>
@@ -8903,7 +8914,7 @@
           <p:cNvPr id="22" name="Segnaposto piè di pagina 7">
             <a:extLst>
               <a:ext uri="{FF2B5EF4-FFF2-40B4-BE49-F238E27FC236}">
-                <a16:creationId xmlns:a16="http://schemas.microsoft.com/office/drawing/2014/main" xmlns="" id="{4FAB8A26-B99E-4F96-8327-A932A14F2C03}"/>
+                <a16:creationId xmlns="" xmlns:a16="http://schemas.microsoft.com/office/drawing/2014/main" id="{4FAB8A26-B99E-4F96-8327-A932A14F2C03}"/>
               </a:ext>
             </a:extLst>
           </p:cNvPr>
@@ -8941,7 +8952,7 @@
           <p:cNvPr id="24" name="Segnaposto numero diapositiva 8">
             <a:extLst>
               <a:ext uri="{FF2B5EF4-FFF2-40B4-BE49-F238E27FC236}">
-                <a16:creationId xmlns:a16="http://schemas.microsoft.com/office/drawing/2014/main" xmlns="" id="{EB0962D2-BCC3-48AB-A769-2A7327D29191}"/>
+                <a16:creationId xmlns="" xmlns:a16="http://schemas.microsoft.com/office/drawing/2014/main" id="{EB0962D2-BCC3-48AB-A769-2A7327D29191}"/>
               </a:ext>
             </a:extLst>
           </p:cNvPr>
@@ -8979,7 +8990,7 @@
     </p:spTree>
     <p:extLst>
       <p:ext uri="{BB962C8B-B14F-4D97-AF65-F5344CB8AC3E}">
-        <p14:creationId xmlns:p14="http://schemas.microsoft.com/office/powerpoint/2010/main" xmlns="" val="2376933483"/>
+        <p14:creationId xmlns="" xmlns:p14="http://schemas.microsoft.com/office/powerpoint/2010/main" val="2376933483"/>
       </p:ext>
     </p:extLst>
   </p:cSld>
@@ -8988,7 +8999,7 @@
   </p:clrMapOvr>
   <p:extLst>
     <p:ext uri="{DCECCB84-F9BA-43D5-87BE-67443E8EF086}">
-      <p15:sldGuideLst xmlns:p15="http://schemas.microsoft.com/office/powerpoint/2012/main" xmlns="">
+      <p15:sldGuideLst xmlns="" xmlns:p15="http://schemas.microsoft.com/office/powerpoint/2012/main">
         <p15:guide id="1" pos="3000">
           <p15:clr>
             <a:srgbClr val="FBAE40"/>
@@ -9022,7 +9033,7 @@
           <p:cNvPr id="4" name="Rettangolo 3">
             <a:extLst>
               <a:ext uri="{FF2B5EF4-FFF2-40B4-BE49-F238E27FC236}">
-                <a16:creationId xmlns:a16="http://schemas.microsoft.com/office/drawing/2014/main" xmlns="" id="{7D46070C-E825-43D0-99F4-8B4614131131}"/>
+                <a16:creationId xmlns="" xmlns:a16="http://schemas.microsoft.com/office/drawing/2014/main" id="{7D46070C-E825-43D0-99F4-8B4614131131}"/>
               </a:ext>
             </a:extLst>
           </p:cNvPr>
@@ -9078,7 +9089,7 @@
           <p:cNvPr id="2" name="Titolo 1">
             <a:extLst>
               <a:ext uri="{FF2B5EF4-FFF2-40B4-BE49-F238E27FC236}">
-                <a16:creationId xmlns:a16="http://schemas.microsoft.com/office/drawing/2014/main" xmlns="" id="{A1F8C642-49FB-4E16-A3A0-B2ACBEABFFD6}"/>
+                <a16:creationId xmlns="" xmlns:a16="http://schemas.microsoft.com/office/drawing/2014/main" id="{A1F8C642-49FB-4E16-A3A0-B2ACBEABFFD6}"/>
               </a:ext>
             </a:extLst>
           </p:cNvPr>
@@ -9123,7 +9134,7 @@
           <p:cNvPr id="6" name="Segnaposto testo 10">
             <a:extLst>
               <a:ext uri="{FF2B5EF4-FFF2-40B4-BE49-F238E27FC236}">
-                <a16:creationId xmlns:a16="http://schemas.microsoft.com/office/drawing/2014/main" xmlns="" id="{E4E92FC5-6FC2-45C2-9200-3244F9EA69A0}"/>
+                <a16:creationId xmlns="" xmlns:a16="http://schemas.microsoft.com/office/drawing/2014/main" id="{E4E92FC5-6FC2-45C2-9200-3244F9EA69A0}"/>
               </a:ext>
             </a:extLst>
           </p:cNvPr>
@@ -9170,7 +9181,7 @@
           <p:cNvPr id="7" name="Segnaposto testo 10">
             <a:extLst>
               <a:ext uri="{FF2B5EF4-FFF2-40B4-BE49-F238E27FC236}">
-                <a16:creationId xmlns:a16="http://schemas.microsoft.com/office/drawing/2014/main" xmlns="" id="{4D75C136-D6C3-4431-8776-997070627AAB}"/>
+                <a16:creationId xmlns="" xmlns:a16="http://schemas.microsoft.com/office/drawing/2014/main" id="{4D75C136-D6C3-4431-8776-997070627AAB}"/>
               </a:ext>
             </a:extLst>
           </p:cNvPr>
@@ -9218,7 +9229,7 @@
           <p:cNvPr id="8" name="Segnaposto testo 10">
             <a:extLst>
               <a:ext uri="{FF2B5EF4-FFF2-40B4-BE49-F238E27FC236}">
-                <a16:creationId xmlns:a16="http://schemas.microsoft.com/office/drawing/2014/main" xmlns="" id="{FD15D323-BFE3-4ACE-9A2E-C9EB69458B12}"/>
+                <a16:creationId xmlns="" xmlns:a16="http://schemas.microsoft.com/office/drawing/2014/main" id="{FD15D323-BFE3-4ACE-9A2E-C9EB69458B12}"/>
               </a:ext>
             </a:extLst>
           </p:cNvPr>
@@ -9266,7 +9277,7 @@
           <p:cNvPr id="9" name="Segnaposto testo 10">
             <a:extLst>
               <a:ext uri="{FF2B5EF4-FFF2-40B4-BE49-F238E27FC236}">
-                <a16:creationId xmlns:a16="http://schemas.microsoft.com/office/drawing/2014/main" xmlns="" id="{3B520767-B49F-4503-8120-B66E411F33E4}"/>
+                <a16:creationId xmlns="" xmlns:a16="http://schemas.microsoft.com/office/drawing/2014/main" id="{3B520767-B49F-4503-8120-B66E411F33E4}"/>
               </a:ext>
             </a:extLst>
           </p:cNvPr>
@@ -9314,7 +9325,7 @@
           <p:cNvPr id="10" name="Segnaposto testo 10">
             <a:extLst>
               <a:ext uri="{FF2B5EF4-FFF2-40B4-BE49-F238E27FC236}">
-                <a16:creationId xmlns:a16="http://schemas.microsoft.com/office/drawing/2014/main" xmlns="" id="{30C2F5A0-E03E-4C89-B9EB-8D48889F5F91}"/>
+                <a16:creationId xmlns="" xmlns:a16="http://schemas.microsoft.com/office/drawing/2014/main" id="{30C2F5A0-E03E-4C89-B9EB-8D48889F5F91}"/>
               </a:ext>
             </a:extLst>
           </p:cNvPr>
@@ -9362,7 +9373,7 @@
           <p:cNvPr id="11" name="Segnaposto testo 10">
             <a:extLst>
               <a:ext uri="{FF2B5EF4-FFF2-40B4-BE49-F238E27FC236}">
-                <a16:creationId xmlns:a16="http://schemas.microsoft.com/office/drawing/2014/main" xmlns="" id="{AB3645A3-D681-45BF-B195-452D000802CA}"/>
+                <a16:creationId xmlns="" xmlns:a16="http://schemas.microsoft.com/office/drawing/2014/main" id="{AB3645A3-D681-45BF-B195-452D000802CA}"/>
               </a:ext>
             </a:extLst>
           </p:cNvPr>
@@ -9409,7 +9420,7 @@
           <p:cNvPr id="12" name="Segnaposto testo 10">
             <a:extLst>
               <a:ext uri="{FF2B5EF4-FFF2-40B4-BE49-F238E27FC236}">
-                <a16:creationId xmlns:a16="http://schemas.microsoft.com/office/drawing/2014/main" xmlns="" id="{59D3CBFE-13C8-4DB1-A831-9393264923E7}"/>
+                <a16:creationId xmlns="" xmlns:a16="http://schemas.microsoft.com/office/drawing/2014/main" id="{59D3CBFE-13C8-4DB1-A831-9393264923E7}"/>
               </a:ext>
             </a:extLst>
           </p:cNvPr>
@@ -9457,7 +9468,7 @@
           <p:cNvPr id="13" name="Segnaposto testo 10">
             <a:extLst>
               <a:ext uri="{FF2B5EF4-FFF2-40B4-BE49-F238E27FC236}">
-                <a16:creationId xmlns:a16="http://schemas.microsoft.com/office/drawing/2014/main" xmlns="" id="{82385A0A-C61D-4BBD-AC77-D7642F895E22}"/>
+                <a16:creationId xmlns="" xmlns:a16="http://schemas.microsoft.com/office/drawing/2014/main" id="{82385A0A-C61D-4BBD-AC77-D7642F895E22}"/>
               </a:ext>
             </a:extLst>
           </p:cNvPr>
@@ -9505,7 +9516,7 @@
           <p:cNvPr id="14" name="Segnaposto testo 10">
             <a:extLst>
               <a:ext uri="{FF2B5EF4-FFF2-40B4-BE49-F238E27FC236}">
-                <a16:creationId xmlns:a16="http://schemas.microsoft.com/office/drawing/2014/main" xmlns="" id="{FED89FCE-7507-4C8C-923F-922290589466}"/>
+                <a16:creationId xmlns="" xmlns:a16="http://schemas.microsoft.com/office/drawing/2014/main" id="{FED89FCE-7507-4C8C-923F-922290589466}"/>
               </a:ext>
             </a:extLst>
           </p:cNvPr>
@@ -9553,7 +9564,7 @@
           <p:cNvPr id="15" name="Segnaposto testo 10">
             <a:extLst>
               <a:ext uri="{FF2B5EF4-FFF2-40B4-BE49-F238E27FC236}">
-                <a16:creationId xmlns:a16="http://schemas.microsoft.com/office/drawing/2014/main" xmlns="" id="{F2F73935-BF53-4510-8B8F-EDB1CD56A1BB}"/>
+                <a16:creationId xmlns="" xmlns:a16="http://schemas.microsoft.com/office/drawing/2014/main" id="{F2F73935-BF53-4510-8B8F-EDB1CD56A1BB}"/>
               </a:ext>
             </a:extLst>
           </p:cNvPr>
@@ -9601,7 +9612,7 @@
           <p:cNvPr id="16" name="Segnaposto testo 10">
             <a:extLst>
               <a:ext uri="{FF2B5EF4-FFF2-40B4-BE49-F238E27FC236}">
-                <a16:creationId xmlns:a16="http://schemas.microsoft.com/office/drawing/2014/main" xmlns="" id="{2A9276DB-F427-4F8E-8E4C-466600F390FD}"/>
+                <a16:creationId xmlns="" xmlns:a16="http://schemas.microsoft.com/office/drawing/2014/main" id="{2A9276DB-F427-4F8E-8E4C-466600F390FD}"/>
               </a:ext>
             </a:extLst>
           </p:cNvPr>
@@ -9649,7 +9660,7 @@
           <p:cNvPr id="17" name="Segnaposto testo 10">
             <a:extLst>
               <a:ext uri="{FF2B5EF4-FFF2-40B4-BE49-F238E27FC236}">
-                <a16:creationId xmlns:a16="http://schemas.microsoft.com/office/drawing/2014/main" xmlns="" id="{79023948-0C1E-4DAB-B885-1C713409AA08}"/>
+                <a16:creationId xmlns="" xmlns:a16="http://schemas.microsoft.com/office/drawing/2014/main" id="{79023948-0C1E-4DAB-B885-1C713409AA08}"/>
               </a:ext>
             </a:extLst>
           </p:cNvPr>
@@ -9697,7 +9708,7 @@
           <p:cNvPr id="18" name="Segnaposto testo 10">
             <a:extLst>
               <a:ext uri="{FF2B5EF4-FFF2-40B4-BE49-F238E27FC236}">
-                <a16:creationId xmlns:a16="http://schemas.microsoft.com/office/drawing/2014/main" xmlns="" id="{4AB6A03C-6180-41ED-A88D-ECBB80D160F2}"/>
+                <a16:creationId xmlns="" xmlns:a16="http://schemas.microsoft.com/office/drawing/2014/main" id="{4AB6A03C-6180-41ED-A88D-ECBB80D160F2}"/>
               </a:ext>
             </a:extLst>
           </p:cNvPr>
@@ -9745,7 +9756,7 @@
           <p:cNvPr id="19" name="Segnaposto testo 10">
             <a:extLst>
               <a:ext uri="{FF2B5EF4-FFF2-40B4-BE49-F238E27FC236}">
-                <a16:creationId xmlns:a16="http://schemas.microsoft.com/office/drawing/2014/main" xmlns="" id="{145AD645-55F0-41A9-AC53-ED30BF1340BA}"/>
+                <a16:creationId xmlns="" xmlns:a16="http://schemas.microsoft.com/office/drawing/2014/main" id="{145AD645-55F0-41A9-AC53-ED30BF1340BA}"/>
               </a:ext>
             </a:extLst>
           </p:cNvPr>
@@ -9793,7 +9804,7 @@
           <p:cNvPr id="20" name="Segnaposto testo 10">
             <a:extLst>
               <a:ext uri="{FF2B5EF4-FFF2-40B4-BE49-F238E27FC236}">
-                <a16:creationId xmlns:a16="http://schemas.microsoft.com/office/drawing/2014/main" xmlns="" id="{C39F248D-01B4-40EE-B483-E8E81806DFBE}"/>
+                <a16:creationId xmlns="" xmlns:a16="http://schemas.microsoft.com/office/drawing/2014/main" id="{C39F248D-01B4-40EE-B483-E8E81806DFBE}"/>
               </a:ext>
             </a:extLst>
           </p:cNvPr>
@@ -9841,7 +9852,7 @@
           <p:cNvPr id="21" name="Segnaposto testo 10">
             <a:extLst>
               <a:ext uri="{FF2B5EF4-FFF2-40B4-BE49-F238E27FC236}">
-                <a16:creationId xmlns:a16="http://schemas.microsoft.com/office/drawing/2014/main" xmlns="" id="{1D0F1859-7A34-42DF-873E-2CF864E4C4BE}"/>
+                <a16:creationId xmlns="" xmlns:a16="http://schemas.microsoft.com/office/drawing/2014/main" id="{1D0F1859-7A34-42DF-873E-2CF864E4C4BE}"/>
               </a:ext>
             </a:extLst>
           </p:cNvPr>
@@ -9889,7 +9900,7 @@
           <p:cNvPr id="22" name="Segnaposto testo 10">
             <a:extLst>
               <a:ext uri="{FF2B5EF4-FFF2-40B4-BE49-F238E27FC236}">
-                <a16:creationId xmlns:a16="http://schemas.microsoft.com/office/drawing/2014/main" xmlns="" id="{6EB397AF-B5C1-40FE-86D4-BA660E4C6E46}"/>
+                <a16:creationId xmlns="" xmlns:a16="http://schemas.microsoft.com/office/drawing/2014/main" id="{6EB397AF-B5C1-40FE-86D4-BA660E4C6E46}"/>
               </a:ext>
             </a:extLst>
           </p:cNvPr>
@@ -9937,7 +9948,7 @@
           <p:cNvPr id="23" name="Segnaposto testo 10">
             <a:extLst>
               <a:ext uri="{FF2B5EF4-FFF2-40B4-BE49-F238E27FC236}">
-                <a16:creationId xmlns:a16="http://schemas.microsoft.com/office/drawing/2014/main" xmlns="" id="{AF1343D5-DC0F-4C7E-967F-CFC300A2C807}"/>
+                <a16:creationId xmlns="" xmlns:a16="http://schemas.microsoft.com/office/drawing/2014/main" id="{AF1343D5-DC0F-4C7E-967F-CFC300A2C807}"/>
               </a:ext>
             </a:extLst>
           </p:cNvPr>
@@ -9985,7 +9996,7 @@
           <p:cNvPr id="24" name="Segnaposto testo 10">
             <a:extLst>
               <a:ext uri="{FF2B5EF4-FFF2-40B4-BE49-F238E27FC236}">
-                <a16:creationId xmlns:a16="http://schemas.microsoft.com/office/drawing/2014/main" xmlns="" id="{9AD688A5-D2DF-4FC3-8171-FAEA8C4F5566}"/>
+                <a16:creationId xmlns="" xmlns:a16="http://schemas.microsoft.com/office/drawing/2014/main" id="{9AD688A5-D2DF-4FC3-8171-FAEA8C4F5566}"/>
               </a:ext>
             </a:extLst>
           </p:cNvPr>
@@ -10033,7 +10044,7 @@
           <p:cNvPr id="25" name="Segnaposto testo 10">
             <a:extLst>
               <a:ext uri="{FF2B5EF4-FFF2-40B4-BE49-F238E27FC236}">
-                <a16:creationId xmlns:a16="http://schemas.microsoft.com/office/drawing/2014/main" xmlns="" id="{EA05A5D4-01B0-4932-B03E-571986E282EA}"/>
+                <a16:creationId xmlns="" xmlns:a16="http://schemas.microsoft.com/office/drawing/2014/main" id="{EA05A5D4-01B0-4932-B03E-571986E282EA}"/>
               </a:ext>
             </a:extLst>
           </p:cNvPr>
@@ -10081,7 +10092,7 @@
           <p:cNvPr id="26" name="Segnaposto testo 10">
             <a:extLst>
               <a:ext uri="{FF2B5EF4-FFF2-40B4-BE49-F238E27FC236}">
-                <a16:creationId xmlns:a16="http://schemas.microsoft.com/office/drawing/2014/main" xmlns="" id="{72A84601-CD4F-49ED-8D51-CEF032363058}"/>
+                <a16:creationId xmlns="" xmlns:a16="http://schemas.microsoft.com/office/drawing/2014/main" id="{72A84601-CD4F-49ED-8D51-CEF032363058}"/>
               </a:ext>
             </a:extLst>
           </p:cNvPr>
@@ -10129,7 +10140,7 @@
           <p:cNvPr id="27" name="Segnaposto testo 10">
             <a:extLst>
               <a:ext uri="{FF2B5EF4-FFF2-40B4-BE49-F238E27FC236}">
-                <a16:creationId xmlns:a16="http://schemas.microsoft.com/office/drawing/2014/main" xmlns="" id="{C49FB196-753D-4A12-9460-57D8AB4B540B}"/>
+                <a16:creationId xmlns="" xmlns:a16="http://schemas.microsoft.com/office/drawing/2014/main" id="{C49FB196-753D-4A12-9460-57D8AB4B540B}"/>
               </a:ext>
             </a:extLst>
           </p:cNvPr>
@@ -10177,7 +10188,7 @@
           <p:cNvPr id="28" name="Segnaposto testo 10">
             <a:extLst>
               <a:ext uri="{FF2B5EF4-FFF2-40B4-BE49-F238E27FC236}">
-                <a16:creationId xmlns:a16="http://schemas.microsoft.com/office/drawing/2014/main" xmlns="" id="{DFC05EC7-9D6C-486B-9E2F-D3612013C0A1}"/>
+                <a16:creationId xmlns="" xmlns:a16="http://schemas.microsoft.com/office/drawing/2014/main" id="{DFC05EC7-9D6C-486B-9E2F-D3612013C0A1}"/>
               </a:ext>
             </a:extLst>
           </p:cNvPr>
@@ -10225,7 +10236,7 @@
           <p:cNvPr id="29" name="Segnaposto testo 10">
             <a:extLst>
               <a:ext uri="{FF2B5EF4-FFF2-40B4-BE49-F238E27FC236}">
-                <a16:creationId xmlns:a16="http://schemas.microsoft.com/office/drawing/2014/main" xmlns="" id="{98F455FB-241B-4E1F-B581-FA6CBA239545}"/>
+                <a16:creationId xmlns="" xmlns:a16="http://schemas.microsoft.com/office/drawing/2014/main" id="{98F455FB-241B-4E1F-B581-FA6CBA239545}"/>
               </a:ext>
             </a:extLst>
           </p:cNvPr>
@@ -10273,7 +10284,7 @@
           <p:cNvPr id="30" name="Segnaposto testo 10">
             <a:extLst>
               <a:ext uri="{FF2B5EF4-FFF2-40B4-BE49-F238E27FC236}">
-                <a16:creationId xmlns:a16="http://schemas.microsoft.com/office/drawing/2014/main" xmlns="" id="{9E38664A-8108-4E24-800B-3C32ADA43978}"/>
+                <a16:creationId xmlns="" xmlns:a16="http://schemas.microsoft.com/office/drawing/2014/main" id="{9E38664A-8108-4E24-800B-3C32ADA43978}"/>
               </a:ext>
             </a:extLst>
           </p:cNvPr>
@@ -10321,7 +10332,7 @@
           <p:cNvPr id="31" name="Segnaposto testo 10">
             <a:extLst>
               <a:ext uri="{FF2B5EF4-FFF2-40B4-BE49-F238E27FC236}">
-                <a16:creationId xmlns:a16="http://schemas.microsoft.com/office/drawing/2014/main" xmlns="" id="{2908458B-A3ED-4855-9E08-108D7C4A8D36}"/>
+                <a16:creationId xmlns="" xmlns:a16="http://schemas.microsoft.com/office/drawing/2014/main" id="{2908458B-A3ED-4855-9E08-108D7C4A8D36}"/>
               </a:ext>
             </a:extLst>
           </p:cNvPr>
@@ -10369,7 +10380,7 @@
           <p:cNvPr id="32" name="Rettangolo 31">
             <a:extLst>
               <a:ext uri="{FF2B5EF4-FFF2-40B4-BE49-F238E27FC236}">
-                <a16:creationId xmlns:a16="http://schemas.microsoft.com/office/drawing/2014/main" xmlns="" id="{FFA35437-CCDE-4D92-B879-F23B329C8EC3}"/>
+                <a16:creationId xmlns="" xmlns:a16="http://schemas.microsoft.com/office/drawing/2014/main" id="{FFA35437-CCDE-4D92-B879-F23B329C8EC3}"/>
               </a:ext>
             </a:extLst>
           </p:cNvPr>
@@ -10430,7 +10441,7 @@
           <p:cNvPr id="36" name="Segnaposto data 2">
             <a:extLst>
               <a:ext uri="{FF2B5EF4-FFF2-40B4-BE49-F238E27FC236}">
-                <a16:creationId xmlns:a16="http://schemas.microsoft.com/office/drawing/2014/main" xmlns="" id="{1CDC588F-73BC-4108-974B-0EAAB8213CE0}"/>
+                <a16:creationId xmlns="" xmlns:a16="http://schemas.microsoft.com/office/drawing/2014/main" id="{1CDC588F-73BC-4108-974B-0EAAB8213CE0}"/>
               </a:ext>
             </a:extLst>
           </p:cNvPr>
@@ -10468,7 +10479,7 @@
           <p:cNvPr id="37" name="Segnaposto piè di pagina 3">
             <a:extLst>
               <a:ext uri="{FF2B5EF4-FFF2-40B4-BE49-F238E27FC236}">
-                <a16:creationId xmlns:a16="http://schemas.microsoft.com/office/drawing/2014/main" xmlns="" id="{B2AC1EB2-9B8F-4077-8B66-64F9549F2C99}"/>
+                <a16:creationId xmlns="" xmlns:a16="http://schemas.microsoft.com/office/drawing/2014/main" id="{B2AC1EB2-9B8F-4077-8B66-64F9549F2C99}"/>
               </a:ext>
             </a:extLst>
           </p:cNvPr>
@@ -10506,7 +10517,7 @@
           <p:cNvPr id="38" name="Segnaposto numero diapositiva 4">
             <a:extLst>
               <a:ext uri="{FF2B5EF4-FFF2-40B4-BE49-F238E27FC236}">
-                <a16:creationId xmlns:a16="http://schemas.microsoft.com/office/drawing/2014/main" xmlns="" id="{28DE3E33-346A-45AF-B164-CB5DF04FAE6D}"/>
+                <a16:creationId xmlns="" xmlns:a16="http://schemas.microsoft.com/office/drawing/2014/main" id="{28DE3E33-346A-45AF-B164-CB5DF04FAE6D}"/>
               </a:ext>
             </a:extLst>
           </p:cNvPr>
@@ -10544,7 +10555,7 @@
     </p:spTree>
     <p:extLst>
       <p:ext uri="{BB962C8B-B14F-4D97-AF65-F5344CB8AC3E}">
-        <p14:creationId xmlns:p14="http://schemas.microsoft.com/office/powerpoint/2010/main" xmlns="" val="2056323463"/>
+        <p14:creationId xmlns="" xmlns:p14="http://schemas.microsoft.com/office/powerpoint/2010/main" val="2056323463"/>
       </p:ext>
     </p:extLst>
   </p:cSld>
@@ -10581,7 +10592,7 @@
           <p:cNvPr id="7" name="SmartArt Placeholder 6">
             <a:extLst>
               <a:ext uri="{FF2B5EF4-FFF2-40B4-BE49-F238E27FC236}">
-                <a16:creationId xmlns:a16="http://schemas.microsoft.com/office/drawing/2014/main" xmlns="" id="{156CA116-0F6E-4EE9-B34F-03BA07161A7A}"/>
+                <a16:creationId xmlns="" xmlns:a16="http://schemas.microsoft.com/office/drawing/2014/main" id="{156CA116-0F6E-4EE9-B34F-03BA07161A7A}"/>
               </a:ext>
             </a:extLst>
           </p:cNvPr>
@@ -10626,7 +10637,7 @@
           <p:cNvPr id="2" name="Titolo 1">
             <a:extLst>
               <a:ext uri="{FF2B5EF4-FFF2-40B4-BE49-F238E27FC236}">
-                <a16:creationId xmlns:a16="http://schemas.microsoft.com/office/drawing/2014/main" xmlns="" id="{EE5C4E19-B78B-4E39-B661-7E6A2E6C5002}"/>
+                <a16:creationId xmlns="" xmlns:a16="http://schemas.microsoft.com/office/drawing/2014/main" id="{EE5C4E19-B78B-4E39-B661-7E6A2E6C5002}"/>
               </a:ext>
             </a:extLst>
           </p:cNvPr>
@@ -10671,7 +10682,7 @@
           <p:cNvPr id="3" name="Segnaposto data 2">
             <a:extLst>
               <a:ext uri="{FF2B5EF4-FFF2-40B4-BE49-F238E27FC236}">
-                <a16:creationId xmlns:a16="http://schemas.microsoft.com/office/drawing/2014/main" xmlns="" id="{7E085D26-FA83-4414-959E-98936A772670}"/>
+                <a16:creationId xmlns="" xmlns:a16="http://schemas.microsoft.com/office/drawing/2014/main" id="{7E085D26-FA83-4414-959E-98936A772670}"/>
               </a:ext>
             </a:extLst>
           </p:cNvPr>
@@ -10704,7 +10715,7 @@
           <p:cNvPr id="4" name="Segnaposto piè di pagina 3">
             <a:extLst>
               <a:ext uri="{FF2B5EF4-FFF2-40B4-BE49-F238E27FC236}">
-                <a16:creationId xmlns:a16="http://schemas.microsoft.com/office/drawing/2014/main" xmlns="" id="{1FB52E93-DE4C-4341-8D83-F0230E38B1A1}"/>
+                <a16:creationId xmlns="" xmlns:a16="http://schemas.microsoft.com/office/drawing/2014/main" id="{1FB52E93-DE4C-4341-8D83-F0230E38B1A1}"/>
               </a:ext>
             </a:extLst>
           </p:cNvPr>
@@ -10737,7 +10748,7 @@
           <p:cNvPr id="10" name="Connettore diritto 9">
             <a:extLst>
               <a:ext uri="{FF2B5EF4-FFF2-40B4-BE49-F238E27FC236}">
-                <a16:creationId xmlns:a16="http://schemas.microsoft.com/office/drawing/2014/main" xmlns="" id="{66988B2D-0240-4256-8268-4B9FF1E72363}"/>
+                <a16:creationId xmlns="" xmlns:a16="http://schemas.microsoft.com/office/drawing/2014/main" id="{66988B2D-0240-4256-8268-4B9FF1E72363}"/>
               </a:ext>
             </a:extLst>
           </p:cNvPr>
@@ -10782,7 +10793,7 @@
           <p:cNvPr id="12" name="Connettore diritto 11">
             <a:extLst>
               <a:ext uri="{FF2B5EF4-FFF2-40B4-BE49-F238E27FC236}">
-                <a16:creationId xmlns:a16="http://schemas.microsoft.com/office/drawing/2014/main" xmlns="" id="{D8EEAAE1-3D04-41C3-B2D2-B3BEF34C3B27}"/>
+                <a16:creationId xmlns="" xmlns:a16="http://schemas.microsoft.com/office/drawing/2014/main" id="{D8EEAAE1-3D04-41C3-B2D2-B3BEF34C3B27}"/>
               </a:ext>
             </a:extLst>
           </p:cNvPr>
@@ -10827,7 +10838,7 @@
           <p:cNvPr id="5" name="Segnaposto numero diapositiva 4">
             <a:extLst>
               <a:ext uri="{FF2B5EF4-FFF2-40B4-BE49-F238E27FC236}">
-                <a16:creationId xmlns:a16="http://schemas.microsoft.com/office/drawing/2014/main" xmlns="" id="{AC467230-4A0F-4B18-8BA9-C3B2FDD59CB0}"/>
+                <a16:creationId xmlns="" xmlns:a16="http://schemas.microsoft.com/office/drawing/2014/main" id="{AC467230-4A0F-4B18-8BA9-C3B2FDD59CB0}"/>
               </a:ext>
             </a:extLst>
           </p:cNvPr>
@@ -10860,7 +10871,7 @@
     </p:spTree>
     <p:extLst>
       <p:ext uri="{BB962C8B-B14F-4D97-AF65-F5344CB8AC3E}">
-        <p14:creationId xmlns:p14="http://schemas.microsoft.com/office/powerpoint/2010/main" xmlns="" val="23543133"/>
+        <p14:creationId xmlns="" xmlns:p14="http://schemas.microsoft.com/office/powerpoint/2010/main" val="23543133"/>
       </p:ext>
     </p:extLst>
   </p:cSld>
@@ -10900,7 +10911,7 @@
           <p:cNvPr id="2" name="Titolo 1">
             <a:extLst>
               <a:ext uri="{FF2B5EF4-FFF2-40B4-BE49-F238E27FC236}">
-                <a16:creationId xmlns:a16="http://schemas.microsoft.com/office/drawing/2014/main" xmlns="" id="{81CF3B5C-31C4-46BA-9FAD-72DF917A84DA}"/>
+                <a16:creationId xmlns="" xmlns:a16="http://schemas.microsoft.com/office/drawing/2014/main" id="{81CF3B5C-31C4-46BA-9FAD-72DF917A84DA}"/>
               </a:ext>
             </a:extLst>
           </p:cNvPr>
@@ -10950,7 +10961,7 @@
           <p:cNvPr id="11" name="Segnaposto contenuto 10">
             <a:extLst>
               <a:ext uri="{FF2B5EF4-FFF2-40B4-BE49-F238E27FC236}">
-                <a16:creationId xmlns:a16="http://schemas.microsoft.com/office/drawing/2014/main" xmlns="" id="{ADC2540D-94C4-405B-8607-0CEDD6F54B9C}"/>
+                <a16:creationId xmlns="" xmlns:a16="http://schemas.microsoft.com/office/drawing/2014/main" id="{ADC2540D-94C4-405B-8607-0CEDD6F54B9C}"/>
               </a:ext>
             </a:extLst>
           </p:cNvPr>
@@ -11007,7 +11018,7 @@
           <p:cNvPr id="3" name="Segnaposto testo 2">
             <a:extLst>
               <a:ext uri="{FF2B5EF4-FFF2-40B4-BE49-F238E27FC236}">
-                <a16:creationId xmlns:a16="http://schemas.microsoft.com/office/drawing/2014/main" xmlns="" id="{B659CD1F-9DFB-4048-9B9B-2BD7D4EC6400}"/>
+                <a16:creationId xmlns="" xmlns:a16="http://schemas.microsoft.com/office/drawing/2014/main" id="{B659CD1F-9DFB-4048-9B9B-2BD7D4EC6400}"/>
               </a:ext>
             </a:extLst>
           </p:cNvPr>
@@ -11090,7 +11101,7 @@
           <p:cNvPr id="17" name="Segnaposto testo 2">
             <a:extLst>
               <a:ext uri="{FF2B5EF4-FFF2-40B4-BE49-F238E27FC236}">
-                <a16:creationId xmlns:a16="http://schemas.microsoft.com/office/drawing/2014/main" xmlns="" id="{E43D2F47-FAF2-42C2-967D-251DD4B940D7}"/>
+                <a16:creationId xmlns="" xmlns:a16="http://schemas.microsoft.com/office/drawing/2014/main" id="{E43D2F47-FAF2-42C2-967D-251DD4B940D7}"/>
               </a:ext>
             </a:extLst>
           </p:cNvPr>
@@ -11173,7 +11184,7 @@
           <p:cNvPr id="4" name="Segnaposto contenuto 3">
             <a:extLst>
               <a:ext uri="{FF2B5EF4-FFF2-40B4-BE49-F238E27FC236}">
-                <a16:creationId xmlns:a16="http://schemas.microsoft.com/office/drawing/2014/main" xmlns="" id="{AC9B20CF-6B91-4562-B799-0ABDAEBC0D2A}"/>
+                <a16:creationId xmlns="" xmlns:a16="http://schemas.microsoft.com/office/drawing/2014/main" id="{AC9B20CF-6B91-4562-B799-0ABDAEBC0D2A}"/>
               </a:ext>
             </a:extLst>
           </p:cNvPr>
@@ -11252,7 +11263,7 @@
           <p:cNvPr id="24" name="Segnaposto contenuto 10">
             <a:extLst>
               <a:ext uri="{FF2B5EF4-FFF2-40B4-BE49-F238E27FC236}">
-                <a16:creationId xmlns:a16="http://schemas.microsoft.com/office/drawing/2014/main" xmlns="" id="{11C6EC54-ADFA-4CFF-9E9B-DC7E96C854C2}"/>
+                <a16:creationId xmlns="" xmlns:a16="http://schemas.microsoft.com/office/drawing/2014/main" id="{11C6EC54-ADFA-4CFF-9E9B-DC7E96C854C2}"/>
               </a:ext>
             </a:extLst>
           </p:cNvPr>
@@ -11309,7 +11320,7 @@
           <p:cNvPr id="5" name="Segnaposto testo 4">
             <a:extLst>
               <a:ext uri="{FF2B5EF4-FFF2-40B4-BE49-F238E27FC236}">
-                <a16:creationId xmlns:a16="http://schemas.microsoft.com/office/drawing/2014/main" xmlns="" id="{B374FC39-67F6-42EA-BCD1-F69AE2F0F22D}"/>
+                <a16:creationId xmlns="" xmlns:a16="http://schemas.microsoft.com/office/drawing/2014/main" id="{B374FC39-67F6-42EA-BCD1-F69AE2F0F22D}"/>
               </a:ext>
             </a:extLst>
           </p:cNvPr>
@@ -11392,7 +11403,7 @@
           <p:cNvPr id="18" name="Segnaposto testo 4">
             <a:extLst>
               <a:ext uri="{FF2B5EF4-FFF2-40B4-BE49-F238E27FC236}">
-                <a16:creationId xmlns:a16="http://schemas.microsoft.com/office/drawing/2014/main" xmlns="" id="{3322C250-87FC-4F14-A42C-FFDA120D0D64}"/>
+                <a16:creationId xmlns="" xmlns:a16="http://schemas.microsoft.com/office/drawing/2014/main" id="{3322C250-87FC-4F14-A42C-FFDA120D0D64}"/>
               </a:ext>
             </a:extLst>
           </p:cNvPr>
@@ -11484,7 +11495,7 @@
           <p:cNvPr id="6" name="Segnaposto contenuto 5">
             <a:extLst>
               <a:ext uri="{FF2B5EF4-FFF2-40B4-BE49-F238E27FC236}">
-                <a16:creationId xmlns:a16="http://schemas.microsoft.com/office/drawing/2014/main" xmlns="" id="{B36EE64B-44BF-4634-97BC-5ED74C6DF280}"/>
+                <a16:creationId xmlns="" xmlns:a16="http://schemas.microsoft.com/office/drawing/2014/main" id="{B36EE64B-44BF-4634-97BC-5ED74C6DF280}"/>
               </a:ext>
             </a:extLst>
           </p:cNvPr>
@@ -11563,7 +11574,7 @@
           <p:cNvPr id="25" name="Segnaposto contenuto 10">
             <a:extLst>
               <a:ext uri="{FF2B5EF4-FFF2-40B4-BE49-F238E27FC236}">
-                <a16:creationId xmlns:a16="http://schemas.microsoft.com/office/drawing/2014/main" xmlns="" id="{1B6DD41C-FCE2-4AC6-A235-2FF1B905DAAD}"/>
+                <a16:creationId xmlns="" xmlns:a16="http://schemas.microsoft.com/office/drawing/2014/main" id="{1B6DD41C-FCE2-4AC6-A235-2FF1B905DAAD}"/>
               </a:ext>
             </a:extLst>
           </p:cNvPr>
@@ -11620,7 +11631,7 @@
           <p:cNvPr id="21" name="Segnaposto testo 2">
             <a:extLst>
               <a:ext uri="{FF2B5EF4-FFF2-40B4-BE49-F238E27FC236}">
-                <a16:creationId xmlns:a16="http://schemas.microsoft.com/office/drawing/2014/main" xmlns="" id="{1F60A771-8BBC-4565-AB09-402DA7CB2780}"/>
+                <a16:creationId xmlns="" xmlns:a16="http://schemas.microsoft.com/office/drawing/2014/main" id="{1F60A771-8BBC-4565-AB09-402DA7CB2780}"/>
               </a:ext>
             </a:extLst>
           </p:cNvPr>
@@ -11703,7 +11714,7 @@
           <p:cNvPr id="19" name="Segnaposto testo 2">
             <a:extLst>
               <a:ext uri="{FF2B5EF4-FFF2-40B4-BE49-F238E27FC236}">
-                <a16:creationId xmlns:a16="http://schemas.microsoft.com/office/drawing/2014/main" xmlns="" id="{D3C675D6-83FA-4036-B516-098EDCAF2506}"/>
+                <a16:creationId xmlns="" xmlns:a16="http://schemas.microsoft.com/office/drawing/2014/main" id="{D3C675D6-83FA-4036-B516-098EDCAF2506}"/>
               </a:ext>
             </a:extLst>
           </p:cNvPr>
@@ -11786,7 +11797,7 @@
           <p:cNvPr id="22" name="Segnaposto contenuto 3">
             <a:extLst>
               <a:ext uri="{FF2B5EF4-FFF2-40B4-BE49-F238E27FC236}">
-                <a16:creationId xmlns:a16="http://schemas.microsoft.com/office/drawing/2014/main" xmlns="" id="{C464A9BD-B815-4632-8F54-6EB70E48BAFF}"/>
+                <a16:creationId xmlns="" xmlns:a16="http://schemas.microsoft.com/office/drawing/2014/main" id="{C464A9BD-B815-4632-8F54-6EB70E48BAFF}"/>
               </a:ext>
             </a:extLst>
           </p:cNvPr>
@@ -11865,7 +11876,7 @@
           <p:cNvPr id="26" name="Segnaposto contenuto 10">
             <a:extLst>
               <a:ext uri="{FF2B5EF4-FFF2-40B4-BE49-F238E27FC236}">
-                <a16:creationId xmlns:a16="http://schemas.microsoft.com/office/drawing/2014/main" xmlns="" id="{CEB4C3DB-E51E-4479-90C2-DFE5DB4B2482}"/>
+                <a16:creationId xmlns="" xmlns:a16="http://schemas.microsoft.com/office/drawing/2014/main" id="{CEB4C3DB-E51E-4479-90C2-DFE5DB4B2482}"/>
               </a:ext>
             </a:extLst>
           </p:cNvPr>
@@ -11922,7 +11933,7 @@
           <p:cNvPr id="14" name="Segnaposto testo 2">
             <a:extLst>
               <a:ext uri="{FF2B5EF4-FFF2-40B4-BE49-F238E27FC236}">
-                <a16:creationId xmlns:a16="http://schemas.microsoft.com/office/drawing/2014/main" xmlns="" id="{84A1E92D-A5BF-4268-BFF3-1418A1F03589}"/>
+                <a16:creationId xmlns="" xmlns:a16="http://schemas.microsoft.com/office/drawing/2014/main" id="{84A1E92D-A5BF-4268-BFF3-1418A1F03589}"/>
               </a:ext>
             </a:extLst>
           </p:cNvPr>
@@ -12005,7 +12016,7 @@
           <p:cNvPr id="23" name="Segnaposto testo 2">
             <a:extLst>
               <a:ext uri="{FF2B5EF4-FFF2-40B4-BE49-F238E27FC236}">
-                <a16:creationId xmlns:a16="http://schemas.microsoft.com/office/drawing/2014/main" xmlns="" id="{B6439AAC-8A96-4015-8A87-ED8DF7027B60}"/>
+                <a16:creationId xmlns="" xmlns:a16="http://schemas.microsoft.com/office/drawing/2014/main" id="{B6439AAC-8A96-4015-8A87-ED8DF7027B60}"/>
               </a:ext>
             </a:extLst>
           </p:cNvPr>
@@ -12088,10 +12099,10 @@
           <p:cNvPr id="16" name="Connettore diritto 15">
             <a:extLst>
               <a:ext uri="{FF2B5EF4-FFF2-40B4-BE49-F238E27FC236}">
-                <a16:creationId xmlns:a16="http://schemas.microsoft.com/office/drawing/2014/main" xmlns="" id="{463D7850-C2A6-43CE-BBE4-8E81A0A593BF}"/>
+                <a16:creationId xmlns="" xmlns:a16="http://schemas.microsoft.com/office/drawing/2014/main" id="{463D7850-C2A6-43CE-BBE4-8E81A0A593BF}"/>
               </a:ext>
               <a:ext uri="{C183D7F6-B498-43B3-948B-1728B52AA6E4}">
-                <adec:decorative xmlns:adec="http://schemas.microsoft.com/office/drawing/2017/decorative" xmlns="" val="1"/>
+                <adec:decorative xmlns="" xmlns:adec="http://schemas.microsoft.com/office/drawing/2017/decorative" val="1"/>
               </a:ext>
             </a:extLst>
           </p:cNvPr>
@@ -12136,10 +12147,10 @@
           <p:cNvPr id="20" name="Connettore diritto 19">
             <a:extLst>
               <a:ext uri="{FF2B5EF4-FFF2-40B4-BE49-F238E27FC236}">
-                <a16:creationId xmlns:a16="http://schemas.microsoft.com/office/drawing/2014/main" xmlns="" id="{EBAD3E03-2E3B-440C-9105-6F9D33006D66}"/>
+                <a16:creationId xmlns="" xmlns:a16="http://schemas.microsoft.com/office/drawing/2014/main" id="{EBAD3E03-2E3B-440C-9105-6F9D33006D66}"/>
               </a:ext>
               <a:ext uri="{C183D7F6-B498-43B3-948B-1728B52AA6E4}">
-                <adec:decorative xmlns:adec="http://schemas.microsoft.com/office/drawing/2017/decorative" xmlns="" val="1"/>
+                <adec:decorative xmlns="" xmlns:adec="http://schemas.microsoft.com/office/drawing/2017/decorative" val="1"/>
               </a:ext>
             </a:extLst>
           </p:cNvPr>
@@ -12184,7 +12195,7 @@
           <p:cNvPr id="15" name="Segnaposto contenuto 3">
             <a:extLst>
               <a:ext uri="{FF2B5EF4-FFF2-40B4-BE49-F238E27FC236}">
-                <a16:creationId xmlns:a16="http://schemas.microsoft.com/office/drawing/2014/main" xmlns="" id="{492F9083-A886-4EEB-94D6-1FAE6DC33000}"/>
+                <a16:creationId xmlns="" xmlns:a16="http://schemas.microsoft.com/office/drawing/2014/main" id="{492F9083-A886-4EEB-94D6-1FAE6DC33000}"/>
               </a:ext>
             </a:extLst>
           </p:cNvPr>
@@ -12263,7 +12274,7 @@
           <p:cNvPr id="7" name="Segnaposto data 6">
             <a:extLst>
               <a:ext uri="{FF2B5EF4-FFF2-40B4-BE49-F238E27FC236}">
-                <a16:creationId xmlns:a16="http://schemas.microsoft.com/office/drawing/2014/main" xmlns="" id="{F255C16C-AA88-4BBF-8040-11ECFED618E0}"/>
+                <a16:creationId xmlns="" xmlns:a16="http://schemas.microsoft.com/office/drawing/2014/main" id="{F255C16C-AA88-4BBF-8040-11ECFED618E0}"/>
               </a:ext>
             </a:extLst>
           </p:cNvPr>
@@ -12296,7 +12307,7 @@
           <p:cNvPr id="8" name="Segnaposto piè di pagina 7">
             <a:extLst>
               <a:ext uri="{FF2B5EF4-FFF2-40B4-BE49-F238E27FC236}">
-                <a16:creationId xmlns:a16="http://schemas.microsoft.com/office/drawing/2014/main" xmlns="" id="{CBE560E3-F935-488F-8F0E-191D7B6B54B8}"/>
+                <a16:creationId xmlns="" xmlns:a16="http://schemas.microsoft.com/office/drawing/2014/main" id="{CBE560E3-F935-488F-8F0E-191D7B6B54B8}"/>
               </a:ext>
             </a:extLst>
           </p:cNvPr>
@@ -12329,7 +12340,7 @@
           <p:cNvPr id="9" name="Segnaposto numero diapositiva 8">
             <a:extLst>
               <a:ext uri="{FF2B5EF4-FFF2-40B4-BE49-F238E27FC236}">
-                <a16:creationId xmlns:a16="http://schemas.microsoft.com/office/drawing/2014/main" xmlns="" id="{9B9CD8B2-CC23-467F-B0EE-2CC06D6308BD}"/>
+                <a16:creationId xmlns="" xmlns:a16="http://schemas.microsoft.com/office/drawing/2014/main" id="{9B9CD8B2-CC23-467F-B0EE-2CC06D6308BD}"/>
               </a:ext>
             </a:extLst>
           </p:cNvPr>
@@ -12362,7 +12373,7 @@
     </p:spTree>
     <p:extLst>
       <p:ext uri="{BB962C8B-B14F-4D97-AF65-F5344CB8AC3E}">
-        <p14:creationId xmlns:p14="http://schemas.microsoft.com/office/powerpoint/2010/main" xmlns="" val="1386696317"/>
+        <p14:creationId xmlns="" xmlns:p14="http://schemas.microsoft.com/office/powerpoint/2010/main" val="1386696317"/>
       </p:ext>
     </p:extLst>
   </p:cSld>
@@ -12401,7 +12412,7 @@
           <a:blip r:embed="rId2">
             <a:extLst>
               <a:ext uri="{28A0092B-C50C-407E-A947-70E740481C1C}">
-                <a14:useLocalDpi xmlns:a14="http://schemas.microsoft.com/office/drawing/2010/main" xmlns="" val="0"/>
+                <a14:useLocalDpi xmlns="" xmlns:a14="http://schemas.microsoft.com/office/drawing/2010/main" val="0"/>
               </a:ext>
             </a:extLst>
           </a:blip>
@@ -12667,7 +12678,7 @@
     </p:spTree>
     <p:extLst>
       <p:ext uri="{BB962C8B-B14F-4D97-AF65-F5344CB8AC3E}">
-        <p14:creationId xmlns:p14="http://schemas.microsoft.com/office/powerpoint/2010/main" xmlns="" val="2888040310"/>
+        <p14:creationId xmlns="" xmlns:p14="http://schemas.microsoft.com/office/powerpoint/2010/main" val="2888040310"/>
       </p:ext>
     </p:extLst>
   </p:cSld>
@@ -12906,7 +12917,7 @@
     </p:spTree>
     <p:extLst>
       <p:ext uri="{BB962C8B-B14F-4D97-AF65-F5344CB8AC3E}">
-        <p14:creationId xmlns:p14="http://schemas.microsoft.com/office/powerpoint/2010/main" xmlns="" val="1198963782"/>
+        <p14:creationId xmlns="" xmlns:p14="http://schemas.microsoft.com/office/powerpoint/2010/main" val="1198963782"/>
       </p:ext>
     </p:extLst>
   </p:cSld>
@@ -13292,7 +13303,7 @@
     </p:spTree>
     <p:extLst>
       <p:ext uri="{BB962C8B-B14F-4D97-AF65-F5344CB8AC3E}">
-        <p14:creationId xmlns:p14="http://schemas.microsoft.com/office/powerpoint/2010/main" xmlns="" val="2554309534"/>
+        <p14:creationId xmlns="" xmlns:p14="http://schemas.microsoft.com/office/powerpoint/2010/main" val="2554309534"/>
       </p:ext>
     </p:extLst>
   </p:cSld>
@@ -13417,7 +13428,7 @@
     </p:spTree>
     <p:extLst>
       <p:ext uri="{BB962C8B-B14F-4D97-AF65-F5344CB8AC3E}">
-        <p14:creationId xmlns:p14="http://schemas.microsoft.com/office/powerpoint/2010/main" xmlns="" val="480852014"/>
+        <p14:creationId xmlns="" xmlns:p14="http://schemas.microsoft.com/office/powerpoint/2010/main" val="480852014"/>
       </p:ext>
     </p:extLst>
   </p:cSld>
@@ -13519,7 +13530,7 @@
     </p:spTree>
     <p:extLst>
       <p:ext uri="{BB962C8B-B14F-4D97-AF65-F5344CB8AC3E}">
-        <p14:creationId xmlns:p14="http://schemas.microsoft.com/office/powerpoint/2010/main" xmlns="" val="910297996"/>
+        <p14:creationId xmlns="" xmlns:p14="http://schemas.microsoft.com/office/powerpoint/2010/main" val="910297996"/>
       </p:ext>
     </p:extLst>
   </p:cSld>
@@ -13775,7 +13786,7 @@
     </p:spTree>
     <p:extLst>
       <p:ext uri="{BB962C8B-B14F-4D97-AF65-F5344CB8AC3E}">
-        <p14:creationId xmlns:p14="http://schemas.microsoft.com/office/powerpoint/2010/main" xmlns="" val="2548057723"/>
+        <p14:creationId xmlns="" xmlns:p14="http://schemas.microsoft.com/office/powerpoint/2010/main" val="2548057723"/>
       </p:ext>
     </p:extLst>
   </p:cSld>
@@ -14039,7 +14050,7 @@
     </p:spTree>
     <p:extLst>
       <p:ext uri="{BB962C8B-B14F-4D97-AF65-F5344CB8AC3E}">
-        <p14:creationId xmlns:p14="http://schemas.microsoft.com/office/powerpoint/2010/main" xmlns="" val="221436517"/>
+        <p14:creationId xmlns="" xmlns:p14="http://schemas.microsoft.com/office/powerpoint/2010/main" val="221436517"/>
       </p:ext>
     </p:extLst>
   </p:cSld>
@@ -14084,7 +14095,7 @@
           <a:blip r:embed="rId28">
             <a:extLst>
               <a:ext uri="{28A0092B-C50C-407E-A947-70E740481C1C}">
-                <a14:useLocalDpi xmlns:a14="http://schemas.microsoft.com/office/drawing/2010/main" xmlns="" val="0"/>
+                <a14:useLocalDpi xmlns="" xmlns:a14="http://schemas.microsoft.com/office/drawing/2010/main" val="0"/>
               </a:ext>
             </a:extLst>
           </a:blip>
@@ -14325,7 +14336,7 @@
     </p:spTree>
     <p:extLst>
       <p:ext uri="{BB962C8B-B14F-4D97-AF65-F5344CB8AC3E}">
-        <p14:creationId xmlns:p14="http://schemas.microsoft.com/office/powerpoint/2010/main" xmlns="" val="719364668"/>
+        <p14:creationId xmlns="" xmlns:p14="http://schemas.microsoft.com/office/powerpoint/2010/main" val="719364668"/>
       </p:ext>
     </p:extLst>
   </p:cSld>
@@ -14664,7 +14675,7 @@
           <p:cNvPr id="2" name="Titolo 1">
             <a:extLst>
               <a:ext uri="{FF2B5EF4-FFF2-40B4-BE49-F238E27FC236}">
-                <a16:creationId xmlns:a16="http://schemas.microsoft.com/office/drawing/2014/main" xmlns="" id="{216815C6-3AD0-46E6-A74A-1967BD91AF50}"/>
+                <a16:creationId xmlns="" xmlns:a16="http://schemas.microsoft.com/office/drawing/2014/main" id="{216815C6-3AD0-46E6-A74A-1967BD91AF50}"/>
               </a:ext>
             </a:extLst>
           </p:cNvPr>
@@ -14715,7 +14726,7 @@
           <p:cNvPr id="3" name="Sottotitolo 2">
             <a:extLst>
               <a:ext uri="{FF2B5EF4-FFF2-40B4-BE49-F238E27FC236}">
-                <a16:creationId xmlns:a16="http://schemas.microsoft.com/office/drawing/2014/main" xmlns="" id="{1901B20D-4C28-4DA3-ABBD-718C22A5E58B}"/>
+                <a16:creationId xmlns="" xmlns:a16="http://schemas.microsoft.com/office/drawing/2014/main" id="{1901B20D-4C28-4DA3-ABBD-718C22A5E58B}"/>
               </a:ext>
             </a:extLst>
           </p:cNvPr>
@@ -14761,7 +14772,7 @@
     </p:spTree>
     <p:extLst>
       <p:ext uri="{BB962C8B-B14F-4D97-AF65-F5344CB8AC3E}">
-        <p14:creationId xmlns:p14="http://schemas.microsoft.com/office/powerpoint/2010/main" xmlns="" val="1642425379"/>
+        <p14:creationId xmlns="" xmlns:p14="http://schemas.microsoft.com/office/powerpoint/2010/main" val="1642425379"/>
       </p:ext>
     </p:extLst>
   </p:cSld>
@@ -14800,7 +14811,7 @@
           <p:cNvPr id="2" name="Title 1">
             <a:extLst>
               <a:ext uri="{FF2B5EF4-FFF2-40B4-BE49-F238E27FC236}">
-                <a16:creationId xmlns:a16="http://schemas.microsoft.com/office/drawing/2014/main" xmlns="" id="{DDB7800B-90D1-8C4B-56B7-FA1626BB1375}"/>
+                <a16:creationId xmlns="" xmlns:a16="http://schemas.microsoft.com/office/drawing/2014/main" id="{DDB7800B-90D1-8C4B-56B7-FA1626BB1375}"/>
               </a:ext>
             </a:extLst>
           </p:cNvPr>
@@ -14834,7 +14845,7 @@
           <p:cNvPr id="3" name="Content Placeholder 2">
             <a:extLst>
               <a:ext uri="{FF2B5EF4-FFF2-40B4-BE49-F238E27FC236}">
-                <a16:creationId xmlns:a16="http://schemas.microsoft.com/office/drawing/2014/main" xmlns="" id="{A07BF9D8-A7CB-D3F1-7E12-AD682B8F05A3}"/>
+                <a16:creationId xmlns="" xmlns:a16="http://schemas.microsoft.com/office/drawing/2014/main" id="{A07BF9D8-A7CB-D3F1-7E12-AD682B8F05A3}"/>
               </a:ext>
             </a:extLst>
           </p:cNvPr>
@@ -15434,7 +15445,7 @@
     </p:spTree>
     <p:extLst>
       <p:ext uri="{BB962C8B-B14F-4D97-AF65-F5344CB8AC3E}">
-        <p14:creationId xmlns:p14="http://schemas.microsoft.com/office/powerpoint/2010/main" xmlns="" val="42136755"/>
+        <p14:creationId xmlns="" xmlns:p14="http://schemas.microsoft.com/office/powerpoint/2010/main" val="42136755"/>
       </p:ext>
     </p:extLst>
   </p:cSld>
@@ -15473,7 +15484,7 @@
           <p:cNvPr id="2" name="Titolo 1">
             <a:extLst>
               <a:ext uri="{FF2B5EF4-FFF2-40B4-BE49-F238E27FC236}">
-                <a16:creationId xmlns:a16="http://schemas.microsoft.com/office/drawing/2014/main" xmlns="" id="{75031FE9-9059-4FE8-B4AC-9771F23A1B89}"/>
+                <a16:creationId xmlns="" xmlns:a16="http://schemas.microsoft.com/office/drawing/2014/main" id="{75031FE9-9059-4FE8-B4AC-9771F23A1B89}"/>
               </a:ext>
             </a:extLst>
           </p:cNvPr>
@@ -15509,7 +15520,7 @@
           <p:cNvPr id="4" name="Content Placeholder 3">
             <a:extLst>
               <a:ext uri="{FF2B5EF4-FFF2-40B4-BE49-F238E27FC236}">
-                <a16:creationId xmlns:a16="http://schemas.microsoft.com/office/drawing/2014/main" xmlns="" id="{E45B50AB-E09E-377A-4B46-AFA47F523EAB}"/>
+                <a16:creationId xmlns="" xmlns:a16="http://schemas.microsoft.com/office/drawing/2014/main" id="{E45B50AB-E09E-377A-4B46-AFA47F523EAB}"/>
               </a:ext>
             </a:extLst>
           </p:cNvPr>
@@ -15913,7 +15924,7 @@
     </p:spTree>
     <p:extLst>
       <p:ext uri="{BB962C8B-B14F-4D97-AF65-F5344CB8AC3E}">
-        <p14:creationId xmlns:p14="http://schemas.microsoft.com/office/powerpoint/2010/main" xmlns="" val="2728347993"/>
+        <p14:creationId xmlns="" xmlns:p14="http://schemas.microsoft.com/office/powerpoint/2010/main" val="2728347993"/>
       </p:ext>
     </p:extLst>
   </p:cSld>
@@ -15952,7 +15963,7 @@
           <p:cNvPr id="2" name="Titolo 1">
             <a:extLst>
               <a:ext uri="{FF2B5EF4-FFF2-40B4-BE49-F238E27FC236}">
-                <a16:creationId xmlns:a16="http://schemas.microsoft.com/office/drawing/2014/main" xmlns="" id="{75031FE9-9059-4FE8-B4AC-9771F23A1B89}"/>
+                <a16:creationId xmlns="" xmlns:a16="http://schemas.microsoft.com/office/drawing/2014/main" id="{75031FE9-9059-4FE8-B4AC-9771F23A1B89}"/>
               </a:ext>
             </a:extLst>
           </p:cNvPr>
@@ -15983,7 +15994,7 @@
           <p:cNvPr id="4" name="Content Placeholder 3">
             <a:extLst>
               <a:ext uri="{FF2B5EF4-FFF2-40B4-BE49-F238E27FC236}">
-                <a16:creationId xmlns:a16="http://schemas.microsoft.com/office/drawing/2014/main" xmlns="" id="{E45B50AB-E09E-377A-4B46-AFA47F523EAB}"/>
+                <a16:creationId xmlns="" xmlns:a16="http://schemas.microsoft.com/office/drawing/2014/main" id="{E45B50AB-E09E-377A-4B46-AFA47F523EAB}"/>
               </a:ext>
             </a:extLst>
           </p:cNvPr>
@@ -16689,7 +16700,7 @@
     </p:spTree>
     <p:extLst>
       <p:ext uri="{BB962C8B-B14F-4D97-AF65-F5344CB8AC3E}">
-        <p14:creationId xmlns:p14="http://schemas.microsoft.com/office/powerpoint/2010/main" xmlns="" val="2214790197"/>
+        <p14:creationId xmlns="" xmlns:p14="http://schemas.microsoft.com/office/powerpoint/2010/main" val="2214790197"/>
       </p:ext>
     </p:extLst>
   </p:cSld>
@@ -16728,7 +16739,7 @@
           <p:cNvPr id="2" name="Titolo 1">
             <a:extLst>
               <a:ext uri="{FF2B5EF4-FFF2-40B4-BE49-F238E27FC236}">
-                <a16:creationId xmlns:a16="http://schemas.microsoft.com/office/drawing/2014/main" xmlns="" id="{33CD56C4-6E5B-3F50-8E45-0B5F76D24317}"/>
+                <a16:creationId xmlns="" xmlns:a16="http://schemas.microsoft.com/office/drawing/2014/main" id="{33CD56C4-6E5B-3F50-8E45-0B5F76D24317}"/>
               </a:ext>
             </a:extLst>
           </p:cNvPr>
@@ -16761,7 +16772,7 @@
           <p:cNvPr id="3" name="Segnaposto contenuto 2">
             <a:extLst>
               <a:ext uri="{FF2B5EF4-FFF2-40B4-BE49-F238E27FC236}">
-                <a16:creationId xmlns:a16="http://schemas.microsoft.com/office/drawing/2014/main" xmlns="" id="{6C82BFE7-C732-8EE2-5773-C7A1C2B322DF}"/>
+                <a16:creationId xmlns="" xmlns:a16="http://schemas.microsoft.com/office/drawing/2014/main" id="{6C82BFE7-C732-8EE2-5773-C7A1C2B322DF}"/>
               </a:ext>
             </a:extLst>
           </p:cNvPr>
@@ -16859,7 +16870,7 @@
     </p:spTree>
     <p:extLst>
       <p:ext uri="{BB962C8B-B14F-4D97-AF65-F5344CB8AC3E}">
-        <p14:creationId xmlns:p14="http://schemas.microsoft.com/office/powerpoint/2010/main" xmlns="" val="2652939922"/>
+        <p14:creationId xmlns="" xmlns:p14="http://schemas.microsoft.com/office/powerpoint/2010/main" val="2652939922"/>
       </p:ext>
     </p:extLst>
   </p:cSld>
@@ -16877,6 +16888,1535 @@
 </file>
 
 <file path=ppt/slides/slide14.xml><?xml version="1.0" encoding="utf-8"?>
+<p:sld xmlns:a="http://schemas.openxmlformats.org/drawingml/2006/main" xmlns:r="http://schemas.openxmlformats.org/officeDocument/2006/relationships" xmlns:p="http://schemas.openxmlformats.org/presentationml/2006/main">
+  <p:cSld>
+    <p:spTree>
+      <p:nvGrpSpPr>
+        <p:cNvPr id="1" name=""/>
+        <p:cNvGrpSpPr/>
+        <p:nvPr/>
+      </p:nvGrpSpPr>
+      <p:grpSpPr>
+        <a:xfrm>
+          <a:off x="0" y="0"/>
+          <a:ext cx="0" cy="0"/>
+          <a:chOff x="0" y="0"/>
+          <a:chExt cx="0" cy="0"/>
+        </a:xfrm>
+      </p:grpSpPr>
+      <p:sp>
+        <p:nvSpPr>
+          <p:cNvPr id="2" name="Titolo 1">
+            <a:extLst>
+              <a:ext uri="{FF2B5EF4-FFF2-40B4-BE49-F238E27FC236}">
+                <a16:creationId xmlns:a16="http://schemas.microsoft.com/office/drawing/2014/main" xmlns="" id="{319C0A22-E6F8-667E-3A72-25D2351DA3CF}"/>
+              </a:ext>
+            </a:extLst>
+          </p:cNvPr>
+          <p:cNvSpPr>
+            <a:spLocks noGrp="1"/>
+          </p:cNvSpPr>
+          <p:nvPr>
+            <p:ph type="title"/>
+          </p:nvPr>
+        </p:nvSpPr>
+        <p:spPr>
+          <a:xfrm>
+            <a:off x="3212841" y="502155"/>
+            <a:ext cx="8610600" cy="1293028"/>
+          </a:xfrm>
+        </p:spPr>
+        <p:txBody>
+          <a:bodyPr/>
+          <a:lstStyle/>
+          <a:p>
+            <a:r>
+              <a:rPr lang="it-IT" b="1" dirty="0"/>
+              <a:t>DEMO per mostrare il flusso dell’interazione con l’utente</a:t>
+            </a:r>
+          </a:p>
+        </p:txBody>
+      </p:sp>
+      <p:pic>
+        <p:nvPicPr>
+          <p:cNvPr id="15" name="Segnaposto contenuto 14" descr="Immagine che contiene testo, schermata&#10;&#10;Descrizione generata automaticamente">
+            <a:extLst>
+              <a:ext uri="{FF2B5EF4-FFF2-40B4-BE49-F238E27FC236}">
+                <a16:creationId xmlns:a16="http://schemas.microsoft.com/office/drawing/2014/main" xmlns="" id="{4F340178-FE59-2D39-9D8B-E6D37D07471F}"/>
+              </a:ext>
+            </a:extLst>
+          </p:cNvPr>
+          <p:cNvPicPr>
+            <a:picLocks noGrp="1" noChangeAspect="1"/>
+          </p:cNvPicPr>
+          <p:nvPr>
+            <p:ph idx="1"/>
+          </p:nvPr>
+        </p:nvPicPr>
+        <p:blipFill>
+          <a:blip r:embed="rId2"/>
+          <a:stretch>
+            <a:fillRect/>
+          </a:stretch>
+        </p:blipFill>
+        <p:spPr>
+          <a:xfrm>
+            <a:off x="2253340" y="2439729"/>
+            <a:ext cx="7685320" cy="4024313"/>
+          </a:xfrm>
+        </p:spPr>
+      </p:pic>
+      <p:sp>
+        <p:nvSpPr>
+          <p:cNvPr id="16" name="CasellaDiTesto 15">
+            <a:extLst>
+              <a:ext uri="{FF2B5EF4-FFF2-40B4-BE49-F238E27FC236}">
+                <a16:creationId xmlns:a16="http://schemas.microsoft.com/office/drawing/2014/main" xmlns="" id="{0E0A8C1D-62C0-2BFA-6215-7AEE8D861046}"/>
+              </a:ext>
+            </a:extLst>
+          </p:cNvPr>
+          <p:cNvSpPr txBox="1"/>
+          <p:nvPr/>
+        </p:nvSpPr>
+        <p:spPr>
+          <a:xfrm>
+            <a:off x="3476532" y="1852520"/>
+            <a:ext cx="5238935" cy="369332"/>
+          </a:xfrm>
+          <a:prstGeom prst="rect">
+            <a:avLst/>
+          </a:prstGeom>
+          <a:noFill/>
+        </p:spPr>
+        <p:txBody>
+          <a:bodyPr wrap="none" rtlCol="0">
+            <a:spAutoFit/>
+          </a:bodyPr>
+          <a:lstStyle/>
+          <a:p>
+            <a:r>
+              <a:rPr lang="it-IT" dirty="0"/>
+              <a:t>SELEZIONE DELL’ ACCELERAZIONE DI GRAVITÀ</a:t>
+            </a:r>
+          </a:p>
+        </p:txBody>
+      </p:sp>
+    </p:spTree>
+    <p:extLst>
+      <p:ext uri="{BB962C8B-B14F-4D97-AF65-F5344CB8AC3E}">
+        <p14:creationId xmlns:p14="http://schemas.microsoft.com/office/powerpoint/2010/main" xmlns="" val="1907026003"/>
+      </p:ext>
+    </p:extLst>
+  </p:cSld>
+  <p:clrMapOvr>
+    <a:masterClrMapping/>
+  </p:clrMapOvr>
+</p:sld>
+</file>
+
+<file path=ppt/slides/slide15.xml><?xml version="1.0" encoding="utf-8"?>
+<p:sld xmlns:a="http://schemas.openxmlformats.org/drawingml/2006/main" xmlns:r="http://schemas.openxmlformats.org/officeDocument/2006/relationships" xmlns:p="http://schemas.openxmlformats.org/presentationml/2006/main">
+  <p:cSld>
+    <p:spTree>
+      <p:nvGrpSpPr>
+        <p:cNvPr id="1" name=""/>
+        <p:cNvGrpSpPr/>
+        <p:nvPr/>
+      </p:nvGrpSpPr>
+      <p:grpSpPr>
+        <a:xfrm>
+          <a:off x="0" y="0"/>
+          <a:ext cx="0" cy="0"/>
+          <a:chOff x="0" y="0"/>
+          <a:chExt cx="0" cy="0"/>
+        </a:xfrm>
+      </p:grpSpPr>
+      <p:sp>
+        <p:nvSpPr>
+          <p:cNvPr id="9" name="CasellaDiTesto 8">
+            <a:extLst>
+              <a:ext uri="{FF2B5EF4-FFF2-40B4-BE49-F238E27FC236}">
+                <a16:creationId xmlns:a16="http://schemas.microsoft.com/office/drawing/2014/main" xmlns="" id="{E946118C-3779-0329-388D-9A695FD7985A}"/>
+              </a:ext>
+            </a:extLst>
+          </p:cNvPr>
+          <p:cNvSpPr txBox="1"/>
+          <p:nvPr/>
+        </p:nvSpPr>
+        <p:spPr>
+          <a:xfrm>
+            <a:off x="3750907" y="1013224"/>
+            <a:ext cx="7403709" cy="400110"/>
+          </a:xfrm>
+          <a:prstGeom prst="rect">
+            <a:avLst/>
+          </a:prstGeom>
+          <a:noFill/>
+        </p:spPr>
+        <p:txBody>
+          <a:bodyPr wrap="square" rtlCol="0">
+            <a:spAutoFit/>
+          </a:bodyPr>
+          <a:lstStyle/>
+          <a:p>
+            <a:r>
+              <a:rPr lang="it-IT" sz="2000" dirty="0"/>
+              <a:t>INSERIMENTO DEL PUNTO DI PARTENZA</a:t>
+            </a:r>
+          </a:p>
+        </p:txBody>
+      </p:sp>
+      <p:pic>
+        <p:nvPicPr>
+          <p:cNvPr id="14" name="Segnaposto contenuto 7">
+            <a:extLst>
+              <a:ext uri="{FF2B5EF4-FFF2-40B4-BE49-F238E27FC236}">
+                <a16:creationId xmlns:a16="http://schemas.microsoft.com/office/drawing/2014/main" xmlns="" id="{63516E48-DDF8-C555-128B-28861514E579}"/>
+              </a:ext>
+            </a:extLst>
+          </p:cNvPr>
+          <p:cNvPicPr>
+            <a:picLocks noGrp="1" noChangeAspect="1"/>
+          </p:cNvPicPr>
+          <p:nvPr>
+            <p:ph idx="1"/>
+          </p:nvPr>
+        </p:nvPicPr>
+        <p:blipFill>
+          <a:blip r:embed="rId2"/>
+          <a:stretch>
+            <a:fillRect/>
+          </a:stretch>
+        </p:blipFill>
+        <p:spPr>
+          <a:xfrm>
+            <a:off x="1641100" y="1660849"/>
+            <a:ext cx="8781573" cy="4557390"/>
+          </a:xfrm>
+        </p:spPr>
+      </p:pic>
+    </p:spTree>
+    <p:extLst>
+      <p:ext uri="{BB962C8B-B14F-4D97-AF65-F5344CB8AC3E}">
+        <p14:creationId xmlns:p14="http://schemas.microsoft.com/office/powerpoint/2010/main" xmlns="" val="3568766427"/>
+      </p:ext>
+    </p:extLst>
+  </p:cSld>
+  <p:clrMapOvr>
+    <a:masterClrMapping/>
+  </p:clrMapOvr>
+</p:sld>
+</file>
+
+<file path=ppt/slides/slide16.xml><?xml version="1.0" encoding="utf-8"?>
+<p:sld xmlns:a="http://schemas.openxmlformats.org/drawingml/2006/main" xmlns:r="http://schemas.openxmlformats.org/officeDocument/2006/relationships" xmlns:p="http://schemas.openxmlformats.org/presentationml/2006/main">
+  <p:cSld>
+    <p:spTree>
+      <p:nvGrpSpPr>
+        <p:cNvPr id="1" name=""/>
+        <p:cNvGrpSpPr/>
+        <p:nvPr/>
+      </p:nvGrpSpPr>
+      <p:grpSpPr>
+        <a:xfrm>
+          <a:off x="0" y="0"/>
+          <a:ext cx="0" cy="0"/>
+          <a:chOff x="0" y="0"/>
+          <a:chExt cx="0" cy="0"/>
+        </a:xfrm>
+      </p:grpSpPr>
+      <p:sp>
+        <p:nvSpPr>
+          <p:cNvPr id="2" name="Titolo 1">
+            <a:extLst>
+              <a:ext uri="{FF2B5EF4-FFF2-40B4-BE49-F238E27FC236}">
+                <a16:creationId xmlns:a16="http://schemas.microsoft.com/office/drawing/2014/main" xmlns="" id="{F8997902-2740-A6A6-E32B-E6B98F14A874}"/>
+              </a:ext>
+            </a:extLst>
+          </p:cNvPr>
+          <p:cNvSpPr>
+            <a:spLocks noGrp="1"/>
+          </p:cNvSpPr>
+          <p:nvPr>
+            <p:ph type="title"/>
+          </p:nvPr>
+        </p:nvSpPr>
+        <p:spPr>
+          <a:xfrm>
+            <a:off x="-485969" y="653294"/>
+            <a:ext cx="9425473" cy="1293028"/>
+          </a:xfrm>
+        </p:spPr>
+        <p:txBody>
+          <a:bodyPr>
+            <a:normAutofit/>
+          </a:bodyPr>
+          <a:lstStyle/>
+          <a:p>
+            <a:r>
+              <a:rPr lang="it-IT" sz="2000" dirty="0"/>
+              <a:t>Inserimento del punto di arrivo</a:t>
+            </a:r>
+          </a:p>
+        </p:txBody>
+      </p:sp>
+      <p:pic>
+        <p:nvPicPr>
+          <p:cNvPr id="8" name="Segnaposto contenuto 7">
+            <a:extLst>
+              <a:ext uri="{FF2B5EF4-FFF2-40B4-BE49-F238E27FC236}">
+                <a16:creationId xmlns:a16="http://schemas.microsoft.com/office/drawing/2014/main" xmlns="" id="{FC43A86B-8CE0-4CFE-9309-E157AE92D37E}"/>
+              </a:ext>
+            </a:extLst>
+          </p:cNvPr>
+          <p:cNvPicPr>
+            <a:picLocks noGrp="1" noChangeAspect="1"/>
+          </p:cNvPicPr>
+          <p:nvPr>
+            <p:ph idx="1"/>
+          </p:nvPr>
+        </p:nvPicPr>
+        <p:blipFill>
+          <a:blip r:embed="rId2"/>
+          <a:stretch>
+            <a:fillRect/>
+          </a:stretch>
+        </p:blipFill>
+        <p:spPr>
+          <a:xfrm>
+            <a:off x="1096755" y="1979717"/>
+            <a:ext cx="9998489" cy="4071923"/>
+          </a:xfrm>
+        </p:spPr>
+      </p:pic>
+    </p:spTree>
+    <p:extLst>
+      <p:ext uri="{BB962C8B-B14F-4D97-AF65-F5344CB8AC3E}">
+        <p14:creationId xmlns:p14="http://schemas.microsoft.com/office/powerpoint/2010/main" xmlns="" val="21423114"/>
+      </p:ext>
+    </p:extLst>
+  </p:cSld>
+  <p:clrMapOvr>
+    <a:masterClrMapping/>
+  </p:clrMapOvr>
+</p:sld>
+</file>
+
+<file path=ppt/slides/slide17.xml><?xml version="1.0" encoding="utf-8"?>
+<p:sld xmlns:a="http://schemas.openxmlformats.org/drawingml/2006/main" xmlns:r="http://schemas.openxmlformats.org/officeDocument/2006/relationships" xmlns:p="http://schemas.openxmlformats.org/presentationml/2006/main">
+  <p:cSld>
+    <p:spTree>
+      <p:nvGrpSpPr>
+        <p:cNvPr id="1" name=""/>
+        <p:cNvGrpSpPr/>
+        <p:nvPr/>
+      </p:nvGrpSpPr>
+      <p:grpSpPr>
+        <a:xfrm>
+          <a:off x="0" y="0"/>
+          <a:ext cx="0" cy="0"/>
+          <a:chOff x="0" y="0"/>
+          <a:chExt cx="0" cy="0"/>
+        </a:xfrm>
+      </p:grpSpPr>
+      <p:sp>
+        <p:nvSpPr>
+          <p:cNvPr id="2" name="Titolo 1">
+            <a:extLst>
+              <a:ext uri="{FF2B5EF4-FFF2-40B4-BE49-F238E27FC236}">
+                <a16:creationId xmlns:a16="http://schemas.microsoft.com/office/drawing/2014/main" xmlns="" id="{ABC55025-8C9F-FE27-78A4-3BB627817225}"/>
+              </a:ext>
+            </a:extLst>
+          </p:cNvPr>
+          <p:cNvSpPr>
+            <a:spLocks noGrp="1"/>
+          </p:cNvSpPr>
+          <p:nvPr>
+            <p:ph type="title"/>
+          </p:nvPr>
+        </p:nvSpPr>
+        <p:spPr>
+          <a:xfrm>
+            <a:off x="-391885" y="523212"/>
+            <a:ext cx="8610600" cy="1293028"/>
+          </a:xfrm>
+        </p:spPr>
+        <p:txBody>
+          <a:bodyPr>
+            <a:normAutofit/>
+          </a:bodyPr>
+          <a:lstStyle/>
+          <a:p>
+            <a:r>
+              <a:rPr lang="it-IT" sz="2000" dirty="0"/>
+              <a:t>Selezione della curva</a:t>
+            </a:r>
+          </a:p>
+        </p:txBody>
+      </p:sp>
+      <p:pic>
+        <p:nvPicPr>
+          <p:cNvPr id="8" name="Segnaposto contenuto 7">
+            <a:extLst>
+              <a:ext uri="{FF2B5EF4-FFF2-40B4-BE49-F238E27FC236}">
+                <a16:creationId xmlns:a16="http://schemas.microsoft.com/office/drawing/2014/main" xmlns="" id="{322506BC-9FE7-529D-606F-08D4C265CB38}"/>
+              </a:ext>
+            </a:extLst>
+          </p:cNvPr>
+          <p:cNvPicPr>
+            <a:picLocks noGrp="1" noChangeAspect="1"/>
+          </p:cNvPicPr>
+          <p:nvPr>
+            <p:ph idx="1"/>
+          </p:nvPr>
+        </p:nvPicPr>
+        <p:blipFill>
+          <a:blip r:embed="rId2"/>
+          <a:stretch>
+            <a:fillRect/>
+          </a:stretch>
+        </p:blipFill>
+        <p:spPr>
+          <a:xfrm>
+            <a:off x="1749891" y="1551753"/>
+            <a:ext cx="9001516" cy="4687747"/>
+          </a:xfrm>
+        </p:spPr>
+      </p:pic>
+    </p:spTree>
+    <p:extLst>
+      <p:ext uri="{BB962C8B-B14F-4D97-AF65-F5344CB8AC3E}">
+        <p14:creationId xmlns:p14="http://schemas.microsoft.com/office/powerpoint/2010/main" xmlns="" val="2530934986"/>
+      </p:ext>
+    </p:extLst>
+  </p:cSld>
+  <p:clrMapOvr>
+    <a:masterClrMapping/>
+  </p:clrMapOvr>
+</p:sld>
+</file>
+
+<file path=ppt/slides/slide18.xml><?xml version="1.0" encoding="utf-8"?>
+<p:sld xmlns:a="http://schemas.openxmlformats.org/drawingml/2006/main" xmlns:r="http://schemas.openxmlformats.org/officeDocument/2006/relationships" xmlns:p="http://schemas.openxmlformats.org/presentationml/2006/main">
+  <p:cSld>
+    <p:spTree>
+      <p:nvGrpSpPr>
+        <p:cNvPr id="1" name=""/>
+        <p:cNvGrpSpPr/>
+        <p:nvPr/>
+      </p:nvGrpSpPr>
+      <p:grpSpPr>
+        <a:xfrm>
+          <a:off x="0" y="0"/>
+          <a:ext cx="0" cy="0"/>
+          <a:chOff x="0" y="0"/>
+          <a:chExt cx="0" cy="0"/>
+        </a:xfrm>
+      </p:grpSpPr>
+      <p:sp>
+        <p:nvSpPr>
+          <p:cNvPr id="2" name="Titolo 1">
+            <a:extLst>
+              <a:ext uri="{FF2B5EF4-FFF2-40B4-BE49-F238E27FC236}">
+                <a16:creationId xmlns:a16="http://schemas.microsoft.com/office/drawing/2014/main" xmlns="" id="{7439A337-0D8B-CAD1-2EFF-98232D624556}"/>
+              </a:ext>
+            </a:extLst>
+          </p:cNvPr>
+          <p:cNvSpPr>
+            <a:spLocks noGrp="1"/>
+          </p:cNvSpPr>
+          <p:nvPr>
+            <p:ph type="title"/>
+          </p:nvPr>
+        </p:nvSpPr>
+        <p:spPr>
+          <a:xfrm>
+            <a:off x="1669702" y="397643"/>
+            <a:ext cx="8610600" cy="1293028"/>
+          </a:xfrm>
+        </p:spPr>
+        <p:txBody>
+          <a:bodyPr>
+            <a:normAutofit/>
+          </a:bodyPr>
+          <a:lstStyle/>
+          <a:p>
+            <a:r>
+              <a:rPr lang="it-IT" sz="2000" dirty="0"/>
+              <a:t>Disegno della curva e Selezione della massa</a:t>
+            </a:r>
+          </a:p>
+        </p:txBody>
+      </p:sp>
+      <p:pic>
+        <p:nvPicPr>
+          <p:cNvPr id="12" name="Segnaposto contenuto 11">
+            <a:extLst>
+              <a:ext uri="{FF2B5EF4-FFF2-40B4-BE49-F238E27FC236}">
+                <a16:creationId xmlns:a16="http://schemas.microsoft.com/office/drawing/2014/main" xmlns="" id="{D33852EB-FCEA-7E2D-7471-72199158D848}"/>
+              </a:ext>
+            </a:extLst>
+          </p:cNvPr>
+          <p:cNvPicPr>
+            <a:picLocks noGrp="1" noChangeAspect="1"/>
+          </p:cNvPicPr>
+          <p:nvPr>
+            <p:ph idx="1"/>
+          </p:nvPr>
+        </p:nvPicPr>
+        <p:blipFill>
+          <a:blip r:embed="rId2"/>
+          <a:stretch>
+            <a:fillRect/>
+          </a:stretch>
+        </p:blipFill>
+        <p:spPr>
+          <a:xfrm>
+            <a:off x="1669702" y="1527350"/>
+            <a:ext cx="9088748" cy="4540163"/>
+          </a:xfrm>
+        </p:spPr>
+      </p:pic>
+    </p:spTree>
+    <p:extLst>
+      <p:ext uri="{BB962C8B-B14F-4D97-AF65-F5344CB8AC3E}">
+        <p14:creationId xmlns:p14="http://schemas.microsoft.com/office/powerpoint/2010/main" xmlns="" val="3292722586"/>
+      </p:ext>
+    </p:extLst>
+  </p:cSld>
+  <p:clrMapOvr>
+    <a:masterClrMapping/>
+  </p:clrMapOvr>
+</p:sld>
+</file>
+
+<file path=ppt/slides/slide19.xml><?xml version="1.0" encoding="utf-8"?>
+<p:sld xmlns:a="http://schemas.openxmlformats.org/drawingml/2006/main" xmlns:r="http://schemas.openxmlformats.org/officeDocument/2006/relationships" xmlns:p="http://schemas.openxmlformats.org/presentationml/2006/main">
+  <p:cSld>
+    <p:spTree>
+      <p:nvGrpSpPr>
+        <p:cNvPr id="1" name=""/>
+        <p:cNvGrpSpPr/>
+        <p:nvPr/>
+      </p:nvGrpSpPr>
+      <p:grpSpPr>
+        <a:xfrm>
+          <a:off x="0" y="0"/>
+          <a:ext cx="0" cy="0"/>
+          <a:chOff x="0" y="0"/>
+          <a:chExt cx="0" cy="0"/>
+        </a:xfrm>
+      </p:grpSpPr>
+      <p:sp>
+        <p:nvSpPr>
+          <p:cNvPr id="2" name="Titolo 1">
+            <a:extLst>
+              <a:ext uri="{FF2B5EF4-FFF2-40B4-BE49-F238E27FC236}">
+                <a16:creationId xmlns:a16="http://schemas.microsoft.com/office/drawing/2014/main" xmlns="" id="{ADDB99E4-5146-83CB-63D5-BA8603D23A6F}"/>
+              </a:ext>
+            </a:extLst>
+          </p:cNvPr>
+          <p:cNvSpPr>
+            <a:spLocks noGrp="1"/>
+          </p:cNvSpPr>
+          <p:nvPr>
+            <p:ph type="title"/>
+          </p:nvPr>
+        </p:nvSpPr>
+        <p:spPr>
+          <a:xfrm>
+            <a:off x="1951126" y="493224"/>
+            <a:ext cx="9393535" cy="1293028"/>
+          </a:xfrm>
+        </p:spPr>
+        <p:txBody>
+          <a:bodyPr>
+            <a:normAutofit/>
+          </a:bodyPr>
+          <a:lstStyle/>
+          <a:p>
+            <a:r>
+              <a:rPr lang="it-IT" sz="2000" dirty="0"/>
+              <a:t>Possibilità di inserire un’altra curva o avviare la simulazione</a:t>
+            </a:r>
+          </a:p>
+        </p:txBody>
+      </p:sp>
+      <p:pic>
+        <p:nvPicPr>
+          <p:cNvPr id="8" name="Segnaposto contenuto 7" descr="Immagine che contiene testo, schermata, logo&#10;&#10;Descrizione generata automaticamente">
+            <a:extLst>
+              <a:ext uri="{FF2B5EF4-FFF2-40B4-BE49-F238E27FC236}">
+                <a16:creationId xmlns:a16="http://schemas.microsoft.com/office/drawing/2014/main" xmlns="" id="{BE3FDDEF-DAAC-5813-C5DD-F7CEA57CE66C}"/>
+              </a:ext>
+            </a:extLst>
+          </p:cNvPr>
+          <p:cNvPicPr>
+            <a:picLocks noGrp="1" noChangeAspect="1"/>
+          </p:cNvPicPr>
+          <p:nvPr>
+            <p:ph idx="1"/>
+          </p:nvPr>
+        </p:nvPicPr>
+        <p:blipFill>
+          <a:blip r:embed="rId2"/>
+          <a:stretch>
+            <a:fillRect/>
+          </a:stretch>
+        </p:blipFill>
+        <p:spPr>
+          <a:xfrm>
+            <a:off x="847338" y="1604700"/>
+            <a:ext cx="10497323" cy="4613539"/>
+          </a:xfrm>
+        </p:spPr>
+      </p:pic>
+    </p:spTree>
+    <p:extLst>
+      <p:ext uri="{BB962C8B-B14F-4D97-AF65-F5344CB8AC3E}">
+        <p14:creationId xmlns:p14="http://schemas.microsoft.com/office/powerpoint/2010/main" xmlns="" val="585519967"/>
+      </p:ext>
+    </p:extLst>
+  </p:cSld>
+  <p:clrMapOvr>
+    <a:masterClrMapping/>
+  </p:clrMapOvr>
+</p:sld>
+</file>
+
+<file path=ppt/slides/slide2.xml><?xml version="1.0" encoding="utf-8"?>
+<p:sld xmlns:a="http://schemas.openxmlformats.org/drawingml/2006/main" xmlns:r="http://schemas.openxmlformats.org/officeDocument/2006/relationships" xmlns:p="http://schemas.openxmlformats.org/presentationml/2006/main">
+  <p:cSld>
+    <p:spTree>
+      <p:nvGrpSpPr>
+        <p:cNvPr id="1" name=""/>
+        <p:cNvGrpSpPr/>
+        <p:nvPr/>
+      </p:nvGrpSpPr>
+      <p:grpSpPr>
+        <a:xfrm>
+          <a:off x="0" y="0"/>
+          <a:ext cx="0" cy="0"/>
+          <a:chOff x="0" y="0"/>
+          <a:chExt cx="0" cy="0"/>
+        </a:xfrm>
+      </p:grpSpPr>
+      <p:sp>
+        <p:nvSpPr>
+          <p:cNvPr id="2" name="Titolo 1">
+            <a:extLst>
+              <a:ext uri="{FF2B5EF4-FFF2-40B4-BE49-F238E27FC236}">
+                <a16:creationId xmlns="" xmlns:a16="http://schemas.microsoft.com/office/drawing/2014/main" id="{75031FE9-9059-4FE8-B4AC-9771F23A1B89}"/>
+              </a:ext>
+            </a:extLst>
+          </p:cNvPr>
+          <p:cNvSpPr>
+            <a:spLocks noGrp="1"/>
+          </p:cNvSpPr>
+          <p:nvPr>
+            <p:ph type="title"/>
+          </p:nvPr>
+        </p:nvSpPr>
+        <p:spPr/>
+        <p:txBody>
+          <a:bodyPr rtlCol="0">
+            <a:normAutofit/>
+          </a:bodyPr>
+          <a:lstStyle/>
+          <a:p>
+            <a:pPr rtl="0"/>
+            <a:r>
+              <a:rPr lang="it-IT" sz="4400" b="1" dirty="0"/>
+              <a:t>Obiettivo</a:t>
+            </a:r>
+          </a:p>
+        </p:txBody>
+      </p:sp>
+      <p:sp>
+        <p:nvSpPr>
+          <p:cNvPr id="4" name="Content Placeholder 3">
+            <a:extLst>
+              <a:ext uri="{FF2B5EF4-FFF2-40B4-BE49-F238E27FC236}">
+                <a16:creationId xmlns="" xmlns:a16="http://schemas.microsoft.com/office/drawing/2014/main" id="{6EADD32B-2BED-B9CD-8880-5933A888D00B}"/>
+              </a:ext>
+            </a:extLst>
+          </p:cNvPr>
+          <p:cNvSpPr>
+            <a:spLocks noGrp="1"/>
+          </p:cNvSpPr>
+          <p:nvPr>
+            <p:ph idx="1"/>
+          </p:nvPr>
+        </p:nvSpPr>
+        <p:spPr/>
+        <p:txBody>
+          <a:bodyPr>
+            <a:normAutofit/>
+          </a:bodyPr>
+          <a:lstStyle/>
+          <a:p>
+            <a:pPr marL="0" indent="0">
+              <a:buNone/>
+            </a:pPr>
+            <a:r>
+              <a:rPr lang="en-US" dirty="0"/>
+              <a:t>Il </a:t>
+            </a:r>
+            <a:r>
+              <a:rPr lang="en-US" dirty="0" err="1"/>
+              <a:t>progetto</a:t>
+            </a:r>
+            <a:r>
+              <a:rPr lang="en-US" dirty="0"/>
+              <a:t> ha </a:t>
+            </a:r>
+            <a:r>
+              <a:rPr lang="en-US" dirty="0" err="1"/>
+              <a:t>l’obiettivo</a:t>
+            </a:r>
+            <a:r>
+              <a:rPr lang="en-US" dirty="0"/>
+              <a:t> di </a:t>
+            </a:r>
+            <a:r>
+              <a:rPr lang="en-US" dirty="0" err="1"/>
+              <a:t>realizzare</a:t>
+            </a:r>
+            <a:r>
+              <a:rPr lang="en-US" dirty="0"/>
+              <a:t> </a:t>
+            </a:r>
+            <a:r>
+              <a:rPr lang="en-US" dirty="0" err="1"/>
+              <a:t>una</a:t>
+            </a:r>
+            <a:r>
+              <a:rPr lang="en-US" dirty="0"/>
+              <a:t> </a:t>
+            </a:r>
+            <a:r>
+              <a:rPr lang="en-US" dirty="0" err="1"/>
+              <a:t>simulazione</a:t>
+            </a:r>
+            <a:r>
+              <a:rPr lang="en-US" dirty="0"/>
+              <a:t> </a:t>
+            </a:r>
+            <a:r>
+              <a:rPr lang="en-US" dirty="0" err="1"/>
+              <a:t>fisica</a:t>
+            </a:r>
+            <a:r>
+              <a:rPr lang="en-US" dirty="0"/>
+              <a:t> del </a:t>
+            </a:r>
+            <a:r>
+              <a:rPr lang="en-US" dirty="0" err="1"/>
+              <a:t>fenomeno</a:t>
+            </a:r>
+            <a:r>
+              <a:rPr lang="en-US" dirty="0"/>
+              <a:t> </a:t>
+            </a:r>
+            <a:r>
+              <a:rPr lang="en-US" dirty="0" err="1"/>
+              <a:t>della</a:t>
+            </a:r>
+            <a:r>
+              <a:rPr lang="en-US" dirty="0"/>
+              <a:t> </a:t>
+            </a:r>
+            <a:r>
+              <a:rPr lang="en-US" dirty="0" err="1"/>
+              <a:t>caduta</a:t>
+            </a:r>
+            <a:r>
+              <a:rPr lang="en-US" dirty="0"/>
+              <a:t> di </a:t>
+            </a:r>
+            <a:r>
+              <a:rPr lang="en-US" dirty="0" err="1"/>
+              <a:t>gravi</a:t>
+            </a:r>
+            <a:r>
+              <a:rPr lang="en-US" dirty="0"/>
+              <a:t>, sotto </a:t>
+            </a:r>
+            <a:r>
+              <a:rPr lang="en-US" dirty="0" err="1"/>
+              <a:t>l’influenza</a:t>
+            </a:r>
+            <a:r>
+              <a:rPr lang="en-US" dirty="0"/>
+              <a:t> </a:t>
+            </a:r>
+            <a:r>
+              <a:rPr lang="en-US" dirty="0" err="1"/>
+              <a:t>della</a:t>
+            </a:r>
+            <a:r>
+              <a:rPr lang="en-US" dirty="0"/>
+              <a:t> forza di </a:t>
+            </a:r>
+            <a:r>
+              <a:rPr lang="en-US" dirty="0" err="1"/>
+              <a:t>gravità</a:t>
+            </a:r>
+            <a:r>
+              <a:rPr lang="en-US" dirty="0"/>
+              <a:t>, </a:t>
+            </a:r>
+            <a:r>
+              <a:rPr lang="en-US" dirty="0" err="1"/>
+              <a:t>lungo</a:t>
+            </a:r>
+            <a:r>
+              <a:rPr lang="en-US" dirty="0"/>
+              <a:t> </a:t>
+            </a:r>
+            <a:r>
+              <a:rPr lang="en-US" dirty="0" err="1"/>
+              <a:t>diversi</a:t>
+            </a:r>
+            <a:r>
+              <a:rPr lang="en-US" dirty="0"/>
+              <a:t> tipi di curve. </a:t>
+            </a:r>
+          </a:p>
+          <a:p>
+            <a:pPr marL="0" indent="0">
+              <a:buNone/>
+            </a:pPr>
+            <a:r>
+              <a:rPr lang="en-US" dirty="0" err="1"/>
+              <a:t>L’idea</a:t>
+            </a:r>
+            <a:r>
+              <a:rPr lang="en-US" dirty="0"/>
+              <a:t> ha origine dal </a:t>
+            </a:r>
+            <a:r>
+              <a:rPr lang="en-US" dirty="0" err="1"/>
+              <a:t>problema</a:t>
+            </a:r>
+            <a:r>
+              <a:rPr lang="en-US" dirty="0"/>
+              <a:t> </a:t>
+            </a:r>
+            <a:r>
+              <a:rPr lang="en-US" dirty="0" err="1"/>
+              <a:t>della</a:t>
+            </a:r>
+            <a:r>
+              <a:rPr lang="en-US" dirty="0"/>
+              <a:t> </a:t>
+            </a:r>
+            <a:r>
+              <a:rPr lang="en-US" dirty="0" err="1"/>
+              <a:t>Brachistocrona</a:t>
+            </a:r>
+            <a:r>
+              <a:rPr lang="en-US" dirty="0"/>
+              <a:t>, di cui </a:t>
+            </a:r>
+            <a:r>
+              <a:rPr lang="en-US" dirty="0" err="1"/>
+              <a:t>si</a:t>
+            </a:r>
+            <a:r>
+              <a:rPr lang="en-US" dirty="0"/>
+              <a:t> </a:t>
+            </a:r>
+            <a:r>
+              <a:rPr lang="en-US" dirty="0" err="1"/>
+              <a:t>vuole</a:t>
+            </a:r>
+            <a:r>
+              <a:rPr lang="en-US" dirty="0"/>
+              <a:t> </a:t>
+            </a:r>
+            <a:r>
+              <a:rPr lang="en-US" dirty="0" err="1"/>
+              <a:t>comprovare</a:t>
+            </a:r>
+            <a:r>
+              <a:rPr lang="en-US" dirty="0"/>
+              <a:t> </a:t>
+            </a:r>
+            <a:r>
+              <a:rPr lang="en-US" dirty="0" err="1"/>
+              <a:t>che</a:t>
+            </a:r>
+            <a:r>
+              <a:rPr lang="en-US" dirty="0"/>
+              <a:t> la </a:t>
+            </a:r>
+            <a:r>
+              <a:rPr lang="en-US" dirty="0" err="1"/>
+              <a:t>soluzione</a:t>
+            </a:r>
+            <a:r>
+              <a:rPr lang="en-US" dirty="0"/>
+              <a:t>: la </a:t>
+            </a:r>
+            <a:r>
+              <a:rPr lang="en-US" dirty="0" err="1"/>
+              <a:t>cicloide</a:t>
+            </a:r>
+            <a:r>
+              <a:rPr lang="en-US" dirty="0"/>
+              <a:t>, è </a:t>
+            </a:r>
+            <a:r>
+              <a:rPr lang="en-US" dirty="0" err="1"/>
+              <a:t>effettivamente</a:t>
+            </a:r>
+            <a:r>
+              <a:rPr lang="en-US" dirty="0"/>
+              <a:t> la curva </a:t>
+            </a:r>
+            <a:r>
+              <a:rPr lang="en-US" dirty="0" err="1"/>
+              <a:t>più</a:t>
+            </a:r>
+            <a:r>
+              <a:rPr lang="en-US" dirty="0"/>
+              <a:t> veloce.</a:t>
+            </a:r>
+          </a:p>
+          <a:p>
+            <a:pPr marL="0" indent="0">
+              <a:buNone/>
+            </a:pPr>
+            <a:r>
+              <a:rPr lang="en-US" dirty="0"/>
+              <a:t>Il </a:t>
+            </a:r>
+            <a:r>
+              <a:rPr lang="en-US" dirty="0" err="1"/>
+              <a:t>progetto</a:t>
+            </a:r>
+            <a:r>
+              <a:rPr lang="en-US" dirty="0"/>
+              <a:t> </a:t>
+            </a:r>
+            <a:r>
+              <a:rPr lang="en-US" dirty="0" err="1"/>
+              <a:t>si</a:t>
+            </a:r>
+            <a:r>
+              <a:rPr lang="en-US" dirty="0"/>
+              <a:t> propone di </a:t>
+            </a:r>
+            <a:r>
+              <a:rPr lang="en-US" dirty="0" err="1"/>
+              <a:t>conciliare</a:t>
+            </a:r>
+            <a:r>
+              <a:rPr lang="en-US" dirty="0"/>
+              <a:t> un </a:t>
+            </a:r>
+            <a:r>
+              <a:rPr lang="en-US" dirty="0" err="1"/>
+              <a:t>rigoroso</a:t>
+            </a:r>
+            <a:r>
+              <a:rPr lang="en-US" dirty="0"/>
+              <a:t> studio </a:t>
+            </a:r>
+            <a:r>
+              <a:rPr lang="en-US" dirty="0" err="1"/>
+              <a:t>simulativo</a:t>
+            </a:r>
+            <a:r>
+              <a:rPr lang="en-US" dirty="0"/>
+              <a:t> del </a:t>
+            </a:r>
+            <a:r>
+              <a:rPr lang="en-US" dirty="0" err="1"/>
+              <a:t>fenomeno</a:t>
+            </a:r>
+            <a:r>
+              <a:rPr lang="en-US" dirty="0"/>
+              <a:t> a un </a:t>
+            </a:r>
+            <a:r>
+              <a:rPr lang="en-US" dirty="0" err="1"/>
+              <a:t>utilizzo</a:t>
+            </a:r>
+            <a:r>
+              <a:rPr lang="en-US" dirty="0"/>
+              <a:t> semplice e </a:t>
+            </a:r>
+            <a:r>
+              <a:rPr lang="en-US" dirty="0" err="1"/>
+              <a:t>ricreativo</a:t>
+            </a:r>
+            <a:r>
+              <a:rPr lang="en-US" dirty="0"/>
+              <a:t> </a:t>
+            </a:r>
+            <a:r>
+              <a:rPr lang="en-US" dirty="0" err="1"/>
+              <a:t>che</a:t>
+            </a:r>
+            <a:r>
+              <a:rPr lang="en-US" dirty="0"/>
+              <a:t> </a:t>
+            </a:r>
+            <a:r>
+              <a:rPr lang="en-US" dirty="0" err="1"/>
+              <a:t>può</a:t>
+            </a:r>
+            <a:r>
+              <a:rPr lang="en-US" dirty="0"/>
+              <a:t> </a:t>
+            </a:r>
+            <a:r>
+              <a:rPr lang="en-US" dirty="0" err="1"/>
+              <a:t>soddisfare</a:t>
+            </a:r>
+            <a:r>
+              <a:rPr lang="en-US" dirty="0"/>
+              <a:t> </a:t>
+            </a:r>
+            <a:r>
+              <a:rPr lang="en-US" dirty="0" err="1"/>
+              <a:t>anche</a:t>
+            </a:r>
+            <a:r>
+              <a:rPr lang="en-US" dirty="0"/>
+              <a:t> </a:t>
+            </a:r>
+            <a:r>
+              <a:rPr lang="en-US" dirty="0" err="1"/>
+              <a:t>l’utente</a:t>
+            </a:r>
+            <a:r>
+              <a:rPr lang="en-US" dirty="0"/>
+              <a:t> </a:t>
+            </a:r>
+            <a:r>
+              <a:rPr lang="en-US" dirty="0" err="1"/>
+              <a:t>meno</a:t>
+            </a:r>
+            <a:r>
+              <a:rPr lang="en-US" dirty="0"/>
+              <a:t> </a:t>
+            </a:r>
+            <a:r>
+              <a:rPr lang="en-US" dirty="0" err="1"/>
+              <a:t>esperto</a:t>
+            </a:r>
+            <a:r>
+              <a:rPr lang="en-US" dirty="0"/>
+              <a:t>.</a:t>
+            </a:r>
+          </a:p>
+          <a:p>
+            <a:pPr marL="0" indent="0">
+              <a:buNone/>
+            </a:pPr>
+            <a:endParaRPr lang="en-US" dirty="0"/>
+          </a:p>
+        </p:txBody>
+      </p:sp>
+    </p:spTree>
+    <p:extLst>
+      <p:ext uri="{BB962C8B-B14F-4D97-AF65-F5344CB8AC3E}">
+        <p14:creationId xmlns="" xmlns:p14="http://schemas.microsoft.com/office/powerpoint/2010/main" val="3250768115"/>
+      </p:ext>
+    </p:extLst>
+  </p:cSld>
+  <p:clrMapOvr>
+    <a:masterClrMapping/>
+  </p:clrMapOvr>
+  <p:timing>
+    <p:tnLst>
+      <p:par>
+        <p:cTn id="1" dur="indefinite" restart="never" nodeType="tmRoot"/>
+      </p:par>
+    </p:tnLst>
+  </p:timing>
+</p:sld>
+</file>
+
+<file path=ppt/slides/slide20.xml><?xml version="1.0" encoding="utf-8"?>
+<p:sld xmlns:a="http://schemas.openxmlformats.org/drawingml/2006/main" xmlns:r="http://schemas.openxmlformats.org/officeDocument/2006/relationships" xmlns:p="http://schemas.openxmlformats.org/presentationml/2006/main">
+  <p:cSld>
+    <p:spTree>
+      <p:nvGrpSpPr>
+        <p:cNvPr id="1" name=""/>
+        <p:cNvGrpSpPr/>
+        <p:nvPr/>
+      </p:nvGrpSpPr>
+      <p:grpSpPr>
+        <a:xfrm>
+          <a:off x="0" y="0"/>
+          <a:ext cx="0" cy="0"/>
+          <a:chOff x="0" y="0"/>
+          <a:chExt cx="0" cy="0"/>
+        </a:xfrm>
+      </p:grpSpPr>
+      <p:sp>
+        <p:nvSpPr>
+          <p:cNvPr id="2" name="Titolo 1">
+            <a:extLst>
+              <a:ext uri="{FF2B5EF4-FFF2-40B4-BE49-F238E27FC236}">
+                <a16:creationId xmlns:a16="http://schemas.microsoft.com/office/drawing/2014/main" xmlns="" id="{1074AA9D-2BC8-FBC6-DC35-2C07E35FB353}"/>
+              </a:ext>
+            </a:extLst>
+          </p:cNvPr>
+          <p:cNvSpPr>
+            <a:spLocks noGrp="1"/>
+          </p:cNvSpPr>
+          <p:nvPr>
+            <p:ph type="title"/>
+          </p:nvPr>
+        </p:nvSpPr>
+        <p:spPr>
+          <a:xfrm>
+            <a:off x="1076848" y="456103"/>
+            <a:ext cx="8610600" cy="1293028"/>
+          </a:xfrm>
+        </p:spPr>
+        <p:txBody>
+          <a:bodyPr>
+            <a:normAutofit/>
+          </a:bodyPr>
+          <a:lstStyle/>
+          <a:p>
+            <a:r>
+              <a:rPr lang="it-IT" sz="2000" dirty="0"/>
+              <a:t>Inserimento dei punti intermedi da interpolare</a:t>
+            </a:r>
+          </a:p>
+        </p:txBody>
+      </p:sp>
+      <p:pic>
+        <p:nvPicPr>
+          <p:cNvPr id="8" name="Segnaposto contenuto 7" descr="Immagine che contiene schermata, testo&#10;&#10;Descrizione generata automaticamente">
+            <a:extLst>
+              <a:ext uri="{FF2B5EF4-FFF2-40B4-BE49-F238E27FC236}">
+                <a16:creationId xmlns:a16="http://schemas.microsoft.com/office/drawing/2014/main" xmlns="" id="{7B3B6A84-9BB4-E864-1B73-4E478E5D2680}"/>
+              </a:ext>
+            </a:extLst>
+          </p:cNvPr>
+          <p:cNvPicPr>
+            <a:picLocks noGrp="1" noChangeAspect="1"/>
+          </p:cNvPicPr>
+          <p:nvPr>
+            <p:ph idx="1"/>
+          </p:nvPr>
+        </p:nvPicPr>
+        <p:blipFill>
+          <a:blip r:embed="rId2"/>
+          <a:stretch>
+            <a:fillRect/>
+          </a:stretch>
+        </p:blipFill>
+        <p:spPr>
+          <a:xfrm>
+            <a:off x="1076848" y="1627833"/>
+            <a:ext cx="10159589" cy="4530115"/>
+          </a:xfrm>
+        </p:spPr>
+      </p:pic>
+    </p:spTree>
+    <p:extLst>
+      <p:ext uri="{BB962C8B-B14F-4D97-AF65-F5344CB8AC3E}">
+        <p14:creationId xmlns:p14="http://schemas.microsoft.com/office/powerpoint/2010/main" xmlns="" val="1480993664"/>
+      </p:ext>
+    </p:extLst>
+  </p:cSld>
+  <p:clrMapOvr>
+    <a:masterClrMapping/>
+  </p:clrMapOvr>
+</p:sld>
+</file>
+
+<file path=ppt/slides/slide21.xml><?xml version="1.0" encoding="utf-8"?>
+<p:sld xmlns:a="http://schemas.openxmlformats.org/drawingml/2006/main" xmlns:r="http://schemas.openxmlformats.org/officeDocument/2006/relationships" xmlns:p="http://schemas.openxmlformats.org/presentationml/2006/main">
+  <p:cSld>
+    <p:spTree>
+      <p:nvGrpSpPr>
+        <p:cNvPr id="1" name=""/>
+        <p:cNvGrpSpPr/>
+        <p:nvPr/>
+      </p:nvGrpSpPr>
+      <p:grpSpPr>
+        <a:xfrm>
+          <a:off x="0" y="0"/>
+          <a:ext cx="0" cy="0"/>
+          <a:chOff x="0" y="0"/>
+          <a:chExt cx="0" cy="0"/>
+        </a:xfrm>
+      </p:grpSpPr>
+      <p:sp>
+        <p:nvSpPr>
+          <p:cNvPr id="2" name="Titolo 1">
+            <a:extLst>
+              <a:ext uri="{FF2B5EF4-FFF2-40B4-BE49-F238E27FC236}">
+                <a16:creationId xmlns:a16="http://schemas.microsoft.com/office/drawing/2014/main" xmlns="" id="{213E7B61-8AE6-BD8A-D699-8C16BAB73B8D}"/>
+              </a:ext>
+            </a:extLst>
+          </p:cNvPr>
+          <p:cNvSpPr>
+            <a:spLocks noGrp="1"/>
+          </p:cNvSpPr>
+          <p:nvPr>
+            <p:ph type="title"/>
+          </p:nvPr>
+        </p:nvSpPr>
+        <p:spPr>
+          <a:xfrm>
+            <a:off x="-433754" y="481867"/>
+            <a:ext cx="8610600" cy="1293028"/>
+          </a:xfrm>
+        </p:spPr>
+        <p:txBody>
+          <a:bodyPr>
+            <a:normAutofit/>
+          </a:bodyPr>
+          <a:lstStyle/>
+          <a:p>
+            <a:r>
+              <a:rPr lang="it-IT" sz="2000" dirty="0"/>
+              <a:t>Disegno della </a:t>
+            </a:r>
+            <a:r>
+              <a:rPr lang="it-IT" sz="2000" dirty="0" err="1"/>
+              <a:t>spline</a:t>
+            </a:r>
+            <a:endParaRPr lang="it-IT" sz="2000" dirty="0"/>
+          </a:p>
+        </p:txBody>
+      </p:sp>
+      <p:pic>
+        <p:nvPicPr>
+          <p:cNvPr id="8" name="Segnaposto contenuto 7" descr="Immagine che contiene testo, schermata, design&#10;&#10;Descrizione generata automaticamente">
+            <a:extLst>
+              <a:ext uri="{FF2B5EF4-FFF2-40B4-BE49-F238E27FC236}">
+                <a16:creationId xmlns:a16="http://schemas.microsoft.com/office/drawing/2014/main" xmlns="" id="{7AFDB912-69F5-B843-11B6-65768A060666}"/>
+              </a:ext>
+            </a:extLst>
+          </p:cNvPr>
+          <p:cNvPicPr>
+            <a:picLocks noGrp="1" noChangeAspect="1"/>
+          </p:cNvPicPr>
+          <p:nvPr>
+            <p:ph idx="1"/>
+          </p:nvPr>
+        </p:nvPicPr>
+        <p:blipFill>
+          <a:blip r:embed="rId2"/>
+          <a:stretch>
+            <a:fillRect/>
+          </a:stretch>
+        </p:blipFill>
+        <p:spPr>
+          <a:xfrm>
+            <a:off x="942624" y="1698173"/>
+            <a:ext cx="10306751" cy="4439680"/>
+          </a:xfrm>
+        </p:spPr>
+      </p:pic>
+    </p:spTree>
+    <p:extLst>
+      <p:ext uri="{BB962C8B-B14F-4D97-AF65-F5344CB8AC3E}">
+        <p14:creationId xmlns:p14="http://schemas.microsoft.com/office/powerpoint/2010/main" xmlns="" val="1430744010"/>
+      </p:ext>
+    </p:extLst>
+  </p:cSld>
+  <p:clrMapOvr>
+    <a:masterClrMapping/>
+  </p:clrMapOvr>
+</p:sld>
+</file>
+
+<file path=ppt/slides/slide22.xml><?xml version="1.0" encoding="utf-8"?>
+<p:sld xmlns:a="http://schemas.openxmlformats.org/drawingml/2006/main" xmlns:r="http://schemas.openxmlformats.org/officeDocument/2006/relationships" xmlns:p="http://schemas.openxmlformats.org/presentationml/2006/main">
+  <p:cSld>
+    <p:spTree>
+      <p:nvGrpSpPr>
+        <p:cNvPr id="1" name=""/>
+        <p:cNvGrpSpPr/>
+        <p:nvPr/>
+      </p:nvGrpSpPr>
+      <p:grpSpPr>
+        <a:xfrm>
+          <a:off x="0" y="0"/>
+          <a:ext cx="0" cy="0"/>
+          <a:chOff x="0" y="0"/>
+          <a:chExt cx="0" cy="0"/>
+        </a:xfrm>
+      </p:grpSpPr>
+      <p:sp>
+        <p:nvSpPr>
+          <p:cNvPr id="2" name="Titolo 1">
+            <a:extLst>
+              <a:ext uri="{FF2B5EF4-FFF2-40B4-BE49-F238E27FC236}">
+                <a16:creationId xmlns:a16="http://schemas.microsoft.com/office/drawing/2014/main" xmlns="" id="{00356CF6-6203-30AE-195E-BD1948F3E109}"/>
+              </a:ext>
+            </a:extLst>
+          </p:cNvPr>
+          <p:cNvSpPr>
+            <a:spLocks noGrp="1"/>
+          </p:cNvSpPr>
+          <p:nvPr>
+            <p:ph type="title"/>
+          </p:nvPr>
+        </p:nvSpPr>
+        <p:spPr>
+          <a:xfrm>
+            <a:off x="1524000" y="393979"/>
+            <a:ext cx="8610600" cy="1293028"/>
+          </a:xfrm>
+        </p:spPr>
+        <p:txBody>
+          <a:bodyPr>
+            <a:normAutofit/>
+          </a:bodyPr>
+          <a:lstStyle/>
+          <a:p>
+            <a:r>
+              <a:rPr lang="it-IT" sz="2000" dirty="0"/>
+              <a:t>Selezione della convessità della circonferenza</a:t>
+            </a:r>
+          </a:p>
+        </p:txBody>
+      </p:sp>
+      <p:pic>
+        <p:nvPicPr>
+          <p:cNvPr id="8" name="Segnaposto contenuto 7" descr="Immagine che contiene schermata, testo&#10;&#10;Descrizione generata automaticamente">
+            <a:extLst>
+              <a:ext uri="{FF2B5EF4-FFF2-40B4-BE49-F238E27FC236}">
+                <a16:creationId xmlns:a16="http://schemas.microsoft.com/office/drawing/2014/main" xmlns="" id="{BBECCF44-3C6E-CB90-2F81-BFCAE868BADA}"/>
+              </a:ext>
+            </a:extLst>
+          </p:cNvPr>
+          <p:cNvPicPr>
+            <a:picLocks noGrp="1" noChangeAspect="1"/>
+          </p:cNvPicPr>
+          <p:nvPr>
+            <p:ph idx="1"/>
+          </p:nvPr>
+        </p:nvPicPr>
+        <p:blipFill>
+          <a:blip r:embed="rId2"/>
+          <a:stretch>
+            <a:fillRect/>
+          </a:stretch>
+        </p:blipFill>
+        <p:spPr>
+          <a:xfrm>
+            <a:off x="1027377" y="1591701"/>
+            <a:ext cx="10137245" cy="4526053"/>
+          </a:xfrm>
+        </p:spPr>
+      </p:pic>
+    </p:spTree>
+    <p:extLst>
+      <p:ext uri="{BB962C8B-B14F-4D97-AF65-F5344CB8AC3E}">
+        <p14:creationId xmlns:p14="http://schemas.microsoft.com/office/powerpoint/2010/main" xmlns="" val="2527635943"/>
+      </p:ext>
+    </p:extLst>
+  </p:cSld>
+  <p:clrMapOvr>
+    <a:masterClrMapping/>
+  </p:clrMapOvr>
+</p:sld>
+</file>
+
+<file path=ppt/slides/slide23.xml><?xml version="1.0" encoding="utf-8"?>
+<p:sld xmlns:a="http://schemas.openxmlformats.org/drawingml/2006/main" xmlns:r="http://schemas.openxmlformats.org/officeDocument/2006/relationships" xmlns:p="http://schemas.openxmlformats.org/presentationml/2006/main">
+  <p:cSld>
+    <p:spTree>
+      <p:nvGrpSpPr>
+        <p:cNvPr id="1" name=""/>
+        <p:cNvGrpSpPr/>
+        <p:nvPr/>
+      </p:nvGrpSpPr>
+      <p:grpSpPr>
+        <a:xfrm>
+          <a:off x="0" y="0"/>
+          <a:ext cx="0" cy="0"/>
+          <a:chOff x="0" y="0"/>
+          <a:chExt cx="0" cy="0"/>
+        </a:xfrm>
+      </p:grpSpPr>
+      <p:sp>
+        <p:nvSpPr>
+          <p:cNvPr id="2" name="Titolo 1">
+            <a:extLst>
+              <a:ext uri="{FF2B5EF4-FFF2-40B4-BE49-F238E27FC236}">
+                <a16:creationId xmlns:a16="http://schemas.microsoft.com/office/drawing/2014/main" xmlns="" id="{145B183D-6DCE-09B9-3299-09B8E906B5BD}"/>
+              </a:ext>
+            </a:extLst>
+          </p:cNvPr>
+          <p:cNvSpPr>
+            <a:spLocks noGrp="1"/>
+          </p:cNvSpPr>
+          <p:nvPr>
+            <p:ph type="title"/>
+          </p:nvPr>
+        </p:nvSpPr>
+        <p:spPr>
+          <a:xfrm>
+            <a:off x="1449356" y="395611"/>
+            <a:ext cx="8610600" cy="1293028"/>
+          </a:xfrm>
+        </p:spPr>
+        <p:txBody>
+          <a:bodyPr>
+            <a:normAutofit/>
+          </a:bodyPr>
+          <a:lstStyle/>
+          <a:p>
+            <a:r>
+              <a:rPr lang="it-IT" sz="2000" dirty="0"/>
+              <a:t>Selezione del raggio della circonferenza</a:t>
+            </a:r>
+          </a:p>
+        </p:txBody>
+      </p:sp>
+      <p:pic>
+        <p:nvPicPr>
+          <p:cNvPr id="8" name="Segnaposto contenuto 7" descr="Immagine che contiene schermata, testo, Sistema operativo&#10;&#10;Descrizione generata automaticamente">
+            <a:extLst>
+              <a:ext uri="{FF2B5EF4-FFF2-40B4-BE49-F238E27FC236}">
+                <a16:creationId xmlns:a16="http://schemas.microsoft.com/office/drawing/2014/main" xmlns="" id="{98E8AB7B-FE70-98D8-3DE5-A482654C3C30}"/>
+              </a:ext>
+            </a:extLst>
+          </p:cNvPr>
+          <p:cNvPicPr>
+            <a:picLocks noGrp="1" noChangeAspect="1"/>
+          </p:cNvPicPr>
+          <p:nvPr>
+            <p:ph idx="1"/>
+          </p:nvPr>
+        </p:nvPicPr>
+        <p:blipFill>
+          <a:blip r:embed="rId2"/>
+          <a:stretch>
+            <a:fillRect/>
+          </a:stretch>
+        </p:blipFill>
+        <p:spPr>
+          <a:xfrm>
+            <a:off x="1256844" y="1578428"/>
+            <a:ext cx="9678311" cy="4716010"/>
+          </a:xfrm>
+        </p:spPr>
+      </p:pic>
+    </p:spTree>
+    <p:extLst>
+      <p:ext uri="{BB962C8B-B14F-4D97-AF65-F5344CB8AC3E}">
+        <p14:creationId xmlns:p14="http://schemas.microsoft.com/office/powerpoint/2010/main" xmlns="" val="1135729879"/>
+      </p:ext>
+    </p:extLst>
+  </p:cSld>
+  <p:clrMapOvr>
+    <a:masterClrMapping/>
+  </p:clrMapOvr>
+</p:sld>
+</file>
+
+<file path=ppt/slides/slide24.xml><?xml version="1.0" encoding="utf-8"?>
+<p:sld xmlns:a="http://schemas.openxmlformats.org/drawingml/2006/main" xmlns:r="http://schemas.openxmlformats.org/officeDocument/2006/relationships" xmlns:p="http://schemas.openxmlformats.org/presentationml/2006/main">
+  <p:cSld>
+    <p:spTree>
+      <p:nvGrpSpPr>
+        <p:cNvPr id="1" name=""/>
+        <p:cNvGrpSpPr/>
+        <p:nvPr/>
+      </p:nvGrpSpPr>
+      <p:grpSpPr>
+        <a:xfrm>
+          <a:off x="0" y="0"/>
+          <a:ext cx="0" cy="0"/>
+          <a:chOff x="0" y="0"/>
+          <a:chExt cx="0" cy="0"/>
+        </a:xfrm>
+      </p:grpSpPr>
+      <p:sp>
+        <p:nvSpPr>
+          <p:cNvPr id="2" name="Titolo 1">
+            <a:extLst>
+              <a:ext uri="{FF2B5EF4-FFF2-40B4-BE49-F238E27FC236}">
+                <a16:creationId xmlns:a16="http://schemas.microsoft.com/office/drawing/2014/main" xmlns="" id="{6C08DC7F-C9DA-023A-17DC-A41B185726F1}"/>
+              </a:ext>
+            </a:extLst>
+          </p:cNvPr>
+          <p:cNvSpPr>
+            <a:spLocks noGrp="1"/>
+          </p:cNvSpPr>
+          <p:nvPr>
+            <p:ph type="title"/>
+          </p:nvPr>
+        </p:nvSpPr>
+        <p:spPr>
+          <a:xfrm>
+            <a:off x="996462" y="519181"/>
+            <a:ext cx="8610600" cy="1293028"/>
+          </a:xfrm>
+        </p:spPr>
+        <p:txBody>
+          <a:bodyPr>
+            <a:normAutofit/>
+          </a:bodyPr>
+          <a:lstStyle/>
+          <a:p>
+            <a:r>
+              <a:rPr lang="it-IT" sz="2000" dirty="0"/>
+              <a:t>Simulazione e classifica dei tempi di arrivo</a:t>
+            </a:r>
+          </a:p>
+        </p:txBody>
+      </p:sp>
+      <p:pic>
+        <p:nvPicPr>
+          <p:cNvPr id="8" name="Segnaposto contenuto 7">
+            <a:extLst>
+              <a:ext uri="{FF2B5EF4-FFF2-40B4-BE49-F238E27FC236}">
+                <a16:creationId xmlns:a16="http://schemas.microsoft.com/office/drawing/2014/main" xmlns="" id="{315E4EFF-3696-5E80-CCAF-3C562A794926}"/>
+              </a:ext>
+            </a:extLst>
+          </p:cNvPr>
+          <p:cNvPicPr>
+            <a:picLocks noGrp="1" noChangeAspect="1"/>
+          </p:cNvPicPr>
+          <p:nvPr>
+            <p:ph idx="1"/>
+          </p:nvPr>
+        </p:nvPicPr>
+        <p:blipFill>
+          <a:blip r:embed="rId2"/>
+          <a:stretch>
+            <a:fillRect/>
+          </a:stretch>
+        </p:blipFill>
+        <p:spPr>
+          <a:xfrm>
+            <a:off x="1557243" y="1657978"/>
+            <a:ext cx="9512145" cy="4560261"/>
+          </a:xfrm>
+        </p:spPr>
+      </p:pic>
+    </p:spTree>
+    <p:extLst>
+      <p:ext uri="{BB962C8B-B14F-4D97-AF65-F5344CB8AC3E}">
+        <p14:creationId xmlns:p14="http://schemas.microsoft.com/office/powerpoint/2010/main" xmlns="" val="2136751782"/>
+      </p:ext>
+    </p:extLst>
+  </p:cSld>
+  <p:clrMapOvr>
+    <a:masterClrMapping/>
+  </p:clrMapOvr>
+</p:sld>
+</file>
+
+<file path=ppt/slides/slide25.xml><?xml version="1.0" encoding="utf-8"?>
 <p:sld xmlns:a="http://schemas.openxmlformats.org/drawingml/2006/main" xmlns:r="http://schemas.openxmlformats.org/officeDocument/2006/relationships" xmlns:p="http://schemas.openxmlformats.org/presentationml/2006/main">
   <p:cSld>
     <p:spTree>
@@ -17055,463 +18595,6 @@
 </p:sld>
 </file>
 
-<file path=ppt/slides/slide2.xml><?xml version="1.0" encoding="utf-8"?>
-<p:sld xmlns:a="http://schemas.openxmlformats.org/drawingml/2006/main" xmlns:r="http://schemas.openxmlformats.org/officeDocument/2006/relationships" xmlns:p="http://schemas.openxmlformats.org/presentationml/2006/main">
-  <p:cSld>
-    <p:spTree>
-      <p:nvGrpSpPr>
-        <p:cNvPr id="1" name=""/>
-        <p:cNvGrpSpPr/>
-        <p:nvPr/>
-      </p:nvGrpSpPr>
-      <p:grpSpPr>
-        <a:xfrm>
-          <a:off x="0" y="0"/>
-          <a:ext cx="0" cy="0"/>
-          <a:chOff x="0" y="0"/>
-          <a:chExt cx="0" cy="0"/>
-        </a:xfrm>
-      </p:grpSpPr>
-      <p:sp>
-        <p:nvSpPr>
-          <p:cNvPr id="2" name="Titolo 1">
-            <a:extLst>
-              <a:ext uri="{FF2B5EF4-FFF2-40B4-BE49-F238E27FC236}">
-                <a16:creationId xmlns:a16="http://schemas.microsoft.com/office/drawing/2014/main" xmlns="" id="{75031FE9-9059-4FE8-B4AC-9771F23A1B89}"/>
-              </a:ext>
-            </a:extLst>
-          </p:cNvPr>
-          <p:cNvSpPr>
-            <a:spLocks noGrp="1"/>
-          </p:cNvSpPr>
-          <p:nvPr>
-            <p:ph type="title"/>
-          </p:nvPr>
-        </p:nvSpPr>
-        <p:spPr/>
-        <p:txBody>
-          <a:bodyPr rtlCol="0">
-            <a:normAutofit/>
-          </a:bodyPr>
-          <a:lstStyle/>
-          <a:p>
-            <a:pPr rtl="0"/>
-            <a:r>
-              <a:rPr lang="it-IT" sz="4400" b="1" dirty="0"/>
-              <a:t>Obiettivo</a:t>
-            </a:r>
-          </a:p>
-        </p:txBody>
-      </p:sp>
-      <p:sp>
-        <p:nvSpPr>
-          <p:cNvPr id="4" name="Content Placeholder 3">
-            <a:extLst>
-              <a:ext uri="{FF2B5EF4-FFF2-40B4-BE49-F238E27FC236}">
-                <a16:creationId xmlns:a16="http://schemas.microsoft.com/office/drawing/2014/main" xmlns="" id="{6EADD32B-2BED-B9CD-8880-5933A888D00B}"/>
-              </a:ext>
-            </a:extLst>
-          </p:cNvPr>
-          <p:cNvSpPr>
-            <a:spLocks noGrp="1"/>
-          </p:cNvSpPr>
-          <p:nvPr>
-            <p:ph idx="1"/>
-          </p:nvPr>
-        </p:nvSpPr>
-        <p:spPr/>
-        <p:txBody>
-          <a:bodyPr>
-            <a:normAutofit/>
-          </a:bodyPr>
-          <a:lstStyle/>
-          <a:p>
-            <a:pPr marL="0" indent="0">
-              <a:buNone/>
-            </a:pPr>
-            <a:r>
-              <a:rPr lang="en-US" dirty="0"/>
-              <a:t>Il </a:t>
-            </a:r>
-            <a:r>
-              <a:rPr lang="en-US" dirty="0" err="1"/>
-              <a:t>progetto</a:t>
-            </a:r>
-            <a:r>
-              <a:rPr lang="en-US" dirty="0"/>
-              <a:t> ha </a:t>
-            </a:r>
-            <a:r>
-              <a:rPr lang="en-US" dirty="0" err="1"/>
-              <a:t>l’obiettivo</a:t>
-            </a:r>
-            <a:r>
-              <a:rPr lang="en-US" dirty="0"/>
-              <a:t> di </a:t>
-            </a:r>
-            <a:r>
-              <a:rPr lang="en-US" dirty="0" err="1"/>
-              <a:t>realizzare</a:t>
-            </a:r>
-            <a:r>
-              <a:rPr lang="en-US" dirty="0"/>
-              <a:t> </a:t>
-            </a:r>
-            <a:r>
-              <a:rPr lang="en-US" dirty="0" err="1"/>
-              <a:t>una</a:t>
-            </a:r>
-            <a:r>
-              <a:rPr lang="en-US" dirty="0"/>
-              <a:t> </a:t>
-            </a:r>
-            <a:r>
-              <a:rPr lang="en-US" dirty="0" err="1"/>
-              <a:t>simulazione</a:t>
-            </a:r>
-            <a:r>
-              <a:rPr lang="en-US" dirty="0"/>
-              <a:t> </a:t>
-            </a:r>
-            <a:r>
-              <a:rPr lang="en-US" dirty="0" err="1"/>
-              <a:t>fisica</a:t>
-            </a:r>
-            <a:r>
-              <a:rPr lang="en-US" dirty="0"/>
-              <a:t> del </a:t>
-            </a:r>
-            <a:r>
-              <a:rPr lang="en-US" dirty="0" err="1"/>
-              <a:t>fenomeno</a:t>
-            </a:r>
-            <a:r>
-              <a:rPr lang="en-US" dirty="0"/>
-              <a:t> </a:t>
-            </a:r>
-            <a:r>
-              <a:rPr lang="en-US" dirty="0" err="1"/>
-              <a:t>della</a:t>
-            </a:r>
-            <a:r>
-              <a:rPr lang="en-US" dirty="0"/>
-              <a:t> </a:t>
-            </a:r>
-            <a:r>
-              <a:rPr lang="en-US" dirty="0" err="1"/>
-              <a:t>caduta</a:t>
-            </a:r>
-            <a:r>
-              <a:rPr lang="en-US" dirty="0"/>
-              <a:t> di </a:t>
-            </a:r>
-            <a:r>
-              <a:rPr lang="en-US" dirty="0" err="1"/>
-              <a:t>gravi</a:t>
-            </a:r>
-            <a:r>
-              <a:rPr lang="en-US" dirty="0"/>
-              <a:t>, sotto </a:t>
-            </a:r>
-            <a:r>
-              <a:rPr lang="en-US" dirty="0" err="1"/>
-              <a:t>l’influenza</a:t>
-            </a:r>
-            <a:r>
-              <a:rPr lang="en-US" dirty="0"/>
-              <a:t> </a:t>
-            </a:r>
-            <a:r>
-              <a:rPr lang="en-US" dirty="0" err="1"/>
-              <a:t>della</a:t>
-            </a:r>
-            <a:r>
-              <a:rPr lang="en-US" dirty="0"/>
-              <a:t> forza di </a:t>
-            </a:r>
-            <a:r>
-              <a:rPr lang="en-US" dirty="0" err="1"/>
-              <a:t>gravità</a:t>
-            </a:r>
-            <a:r>
-              <a:rPr lang="en-US" dirty="0"/>
-              <a:t>, </a:t>
-            </a:r>
-            <a:r>
-              <a:rPr lang="en-US" dirty="0" err="1"/>
-              <a:t>lungo</a:t>
-            </a:r>
-            <a:r>
-              <a:rPr lang="en-US" dirty="0"/>
-              <a:t> </a:t>
-            </a:r>
-            <a:r>
-              <a:rPr lang="en-US" dirty="0" err="1"/>
-              <a:t>diversi</a:t>
-            </a:r>
-            <a:r>
-              <a:rPr lang="en-US" dirty="0"/>
-              <a:t> tipi di curve. </a:t>
-            </a:r>
-          </a:p>
-          <a:p>
-            <a:pPr marL="0" indent="0">
-              <a:buNone/>
-            </a:pPr>
-            <a:r>
-              <a:rPr lang="en-US" dirty="0" err="1"/>
-              <a:t>L’idea</a:t>
-            </a:r>
-            <a:r>
-              <a:rPr lang="en-US" dirty="0"/>
-              <a:t> ha origine dal </a:t>
-            </a:r>
-            <a:r>
-              <a:rPr lang="en-US" dirty="0" err="1"/>
-              <a:t>problema</a:t>
-            </a:r>
-            <a:r>
-              <a:rPr lang="en-US" dirty="0"/>
-              <a:t> </a:t>
-            </a:r>
-            <a:r>
-              <a:rPr lang="en-US" dirty="0" err="1"/>
-              <a:t>della</a:t>
-            </a:r>
-            <a:r>
-              <a:rPr lang="en-US" dirty="0"/>
-              <a:t> </a:t>
-            </a:r>
-            <a:r>
-              <a:rPr lang="en-US" dirty="0" err="1"/>
-              <a:t>Brachistocrona</a:t>
-            </a:r>
-            <a:r>
-              <a:rPr lang="en-US" dirty="0"/>
-              <a:t>, di cui </a:t>
-            </a:r>
-            <a:r>
-              <a:rPr lang="en-US" dirty="0" err="1"/>
-              <a:t>si</a:t>
-            </a:r>
-            <a:r>
-              <a:rPr lang="en-US" dirty="0"/>
-              <a:t> </a:t>
-            </a:r>
-            <a:r>
-              <a:rPr lang="en-US" dirty="0" err="1"/>
-              <a:t>vuole</a:t>
-            </a:r>
-            <a:r>
-              <a:rPr lang="en-US" dirty="0"/>
-              <a:t> </a:t>
-            </a:r>
-            <a:r>
-              <a:rPr lang="en-US" dirty="0" err="1"/>
-              <a:t>comprovare</a:t>
-            </a:r>
-            <a:r>
-              <a:rPr lang="en-US" dirty="0"/>
-              <a:t> </a:t>
-            </a:r>
-            <a:r>
-              <a:rPr lang="en-US" dirty="0" err="1"/>
-              <a:t>che</a:t>
-            </a:r>
-            <a:r>
-              <a:rPr lang="en-US" dirty="0"/>
-              <a:t> la </a:t>
-            </a:r>
-            <a:r>
-              <a:rPr lang="en-US" dirty="0" err="1"/>
-              <a:t>soluzione</a:t>
-            </a:r>
-            <a:r>
-              <a:rPr lang="en-US" dirty="0"/>
-              <a:t>: la </a:t>
-            </a:r>
-            <a:r>
-              <a:rPr lang="en-US" dirty="0" err="1"/>
-              <a:t>cicloide</a:t>
-            </a:r>
-            <a:r>
-              <a:rPr lang="en-US" dirty="0"/>
-              <a:t>, è </a:t>
-            </a:r>
-            <a:r>
-              <a:rPr lang="en-US" dirty="0" err="1"/>
-              <a:t>effettivamente</a:t>
-            </a:r>
-            <a:r>
-              <a:rPr lang="en-US" dirty="0"/>
-              <a:t> la curva </a:t>
-            </a:r>
-            <a:r>
-              <a:rPr lang="en-US" dirty="0" err="1"/>
-              <a:t>più</a:t>
-            </a:r>
-            <a:r>
-              <a:rPr lang="en-US" dirty="0"/>
-              <a:t> veloce.</a:t>
-            </a:r>
-          </a:p>
-          <a:p>
-            <a:pPr marL="0" indent="0">
-              <a:buNone/>
-            </a:pPr>
-            <a:r>
-              <a:rPr lang="en-US" dirty="0"/>
-              <a:t>Il </a:t>
-            </a:r>
-            <a:r>
-              <a:rPr lang="en-US" dirty="0" err="1"/>
-              <a:t>progetto</a:t>
-            </a:r>
-            <a:r>
-              <a:rPr lang="en-US" dirty="0"/>
-              <a:t> </a:t>
-            </a:r>
-            <a:r>
-              <a:rPr lang="en-US" dirty="0" err="1"/>
-              <a:t>si</a:t>
-            </a:r>
-            <a:r>
-              <a:rPr lang="en-US" dirty="0"/>
-              <a:t> propone di </a:t>
-            </a:r>
-            <a:r>
-              <a:rPr lang="en-US" dirty="0" err="1"/>
-              <a:t>conciliare</a:t>
-            </a:r>
-            <a:r>
-              <a:rPr lang="en-US" dirty="0"/>
-              <a:t> un </a:t>
-            </a:r>
-            <a:r>
-              <a:rPr lang="en-US" dirty="0" err="1"/>
-              <a:t>rigoroso</a:t>
-            </a:r>
-            <a:r>
-              <a:rPr lang="en-US" dirty="0"/>
-              <a:t> studio </a:t>
-            </a:r>
-            <a:r>
-              <a:rPr lang="en-US" dirty="0" err="1"/>
-              <a:t>simulativo</a:t>
-            </a:r>
-            <a:r>
-              <a:rPr lang="en-US" dirty="0"/>
-              <a:t> del </a:t>
-            </a:r>
-            <a:r>
-              <a:rPr lang="en-US" dirty="0" err="1"/>
-              <a:t>fenomeno</a:t>
-            </a:r>
-            <a:r>
-              <a:rPr lang="en-US" dirty="0"/>
-              <a:t> a un </a:t>
-            </a:r>
-            <a:r>
-              <a:rPr lang="en-US" dirty="0" err="1"/>
-              <a:t>utilizzo</a:t>
-            </a:r>
-            <a:r>
-              <a:rPr lang="en-US" dirty="0"/>
-              <a:t> semplice e </a:t>
-            </a:r>
-            <a:r>
-              <a:rPr lang="en-US" dirty="0" err="1"/>
-              <a:t>ricreativo</a:t>
-            </a:r>
-            <a:r>
-              <a:rPr lang="en-US" dirty="0"/>
-              <a:t> </a:t>
-            </a:r>
-            <a:r>
-              <a:rPr lang="en-US" dirty="0" err="1"/>
-              <a:t>che</a:t>
-            </a:r>
-            <a:r>
-              <a:rPr lang="en-US" dirty="0"/>
-              <a:t> </a:t>
-            </a:r>
-            <a:r>
-              <a:rPr lang="en-US" dirty="0" err="1"/>
-              <a:t>può</a:t>
-            </a:r>
-            <a:r>
-              <a:rPr lang="en-US" dirty="0"/>
-              <a:t> </a:t>
-            </a:r>
-            <a:r>
-              <a:rPr lang="en-US" dirty="0" err="1"/>
-              <a:t>soddisfare</a:t>
-            </a:r>
-            <a:r>
-              <a:rPr lang="en-US" dirty="0"/>
-              <a:t> </a:t>
-            </a:r>
-            <a:r>
-              <a:rPr lang="en-US" dirty="0" err="1"/>
-              <a:t>anche</a:t>
-            </a:r>
-            <a:r>
-              <a:rPr lang="en-US" dirty="0"/>
-              <a:t> </a:t>
-            </a:r>
-            <a:r>
-              <a:rPr lang="en-US" dirty="0" err="1"/>
-              <a:t>l’utente</a:t>
-            </a:r>
-            <a:r>
-              <a:rPr lang="en-US" dirty="0"/>
-              <a:t> </a:t>
-            </a:r>
-            <a:r>
-              <a:rPr lang="en-US" dirty="0" err="1"/>
-              <a:t>meno</a:t>
-            </a:r>
-            <a:r>
-              <a:rPr lang="en-US" dirty="0"/>
-              <a:t> </a:t>
-            </a:r>
-            <a:r>
-              <a:rPr lang="en-US" dirty="0" err="1"/>
-              <a:t>esperto</a:t>
-            </a:r>
-            <a:r>
-              <a:rPr lang="en-US" dirty="0"/>
-              <a:t>.</a:t>
-            </a:r>
-          </a:p>
-          <a:p>
-            <a:pPr marL="0" indent="0">
-              <a:buNone/>
-            </a:pPr>
-            <a:endParaRPr lang="en-US" dirty="0"/>
-          </a:p>
-        </p:txBody>
-      </p:sp>
-    </p:spTree>
-    <p:extLst>
-      <p:ext uri="{BB962C8B-B14F-4D97-AF65-F5344CB8AC3E}">
-        <p14:creationId xmlns:p14="http://schemas.microsoft.com/office/powerpoint/2010/main" xmlns="" val="3250768115"/>
-      </p:ext>
-    </p:extLst>
-  </p:cSld>
-  <p:clrMapOvr>
-    <a:masterClrMapping/>
-  </p:clrMapOvr>
-  <p:timing>
-    <p:tnLst>
-      <p:par>
-        <p:cTn id="1" dur="indefinite" restart="never" nodeType="tmRoot"/>
-      </p:par>
-    </p:tnLst>
-  </p:timing>
-</p:sld>
-</file>
-
 <file path=ppt/slides/slide3.xml><?xml version="1.0" encoding="utf-8"?>
 <p:sld xmlns:a="http://schemas.openxmlformats.org/drawingml/2006/main" xmlns:r="http://schemas.openxmlformats.org/officeDocument/2006/relationships" xmlns:p="http://schemas.openxmlformats.org/presentationml/2006/main">
   <p:cSld>
@@ -17534,7 +18617,7 @@
           <p:cNvPr id="2" name="Titolo 1">
             <a:extLst>
               <a:ext uri="{FF2B5EF4-FFF2-40B4-BE49-F238E27FC236}">
-                <a16:creationId xmlns:a16="http://schemas.microsoft.com/office/drawing/2014/main" xmlns="" id="{75031FE9-9059-4FE8-B4AC-9771F23A1B89}"/>
+                <a16:creationId xmlns="" xmlns:a16="http://schemas.microsoft.com/office/drawing/2014/main" id="{75031FE9-9059-4FE8-B4AC-9771F23A1B89}"/>
               </a:ext>
             </a:extLst>
           </p:cNvPr>
@@ -17565,7 +18648,7 @@
           <p:cNvPr id="4" name="Content Placeholder 3">
             <a:extLst>
               <a:ext uri="{FF2B5EF4-FFF2-40B4-BE49-F238E27FC236}">
-                <a16:creationId xmlns:a16="http://schemas.microsoft.com/office/drawing/2014/main" xmlns="" id="{0B9BE06A-2A10-766E-30FB-68BA1AE33F20}"/>
+                <a16:creationId xmlns="" xmlns:a16="http://schemas.microsoft.com/office/drawing/2014/main" id="{0B9BE06A-2A10-766E-30FB-68BA1AE33F20}"/>
               </a:ext>
             </a:extLst>
           </p:cNvPr>
@@ -17840,7 +18923,7 @@
     </p:spTree>
     <p:extLst>
       <p:ext uri="{BB962C8B-B14F-4D97-AF65-F5344CB8AC3E}">
-        <p14:creationId xmlns:p14="http://schemas.microsoft.com/office/powerpoint/2010/main" xmlns="" val="1249612630"/>
+        <p14:creationId xmlns="" xmlns:p14="http://schemas.microsoft.com/office/powerpoint/2010/main" val="1249612630"/>
       </p:ext>
     </p:extLst>
   </p:cSld>
@@ -17879,7 +18962,7 @@
           <p:cNvPr id="2" name="Titolo 1">
             <a:extLst>
               <a:ext uri="{FF2B5EF4-FFF2-40B4-BE49-F238E27FC236}">
-                <a16:creationId xmlns:a16="http://schemas.microsoft.com/office/drawing/2014/main" xmlns="" id="{75031FE9-9059-4FE8-B4AC-9771F23A1B89}"/>
+                <a16:creationId xmlns="" xmlns:a16="http://schemas.microsoft.com/office/drawing/2014/main" id="{75031FE9-9059-4FE8-B4AC-9771F23A1B89}"/>
               </a:ext>
             </a:extLst>
           </p:cNvPr>
@@ -17915,7 +18998,7 @@
           <p:cNvPr id="6" name="Content Placeholder 5">
             <a:extLst>
               <a:ext uri="{FF2B5EF4-FFF2-40B4-BE49-F238E27FC236}">
-                <a16:creationId xmlns:a16="http://schemas.microsoft.com/office/drawing/2014/main" xmlns="" id="{C7EED8C2-BF86-0679-9809-36A68E5A29A3}"/>
+                <a16:creationId xmlns="" xmlns:a16="http://schemas.microsoft.com/office/drawing/2014/main" id="{C7EED8C2-BF86-0679-9809-36A68E5A29A3}"/>
               </a:ext>
             </a:extLst>
           </p:cNvPr>
@@ -18273,7 +19356,7 @@
     </p:spTree>
     <p:extLst>
       <p:ext uri="{BB962C8B-B14F-4D97-AF65-F5344CB8AC3E}">
-        <p14:creationId xmlns:p14="http://schemas.microsoft.com/office/powerpoint/2010/main" xmlns="" val="1306003422"/>
+        <p14:creationId xmlns="" xmlns:p14="http://schemas.microsoft.com/office/powerpoint/2010/main" val="1306003422"/>
       </p:ext>
     </p:extLst>
   </p:cSld>
@@ -18312,7 +19395,7 @@
           <p:cNvPr id="2" name="Titolo 1">
             <a:extLst>
               <a:ext uri="{FF2B5EF4-FFF2-40B4-BE49-F238E27FC236}">
-                <a16:creationId xmlns:a16="http://schemas.microsoft.com/office/drawing/2014/main" xmlns="" id="{75031FE9-9059-4FE8-B4AC-9771F23A1B89}"/>
+                <a16:creationId xmlns="" xmlns:a16="http://schemas.microsoft.com/office/drawing/2014/main" id="{75031FE9-9059-4FE8-B4AC-9771F23A1B89}"/>
               </a:ext>
             </a:extLst>
           </p:cNvPr>
@@ -18343,7 +19426,7 @@
           <p:cNvPr id="4" name="Content Placeholder 3">
             <a:extLst>
               <a:ext uri="{FF2B5EF4-FFF2-40B4-BE49-F238E27FC236}">
-                <a16:creationId xmlns:a16="http://schemas.microsoft.com/office/drawing/2014/main" xmlns="" id="{747F007E-FE0A-2A87-17AB-DD88FD1E8115}"/>
+                <a16:creationId xmlns="" xmlns:a16="http://schemas.microsoft.com/office/drawing/2014/main" id="{747F007E-FE0A-2A87-17AB-DD88FD1E8115}"/>
               </a:ext>
             </a:extLst>
           </p:cNvPr>
@@ -18429,7 +19512,7 @@
     </p:spTree>
     <p:extLst>
       <p:ext uri="{BB962C8B-B14F-4D97-AF65-F5344CB8AC3E}">
-        <p14:creationId xmlns:p14="http://schemas.microsoft.com/office/powerpoint/2010/main" xmlns="" val="3996999348"/>
+        <p14:creationId xmlns="" xmlns:p14="http://schemas.microsoft.com/office/powerpoint/2010/main" val="3996999348"/>
       </p:ext>
     </p:extLst>
   </p:cSld>
@@ -18468,7 +19551,7 @@
           <p:cNvPr id="2" name="Titolo 1">
             <a:extLst>
               <a:ext uri="{FF2B5EF4-FFF2-40B4-BE49-F238E27FC236}">
-                <a16:creationId xmlns:a16="http://schemas.microsoft.com/office/drawing/2014/main" xmlns="" id="{75031FE9-9059-4FE8-B4AC-9771F23A1B89}"/>
+                <a16:creationId xmlns="" xmlns:a16="http://schemas.microsoft.com/office/drawing/2014/main" id="{75031FE9-9059-4FE8-B4AC-9771F23A1B89}"/>
               </a:ext>
             </a:extLst>
           </p:cNvPr>
@@ -18504,7 +19587,7 @@
           <p:cNvPr id="5" name="Content Placeholder 4">
             <a:extLst>
               <a:ext uri="{FF2B5EF4-FFF2-40B4-BE49-F238E27FC236}">
-                <a16:creationId xmlns:a16="http://schemas.microsoft.com/office/drawing/2014/main" xmlns="" id="{BE1F23F2-64C7-BE07-E80F-A34081568AA8}"/>
+                <a16:creationId xmlns="" xmlns:a16="http://schemas.microsoft.com/office/drawing/2014/main" id="{BE1F23F2-64C7-BE07-E80F-A34081568AA8}"/>
               </a:ext>
             </a:extLst>
           </p:cNvPr>
@@ -19025,7 +20108,7 @@
     </p:spTree>
     <p:extLst>
       <p:ext uri="{BB962C8B-B14F-4D97-AF65-F5344CB8AC3E}">
-        <p14:creationId xmlns:p14="http://schemas.microsoft.com/office/powerpoint/2010/main" xmlns="" val="930824607"/>
+        <p14:creationId xmlns="" xmlns:p14="http://schemas.microsoft.com/office/powerpoint/2010/main" val="930824607"/>
       </p:ext>
     </p:extLst>
   </p:cSld>
@@ -19064,7 +20147,7 @@
           <p:cNvPr id="2" name="Titolo 1">
             <a:extLst>
               <a:ext uri="{FF2B5EF4-FFF2-40B4-BE49-F238E27FC236}">
-                <a16:creationId xmlns:a16="http://schemas.microsoft.com/office/drawing/2014/main" xmlns="" id="{75031FE9-9059-4FE8-B4AC-9771F23A1B89}"/>
+                <a16:creationId xmlns="" xmlns:a16="http://schemas.microsoft.com/office/drawing/2014/main" id="{75031FE9-9059-4FE8-B4AC-9771F23A1B89}"/>
               </a:ext>
             </a:extLst>
           </p:cNvPr>
@@ -19095,7 +20178,7 @@
           <p:cNvPr id="5" name="Content Placeholder 4">
             <a:extLst>
               <a:ext uri="{FF2B5EF4-FFF2-40B4-BE49-F238E27FC236}">
-                <a16:creationId xmlns:a16="http://schemas.microsoft.com/office/drawing/2014/main" xmlns="" id="{BE1F23F2-64C7-BE07-E80F-A34081568AA8}"/>
+                <a16:creationId xmlns="" xmlns:a16="http://schemas.microsoft.com/office/drawing/2014/main" id="{BE1F23F2-64C7-BE07-E80F-A34081568AA8}"/>
               </a:ext>
             </a:extLst>
           </p:cNvPr>
@@ -19497,11 +20580,7 @@
             </a:r>
             <a:r>
               <a:rPr lang="en-US" dirty="0" err="1" smtClean="0"/>
-              <a:t>op</a:t>
-            </a:r>
-            <a:r>
-              <a:rPr lang="en-US" dirty="0" err="1" smtClean="0"/>
-              <a:t>tato</a:t>
+              <a:t>optato</a:t>
             </a:r>
             <a:r>
               <a:rPr lang="en-US" dirty="0" smtClean="0"/>
@@ -19629,7 +20708,7 @@
     </p:spTree>
     <p:extLst>
       <p:ext uri="{BB962C8B-B14F-4D97-AF65-F5344CB8AC3E}">
-        <p14:creationId xmlns:p14="http://schemas.microsoft.com/office/powerpoint/2010/main" xmlns="" val="1581940243"/>
+        <p14:creationId xmlns="" xmlns:p14="http://schemas.microsoft.com/office/powerpoint/2010/main" val="1581940243"/>
       </p:ext>
     </p:extLst>
   </p:cSld>
@@ -19668,7 +20747,7 @@
           <p:cNvPr id="2" name="Titolo 1">
             <a:extLst>
               <a:ext uri="{FF2B5EF4-FFF2-40B4-BE49-F238E27FC236}">
-                <a16:creationId xmlns:a16="http://schemas.microsoft.com/office/drawing/2014/main" xmlns="" id="{75031FE9-9059-4FE8-B4AC-9771F23A1B89}"/>
+                <a16:creationId xmlns="" xmlns:a16="http://schemas.microsoft.com/office/drawing/2014/main" id="{75031FE9-9059-4FE8-B4AC-9771F23A1B89}"/>
               </a:ext>
             </a:extLst>
           </p:cNvPr>
@@ -19699,7 +20778,7 @@
           <p:cNvPr id="4" name="Content Placeholder 3">
             <a:extLst>
               <a:ext uri="{FF2B5EF4-FFF2-40B4-BE49-F238E27FC236}">
-                <a16:creationId xmlns:a16="http://schemas.microsoft.com/office/drawing/2014/main" xmlns="" id="{49E5AF19-2813-23F3-53D8-44D5983D20DA}"/>
+                <a16:creationId xmlns="" xmlns:a16="http://schemas.microsoft.com/office/drawing/2014/main" id="{49E5AF19-2813-23F3-53D8-44D5983D20DA}"/>
               </a:ext>
             </a:extLst>
           </p:cNvPr>
@@ -20131,7 +21210,7 @@
     </p:spTree>
     <p:extLst>
       <p:ext uri="{BB962C8B-B14F-4D97-AF65-F5344CB8AC3E}">
-        <p14:creationId xmlns:p14="http://schemas.microsoft.com/office/powerpoint/2010/main" xmlns="" val="141201089"/>
+        <p14:creationId xmlns="" xmlns:p14="http://schemas.microsoft.com/office/powerpoint/2010/main" val="141201089"/>
       </p:ext>
     </p:extLst>
   </p:cSld>
@@ -20170,7 +21249,7 @@
           <p:cNvPr id="2" name="Titolo 1">
             <a:extLst>
               <a:ext uri="{FF2B5EF4-FFF2-40B4-BE49-F238E27FC236}">
-                <a16:creationId xmlns:a16="http://schemas.microsoft.com/office/drawing/2014/main" xmlns="" id="{75031FE9-9059-4FE8-B4AC-9771F23A1B89}"/>
+                <a16:creationId xmlns="" xmlns:a16="http://schemas.microsoft.com/office/drawing/2014/main" id="{75031FE9-9059-4FE8-B4AC-9771F23A1B89}"/>
               </a:ext>
             </a:extLst>
           </p:cNvPr>
@@ -20201,7 +21280,7 @@
           <p:cNvPr id="4" name="Content Placeholder 3">
             <a:extLst>
               <a:ext uri="{FF2B5EF4-FFF2-40B4-BE49-F238E27FC236}">
-                <a16:creationId xmlns:a16="http://schemas.microsoft.com/office/drawing/2014/main" xmlns="" id="{834029E2-3A07-28E1-FE72-E1D9FA770926}"/>
+                <a16:creationId xmlns="" xmlns:a16="http://schemas.microsoft.com/office/drawing/2014/main" id="{834029E2-3A07-28E1-FE72-E1D9FA770926}"/>
               </a:ext>
             </a:extLst>
           </p:cNvPr>
@@ -20381,7 +21460,7 @@
     </p:spTree>
     <p:extLst>
       <p:ext uri="{BB962C8B-B14F-4D97-AF65-F5344CB8AC3E}">
-        <p14:creationId xmlns:p14="http://schemas.microsoft.com/office/powerpoint/2010/main" xmlns="" val="2944479634"/>
+        <p14:creationId xmlns="" xmlns:p14="http://schemas.microsoft.com/office/powerpoint/2010/main" val="2944479634"/>
       </p:ext>
     </p:extLst>
   </p:cSld>
@@ -20662,7 +21741,7 @@
   <a:extraClrSchemeLst/>
   <a:extLst>
     <a:ext uri="{05A4C25C-085E-4340-85A3-A5531E510DB2}">
-      <thm15:themeFamily xmlns:thm15="http://schemas.microsoft.com/office/thememl/2012/main" xmlns="" name="Vapor Trail" id="{4FDF2955-7D9C-493C-B9F9-C205151B46CD}" vid="{8F31A783-2159-4870-BC29-2BA7D038EA44}"/>
+      <thm15:themeFamily xmlns="" xmlns:thm15="http://schemas.microsoft.com/office/thememl/2012/main" name="Vapor Trail" id="{4FDF2955-7D9C-493C-B9F9-C205151B46CD}" vid="{8F31A783-2159-4870-BC29-2BA7D038EA44}"/>
     </a:ext>
   </a:extLst>
 </a:theme>
@@ -20957,7 +22036,7 @@
   <a:extraClrSchemeLst/>
   <a:extLst>
     <a:ext uri="{05A4C25C-085E-4340-85A3-A5531E510DB2}">
-      <thm15:themeFamily xmlns:thm15="http://schemas.microsoft.com/office/thememl/2012/main" xmlns="" name="Office Theme" id="{62F939B6-93AF-4DB8-9C6B-D6C7DFDC589F}" vid="{4A3C46E8-61CC-4603-A589-7422A47A8E4A}"/>
+      <thm15:themeFamily xmlns="" xmlns:thm15="http://schemas.microsoft.com/office/thememl/2012/main" name="Office Theme" id="{62F939B6-93AF-4DB8-9C6B-D6C7DFDC589F}" vid="{4A3C46E8-61CC-4603-A589-7422A47A8E4A}"/>
     </a:ext>
   </a:extLst>
 </a:theme>
@@ -21252,19 +22331,16 @@
   <a:extraClrSchemeLst/>
   <a:extLst>
     <a:ext uri="{05A4C25C-085E-4340-85A3-A5531E510DB2}">
-      <thm15:themeFamily xmlns:thm15="http://schemas.microsoft.com/office/thememl/2012/main" xmlns="" name="Office Theme" id="{62F939B6-93AF-4DB8-9C6B-D6C7DFDC589F}" vid="{4A3C46E8-61CC-4603-A589-7422A47A8E4A}"/>
+      <thm15:themeFamily xmlns="" xmlns:thm15="http://schemas.microsoft.com/office/thememl/2012/main" name="Office Theme" id="{62F939B6-93AF-4DB8-9C6B-D6C7DFDC589F}" vid="{4A3C46E8-61CC-4603-A589-7422A47A8E4A}"/>
     </a:ext>
   </a:extLst>
 </a:theme>
 </file>
 
 <file path=customXml/item1.xml><?xml version="1.0" encoding="utf-8"?>
-<?mso-contentType ?>
-<FormTemplates xmlns="http://schemas.microsoft.com/sharepoint/v3/contenttype/forms">
-  <Display>DocumentLibraryForm</Display>
-  <Edit>DocumentLibraryForm</Edit>
-  <New>DocumentLibraryForm</New>
-</FormTemplates>
+<p:properties xmlns:p="http://schemas.microsoft.com/office/2006/metadata/properties" xmlns:xsi="http://www.w3.org/2001/XMLSchema-instance" xmlns:pc="http://schemas.microsoft.com/office/infopath/2007/PartnerControls">
+  <documentManagement/>
+</p:properties>
 </file>
 
 <file path=customXml/item2.xml><?xml version="1.0" encoding="utf-8"?>
@@ -21436,15 +22512,26 @@
 </file>
 
 <file path=customXml/item3.xml><?xml version="1.0" encoding="utf-8"?>
-<p:properties xmlns:p="http://schemas.microsoft.com/office/2006/metadata/properties" xmlns:xsi="http://www.w3.org/2001/XMLSchema-instance" xmlns:pc="http://schemas.microsoft.com/office/infopath/2007/PartnerControls">
-  <documentManagement/>
-</p:properties>
+<?mso-contentType ?>
+<FormTemplates xmlns="http://schemas.microsoft.com/sharepoint/v3/contenttype/forms">
+  <Display>DocumentLibraryForm</Display>
+  <Edit>DocumentLibraryForm</Edit>
+  <New>DocumentLibraryForm</New>
+</FormTemplates>
 </file>
 
 <file path=customXml/itemProps1.xml><?xml version="1.0" encoding="utf-8"?>
-<ds:datastoreItem xmlns:ds="http://schemas.openxmlformats.org/officeDocument/2006/customXml" ds:itemID="{42BC90D6-94CF-42F7-AAC4-9CF6824C54D5}">
+<ds:datastoreItem xmlns:ds="http://schemas.openxmlformats.org/officeDocument/2006/customXml" ds:itemID="{7F97B18F-50BC-4F30-8373-93489E845F83}">
   <ds:schemaRefs>
-    <ds:schemaRef ds:uri="http://schemas.microsoft.com/sharepoint/v3/contenttype/forms"/>
+    <ds:schemaRef ds:uri="fcab9357-b746-4231-ac20-22bc1da5f33b"/>
+    <ds:schemaRef ds:uri="http://www.w3.org/XML/1998/namespace"/>
+    <ds:schemaRef ds:uri="http://purl.org/dc/dcmitype/"/>
+    <ds:schemaRef ds:uri="http://purl.org/dc/elements/1.1/"/>
+    <ds:schemaRef ds:uri="http://schemas.microsoft.com/office/2006/documentManagement/types"/>
+    <ds:schemaRef ds:uri="http://schemas.openxmlformats.org/package/2006/metadata/core-properties"/>
+    <ds:schemaRef ds:uri="http://schemas.microsoft.com/office/infopath/2007/PartnerControls"/>
+    <ds:schemaRef ds:uri="http://schemas.microsoft.com/office/2006/metadata/properties"/>
+    <ds:schemaRef ds:uri="http://purl.org/dc/terms/"/>
   </ds:schemaRefs>
 </ds:datastoreItem>
 </file>
@@ -21468,17 +22555,9 @@
 </file>
 
 <file path=customXml/itemProps3.xml><?xml version="1.0" encoding="utf-8"?>
-<ds:datastoreItem xmlns:ds="http://schemas.openxmlformats.org/officeDocument/2006/customXml" ds:itemID="{7F97B18F-50BC-4F30-8373-93489E845F83}">
+<ds:datastoreItem xmlns:ds="http://schemas.openxmlformats.org/officeDocument/2006/customXml" ds:itemID="{42BC90D6-94CF-42F7-AAC4-9CF6824C54D5}">
   <ds:schemaRefs>
-    <ds:schemaRef ds:uri="fcab9357-b746-4231-ac20-22bc1da5f33b"/>
-    <ds:schemaRef ds:uri="http://www.w3.org/XML/1998/namespace"/>
-    <ds:schemaRef ds:uri="http://purl.org/dc/dcmitype/"/>
-    <ds:schemaRef ds:uri="http://purl.org/dc/elements/1.1/"/>
-    <ds:schemaRef ds:uri="http://schemas.microsoft.com/office/2006/documentManagement/types"/>
-    <ds:schemaRef ds:uri="http://schemas.openxmlformats.org/package/2006/metadata/core-properties"/>
-    <ds:schemaRef ds:uri="http://schemas.microsoft.com/office/infopath/2007/PartnerControls"/>
-    <ds:schemaRef ds:uri="http://schemas.microsoft.com/office/2006/metadata/properties"/>
-    <ds:schemaRef ds:uri="http://purl.org/dc/terms/"/>
+    <ds:schemaRef ds:uri="http://schemas.microsoft.com/sharepoint/v3/contenttype/forms"/>
   </ds:schemaRefs>
 </ds:datastoreItem>
 </file>

--- a/Docs/Documents/Presentazione/presentazioneFallSimulator.pptx
+++ b/Docs/Documents/Presentazione/presentazioneFallSimulator.pptx
@@ -5,10 +5,10 @@
     <p:sldMasterId id="2147483733" r:id="rId4"/>
   </p:sldMasterIdLst>
   <p:notesMasterIdLst>
-    <p:notesMasterId r:id="rId30"/>
+    <p:notesMasterId r:id="rId29"/>
   </p:notesMasterIdLst>
   <p:handoutMasterIdLst>
-    <p:handoutMasterId r:id="rId31"/>
+    <p:handoutMasterId r:id="rId30"/>
   </p:handoutMasterIdLst>
   <p:sldIdLst>
     <p:sldId id="256" r:id="rId5"/>
@@ -24,18 +24,17 @@
     <p:sldId id="304" r:id="rId15"/>
     <p:sldId id="310" r:id="rId16"/>
     <p:sldId id="311" r:id="rId17"/>
-    <p:sldId id="323" r:id="rId18"/>
-    <p:sldId id="324" r:id="rId19"/>
-    <p:sldId id="325" r:id="rId20"/>
-    <p:sldId id="326" r:id="rId21"/>
-    <p:sldId id="327" r:id="rId22"/>
-    <p:sldId id="328" r:id="rId23"/>
-    <p:sldId id="329" r:id="rId24"/>
-    <p:sldId id="330" r:id="rId25"/>
-    <p:sldId id="331" r:id="rId26"/>
-    <p:sldId id="332" r:id="rId27"/>
-    <p:sldId id="333" r:id="rId28"/>
-    <p:sldId id="322" r:id="rId29"/>
+    <p:sldId id="312" r:id="rId18"/>
+    <p:sldId id="306" r:id="rId19"/>
+    <p:sldId id="313" r:id="rId20"/>
+    <p:sldId id="314" r:id="rId21"/>
+    <p:sldId id="315" r:id="rId22"/>
+    <p:sldId id="319" r:id="rId23"/>
+    <p:sldId id="320" r:id="rId24"/>
+    <p:sldId id="321" r:id="rId25"/>
+    <p:sldId id="318" r:id="rId26"/>
+    <p:sldId id="317" r:id="rId27"/>
+    <p:sldId id="316" r:id="rId28"/>
   </p:sldIdLst>
   <p:sldSz cx="12192000" cy="6858000"/>
   <p:notesSz cx="6858000" cy="9144000"/>
@@ -136,7 +135,7 @@
   </p:defaultTextStyle>
   <p:extLst>
     <p:ext uri="{EFAFB233-063F-42B5-8137-9DF3F51BA10A}">
-      <p15:sldGuideLst xmlns="" xmlns:p15="http://schemas.microsoft.com/office/powerpoint/2012/main">
+      <p15:sldGuideLst xmlns:p15="http://schemas.microsoft.com/office/powerpoint/2012/main">
         <p15:guide id="1" orient="horz" pos="3360" userDrawn="1">
           <p15:clr>
             <a:srgbClr val="A4A3A4"/>
@@ -150,7 +149,7 @@
       </p15:sldGuideLst>
     </p:ext>
     <p:ext uri="{2D200454-40CA-4A62-9FC3-DE9A4176ACB9}">
-      <p15:notesGuideLst xmlns="" xmlns:p15="http://schemas.microsoft.com/office/powerpoint/2012/main"/>
+      <p15:notesGuideLst xmlns:p15="http://schemas.microsoft.com/office/powerpoint/2012/main"/>
     </p:ext>
   </p:extLst>
 </p:presentation>
@@ -195,7 +194,7 @@
           <p:cNvPr id="2" name="Segnaposto intestazione 1">
             <a:extLst>
               <a:ext uri="{FF2B5EF4-FFF2-40B4-BE49-F238E27FC236}">
-                <a16:creationId xmlns="" xmlns:a16="http://schemas.microsoft.com/office/drawing/2014/main" id="{53F6ED8B-CF52-4A64-BACC-61D9C1041E04}"/>
+                <a16:creationId xmlns:a16="http://schemas.microsoft.com/office/drawing/2014/main" id="{53F6ED8B-CF52-4A64-BACC-61D9C1041E04}"/>
               </a:ext>
             </a:extLst>
           </p:cNvPr>
@@ -233,7 +232,7 @@
           <p:cNvPr id="3" name="Segnaposto data 2">
             <a:extLst>
               <a:ext uri="{FF2B5EF4-FFF2-40B4-BE49-F238E27FC236}">
-                <a16:creationId xmlns="" xmlns:a16="http://schemas.microsoft.com/office/drawing/2014/main" id="{0D7022B2-02C5-4E03-99BC-0BA3C57AC49B}"/>
+                <a16:creationId xmlns:a16="http://schemas.microsoft.com/office/drawing/2014/main" id="{0D7022B2-02C5-4E03-99BC-0BA3C57AC49B}"/>
               </a:ext>
             </a:extLst>
           </p:cNvPr>
@@ -264,8 +263,7 @@
             <a:pPr rtl="0"/>
             <a:fld id="{DBC54730-5EBA-4920-A6C4-7F8458A7F940}" type="datetime1">
               <a:rPr lang="it-IT" smtClean="0"/>
-              <a:pPr rtl="0"/>
-              <a:t>20/01/2025</a:t>
+              <a:t>21/01/2025</a:t>
             </a:fld>
             <a:endParaRPr lang="it-IT"/>
           </a:p>
@@ -276,7 +274,7 @@
           <p:cNvPr id="4" name="Segnaposto piè di pagina 3">
             <a:extLst>
               <a:ext uri="{FF2B5EF4-FFF2-40B4-BE49-F238E27FC236}">
-                <a16:creationId xmlns="" xmlns:a16="http://schemas.microsoft.com/office/drawing/2014/main" id="{BC3FEE8C-8D38-4F2A-950E-071C6823E271}"/>
+                <a16:creationId xmlns:a16="http://schemas.microsoft.com/office/drawing/2014/main" id="{BC3FEE8C-8D38-4F2A-950E-071C6823E271}"/>
               </a:ext>
             </a:extLst>
           </p:cNvPr>
@@ -314,7 +312,7 @@
           <p:cNvPr id="5" name="Segnaposto numero diapositiva 4">
             <a:extLst>
               <a:ext uri="{FF2B5EF4-FFF2-40B4-BE49-F238E27FC236}">
-                <a16:creationId xmlns="" xmlns:a16="http://schemas.microsoft.com/office/drawing/2014/main" id="{8C567A6D-959B-4552-AB8D-4CCA819CAA71}"/>
+                <a16:creationId xmlns:a16="http://schemas.microsoft.com/office/drawing/2014/main" id="{8C567A6D-959B-4552-AB8D-4CCA819CAA71}"/>
               </a:ext>
             </a:extLst>
           </p:cNvPr>
@@ -345,7 +343,6 @@
             <a:pPr rtl="0"/>
             <a:fld id="{4BF9A36D-7FAC-478F-9944-F324014F6FD1}" type="slidenum">
               <a:rPr lang="it-IT" smtClean="0"/>
-              <a:pPr rtl="0"/>
               <a:t>‹N›</a:t>
             </a:fld>
             <a:endParaRPr lang="it-IT"/>
@@ -355,7 +352,7 @@
     </p:spTree>
     <p:extLst>
       <p:ext uri="{BB962C8B-B14F-4D97-AF65-F5344CB8AC3E}">
-        <p14:creationId xmlns="" xmlns:p14="http://schemas.microsoft.com/office/powerpoint/2010/main" val="1342467698"/>
+        <p14:creationId xmlns:p14="http://schemas.microsoft.com/office/powerpoint/2010/main" val="1342467698"/>
       </p:ext>
     </p:extLst>
   </p:cSld>
@@ -448,7 +445,7 @@
             <a:fld id="{85EC1C34-318D-43A8-83F5-3AC8647FE75E}" type="datetime1">
               <a:rPr lang="it-IT" smtClean="0"/>
               <a:pPr/>
-              <a:t>20/01/2025</a:t>
+              <a:t>21/01/2025</a:t>
             </a:fld>
             <a:endParaRPr lang="it-IT" dirty="0"/>
           </a:p>
@@ -609,7 +606,6 @@
             <a:pPr rtl="0"/>
             <a:fld id="{D4B9A9E5-4F7F-4A7D-9DE1-899232329269}" type="slidenum">
               <a:rPr lang="it-IT" noProof="0" smtClean="0"/>
-              <a:pPr rtl="0"/>
               <a:t>‹N›</a:t>
             </a:fld>
             <a:endParaRPr lang="it-IT" noProof="0"/>
@@ -619,7 +615,7 @@
     </p:spTree>
     <p:extLst>
       <p:ext uri="{BB962C8B-B14F-4D97-AF65-F5344CB8AC3E}">
-        <p14:creationId xmlns="" xmlns:p14="http://schemas.microsoft.com/office/powerpoint/2010/main" val="1387783183"/>
+        <p14:creationId xmlns:p14="http://schemas.microsoft.com/office/powerpoint/2010/main" val="1387783183"/>
       </p:ext>
     </p:extLst>
   </p:cSld>
@@ -764,7 +760,7 @@
           <a:bodyPr/>
           <a:lstStyle/>
           <a:p>
-            <a:endParaRPr lang="it-IT" dirty="0"/>
+            <a:endParaRPr lang="it-IT"/>
           </a:p>
         </p:txBody>
       </p:sp>
@@ -786,17 +782,16 @@
             <a:pPr rtl="0"/>
             <a:fld id="{D4B9A9E5-4F7F-4A7D-9DE1-899232329269}" type="slidenum">
               <a:rPr lang="it-IT" smtClean="0"/>
-              <a:pPr rtl="0"/>
               <a:t>1</a:t>
             </a:fld>
-            <a:endParaRPr lang="it-IT" dirty="0"/>
+            <a:endParaRPr lang="it-IT"/>
           </a:p>
         </p:txBody>
       </p:sp>
     </p:spTree>
     <p:extLst>
       <p:ext uri="{BB962C8B-B14F-4D97-AF65-F5344CB8AC3E}">
-        <p14:creationId xmlns="" xmlns:p14="http://schemas.microsoft.com/office/powerpoint/2010/main" val="3842955324"/>
+        <p14:creationId xmlns:p14="http://schemas.microsoft.com/office/powerpoint/2010/main" val="3842955324"/>
       </p:ext>
     </p:extLst>
   </p:cSld>
@@ -872,7 +867,6 @@
             <a:pPr rtl="0"/>
             <a:fld id="{D4B9A9E5-4F7F-4A7D-9DE1-899232329269}" type="slidenum">
               <a:rPr lang="it-IT" smtClean="0"/>
-              <a:pPr rtl="0"/>
               <a:t>11</a:t>
             </a:fld>
             <a:endParaRPr lang="it-IT"/>
@@ -882,7 +876,7 @@
     </p:spTree>
     <p:extLst>
       <p:ext uri="{BB962C8B-B14F-4D97-AF65-F5344CB8AC3E}">
-        <p14:creationId xmlns="" xmlns:p14="http://schemas.microsoft.com/office/powerpoint/2010/main" val="2000366706"/>
+        <p14:creationId xmlns:p14="http://schemas.microsoft.com/office/powerpoint/2010/main" val="2000366706"/>
       </p:ext>
     </p:extLst>
   </p:cSld>
@@ -958,7 +952,6 @@
             <a:pPr rtl="0"/>
             <a:fld id="{D4B9A9E5-4F7F-4A7D-9DE1-899232329269}" type="slidenum">
               <a:rPr lang="it-IT" smtClean="0"/>
-              <a:pPr rtl="0"/>
               <a:t>12</a:t>
             </a:fld>
             <a:endParaRPr lang="it-IT"/>
@@ -968,7 +961,7 @@
     </p:spTree>
     <p:extLst>
       <p:ext uri="{BB962C8B-B14F-4D97-AF65-F5344CB8AC3E}">
-        <p14:creationId xmlns="" xmlns:p14="http://schemas.microsoft.com/office/powerpoint/2010/main" val="719930975"/>
+        <p14:creationId xmlns:p14="http://schemas.microsoft.com/office/powerpoint/2010/main" val="719930975"/>
       </p:ext>
     </p:extLst>
   </p:cSld>
@@ -1044,7 +1037,6 @@
             <a:pPr rtl="0"/>
             <a:fld id="{D4B9A9E5-4F7F-4A7D-9DE1-899232329269}" type="slidenum">
               <a:rPr lang="it-IT" smtClean="0"/>
-              <a:pPr rtl="0"/>
               <a:t>2</a:t>
             </a:fld>
             <a:endParaRPr lang="it-IT"/>
@@ -1054,7 +1046,7 @@
     </p:spTree>
     <p:extLst>
       <p:ext uri="{BB962C8B-B14F-4D97-AF65-F5344CB8AC3E}">
-        <p14:creationId xmlns="" xmlns:p14="http://schemas.microsoft.com/office/powerpoint/2010/main" val="1834207776"/>
+        <p14:creationId xmlns:p14="http://schemas.microsoft.com/office/powerpoint/2010/main" val="1834207776"/>
       </p:ext>
     </p:extLst>
   </p:cSld>
@@ -1130,7 +1122,6 @@
             <a:pPr rtl="0"/>
             <a:fld id="{D4B9A9E5-4F7F-4A7D-9DE1-899232329269}" type="slidenum">
               <a:rPr lang="it-IT" smtClean="0"/>
-              <a:pPr rtl="0"/>
               <a:t>3</a:t>
             </a:fld>
             <a:endParaRPr lang="it-IT"/>
@@ -1140,7 +1131,7 @@
     </p:spTree>
     <p:extLst>
       <p:ext uri="{BB962C8B-B14F-4D97-AF65-F5344CB8AC3E}">
-        <p14:creationId xmlns="" xmlns:p14="http://schemas.microsoft.com/office/powerpoint/2010/main" val="77374246"/>
+        <p14:creationId xmlns:p14="http://schemas.microsoft.com/office/powerpoint/2010/main" val="77374246"/>
       </p:ext>
     </p:extLst>
   </p:cSld>
@@ -1216,7 +1207,6 @@
             <a:pPr rtl="0"/>
             <a:fld id="{D4B9A9E5-4F7F-4A7D-9DE1-899232329269}" type="slidenum">
               <a:rPr lang="it-IT" smtClean="0"/>
-              <a:pPr rtl="0"/>
               <a:t>4</a:t>
             </a:fld>
             <a:endParaRPr lang="it-IT"/>
@@ -1226,7 +1216,7 @@
     </p:spTree>
     <p:extLst>
       <p:ext uri="{BB962C8B-B14F-4D97-AF65-F5344CB8AC3E}">
-        <p14:creationId xmlns="" xmlns:p14="http://schemas.microsoft.com/office/powerpoint/2010/main" val="952584841"/>
+        <p14:creationId xmlns:p14="http://schemas.microsoft.com/office/powerpoint/2010/main" val="952584841"/>
       </p:ext>
     </p:extLst>
   </p:cSld>
@@ -1302,7 +1292,6 @@
             <a:pPr rtl="0"/>
             <a:fld id="{D4B9A9E5-4F7F-4A7D-9DE1-899232329269}" type="slidenum">
               <a:rPr lang="it-IT" smtClean="0"/>
-              <a:pPr rtl="0"/>
               <a:t>5</a:t>
             </a:fld>
             <a:endParaRPr lang="it-IT"/>
@@ -1312,7 +1301,7 @@
     </p:spTree>
     <p:extLst>
       <p:ext uri="{BB962C8B-B14F-4D97-AF65-F5344CB8AC3E}">
-        <p14:creationId xmlns="" xmlns:p14="http://schemas.microsoft.com/office/powerpoint/2010/main" val="745069816"/>
+        <p14:creationId xmlns:p14="http://schemas.microsoft.com/office/powerpoint/2010/main" val="745069816"/>
       </p:ext>
     </p:extLst>
   </p:cSld>
@@ -1388,7 +1377,6 @@
             <a:pPr rtl="0"/>
             <a:fld id="{D4B9A9E5-4F7F-4A7D-9DE1-899232329269}" type="slidenum">
               <a:rPr lang="it-IT" smtClean="0"/>
-              <a:pPr rtl="0"/>
               <a:t>6</a:t>
             </a:fld>
             <a:endParaRPr lang="it-IT"/>
@@ -1398,7 +1386,7 @@
     </p:spTree>
     <p:extLst>
       <p:ext uri="{BB962C8B-B14F-4D97-AF65-F5344CB8AC3E}">
-        <p14:creationId xmlns="" xmlns:p14="http://schemas.microsoft.com/office/powerpoint/2010/main" val="1366984130"/>
+        <p14:creationId xmlns:p14="http://schemas.microsoft.com/office/powerpoint/2010/main" val="1366984130"/>
       </p:ext>
     </p:extLst>
   </p:cSld>
@@ -1474,7 +1462,6 @@
             <a:pPr rtl="0"/>
             <a:fld id="{D4B9A9E5-4F7F-4A7D-9DE1-899232329269}" type="slidenum">
               <a:rPr lang="it-IT" smtClean="0"/>
-              <a:pPr rtl="0"/>
               <a:t>7</a:t>
             </a:fld>
             <a:endParaRPr lang="it-IT"/>
@@ -1484,7 +1471,7 @@
     </p:spTree>
     <p:extLst>
       <p:ext uri="{BB962C8B-B14F-4D97-AF65-F5344CB8AC3E}">
-        <p14:creationId xmlns="" xmlns:p14="http://schemas.microsoft.com/office/powerpoint/2010/main" val="3054411599"/>
+        <p14:creationId xmlns:p14="http://schemas.microsoft.com/office/powerpoint/2010/main" val="3054411599"/>
       </p:ext>
     </p:extLst>
   </p:cSld>
@@ -1560,7 +1547,6 @@
             <a:pPr rtl="0"/>
             <a:fld id="{D4B9A9E5-4F7F-4A7D-9DE1-899232329269}" type="slidenum">
               <a:rPr lang="it-IT" smtClean="0"/>
-              <a:pPr rtl="0"/>
               <a:t>8</a:t>
             </a:fld>
             <a:endParaRPr lang="it-IT"/>
@@ -1570,7 +1556,7 @@
     </p:spTree>
     <p:extLst>
       <p:ext uri="{BB962C8B-B14F-4D97-AF65-F5344CB8AC3E}">
-        <p14:creationId xmlns="" xmlns:p14="http://schemas.microsoft.com/office/powerpoint/2010/main" val="579736977"/>
+        <p14:creationId xmlns:p14="http://schemas.microsoft.com/office/powerpoint/2010/main" val="579736977"/>
       </p:ext>
     </p:extLst>
   </p:cSld>
@@ -1646,7 +1632,6 @@
             <a:pPr rtl="0"/>
             <a:fld id="{D4B9A9E5-4F7F-4A7D-9DE1-899232329269}" type="slidenum">
               <a:rPr lang="it-IT" smtClean="0"/>
-              <a:pPr rtl="0"/>
               <a:t>9</a:t>
             </a:fld>
             <a:endParaRPr lang="it-IT"/>
@@ -1656,7 +1641,7 @@
     </p:spTree>
     <p:extLst>
       <p:ext uri="{BB962C8B-B14F-4D97-AF65-F5344CB8AC3E}">
-        <p14:creationId xmlns="" xmlns:p14="http://schemas.microsoft.com/office/powerpoint/2010/main" val="3760930360"/>
+        <p14:creationId xmlns:p14="http://schemas.microsoft.com/office/powerpoint/2010/main" val="3760930360"/>
       </p:ext>
     </p:extLst>
   </p:cSld>
@@ -1695,7 +1680,7 @@
           <a:blip r:embed="rId2">
             <a:extLst>
               <a:ext uri="{28A0092B-C50C-407E-A947-70E740481C1C}">
-                <a14:useLocalDpi xmlns="" xmlns:a14="http://schemas.microsoft.com/office/drawing/2010/main" val="0"/>
+                <a14:useLocalDpi xmlns:a14="http://schemas.microsoft.com/office/drawing/2010/main" val="0"/>
               </a:ext>
             </a:extLst>
           </a:blip>
@@ -1903,7 +1888,7 @@
     </p:spTree>
     <p:extLst>
       <p:ext uri="{BB962C8B-B14F-4D97-AF65-F5344CB8AC3E}">
-        <p14:creationId xmlns="" xmlns:p14="http://schemas.microsoft.com/office/powerpoint/2010/main" val="2850544477"/>
+        <p14:creationId xmlns:p14="http://schemas.microsoft.com/office/powerpoint/2010/main" val="2850544477"/>
       </p:ext>
     </p:extLst>
   </p:cSld>
@@ -2167,7 +2152,7 @@
     </p:spTree>
     <p:extLst>
       <p:ext uri="{BB962C8B-B14F-4D97-AF65-F5344CB8AC3E}">
-        <p14:creationId xmlns="" xmlns:p14="http://schemas.microsoft.com/office/powerpoint/2010/main" val="275651329"/>
+        <p14:creationId xmlns:p14="http://schemas.microsoft.com/office/powerpoint/2010/main" val="275651329"/>
       </p:ext>
     </p:extLst>
   </p:cSld>
@@ -2207,7 +2192,7 @@
           <a:blip r:embed="rId2">
             <a:extLst>
               <a:ext uri="{28A0092B-C50C-407E-A947-70E740481C1C}">
-                <a14:useLocalDpi xmlns="" xmlns:a14="http://schemas.microsoft.com/office/drawing/2010/main" val="0"/>
+                <a14:useLocalDpi xmlns:a14="http://schemas.microsoft.com/office/drawing/2010/main" val="0"/>
               </a:ext>
             </a:extLst>
           </a:blip>
@@ -2415,7 +2400,7 @@
     </p:spTree>
     <p:extLst>
       <p:ext uri="{BB962C8B-B14F-4D97-AF65-F5344CB8AC3E}">
-        <p14:creationId xmlns="" xmlns:p14="http://schemas.microsoft.com/office/powerpoint/2010/main" val="3303284895"/>
+        <p14:creationId xmlns:p14="http://schemas.microsoft.com/office/powerpoint/2010/main" val="3303284895"/>
       </p:ext>
     </p:extLst>
   </p:cSld>
@@ -2455,7 +2440,7 @@
           <a:blip r:embed="rId2">
             <a:extLst>
               <a:ext uri="{28A0092B-C50C-407E-A947-70E740481C1C}">
-                <a14:useLocalDpi xmlns="" xmlns:a14="http://schemas.microsoft.com/office/drawing/2010/main" val="0"/>
+                <a14:useLocalDpi xmlns:a14="http://schemas.microsoft.com/office/drawing/2010/main" val="0"/>
               </a:ext>
             </a:extLst>
           </a:blip>
@@ -2964,7 +2949,7 @@
     </p:spTree>
     <p:extLst>
       <p:ext uri="{BB962C8B-B14F-4D97-AF65-F5344CB8AC3E}">
-        <p14:creationId xmlns="" xmlns:p14="http://schemas.microsoft.com/office/powerpoint/2010/main" val="1587108156"/>
+        <p14:creationId xmlns:p14="http://schemas.microsoft.com/office/powerpoint/2010/main" val="1587108156"/>
       </p:ext>
     </p:extLst>
   </p:cSld>
@@ -3004,7 +2989,7 @@
           <a:blip r:embed="rId2">
             <a:extLst>
               <a:ext uri="{28A0092B-C50C-407E-A947-70E740481C1C}">
-                <a14:useLocalDpi xmlns="" xmlns:a14="http://schemas.microsoft.com/office/drawing/2010/main" val="0"/>
+                <a14:useLocalDpi xmlns:a14="http://schemas.microsoft.com/office/drawing/2010/main" val="0"/>
               </a:ext>
             </a:extLst>
           </a:blip>
@@ -3212,7 +3197,7 @@
     </p:spTree>
     <p:extLst>
       <p:ext uri="{BB962C8B-B14F-4D97-AF65-F5344CB8AC3E}">
-        <p14:creationId xmlns="" xmlns:p14="http://schemas.microsoft.com/office/powerpoint/2010/main" val="3011158932"/>
+        <p14:creationId xmlns:p14="http://schemas.microsoft.com/office/powerpoint/2010/main" val="3011158932"/>
       </p:ext>
     </p:extLst>
   </p:cSld>
@@ -3756,7 +3741,7 @@
     </p:spTree>
     <p:extLst>
       <p:ext uri="{BB962C8B-B14F-4D97-AF65-F5344CB8AC3E}">
-        <p14:creationId xmlns="" xmlns:p14="http://schemas.microsoft.com/office/powerpoint/2010/main" val="2264619627"/>
+        <p14:creationId xmlns:p14="http://schemas.microsoft.com/office/powerpoint/2010/main" val="2264619627"/>
       </p:ext>
     </p:extLst>
   </p:cSld>
@@ -4537,7 +4522,7 @@
     </p:spTree>
     <p:extLst>
       <p:ext uri="{BB962C8B-B14F-4D97-AF65-F5344CB8AC3E}">
-        <p14:creationId xmlns="" xmlns:p14="http://schemas.microsoft.com/office/powerpoint/2010/main" val="1909033270"/>
+        <p14:creationId xmlns:p14="http://schemas.microsoft.com/office/powerpoint/2010/main" val="1909033270"/>
       </p:ext>
     </p:extLst>
   </p:cSld>
@@ -4719,7 +4704,7 @@
     </p:spTree>
     <p:extLst>
       <p:ext uri="{BB962C8B-B14F-4D97-AF65-F5344CB8AC3E}">
-        <p14:creationId xmlns="" xmlns:p14="http://schemas.microsoft.com/office/powerpoint/2010/main" val="2595505593"/>
+        <p14:creationId xmlns:p14="http://schemas.microsoft.com/office/powerpoint/2010/main" val="2595505593"/>
       </p:ext>
     </p:extLst>
   </p:cSld>
@@ -4759,7 +4744,7 @@
           <a:blip r:embed="rId2">
             <a:extLst>
               <a:ext uri="{28A0092B-C50C-407E-A947-70E740481C1C}">
-                <a14:useLocalDpi xmlns="" xmlns:a14="http://schemas.microsoft.com/office/drawing/2010/main" val="0"/>
+                <a14:useLocalDpi xmlns:a14="http://schemas.microsoft.com/office/drawing/2010/main" val="0"/>
               </a:ext>
             </a:extLst>
           </a:blip>
@@ -4959,7 +4944,7 @@
     </p:spTree>
     <p:extLst>
       <p:ext uri="{BB962C8B-B14F-4D97-AF65-F5344CB8AC3E}">
-        <p14:creationId xmlns="" xmlns:p14="http://schemas.microsoft.com/office/powerpoint/2010/main" val="3185133540"/>
+        <p14:creationId xmlns:p14="http://schemas.microsoft.com/office/powerpoint/2010/main" val="3185133540"/>
       </p:ext>
     </p:extLst>
   </p:cSld>
@@ -5000,7 +4985,7 @@
           <p:cNvPr id="14" name="Titolo 1">
             <a:extLst>
               <a:ext uri="{FF2B5EF4-FFF2-40B4-BE49-F238E27FC236}">
-                <a16:creationId xmlns="" xmlns:a16="http://schemas.microsoft.com/office/drawing/2014/main" id="{42ACEF30-0520-40B3-A1F1-F3D2530563D6}"/>
+                <a16:creationId xmlns:a16="http://schemas.microsoft.com/office/drawing/2014/main" id="{42ACEF30-0520-40B3-A1F1-F3D2530563D6}"/>
               </a:ext>
             </a:extLst>
           </p:cNvPr>
@@ -5050,7 +5035,7 @@
           <p:cNvPr id="15" name="Segnaposto testo 15">
             <a:extLst>
               <a:ext uri="{FF2B5EF4-FFF2-40B4-BE49-F238E27FC236}">
-                <a16:creationId xmlns="" xmlns:a16="http://schemas.microsoft.com/office/drawing/2014/main" id="{A1FB681F-A94D-4BF8-8290-0811E98D49D4}"/>
+                <a16:creationId xmlns:a16="http://schemas.microsoft.com/office/drawing/2014/main" id="{A1FB681F-A94D-4BF8-8290-0811E98D49D4}"/>
               </a:ext>
             </a:extLst>
           </p:cNvPr>
@@ -5101,7 +5086,7 @@
           <p:cNvPr id="17" name="Segnaposto testo 18">
             <a:extLst>
               <a:ext uri="{FF2B5EF4-FFF2-40B4-BE49-F238E27FC236}">
-                <a16:creationId xmlns="" xmlns:a16="http://schemas.microsoft.com/office/drawing/2014/main" id="{61E8C129-EF62-46A8-97F3-3CB5D014FBDD}"/>
+                <a16:creationId xmlns:a16="http://schemas.microsoft.com/office/drawing/2014/main" id="{61E8C129-EF62-46A8-97F3-3CB5D014FBDD}"/>
               </a:ext>
             </a:extLst>
           </p:cNvPr>
@@ -5153,7 +5138,7 @@
           <p:cNvPr id="31" name="Segnaposto testo 15">
             <a:extLst>
               <a:ext uri="{FF2B5EF4-FFF2-40B4-BE49-F238E27FC236}">
-                <a16:creationId xmlns="" xmlns:a16="http://schemas.microsoft.com/office/drawing/2014/main" id="{87DD41A9-B6B3-48D9-A3A6-831B39C9158C}"/>
+                <a16:creationId xmlns:a16="http://schemas.microsoft.com/office/drawing/2014/main" id="{87DD41A9-B6B3-48D9-A3A6-831B39C9158C}"/>
               </a:ext>
             </a:extLst>
           </p:cNvPr>
@@ -5213,7 +5198,7 @@
           <p:cNvPr id="32" name="Segnaposto testo 18">
             <a:extLst>
               <a:ext uri="{FF2B5EF4-FFF2-40B4-BE49-F238E27FC236}">
-                <a16:creationId xmlns="" xmlns:a16="http://schemas.microsoft.com/office/drawing/2014/main" id="{FB791E68-EDF5-4CC2-8774-A27AEF1D25E6}"/>
+                <a16:creationId xmlns:a16="http://schemas.microsoft.com/office/drawing/2014/main" id="{FB791E68-EDF5-4CC2-8774-A27AEF1D25E6}"/>
               </a:ext>
             </a:extLst>
           </p:cNvPr>
@@ -5265,7 +5250,7 @@
           <p:cNvPr id="33" name="Segnaposto testo 15">
             <a:extLst>
               <a:ext uri="{FF2B5EF4-FFF2-40B4-BE49-F238E27FC236}">
-                <a16:creationId xmlns="" xmlns:a16="http://schemas.microsoft.com/office/drawing/2014/main" id="{AA224F82-7E0C-4EBF-97D3-132481DBCDA9}"/>
+                <a16:creationId xmlns:a16="http://schemas.microsoft.com/office/drawing/2014/main" id="{AA224F82-7E0C-4EBF-97D3-132481DBCDA9}"/>
               </a:ext>
             </a:extLst>
           </p:cNvPr>
@@ -5325,7 +5310,7 @@
           <p:cNvPr id="34" name="Segnaposto testo 18">
             <a:extLst>
               <a:ext uri="{FF2B5EF4-FFF2-40B4-BE49-F238E27FC236}">
-                <a16:creationId xmlns="" xmlns:a16="http://schemas.microsoft.com/office/drawing/2014/main" id="{699D24C6-4AFB-4222-8E0C-4D11CD9C0FF7}"/>
+                <a16:creationId xmlns:a16="http://schemas.microsoft.com/office/drawing/2014/main" id="{699D24C6-4AFB-4222-8E0C-4D11CD9C0FF7}"/>
               </a:ext>
             </a:extLst>
           </p:cNvPr>
@@ -5377,7 +5362,7 @@
           <p:cNvPr id="12" name="Segnaposto testo 15">
             <a:extLst>
               <a:ext uri="{FF2B5EF4-FFF2-40B4-BE49-F238E27FC236}">
-                <a16:creationId xmlns="" xmlns:a16="http://schemas.microsoft.com/office/drawing/2014/main" id="{3B05E19C-DF33-4515-AC52-F95850810EC1}"/>
+                <a16:creationId xmlns:a16="http://schemas.microsoft.com/office/drawing/2014/main" id="{3B05E19C-DF33-4515-AC52-F95850810EC1}"/>
               </a:ext>
             </a:extLst>
           </p:cNvPr>
@@ -5437,7 +5422,7 @@
           <p:cNvPr id="13" name="Segnaposto testo 18">
             <a:extLst>
               <a:ext uri="{FF2B5EF4-FFF2-40B4-BE49-F238E27FC236}">
-                <a16:creationId xmlns="" xmlns:a16="http://schemas.microsoft.com/office/drawing/2014/main" id="{C0EBC62D-442C-45D3-B66B-C6578FBB3370}"/>
+                <a16:creationId xmlns:a16="http://schemas.microsoft.com/office/drawing/2014/main" id="{C0EBC62D-442C-45D3-B66B-C6578FBB3370}"/>
               </a:ext>
             </a:extLst>
           </p:cNvPr>
@@ -5489,7 +5474,7 @@
           <p:cNvPr id="3" name="Segnaposto data 2">
             <a:extLst>
               <a:ext uri="{FF2B5EF4-FFF2-40B4-BE49-F238E27FC236}">
-                <a16:creationId xmlns="" xmlns:a16="http://schemas.microsoft.com/office/drawing/2014/main" id="{98EC90C5-A811-4E5C-ADD1-A89DB4E94DAA}"/>
+                <a16:creationId xmlns:a16="http://schemas.microsoft.com/office/drawing/2014/main" id="{98EC90C5-A811-4E5C-ADD1-A89DB4E94DAA}"/>
               </a:ext>
             </a:extLst>
           </p:cNvPr>
@@ -5518,7 +5503,7 @@
           <p:cNvPr id="4" name="Segnaposto piè di pagina 3">
             <a:extLst>
               <a:ext uri="{FF2B5EF4-FFF2-40B4-BE49-F238E27FC236}">
-                <a16:creationId xmlns="" xmlns:a16="http://schemas.microsoft.com/office/drawing/2014/main" id="{3356B621-AE19-45D3-B25F-23256C242DDD}"/>
+                <a16:creationId xmlns:a16="http://schemas.microsoft.com/office/drawing/2014/main" id="{3356B621-AE19-45D3-B25F-23256C242DDD}"/>
               </a:ext>
             </a:extLst>
           </p:cNvPr>
@@ -5547,7 +5532,7 @@
           <p:cNvPr id="5" name="Segnaposto numero diapositiva 4">
             <a:extLst>
               <a:ext uri="{FF2B5EF4-FFF2-40B4-BE49-F238E27FC236}">
-                <a16:creationId xmlns="" xmlns:a16="http://schemas.microsoft.com/office/drawing/2014/main" id="{158BDCB2-D8C3-4571-8154-76BEA9AE41A8}"/>
+                <a16:creationId xmlns:a16="http://schemas.microsoft.com/office/drawing/2014/main" id="{158BDCB2-D8C3-4571-8154-76BEA9AE41A8}"/>
               </a:ext>
             </a:extLst>
           </p:cNvPr>
@@ -5566,7 +5551,6 @@
             <a:pPr rtl="0"/>
             <a:fld id="{B5CEABB6-07DC-46E8-9B57-56EC44A396E5}" type="slidenum">
               <a:rPr lang="it-IT" noProof="0" smtClean="0"/>
-              <a:pPr rtl="0"/>
               <a:t>‹N›</a:t>
             </a:fld>
             <a:endParaRPr lang="it-IT" noProof="0"/>
@@ -5578,10 +5562,10 @@
           <p:cNvPr id="2" name="Connettore diritto 1">
             <a:extLst>
               <a:ext uri="{FF2B5EF4-FFF2-40B4-BE49-F238E27FC236}">
-                <a16:creationId xmlns="" xmlns:a16="http://schemas.microsoft.com/office/drawing/2014/main" id="{9298DCF7-7DC1-4618-8133-F63847B0AFE2}"/>
+                <a16:creationId xmlns:a16="http://schemas.microsoft.com/office/drawing/2014/main" id="{9298DCF7-7DC1-4618-8133-F63847B0AFE2}"/>
               </a:ext>
               <a:ext uri="{C183D7F6-B498-43B3-948B-1728B52AA6E4}">
-                <adec:decorative xmlns="" xmlns:adec="http://schemas.microsoft.com/office/drawing/2017/decorative" val="1"/>
+                <adec:decorative xmlns:adec="http://schemas.microsoft.com/office/drawing/2017/decorative" val="1"/>
               </a:ext>
             </a:extLst>
           </p:cNvPr>
@@ -5619,10 +5603,10 @@
           <p:cNvPr id="6" name="Connettore diritto 5">
             <a:extLst>
               <a:ext uri="{FF2B5EF4-FFF2-40B4-BE49-F238E27FC236}">
-                <a16:creationId xmlns="" xmlns:a16="http://schemas.microsoft.com/office/drawing/2014/main" id="{653A6567-233D-4A3B-B52B-DE7E5E35A175}"/>
+                <a16:creationId xmlns:a16="http://schemas.microsoft.com/office/drawing/2014/main" id="{653A6567-233D-4A3B-B52B-DE7E5E35A175}"/>
               </a:ext>
               <a:ext uri="{C183D7F6-B498-43B3-948B-1728B52AA6E4}">
-                <adec:decorative xmlns="" xmlns:adec="http://schemas.microsoft.com/office/drawing/2017/decorative" val="1"/>
+                <adec:decorative xmlns:adec="http://schemas.microsoft.com/office/drawing/2017/decorative" val="1"/>
               </a:ext>
             </a:extLst>
           </p:cNvPr>
@@ -5660,10 +5644,10 @@
           <p:cNvPr id="7" name="Elemento grafico 6">
             <a:extLst>
               <a:ext uri="{FF2B5EF4-FFF2-40B4-BE49-F238E27FC236}">
-                <a16:creationId xmlns="" xmlns:a16="http://schemas.microsoft.com/office/drawing/2014/main" id="{64D564EB-CA78-42C6-AD76-3C4E7B3AEA8D}"/>
+                <a16:creationId xmlns:a16="http://schemas.microsoft.com/office/drawing/2014/main" id="{64D564EB-CA78-42C6-AD76-3C4E7B3AEA8D}"/>
               </a:ext>
               <a:ext uri="{C183D7F6-B498-43B3-948B-1728B52AA6E4}">
-                <adec:decorative xmlns="" xmlns:adec="http://schemas.microsoft.com/office/drawing/2017/decorative" val="1"/>
+                <adec:decorative xmlns:adec="http://schemas.microsoft.com/office/drawing/2017/decorative" val="1"/>
               </a:ext>
             </a:extLst>
           </p:cNvPr>
@@ -5676,7 +5660,7 @@
           <a:blip r:embed="rId2">
             <a:extLst>
               <a:ext uri="{96DAC541-7B7A-43D3-8B79-37D633B846F1}">
-                <asvg:svgBlip xmlns="" xmlns:asvg="http://schemas.microsoft.com/office/drawing/2016/SVG/main" r:embed="rId3"/>
+                <asvg:svgBlip xmlns:asvg="http://schemas.microsoft.com/office/drawing/2016/SVG/main" r:embed="rId3"/>
               </a:ext>
             </a:extLst>
           </a:blip>
@@ -5699,10 +5683,10 @@
           <p:cNvPr id="8" name="Elemento grafico 7">
             <a:extLst>
               <a:ext uri="{FF2B5EF4-FFF2-40B4-BE49-F238E27FC236}">
-                <a16:creationId xmlns="" xmlns:a16="http://schemas.microsoft.com/office/drawing/2014/main" id="{1CFFBB3A-BDCF-4878-8D04-E8BB9A050E71}"/>
+                <a16:creationId xmlns:a16="http://schemas.microsoft.com/office/drawing/2014/main" id="{1CFFBB3A-BDCF-4878-8D04-E8BB9A050E71}"/>
               </a:ext>
               <a:ext uri="{C183D7F6-B498-43B3-948B-1728B52AA6E4}">
-                <adec:decorative xmlns="" xmlns:adec="http://schemas.microsoft.com/office/drawing/2017/decorative" val="1"/>
+                <adec:decorative xmlns:adec="http://schemas.microsoft.com/office/drawing/2017/decorative" val="1"/>
               </a:ext>
             </a:extLst>
           </p:cNvPr>
@@ -5715,7 +5699,7 @@
           <a:blip r:embed="rId4">
             <a:extLst>
               <a:ext uri="{96DAC541-7B7A-43D3-8B79-37D633B846F1}">
-                <asvg:svgBlip xmlns="" xmlns:asvg="http://schemas.microsoft.com/office/drawing/2016/SVG/main" r:embed="rId5"/>
+                <asvg:svgBlip xmlns:asvg="http://schemas.microsoft.com/office/drawing/2016/SVG/main" r:embed="rId5"/>
               </a:ext>
             </a:extLst>
           </a:blip>
@@ -5736,7 +5720,7 @@
     </p:spTree>
     <p:extLst>
       <p:ext uri="{BB962C8B-B14F-4D97-AF65-F5344CB8AC3E}">
-        <p14:creationId xmlns="" xmlns:p14="http://schemas.microsoft.com/office/powerpoint/2010/main" val="2617525356"/>
+        <p14:creationId xmlns:p14="http://schemas.microsoft.com/office/powerpoint/2010/main" val="2617525356"/>
       </p:ext>
     </p:extLst>
   </p:cSld>
@@ -5776,7 +5760,7 @@
           <p:cNvPr id="14" name="Titolo 1">
             <a:extLst>
               <a:ext uri="{FF2B5EF4-FFF2-40B4-BE49-F238E27FC236}">
-                <a16:creationId xmlns="" xmlns:a16="http://schemas.microsoft.com/office/drawing/2014/main" id="{42ACEF30-0520-40B3-A1F1-F3D2530563D6}"/>
+                <a16:creationId xmlns:a16="http://schemas.microsoft.com/office/drawing/2014/main" id="{42ACEF30-0520-40B3-A1F1-F3D2530563D6}"/>
               </a:ext>
             </a:extLst>
           </p:cNvPr>
@@ -5826,7 +5810,7 @@
           <p:cNvPr id="15" name="Segnaposto testo 15">
             <a:extLst>
               <a:ext uri="{FF2B5EF4-FFF2-40B4-BE49-F238E27FC236}">
-                <a16:creationId xmlns="" xmlns:a16="http://schemas.microsoft.com/office/drawing/2014/main" id="{A1FB681F-A94D-4BF8-8290-0811E98D49D4}"/>
+                <a16:creationId xmlns:a16="http://schemas.microsoft.com/office/drawing/2014/main" id="{A1FB681F-A94D-4BF8-8290-0811E98D49D4}"/>
               </a:ext>
             </a:extLst>
           </p:cNvPr>
@@ -5877,7 +5861,7 @@
           <p:cNvPr id="17" name="Segnaposto testo 18">
             <a:extLst>
               <a:ext uri="{FF2B5EF4-FFF2-40B4-BE49-F238E27FC236}">
-                <a16:creationId xmlns="" xmlns:a16="http://schemas.microsoft.com/office/drawing/2014/main" id="{61E8C129-EF62-46A8-97F3-3CB5D014FBDD}"/>
+                <a16:creationId xmlns:a16="http://schemas.microsoft.com/office/drawing/2014/main" id="{61E8C129-EF62-46A8-97F3-3CB5D014FBDD}"/>
               </a:ext>
             </a:extLst>
           </p:cNvPr>
@@ -5929,7 +5913,7 @@
           <p:cNvPr id="16" name="Segnaposto testo 15">
             <a:extLst>
               <a:ext uri="{FF2B5EF4-FFF2-40B4-BE49-F238E27FC236}">
-                <a16:creationId xmlns="" xmlns:a16="http://schemas.microsoft.com/office/drawing/2014/main" id="{07D6A00C-D56B-4E8B-B992-7DA51D3C7261}"/>
+                <a16:creationId xmlns:a16="http://schemas.microsoft.com/office/drawing/2014/main" id="{07D6A00C-D56B-4E8B-B992-7DA51D3C7261}"/>
               </a:ext>
             </a:extLst>
           </p:cNvPr>
@@ -5980,7 +5964,7 @@
           <p:cNvPr id="18" name="Segnaposto testo 18">
             <a:extLst>
               <a:ext uri="{FF2B5EF4-FFF2-40B4-BE49-F238E27FC236}">
-                <a16:creationId xmlns="" xmlns:a16="http://schemas.microsoft.com/office/drawing/2014/main" id="{DA90DA32-7E6A-4713-BDC9-73910E2A0E68}"/>
+                <a16:creationId xmlns:a16="http://schemas.microsoft.com/office/drawing/2014/main" id="{DA90DA32-7E6A-4713-BDC9-73910E2A0E68}"/>
               </a:ext>
             </a:extLst>
           </p:cNvPr>
@@ -6032,7 +6016,7 @@
           <p:cNvPr id="19" name="Segnaposto testo 15">
             <a:extLst>
               <a:ext uri="{FF2B5EF4-FFF2-40B4-BE49-F238E27FC236}">
-                <a16:creationId xmlns="" xmlns:a16="http://schemas.microsoft.com/office/drawing/2014/main" id="{D7E57261-C874-4DFD-AF7D-F9EC50B3BFD0}"/>
+                <a16:creationId xmlns:a16="http://schemas.microsoft.com/office/drawing/2014/main" id="{D7E57261-C874-4DFD-AF7D-F9EC50B3BFD0}"/>
               </a:ext>
             </a:extLst>
           </p:cNvPr>
@@ -6083,7 +6067,7 @@
           <p:cNvPr id="20" name="Segnaposto testo 18">
             <a:extLst>
               <a:ext uri="{FF2B5EF4-FFF2-40B4-BE49-F238E27FC236}">
-                <a16:creationId xmlns="" xmlns:a16="http://schemas.microsoft.com/office/drawing/2014/main" id="{843F77CE-098F-4777-8C30-5CEE7954D140}"/>
+                <a16:creationId xmlns:a16="http://schemas.microsoft.com/office/drawing/2014/main" id="{843F77CE-098F-4777-8C30-5CEE7954D140}"/>
               </a:ext>
             </a:extLst>
           </p:cNvPr>
@@ -6135,7 +6119,7 @@
           <p:cNvPr id="23" name="Segnaposto testo 15">
             <a:extLst>
               <a:ext uri="{FF2B5EF4-FFF2-40B4-BE49-F238E27FC236}">
-                <a16:creationId xmlns="" xmlns:a16="http://schemas.microsoft.com/office/drawing/2014/main" id="{4CAE269A-B6AB-42A6-9575-6057FA25A29E}"/>
+                <a16:creationId xmlns:a16="http://schemas.microsoft.com/office/drawing/2014/main" id="{4CAE269A-B6AB-42A6-9575-6057FA25A29E}"/>
               </a:ext>
             </a:extLst>
           </p:cNvPr>
@@ -6186,7 +6170,7 @@
           <p:cNvPr id="24" name="Segnaposto testo 18">
             <a:extLst>
               <a:ext uri="{FF2B5EF4-FFF2-40B4-BE49-F238E27FC236}">
-                <a16:creationId xmlns="" xmlns:a16="http://schemas.microsoft.com/office/drawing/2014/main" id="{46866A49-A3A8-4869-961C-EB41F6BC7843}"/>
+                <a16:creationId xmlns:a16="http://schemas.microsoft.com/office/drawing/2014/main" id="{46866A49-A3A8-4869-961C-EB41F6BC7843}"/>
               </a:ext>
             </a:extLst>
           </p:cNvPr>
@@ -6238,7 +6222,7 @@
           <p:cNvPr id="3" name="Segnaposto data 2">
             <a:extLst>
               <a:ext uri="{FF2B5EF4-FFF2-40B4-BE49-F238E27FC236}">
-                <a16:creationId xmlns="" xmlns:a16="http://schemas.microsoft.com/office/drawing/2014/main" id="{98EC90C5-A811-4E5C-ADD1-A89DB4E94DAA}"/>
+                <a16:creationId xmlns:a16="http://schemas.microsoft.com/office/drawing/2014/main" id="{98EC90C5-A811-4E5C-ADD1-A89DB4E94DAA}"/>
               </a:ext>
             </a:extLst>
           </p:cNvPr>
@@ -6276,7 +6260,7 @@
           <p:cNvPr id="4" name="Segnaposto piè di pagina 3">
             <a:extLst>
               <a:ext uri="{FF2B5EF4-FFF2-40B4-BE49-F238E27FC236}">
-                <a16:creationId xmlns="" xmlns:a16="http://schemas.microsoft.com/office/drawing/2014/main" id="{3356B621-AE19-45D3-B25F-23256C242DDD}"/>
+                <a16:creationId xmlns:a16="http://schemas.microsoft.com/office/drawing/2014/main" id="{3356B621-AE19-45D3-B25F-23256C242DDD}"/>
               </a:ext>
             </a:extLst>
           </p:cNvPr>
@@ -6314,7 +6298,7 @@
           <p:cNvPr id="5" name="Segnaposto numero diapositiva 4">
             <a:extLst>
               <a:ext uri="{FF2B5EF4-FFF2-40B4-BE49-F238E27FC236}">
-                <a16:creationId xmlns="" xmlns:a16="http://schemas.microsoft.com/office/drawing/2014/main" id="{158BDCB2-D8C3-4571-8154-76BEA9AE41A8}"/>
+                <a16:creationId xmlns:a16="http://schemas.microsoft.com/office/drawing/2014/main" id="{158BDCB2-D8C3-4571-8154-76BEA9AE41A8}"/>
               </a:ext>
             </a:extLst>
           </p:cNvPr>
@@ -6354,10 +6338,10 @@
           <p:cNvPr id="2" name="Elemento grafico 1">
             <a:extLst>
               <a:ext uri="{FF2B5EF4-FFF2-40B4-BE49-F238E27FC236}">
-                <a16:creationId xmlns="" xmlns:a16="http://schemas.microsoft.com/office/drawing/2014/main" id="{6D8D9106-8780-461D-9091-E074B0A3C956}"/>
+                <a16:creationId xmlns:a16="http://schemas.microsoft.com/office/drawing/2014/main" id="{6D8D9106-8780-461D-9091-E074B0A3C956}"/>
               </a:ext>
               <a:ext uri="{C183D7F6-B498-43B3-948B-1728B52AA6E4}">
-                <adec:decorative xmlns="" xmlns:adec="http://schemas.microsoft.com/office/drawing/2017/decorative" val="1"/>
+                <adec:decorative xmlns:adec="http://schemas.microsoft.com/office/drawing/2017/decorative" val="1"/>
               </a:ext>
             </a:extLst>
           </p:cNvPr>
@@ -6370,7 +6354,7 @@
           <a:blip r:embed="rId2">
             <a:extLst>
               <a:ext uri="{96DAC541-7B7A-43D3-8B79-37D633B846F1}">
-                <asvg:svgBlip xmlns="" xmlns:asvg="http://schemas.microsoft.com/office/drawing/2016/SVG/main" r:embed="rId3"/>
+                <asvg:svgBlip xmlns:asvg="http://schemas.microsoft.com/office/drawing/2016/SVG/main" r:embed="rId3"/>
               </a:ext>
             </a:extLst>
           </a:blip>
@@ -6390,7 +6374,7 @@
     </p:spTree>
     <p:extLst>
       <p:ext uri="{BB962C8B-B14F-4D97-AF65-F5344CB8AC3E}">
-        <p14:creationId xmlns="" xmlns:p14="http://schemas.microsoft.com/office/powerpoint/2010/main" val="3061950496"/>
+        <p14:creationId xmlns:p14="http://schemas.microsoft.com/office/powerpoint/2010/main" val="3061950496"/>
       </p:ext>
     </p:extLst>
   </p:cSld>
@@ -6566,7 +6550,7 @@
     </p:spTree>
     <p:extLst>
       <p:ext uri="{BB962C8B-B14F-4D97-AF65-F5344CB8AC3E}">
-        <p14:creationId xmlns="" xmlns:p14="http://schemas.microsoft.com/office/powerpoint/2010/main" val="1493449127"/>
+        <p14:creationId xmlns:p14="http://schemas.microsoft.com/office/powerpoint/2010/main" val="1493449127"/>
       </p:ext>
     </p:extLst>
   </p:cSld>
@@ -6607,7 +6591,7 @@
           <p:cNvPr id="2" name="Titolo 1">
             <a:extLst>
               <a:ext uri="{FF2B5EF4-FFF2-40B4-BE49-F238E27FC236}">
-                <a16:creationId xmlns="" xmlns:a16="http://schemas.microsoft.com/office/drawing/2014/main" id="{415B3628-62D7-4A6D-A79F-34DE91DBA31E}"/>
+                <a16:creationId xmlns:a16="http://schemas.microsoft.com/office/drawing/2014/main" id="{415B3628-62D7-4A6D-A79F-34DE91DBA31E}"/>
               </a:ext>
             </a:extLst>
           </p:cNvPr>
@@ -6654,7 +6638,7 @@
           <p:cNvPr id="5" name="Elemento grafico 4">
             <a:extLst>
               <a:ext uri="{FF2B5EF4-FFF2-40B4-BE49-F238E27FC236}">
-                <a16:creationId xmlns="" xmlns:a16="http://schemas.microsoft.com/office/drawing/2014/main" id="{F05D2CCB-CCFC-4A8A-ADA9-C1E4D13B9681}"/>
+                <a16:creationId xmlns:a16="http://schemas.microsoft.com/office/drawing/2014/main" id="{F05D2CCB-CCFC-4A8A-ADA9-C1E4D13B9681}"/>
               </a:ext>
             </a:extLst>
           </p:cNvPr>
@@ -6667,7 +6651,7 @@
           <a:blip r:embed="rId2">
             <a:extLst>
               <a:ext uri="{96DAC541-7B7A-43D3-8B79-37D633B846F1}">
-                <asvg:svgBlip xmlns="" xmlns:asvg="http://schemas.microsoft.com/office/drawing/2016/SVG/main" r:embed="rId3"/>
+                <asvg:svgBlip xmlns:asvg="http://schemas.microsoft.com/office/drawing/2016/SVG/main" r:embed="rId3"/>
               </a:ext>
             </a:extLst>
           </a:blip>
@@ -6688,7 +6672,7 @@
     </p:spTree>
     <p:extLst>
       <p:ext uri="{BB962C8B-B14F-4D97-AF65-F5344CB8AC3E}">
-        <p14:creationId xmlns="" xmlns:p14="http://schemas.microsoft.com/office/powerpoint/2010/main" val="3228668804"/>
+        <p14:creationId xmlns:p14="http://schemas.microsoft.com/office/powerpoint/2010/main" val="3228668804"/>
       </p:ext>
     </p:extLst>
   </p:cSld>
@@ -6720,7 +6704,7 @@
           <p:cNvPr id="7" name="Elemento grafico 6">
             <a:extLst>
               <a:ext uri="{FF2B5EF4-FFF2-40B4-BE49-F238E27FC236}">
-                <a16:creationId xmlns="" xmlns:a16="http://schemas.microsoft.com/office/drawing/2014/main" id="{AEE644D4-F9A4-4237-BD5C-4B97ABA9337E}"/>
+                <a16:creationId xmlns:a16="http://schemas.microsoft.com/office/drawing/2014/main" id="{AEE644D4-F9A4-4237-BD5C-4B97ABA9337E}"/>
               </a:ext>
             </a:extLst>
           </p:cNvPr>
@@ -6733,7 +6717,7 @@
           <a:blip r:embed="rId2">
             <a:extLst>
               <a:ext uri="{96DAC541-7B7A-43D3-8B79-37D633B846F1}">
-                <asvg:svgBlip xmlns="" xmlns:asvg="http://schemas.microsoft.com/office/drawing/2016/SVG/main" r:embed="rId3"/>
+                <asvg:svgBlip xmlns:asvg="http://schemas.microsoft.com/office/drawing/2016/SVG/main" r:embed="rId3"/>
               </a:ext>
             </a:extLst>
           </a:blip>
@@ -6756,7 +6740,7 @@
           <p:cNvPr id="2" name="Titolo 1">
             <a:extLst>
               <a:ext uri="{FF2B5EF4-FFF2-40B4-BE49-F238E27FC236}">
-                <a16:creationId xmlns="" xmlns:a16="http://schemas.microsoft.com/office/drawing/2014/main" id="{C2FF67A8-55FA-435D-A18C-96D63D22B53E}"/>
+                <a16:creationId xmlns:a16="http://schemas.microsoft.com/office/drawing/2014/main" id="{C2FF67A8-55FA-435D-A18C-96D63D22B53E}"/>
               </a:ext>
             </a:extLst>
           </p:cNvPr>
@@ -6806,7 +6790,7 @@
           <p:cNvPr id="9" name="Connettore diritto 8">
             <a:extLst>
               <a:ext uri="{FF2B5EF4-FFF2-40B4-BE49-F238E27FC236}">
-                <a16:creationId xmlns="" xmlns:a16="http://schemas.microsoft.com/office/drawing/2014/main" id="{BDAC7E4E-FE06-4E90-8107-6B543E5515ED}"/>
+                <a16:creationId xmlns:a16="http://schemas.microsoft.com/office/drawing/2014/main" id="{BDAC7E4E-FE06-4E90-8107-6B543E5515ED}"/>
               </a:ext>
             </a:extLst>
           </p:cNvPr>
@@ -6849,7 +6833,7 @@
           <p:cNvPr id="11" name="Segnaposto testo 15">
             <a:extLst>
               <a:ext uri="{FF2B5EF4-FFF2-40B4-BE49-F238E27FC236}">
-                <a16:creationId xmlns="" xmlns:a16="http://schemas.microsoft.com/office/drawing/2014/main" id="{3864668D-D640-4ABF-BB9A-D60176660F07}"/>
+                <a16:creationId xmlns:a16="http://schemas.microsoft.com/office/drawing/2014/main" id="{3864668D-D640-4ABF-BB9A-D60176660F07}"/>
               </a:ext>
             </a:extLst>
           </p:cNvPr>
@@ -6900,7 +6884,7 @@
           <p:cNvPr id="12" name="Segnaposto testo 18">
             <a:extLst>
               <a:ext uri="{FF2B5EF4-FFF2-40B4-BE49-F238E27FC236}">
-                <a16:creationId xmlns="" xmlns:a16="http://schemas.microsoft.com/office/drawing/2014/main" id="{2E289D5A-B06B-43D4-A3CA-3B06C4D49FDD}"/>
+                <a16:creationId xmlns:a16="http://schemas.microsoft.com/office/drawing/2014/main" id="{2E289D5A-B06B-43D4-A3CA-3B06C4D49FDD}"/>
               </a:ext>
             </a:extLst>
           </p:cNvPr>
@@ -6952,7 +6936,7 @@
           <p:cNvPr id="13" name="Segnaposto testo 15">
             <a:extLst>
               <a:ext uri="{FF2B5EF4-FFF2-40B4-BE49-F238E27FC236}">
-                <a16:creationId xmlns="" xmlns:a16="http://schemas.microsoft.com/office/drawing/2014/main" id="{1DCC2995-DE17-436D-82AE-6E107865CB79}"/>
+                <a16:creationId xmlns:a16="http://schemas.microsoft.com/office/drawing/2014/main" id="{1DCC2995-DE17-436D-82AE-6E107865CB79}"/>
               </a:ext>
             </a:extLst>
           </p:cNvPr>
@@ -7003,7 +6987,7 @@
           <p:cNvPr id="14" name="Segnaposto testo 18">
             <a:extLst>
               <a:ext uri="{FF2B5EF4-FFF2-40B4-BE49-F238E27FC236}">
-                <a16:creationId xmlns="" xmlns:a16="http://schemas.microsoft.com/office/drawing/2014/main" id="{C7E70A65-1FB1-4F42-854B-8213ED73F792}"/>
+                <a16:creationId xmlns:a16="http://schemas.microsoft.com/office/drawing/2014/main" id="{C7E70A65-1FB1-4F42-854B-8213ED73F792}"/>
               </a:ext>
             </a:extLst>
           </p:cNvPr>
@@ -7055,7 +7039,7 @@
           <p:cNvPr id="15" name="Segnaposto testo 15">
             <a:extLst>
               <a:ext uri="{FF2B5EF4-FFF2-40B4-BE49-F238E27FC236}">
-                <a16:creationId xmlns="" xmlns:a16="http://schemas.microsoft.com/office/drawing/2014/main" id="{45657994-DC61-4DEB-BB2B-65DFCA997AF1}"/>
+                <a16:creationId xmlns:a16="http://schemas.microsoft.com/office/drawing/2014/main" id="{45657994-DC61-4DEB-BB2B-65DFCA997AF1}"/>
               </a:ext>
             </a:extLst>
           </p:cNvPr>
@@ -7106,7 +7090,7 @@
           <p:cNvPr id="16" name="Segnaposto testo 18">
             <a:extLst>
               <a:ext uri="{FF2B5EF4-FFF2-40B4-BE49-F238E27FC236}">
-                <a16:creationId xmlns="" xmlns:a16="http://schemas.microsoft.com/office/drawing/2014/main" id="{18397EE2-60CD-47FD-AF8F-83A5324D9D18}"/>
+                <a16:creationId xmlns:a16="http://schemas.microsoft.com/office/drawing/2014/main" id="{18397EE2-60CD-47FD-AF8F-83A5324D9D18}"/>
               </a:ext>
             </a:extLst>
           </p:cNvPr>
@@ -7158,7 +7142,7 @@
           <p:cNvPr id="17" name="Segnaposto data 2">
             <a:extLst>
               <a:ext uri="{FF2B5EF4-FFF2-40B4-BE49-F238E27FC236}">
-                <a16:creationId xmlns="" xmlns:a16="http://schemas.microsoft.com/office/drawing/2014/main" id="{1E25EFF1-65C7-4F93-8740-46885C6BEA57}"/>
+                <a16:creationId xmlns:a16="http://schemas.microsoft.com/office/drawing/2014/main" id="{1E25EFF1-65C7-4F93-8740-46885C6BEA57}"/>
               </a:ext>
             </a:extLst>
           </p:cNvPr>
@@ -7196,7 +7180,7 @@
           <p:cNvPr id="18" name="Segnaposto piè di pagina 3">
             <a:extLst>
               <a:ext uri="{FF2B5EF4-FFF2-40B4-BE49-F238E27FC236}">
-                <a16:creationId xmlns="" xmlns:a16="http://schemas.microsoft.com/office/drawing/2014/main" id="{C16D80BF-B599-4FC0-ABD5-98777872FE5F}"/>
+                <a16:creationId xmlns:a16="http://schemas.microsoft.com/office/drawing/2014/main" id="{C16D80BF-B599-4FC0-ABD5-98777872FE5F}"/>
               </a:ext>
             </a:extLst>
           </p:cNvPr>
@@ -7234,7 +7218,7 @@
           <p:cNvPr id="19" name="Segnaposto numero diapositiva 4">
             <a:extLst>
               <a:ext uri="{FF2B5EF4-FFF2-40B4-BE49-F238E27FC236}">
-                <a16:creationId xmlns="" xmlns:a16="http://schemas.microsoft.com/office/drawing/2014/main" id="{F64421B1-FF90-4939-90BD-8206DE5036D0}"/>
+                <a16:creationId xmlns:a16="http://schemas.microsoft.com/office/drawing/2014/main" id="{F64421B1-FF90-4939-90BD-8206DE5036D0}"/>
               </a:ext>
             </a:extLst>
           </p:cNvPr>
@@ -7272,7 +7256,7 @@
     </p:spTree>
     <p:extLst>
       <p:ext uri="{BB962C8B-B14F-4D97-AF65-F5344CB8AC3E}">
-        <p14:creationId xmlns="" xmlns:p14="http://schemas.microsoft.com/office/powerpoint/2010/main" val="264798778"/>
+        <p14:creationId xmlns:p14="http://schemas.microsoft.com/office/powerpoint/2010/main" val="264798778"/>
       </p:ext>
     </p:extLst>
   </p:cSld>
@@ -7312,7 +7296,7 @@
           <p:cNvPr id="2" name="Titolo 1">
             <a:extLst>
               <a:ext uri="{FF2B5EF4-FFF2-40B4-BE49-F238E27FC236}">
-                <a16:creationId xmlns="" xmlns:a16="http://schemas.microsoft.com/office/drawing/2014/main" id="{81CF3B5C-31C4-46BA-9FAD-72DF917A84DA}"/>
+                <a16:creationId xmlns:a16="http://schemas.microsoft.com/office/drawing/2014/main" id="{81CF3B5C-31C4-46BA-9FAD-72DF917A84DA}"/>
               </a:ext>
             </a:extLst>
           </p:cNvPr>
@@ -7362,7 +7346,7 @@
           <p:cNvPr id="3" name="Segnaposto testo 2">
             <a:extLst>
               <a:ext uri="{FF2B5EF4-FFF2-40B4-BE49-F238E27FC236}">
-                <a16:creationId xmlns="" xmlns:a16="http://schemas.microsoft.com/office/drawing/2014/main" id="{B659CD1F-9DFB-4048-9B9B-2BD7D4EC6400}"/>
+                <a16:creationId xmlns:a16="http://schemas.microsoft.com/office/drawing/2014/main" id="{B659CD1F-9DFB-4048-9B9B-2BD7D4EC6400}"/>
               </a:ext>
             </a:extLst>
           </p:cNvPr>
@@ -7445,7 +7429,7 @@
           <p:cNvPr id="23" name="Segnaposto testo 2">
             <a:extLst>
               <a:ext uri="{FF2B5EF4-FFF2-40B4-BE49-F238E27FC236}">
-                <a16:creationId xmlns="" xmlns:a16="http://schemas.microsoft.com/office/drawing/2014/main" id="{A066E2EA-C6EA-4A02-818E-33BD582D92E7}"/>
+                <a16:creationId xmlns:a16="http://schemas.microsoft.com/office/drawing/2014/main" id="{A066E2EA-C6EA-4A02-818E-33BD582D92E7}"/>
               </a:ext>
             </a:extLst>
           </p:cNvPr>
@@ -7528,7 +7512,7 @@
           <p:cNvPr id="24" name="Segnaposto testo 2">
             <a:extLst>
               <a:ext uri="{FF2B5EF4-FFF2-40B4-BE49-F238E27FC236}">
-                <a16:creationId xmlns="" xmlns:a16="http://schemas.microsoft.com/office/drawing/2014/main" id="{97B9C3B0-3522-407C-B662-631E19ECC95F}"/>
+                <a16:creationId xmlns:a16="http://schemas.microsoft.com/office/drawing/2014/main" id="{97B9C3B0-3522-407C-B662-631E19ECC95F}"/>
               </a:ext>
             </a:extLst>
           </p:cNvPr>
@@ -7611,7 +7595,7 @@
           <p:cNvPr id="4" name="Segnaposto contenuto 3">
             <a:extLst>
               <a:ext uri="{FF2B5EF4-FFF2-40B4-BE49-F238E27FC236}">
-                <a16:creationId xmlns="" xmlns:a16="http://schemas.microsoft.com/office/drawing/2014/main" id="{AC9B20CF-6B91-4562-B799-0ABDAEBC0D2A}"/>
+                <a16:creationId xmlns:a16="http://schemas.microsoft.com/office/drawing/2014/main" id="{AC9B20CF-6B91-4562-B799-0ABDAEBC0D2A}"/>
               </a:ext>
             </a:extLst>
           </p:cNvPr>
@@ -7706,7 +7690,7 @@
           <p:cNvPr id="6" name="Segnaposto contenuto 5">
             <a:extLst>
               <a:ext uri="{FF2B5EF4-FFF2-40B4-BE49-F238E27FC236}">
-                <a16:creationId xmlns="" xmlns:a16="http://schemas.microsoft.com/office/drawing/2014/main" id="{B36EE64B-44BF-4634-97BC-5ED74C6DF280}"/>
+                <a16:creationId xmlns:a16="http://schemas.microsoft.com/office/drawing/2014/main" id="{B36EE64B-44BF-4634-97BC-5ED74C6DF280}"/>
               </a:ext>
             </a:extLst>
           </p:cNvPr>
@@ -7801,7 +7785,7 @@
           <p:cNvPr id="22" name="Segnaposto contenuto 3">
             <a:extLst>
               <a:ext uri="{FF2B5EF4-FFF2-40B4-BE49-F238E27FC236}">
-                <a16:creationId xmlns="" xmlns:a16="http://schemas.microsoft.com/office/drawing/2014/main" id="{C464A9BD-B815-4632-8F54-6EB70E48BAFF}"/>
+                <a16:creationId xmlns:a16="http://schemas.microsoft.com/office/drawing/2014/main" id="{C464A9BD-B815-4632-8F54-6EB70E48BAFF}"/>
               </a:ext>
             </a:extLst>
           </p:cNvPr>
@@ -7896,10 +7880,10 @@
           <p:cNvPr id="11" name="Elemento grafico 10">
             <a:extLst>
               <a:ext uri="{FF2B5EF4-FFF2-40B4-BE49-F238E27FC236}">
-                <a16:creationId xmlns="" xmlns:a16="http://schemas.microsoft.com/office/drawing/2014/main" id="{B38B0D13-BD5F-460B-B337-F4A9342026D0}"/>
+                <a16:creationId xmlns:a16="http://schemas.microsoft.com/office/drawing/2014/main" id="{B38B0D13-BD5F-460B-B337-F4A9342026D0}"/>
               </a:ext>
               <a:ext uri="{C183D7F6-B498-43B3-948B-1728B52AA6E4}">
-                <adec:decorative xmlns="" xmlns:adec="http://schemas.microsoft.com/office/drawing/2017/decorative" val="1"/>
+                <adec:decorative xmlns:adec="http://schemas.microsoft.com/office/drawing/2017/decorative" val="1"/>
               </a:ext>
             </a:extLst>
           </p:cNvPr>
@@ -7912,7 +7896,7 @@
           <a:blip r:embed="rId2">
             <a:extLst>
               <a:ext uri="{96DAC541-7B7A-43D3-8B79-37D633B846F1}">
-                <asvg:svgBlip xmlns="" xmlns:asvg="http://schemas.microsoft.com/office/drawing/2016/SVG/main" r:embed="rId3"/>
+                <asvg:svgBlip xmlns:asvg="http://schemas.microsoft.com/office/drawing/2016/SVG/main" r:embed="rId3"/>
               </a:ext>
             </a:extLst>
           </a:blip>
@@ -7935,10 +7919,10 @@
           <p:cNvPr id="13" name="Elemento grafico 12">
             <a:extLst>
               <a:ext uri="{FF2B5EF4-FFF2-40B4-BE49-F238E27FC236}">
-                <a16:creationId xmlns="" xmlns:a16="http://schemas.microsoft.com/office/drawing/2014/main" id="{BE72876B-D3DA-4462-9E24-3354D8D02A27}"/>
+                <a16:creationId xmlns:a16="http://schemas.microsoft.com/office/drawing/2014/main" id="{BE72876B-D3DA-4462-9E24-3354D8D02A27}"/>
               </a:ext>
               <a:ext uri="{C183D7F6-B498-43B3-948B-1728B52AA6E4}">
-                <adec:decorative xmlns="" xmlns:adec="http://schemas.microsoft.com/office/drawing/2017/decorative" val="1"/>
+                <adec:decorative xmlns:adec="http://schemas.microsoft.com/office/drawing/2017/decorative" val="1"/>
               </a:ext>
             </a:extLst>
           </p:cNvPr>
@@ -7951,7 +7935,7 @@
           <a:blip r:embed="rId4">
             <a:extLst>
               <a:ext uri="{96DAC541-7B7A-43D3-8B79-37D633B846F1}">
-                <asvg:svgBlip xmlns="" xmlns:asvg="http://schemas.microsoft.com/office/drawing/2016/SVG/main" r:embed="rId5"/>
+                <asvg:svgBlip xmlns:asvg="http://schemas.microsoft.com/office/drawing/2016/SVG/main" r:embed="rId5"/>
               </a:ext>
             </a:extLst>
           </a:blip>
@@ -7974,10 +7958,10 @@
           <p:cNvPr id="15" name="Elemento grafico 14">
             <a:extLst>
               <a:ext uri="{FF2B5EF4-FFF2-40B4-BE49-F238E27FC236}">
-                <a16:creationId xmlns="" xmlns:a16="http://schemas.microsoft.com/office/drawing/2014/main" id="{14A539B6-6E3F-41BA-ACE2-76E8BB651636}"/>
+                <a16:creationId xmlns:a16="http://schemas.microsoft.com/office/drawing/2014/main" id="{14A539B6-6E3F-41BA-ACE2-76E8BB651636}"/>
               </a:ext>
               <a:ext uri="{C183D7F6-B498-43B3-948B-1728B52AA6E4}">
-                <adec:decorative xmlns="" xmlns:adec="http://schemas.microsoft.com/office/drawing/2017/decorative" val="1"/>
+                <adec:decorative xmlns:adec="http://schemas.microsoft.com/office/drawing/2017/decorative" val="1"/>
               </a:ext>
             </a:extLst>
           </p:cNvPr>
@@ -7990,7 +7974,7 @@
           <a:blip r:embed="rId6">
             <a:extLst>
               <a:ext uri="{96DAC541-7B7A-43D3-8B79-37D633B846F1}">
-                <asvg:svgBlip xmlns="" xmlns:asvg="http://schemas.microsoft.com/office/drawing/2016/SVG/main" r:embed="rId7"/>
+                <asvg:svgBlip xmlns:asvg="http://schemas.microsoft.com/office/drawing/2016/SVG/main" r:embed="rId7"/>
               </a:ext>
             </a:extLst>
           </a:blip>
@@ -8013,7 +7997,7 @@
           <p:cNvPr id="25" name="Segnaposto contenuto 3">
             <a:extLst>
               <a:ext uri="{FF2B5EF4-FFF2-40B4-BE49-F238E27FC236}">
-                <a16:creationId xmlns="" xmlns:a16="http://schemas.microsoft.com/office/drawing/2014/main" id="{82D8880F-3EAC-45C9-91F2-19A193791A18}"/>
+                <a16:creationId xmlns:a16="http://schemas.microsoft.com/office/drawing/2014/main" id="{82D8880F-3EAC-45C9-91F2-19A193791A18}"/>
               </a:ext>
             </a:extLst>
           </p:cNvPr>
@@ -8108,7 +8092,7 @@
           <p:cNvPr id="26" name="Segnaposto contenuto 5">
             <a:extLst>
               <a:ext uri="{FF2B5EF4-FFF2-40B4-BE49-F238E27FC236}">
-                <a16:creationId xmlns="" xmlns:a16="http://schemas.microsoft.com/office/drawing/2014/main" id="{9019518E-E850-403D-A5B5-4B53F8C4A56B}"/>
+                <a16:creationId xmlns:a16="http://schemas.microsoft.com/office/drawing/2014/main" id="{9019518E-E850-403D-A5B5-4B53F8C4A56B}"/>
               </a:ext>
             </a:extLst>
           </p:cNvPr>
@@ -8210,7 +8194,7 @@
           <p:cNvPr id="27" name="Segnaposto contenuto 3">
             <a:extLst>
               <a:ext uri="{FF2B5EF4-FFF2-40B4-BE49-F238E27FC236}">
-                <a16:creationId xmlns="" xmlns:a16="http://schemas.microsoft.com/office/drawing/2014/main" id="{A8058154-45E5-403E-B714-AC85774F391F}"/>
+                <a16:creationId xmlns:a16="http://schemas.microsoft.com/office/drawing/2014/main" id="{A8058154-45E5-403E-B714-AC85774F391F}"/>
               </a:ext>
             </a:extLst>
           </p:cNvPr>
@@ -8305,7 +8289,7 @@
           <p:cNvPr id="7" name="Segnaposto data 6">
             <a:extLst>
               <a:ext uri="{FF2B5EF4-FFF2-40B4-BE49-F238E27FC236}">
-                <a16:creationId xmlns="" xmlns:a16="http://schemas.microsoft.com/office/drawing/2014/main" id="{F255C16C-AA88-4BBF-8040-11ECFED618E0}"/>
+                <a16:creationId xmlns:a16="http://schemas.microsoft.com/office/drawing/2014/main" id="{F255C16C-AA88-4BBF-8040-11ECFED618E0}"/>
               </a:ext>
             </a:extLst>
           </p:cNvPr>
@@ -8338,7 +8322,7 @@
           <p:cNvPr id="8" name="Segnaposto piè di pagina 7">
             <a:extLst>
               <a:ext uri="{FF2B5EF4-FFF2-40B4-BE49-F238E27FC236}">
-                <a16:creationId xmlns="" xmlns:a16="http://schemas.microsoft.com/office/drawing/2014/main" id="{CBE560E3-F935-488F-8F0E-191D7B6B54B8}"/>
+                <a16:creationId xmlns:a16="http://schemas.microsoft.com/office/drawing/2014/main" id="{CBE560E3-F935-488F-8F0E-191D7B6B54B8}"/>
               </a:ext>
             </a:extLst>
           </p:cNvPr>
@@ -8371,7 +8355,7 @@
           <p:cNvPr id="9" name="Segnaposto numero diapositiva 8">
             <a:extLst>
               <a:ext uri="{FF2B5EF4-FFF2-40B4-BE49-F238E27FC236}">
-                <a16:creationId xmlns="" xmlns:a16="http://schemas.microsoft.com/office/drawing/2014/main" id="{9B9CD8B2-CC23-467F-B0EE-2CC06D6308BD}"/>
+                <a16:creationId xmlns:a16="http://schemas.microsoft.com/office/drawing/2014/main" id="{9B9CD8B2-CC23-467F-B0EE-2CC06D6308BD}"/>
               </a:ext>
             </a:extLst>
           </p:cNvPr>
@@ -8394,7 +8378,6 @@
             <a:pPr rtl="0"/>
             <a:fld id="{B5CEABB6-07DC-46E8-9B57-56EC44A396E5}" type="slidenum">
               <a:rPr lang="it-IT" noProof="0" smtClean="0"/>
-              <a:pPr rtl="0"/>
               <a:t>‹N›</a:t>
             </a:fld>
             <a:endParaRPr lang="it-IT" noProof="0"/>
@@ -8404,7 +8387,7 @@
     </p:spTree>
     <p:extLst>
       <p:ext uri="{BB962C8B-B14F-4D97-AF65-F5344CB8AC3E}">
-        <p14:creationId xmlns="" xmlns:p14="http://schemas.microsoft.com/office/powerpoint/2010/main" val="1442619314"/>
+        <p14:creationId xmlns:p14="http://schemas.microsoft.com/office/powerpoint/2010/main" val="1442619314"/>
       </p:ext>
     </p:extLst>
   </p:cSld>
@@ -8436,10 +8419,10 @@
           <p:cNvPr id="14" name="Elemento grafico 13">
             <a:extLst>
               <a:ext uri="{FF2B5EF4-FFF2-40B4-BE49-F238E27FC236}">
-                <a16:creationId xmlns="" xmlns:a16="http://schemas.microsoft.com/office/drawing/2014/main" id="{AE202E03-5C65-4305-B969-65220AD41002}"/>
+                <a16:creationId xmlns:a16="http://schemas.microsoft.com/office/drawing/2014/main" id="{AE202E03-5C65-4305-B969-65220AD41002}"/>
               </a:ext>
               <a:ext uri="{C183D7F6-B498-43B3-948B-1728B52AA6E4}">
-                <adec:decorative xmlns="" xmlns:adec="http://schemas.microsoft.com/office/drawing/2017/decorative" val="1"/>
+                <adec:decorative xmlns:adec="http://schemas.microsoft.com/office/drawing/2017/decorative" val="1"/>
               </a:ext>
             </a:extLst>
           </p:cNvPr>
@@ -8452,7 +8435,7 @@
           <a:blip r:embed="rId2">
             <a:extLst>
               <a:ext uri="{96DAC541-7B7A-43D3-8B79-37D633B846F1}">
-                <asvg:svgBlip xmlns="" xmlns:asvg="http://schemas.microsoft.com/office/drawing/2016/SVG/main" r:embed="rId3"/>
+                <asvg:svgBlip xmlns:asvg="http://schemas.microsoft.com/office/drawing/2016/SVG/main" r:embed="rId3"/>
               </a:ext>
             </a:extLst>
           </a:blip>
@@ -8517,7 +8500,7 @@
           <p:cNvPr id="19" name="Titolo 1">
             <a:extLst>
               <a:ext uri="{FF2B5EF4-FFF2-40B4-BE49-F238E27FC236}">
-                <a16:creationId xmlns="" xmlns:a16="http://schemas.microsoft.com/office/drawing/2014/main" id="{1E1C8C6D-0530-475B-A7F7-0E00C33ACFEB}"/>
+                <a16:creationId xmlns:a16="http://schemas.microsoft.com/office/drawing/2014/main" id="{1E1C8C6D-0530-475B-A7F7-0E00C33ACFEB}"/>
               </a:ext>
             </a:extLst>
           </p:cNvPr>
@@ -8567,7 +8550,7 @@
           <p:cNvPr id="20" name="Segnaposto testo 15">
             <a:extLst>
               <a:ext uri="{FF2B5EF4-FFF2-40B4-BE49-F238E27FC236}">
-                <a16:creationId xmlns="" xmlns:a16="http://schemas.microsoft.com/office/drawing/2014/main" id="{3D2778A3-7084-4333-8349-03B1FEB5FE75}"/>
+                <a16:creationId xmlns:a16="http://schemas.microsoft.com/office/drawing/2014/main" id="{3D2778A3-7084-4333-8349-03B1FEB5FE75}"/>
               </a:ext>
             </a:extLst>
           </p:cNvPr>
@@ -8618,7 +8601,7 @@
           <p:cNvPr id="25" name="Segnaposto testo 18">
             <a:extLst>
               <a:ext uri="{FF2B5EF4-FFF2-40B4-BE49-F238E27FC236}">
-                <a16:creationId xmlns="" xmlns:a16="http://schemas.microsoft.com/office/drawing/2014/main" id="{70ED2545-F96B-400C-B6F4-F1D2D83B7243}"/>
+                <a16:creationId xmlns:a16="http://schemas.microsoft.com/office/drawing/2014/main" id="{70ED2545-F96B-400C-B6F4-F1D2D83B7243}"/>
               </a:ext>
             </a:extLst>
           </p:cNvPr>
@@ -8670,7 +8653,7 @@
           <p:cNvPr id="26" name="Segnaposto testo 15">
             <a:extLst>
               <a:ext uri="{FF2B5EF4-FFF2-40B4-BE49-F238E27FC236}">
-                <a16:creationId xmlns="" xmlns:a16="http://schemas.microsoft.com/office/drawing/2014/main" id="{4A2FECA2-3808-47DC-84EB-CD3395C2052D}"/>
+                <a16:creationId xmlns:a16="http://schemas.microsoft.com/office/drawing/2014/main" id="{4A2FECA2-3808-47DC-84EB-CD3395C2052D}"/>
               </a:ext>
             </a:extLst>
           </p:cNvPr>
@@ -8721,7 +8704,7 @@
           <p:cNvPr id="27" name="Segnaposto testo 18">
             <a:extLst>
               <a:ext uri="{FF2B5EF4-FFF2-40B4-BE49-F238E27FC236}">
-                <a16:creationId xmlns="" xmlns:a16="http://schemas.microsoft.com/office/drawing/2014/main" id="{24393B9A-03C4-45C1-8172-F8B354458A48}"/>
+                <a16:creationId xmlns:a16="http://schemas.microsoft.com/office/drawing/2014/main" id="{24393B9A-03C4-45C1-8172-F8B354458A48}"/>
               </a:ext>
             </a:extLst>
           </p:cNvPr>
@@ -8773,7 +8756,7 @@
           <p:cNvPr id="28" name="Segnaposto testo 15">
             <a:extLst>
               <a:ext uri="{FF2B5EF4-FFF2-40B4-BE49-F238E27FC236}">
-                <a16:creationId xmlns="" xmlns:a16="http://schemas.microsoft.com/office/drawing/2014/main" id="{18EC24A5-B4A5-4BAB-AE40-30EB69D6EF73}"/>
+                <a16:creationId xmlns:a16="http://schemas.microsoft.com/office/drawing/2014/main" id="{18EC24A5-B4A5-4BAB-AE40-30EB69D6EF73}"/>
               </a:ext>
             </a:extLst>
           </p:cNvPr>
@@ -8824,7 +8807,7 @@
           <p:cNvPr id="29" name="Segnaposto testo 18">
             <a:extLst>
               <a:ext uri="{FF2B5EF4-FFF2-40B4-BE49-F238E27FC236}">
-                <a16:creationId xmlns="" xmlns:a16="http://schemas.microsoft.com/office/drawing/2014/main" id="{726F36C0-4E6A-4A10-960D-11D78D044478}"/>
+                <a16:creationId xmlns:a16="http://schemas.microsoft.com/office/drawing/2014/main" id="{726F36C0-4E6A-4A10-960D-11D78D044478}"/>
               </a:ext>
             </a:extLst>
           </p:cNvPr>
@@ -8876,7 +8859,7 @@
           <p:cNvPr id="21" name="Segnaposto data 6">
             <a:extLst>
               <a:ext uri="{FF2B5EF4-FFF2-40B4-BE49-F238E27FC236}">
-                <a16:creationId xmlns="" xmlns:a16="http://schemas.microsoft.com/office/drawing/2014/main" id="{71F34533-9677-48AF-9374-976825F4BB7E}"/>
+                <a16:creationId xmlns:a16="http://schemas.microsoft.com/office/drawing/2014/main" id="{71F34533-9677-48AF-9374-976825F4BB7E}"/>
               </a:ext>
             </a:extLst>
           </p:cNvPr>
@@ -8914,7 +8897,7 @@
           <p:cNvPr id="22" name="Segnaposto piè di pagina 7">
             <a:extLst>
               <a:ext uri="{FF2B5EF4-FFF2-40B4-BE49-F238E27FC236}">
-                <a16:creationId xmlns="" xmlns:a16="http://schemas.microsoft.com/office/drawing/2014/main" id="{4FAB8A26-B99E-4F96-8327-A932A14F2C03}"/>
+                <a16:creationId xmlns:a16="http://schemas.microsoft.com/office/drawing/2014/main" id="{4FAB8A26-B99E-4F96-8327-A932A14F2C03}"/>
               </a:ext>
             </a:extLst>
           </p:cNvPr>
@@ -8952,7 +8935,7 @@
           <p:cNvPr id="24" name="Segnaposto numero diapositiva 8">
             <a:extLst>
               <a:ext uri="{FF2B5EF4-FFF2-40B4-BE49-F238E27FC236}">
-                <a16:creationId xmlns="" xmlns:a16="http://schemas.microsoft.com/office/drawing/2014/main" id="{EB0962D2-BCC3-48AB-A769-2A7327D29191}"/>
+                <a16:creationId xmlns:a16="http://schemas.microsoft.com/office/drawing/2014/main" id="{EB0962D2-BCC3-48AB-A769-2A7327D29191}"/>
               </a:ext>
             </a:extLst>
           </p:cNvPr>
@@ -8980,7 +8963,6 @@
             <a:pPr rtl="0"/>
             <a:fld id="{B5CEABB6-07DC-46E8-9B57-56EC44A396E5}" type="slidenum">
               <a:rPr lang="it-IT" noProof="0" smtClean="0"/>
-              <a:pPr rtl="0"/>
               <a:t>‹N›</a:t>
             </a:fld>
             <a:endParaRPr lang="it-IT" noProof="0"/>
@@ -8990,7 +8972,7 @@
     </p:spTree>
     <p:extLst>
       <p:ext uri="{BB962C8B-B14F-4D97-AF65-F5344CB8AC3E}">
-        <p14:creationId xmlns="" xmlns:p14="http://schemas.microsoft.com/office/powerpoint/2010/main" val="2376933483"/>
+        <p14:creationId xmlns:p14="http://schemas.microsoft.com/office/powerpoint/2010/main" val="2376933483"/>
       </p:ext>
     </p:extLst>
   </p:cSld>
@@ -8999,7 +8981,7 @@
   </p:clrMapOvr>
   <p:extLst>
     <p:ext uri="{DCECCB84-F9BA-43D5-87BE-67443E8EF086}">
-      <p15:sldGuideLst xmlns="" xmlns:p15="http://schemas.microsoft.com/office/powerpoint/2012/main">
+      <p15:sldGuideLst xmlns:p15="http://schemas.microsoft.com/office/powerpoint/2012/main">
         <p15:guide id="1" pos="3000">
           <p15:clr>
             <a:srgbClr val="FBAE40"/>
@@ -9033,7 +9015,7 @@
           <p:cNvPr id="4" name="Rettangolo 3">
             <a:extLst>
               <a:ext uri="{FF2B5EF4-FFF2-40B4-BE49-F238E27FC236}">
-                <a16:creationId xmlns="" xmlns:a16="http://schemas.microsoft.com/office/drawing/2014/main" id="{7D46070C-E825-43D0-99F4-8B4614131131}"/>
+                <a16:creationId xmlns:a16="http://schemas.microsoft.com/office/drawing/2014/main" id="{7D46070C-E825-43D0-99F4-8B4614131131}"/>
               </a:ext>
             </a:extLst>
           </p:cNvPr>
@@ -9089,7 +9071,7 @@
           <p:cNvPr id="2" name="Titolo 1">
             <a:extLst>
               <a:ext uri="{FF2B5EF4-FFF2-40B4-BE49-F238E27FC236}">
-                <a16:creationId xmlns="" xmlns:a16="http://schemas.microsoft.com/office/drawing/2014/main" id="{A1F8C642-49FB-4E16-A3A0-B2ACBEABFFD6}"/>
+                <a16:creationId xmlns:a16="http://schemas.microsoft.com/office/drawing/2014/main" id="{A1F8C642-49FB-4E16-A3A0-B2ACBEABFFD6}"/>
               </a:ext>
             </a:extLst>
           </p:cNvPr>
@@ -9134,7 +9116,7 @@
           <p:cNvPr id="6" name="Segnaposto testo 10">
             <a:extLst>
               <a:ext uri="{FF2B5EF4-FFF2-40B4-BE49-F238E27FC236}">
-                <a16:creationId xmlns="" xmlns:a16="http://schemas.microsoft.com/office/drawing/2014/main" id="{E4E92FC5-6FC2-45C2-9200-3244F9EA69A0}"/>
+                <a16:creationId xmlns:a16="http://schemas.microsoft.com/office/drawing/2014/main" id="{E4E92FC5-6FC2-45C2-9200-3244F9EA69A0}"/>
               </a:ext>
             </a:extLst>
           </p:cNvPr>
@@ -9181,7 +9163,7 @@
           <p:cNvPr id="7" name="Segnaposto testo 10">
             <a:extLst>
               <a:ext uri="{FF2B5EF4-FFF2-40B4-BE49-F238E27FC236}">
-                <a16:creationId xmlns="" xmlns:a16="http://schemas.microsoft.com/office/drawing/2014/main" id="{4D75C136-D6C3-4431-8776-997070627AAB}"/>
+                <a16:creationId xmlns:a16="http://schemas.microsoft.com/office/drawing/2014/main" id="{4D75C136-D6C3-4431-8776-997070627AAB}"/>
               </a:ext>
             </a:extLst>
           </p:cNvPr>
@@ -9229,7 +9211,7 @@
           <p:cNvPr id="8" name="Segnaposto testo 10">
             <a:extLst>
               <a:ext uri="{FF2B5EF4-FFF2-40B4-BE49-F238E27FC236}">
-                <a16:creationId xmlns="" xmlns:a16="http://schemas.microsoft.com/office/drawing/2014/main" id="{FD15D323-BFE3-4ACE-9A2E-C9EB69458B12}"/>
+                <a16:creationId xmlns:a16="http://schemas.microsoft.com/office/drawing/2014/main" id="{FD15D323-BFE3-4ACE-9A2E-C9EB69458B12}"/>
               </a:ext>
             </a:extLst>
           </p:cNvPr>
@@ -9277,7 +9259,7 @@
           <p:cNvPr id="9" name="Segnaposto testo 10">
             <a:extLst>
               <a:ext uri="{FF2B5EF4-FFF2-40B4-BE49-F238E27FC236}">
-                <a16:creationId xmlns="" xmlns:a16="http://schemas.microsoft.com/office/drawing/2014/main" id="{3B520767-B49F-4503-8120-B66E411F33E4}"/>
+                <a16:creationId xmlns:a16="http://schemas.microsoft.com/office/drawing/2014/main" id="{3B520767-B49F-4503-8120-B66E411F33E4}"/>
               </a:ext>
             </a:extLst>
           </p:cNvPr>
@@ -9325,7 +9307,7 @@
           <p:cNvPr id="10" name="Segnaposto testo 10">
             <a:extLst>
               <a:ext uri="{FF2B5EF4-FFF2-40B4-BE49-F238E27FC236}">
-                <a16:creationId xmlns="" xmlns:a16="http://schemas.microsoft.com/office/drawing/2014/main" id="{30C2F5A0-E03E-4C89-B9EB-8D48889F5F91}"/>
+                <a16:creationId xmlns:a16="http://schemas.microsoft.com/office/drawing/2014/main" id="{30C2F5A0-E03E-4C89-B9EB-8D48889F5F91}"/>
               </a:ext>
             </a:extLst>
           </p:cNvPr>
@@ -9373,7 +9355,7 @@
           <p:cNvPr id="11" name="Segnaposto testo 10">
             <a:extLst>
               <a:ext uri="{FF2B5EF4-FFF2-40B4-BE49-F238E27FC236}">
-                <a16:creationId xmlns="" xmlns:a16="http://schemas.microsoft.com/office/drawing/2014/main" id="{AB3645A3-D681-45BF-B195-452D000802CA}"/>
+                <a16:creationId xmlns:a16="http://schemas.microsoft.com/office/drawing/2014/main" id="{AB3645A3-D681-45BF-B195-452D000802CA}"/>
               </a:ext>
             </a:extLst>
           </p:cNvPr>
@@ -9420,7 +9402,7 @@
           <p:cNvPr id="12" name="Segnaposto testo 10">
             <a:extLst>
               <a:ext uri="{FF2B5EF4-FFF2-40B4-BE49-F238E27FC236}">
-                <a16:creationId xmlns="" xmlns:a16="http://schemas.microsoft.com/office/drawing/2014/main" id="{59D3CBFE-13C8-4DB1-A831-9393264923E7}"/>
+                <a16:creationId xmlns:a16="http://schemas.microsoft.com/office/drawing/2014/main" id="{59D3CBFE-13C8-4DB1-A831-9393264923E7}"/>
               </a:ext>
             </a:extLst>
           </p:cNvPr>
@@ -9468,7 +9450,7 @@
           <p:cNvPr id="13" name="Segnaposto testo 10">
             <a:extLst>
               <a:ext uri="{FF2B5EF4-FFF2-40B4-BE49-F238E27FC236}">
-                <a16:creationId xmlns="" xmlns:a16="http://schemas.microsoft.com/office/drawing/2014/main" id="{82385A0A-C61D-4BBD-AC77-D7642F895E22}"/>
+                <a16:creationId xmlns:a16="http://schemas.microsoft.com/office/drawing/2014/main" id="{82385A0A-C61D-4BBD-AC77-D7642F895E22}"/>
               </a:ext>
             </a:extLst>
           </p:cNvPr>
@@ -9516,7 +9498,7 @@
           <p:cNvPr id="14" name="Segnaposto testo 10">
             <a:extLst>
               <a:ext uri="{FF2B5EF4-FFF2-40B4-BE49-F238E27FC236}">
-                <a16:creationId xmlns="" xmlns:a16="http://schemas.microsoft.com/office/drawing/2014/main" id="{FED89FCE-7507-4C8C-923F-922290589466}"/>
+                <a16:creationId xmlns:a16="http://schemas.microsoft.com/office/drawing/2014/main" id="{FED89FCE-7507-4C8C-923F-922290589466}"/>
               </a:ext>
             </a:extLst>
           </p:cNvPr>
@@ -9564,7 +9546,7 @@
           <p:cNvPr id="15" name="Segnaposto testo 10">
             <a:extLst>
               <a:ext uri="{FF2B5EF4-FFF2-40B4-BE49-F238E27FC236}">
-                <a16:creationId xmlns="" xmlns:a16="http://schemas.microsoft.com/office/drawing/2014/main" id="{F2F73935-BF53-4510-8B8F-EDB1CD56A1BB}"/>
+                <a16:creationId xmlns:a16="http://schemas.microsoft.com/office/drawing/2014/main" id="{F2F73935-BF53-4510-8B8F-EDB1CD56A1BB}"/>
               </a:ext>
             </a:extLst>
           </p:cNvPr>
@@ -9612,7 +9594,7 @@
           <p:cNvPr id="16" name="Segnaposto testo 10">
             <a:extLst>
               <a:ext uri="{FF2B5EF4-FFF2-40B4-BE49-F238E27FC236}">
-                <a16:creationId xmlns="" xmlns:a16="http://schemas.microsoft.com/office/drawing/2014/main" id="{2A9276DB-F427-4F8E-8E4C-466600F390FD}"/>
+                <a16:creationId xmlns:a16="http://schemas.microsoft.com/office/drawing/2014/main" id="{2A9276DB-F427-4F8E-8E4C-466600F390FD}"/>
               </a:ext>
             </a:extLst>
           </p:cNvPr>
@@ -9660,7 +9642,7 @@
           <p:cNvPr id="17" name="Segnaposto testo 10">
             <a:extLst>
               <a:ext uri="{FF2B5EF4-FFF2-40B4-BE49-F238E27FC236}">
-                <a16:creationId xmlns="" xmlns:a16="http://schemas.microsoft.com/office/drawing/2014/main" id="{79023948-0C1E-4DAB-B885-1C713409AA08}"/>
+                <a16:creationId xmlns:a16="http://schemas.microsoft.com/office/drawing/2014/main" id="{79023948-0C1E-4DAB-B885-1C713409AA08}"/>
               </a:ext>
             </a:extLst>
           </p:cNvPr>
@@ -9708,7 +9690,7 @@
           <p:cNvPr id="18" name="Segnaposto testo 10">
             <a:extLst>
               <a:ext uri="{FF2B5EF4-FFF2-40B4-BE49-F238E27FC236}">
-                <a16:creationId xmlns="" xmlns:a16="http://schemas.microsoft.com/office/drawing/2014/main" id="{4AB6A03C-6180-41ED-A88D-ECBB80D160F2}"/>
+                <a16:creationId xmlns:a16="http://schemas.microsoft.com/office/drawing/2014/main" id="{4AB6A03C-6180-41ED-A88D-ECBB80D160F2}"/>
               </a:ext>
             </a:extLst>
           </p:cNvPr>
@@ -9756,7 +9738,7 @@
           <p:cNvPr id="19" name="Segnaposto testo 10">
             <a:extLst>
               <a:ext uri="{FF2B5EF4-FFF2-40B4-BE49-F238E27FC236}">
-                <a16:creationId xmlns="" xmlns:a16="http://schemas.microsoft.com/office/drawing/2014/main" id="{145AD645-55F0-41A9-AC53-ED30BF1340BA}"/>
+                <a16:creationId xmlns:a16="http://schemas.microsoft.com/office/drawing/2014/main" id="{145AD645-55F0-41A9-AC53-ED30BF1340BA}"/>
               </a:ext>
             </a:extLst>
           </p:cNvPr>
@@ -9804,7 +9786,7 @@
           <p:cNvPr id="20" name="Segnaposto testo 10">
             <a:extLst>
               <a:ext uri="{FF2B5EF4-FFF2-40B4-BE49-F238E27FC236}">
-                <a16:creationId xmlns="" xmlns:a16="http://schemas.microsoft.com/office/drawing/2014/main" id="{C39F248D-01B4-40EE-B483-E8E81806DFBE}"/>
+                <a16:creationId xmlns:a16="http://schemas.microsoft.com/office/drawing/2014/main" id="{C39F248D-01B4-40EE-B483-E8E81806DFBE}"/>
               </a:ext>
             </a:extLst>
           </p:cNvPr>
@@ -9852,7 +9834,7 @@
           <p:cNvPr id="21" name="Segnaposto testo 10">
             <a:extLst>
               <a:ext uri="{FF2B5EF4-FFF2-40B4-BE49-F238E27FC236}">
-                <a16:creationId xmlns="" xmlns:a16="http://schemas.microsoft.com/office/drawing/2014/main" id="{1D0F1859-7A34-42DF-873E-2CF864E4C4BE}"/>
+                <a16:creationId xmlns:a16="http://schemas.microsoft.com/office/drawing/2014/main" id="{1D0F1859-7A34-42DF-873E-2CF864E4C4BE}"/>
               </a:ext>
             </a:extLst>
           </p:cNvPr>
@@ -9900,7 +9882,7 @@
           <p:cNvPr id="22" name="Segnaposto testo 10">
             <a:extLst>
               <a:ext uri="{FF2B5EF4-FFF2-40B4-BE49-F238E27FC236}">
-                <a16:creationId xmlns="" xmlns:a16="http://schemas.microsoft.com/office/drawing/2014/main" id="{6EB397AF-B5C1-40FE-86D4-BA660E4C6E46}"/>
+                <a16:creationId xmlns:a16="http://schemas.microsoft.com/office/drawing/2014/main" id="{6EB397AF-B5C1-40FE-86D4-BA660E4C6E46}"/>
               </a:ext>
             </a:extLst>
           </p:cNvPr>
@@ -9948,7 +9930,7 @@
           <p:cNvPr id="23" name="Segnaposto testo 10">
             <a:extLst>
               <a:ext uri="{FF2B5EF4-FFF2-40B4-BE49-F238E27FC236}">
-                <a16:creationId xmlns="" xmlns:a16="http://schemas.microsoft.com/office/drawing/2014/main" id="{AF1343D5-DC0F-4C7E-967F-CFC300A2C807}"/>
+                <a16:creationId xmlns:a16="http://schemas.microsoft.com/office/drawing/2014/main" id="{AF1343D5-DC0F-4C7E-967F-CFC300A2C807}"/>
               </a:ext>
             </a:extLst>
           </p:cNvPr>
@@ -9996,7 +9978,7 @@
           <p:cNvPr id="24" name="Segnaposto testo 10">
             <a:extLst>
               <a:ext uri="{FF2B5EF4-FFF2-40B4-BE49-F238E27FC236}">
-                <a16:creationId xmlns="" xmlns:a16="http://schemas.microsoft.com/office/drawing/2014/main" id="{9AD688A5-D2DF-4FC3-8171-FAEA8C4F5566}"/>
+                <a16:creationId xmlns:a16="http://schemas.microsoft.com/office/drawing/2014/main" id="{9AD688A5-D2DF-4FC3-8171-FAEA8C4F5566}"/>
               </a:ext>
             </a:extLst>
           </p:cNvPr>
@@ -10044,7 +10026,7 @@
           <p:cNvPr id="25" name="Segnaposto testo 10">
             <a:extLst>
               <a:ext uri="{FF2B5EF4-FFF2-40B4-BE49-F238E27FC236}">
-                <a16:creationId xmlns="" xmlns:a16="http://schemas.microsoft.com/office/drawing/2014/main" id="{EA05A5D4-01B0-4932-B03E-571986E282EA}"/>
+                <a16:creationId xmlns:a16="http://schemas.microsoft.com/office/drawing/2014/main" id="{EA05A5D4-01B0-4932-B03E-571986E282EA}"/>
               </a:ext>
             </a:extLst>
           </p:cNvPr>
@@ -10092,7 +10074,7 @@
           <p:cNvPr id="26" name="Segnaposto testo 10">
             <a:extLst>
               <a:ext uri="{FF2B5EF4-FFF2-40B4-BE49-F238E27FC236}">
-                <a16:creationId xmlns="" xmlns:a16="http://schemas.microsoft.com/office/drawing/2014/main" id="{72A84601-CD4F-49ED-8D51-CEF032363058}"/>
+                <a16:creationId xmlns:a16="http://schemas.microsoft.com/office/drawing/2014/main" id="{72A84601-CD4F-49ED-8D51-CEF032363058}"/>
               </a:ext>
             </a:extLst>
           </p:cNvPr>
@@ -10140,7 +10122,7 @@
           <p:cNvPr id="27" name="Segnaposto testo 10">
             <a:extLst>
               <a:ext uri="{FF2B5EF4-FFF2-40B4-BE49-F238E27FC236}">
-                <a16:creationId xmlns="" xmlns:a16="http://schemas.microsoft.com/office/drawing/2014/main" id="{C49FB196-753D-4A12-9460-57D8AB4B540B}"/>
+                <a16:creationId xmlns:a16="http://schemas.microsoft.com/office/drawing/2014/main" id="{C49FB196-753D-4A12-9460-57D8AB4B540B}"/>
               </a:ext>
             </a:extLst>
           </p:cNvPr>
@@ -10188,7 +10170,7 @@
           <p:cNvPr id="28" name="Segnaposto testo 10">
             <a:extLst>
               <a:ext uri="{FF2B5EF4-FFF2-40B4-BE49-F238E27FC236}">
-                <a16:creationId xmlns="" xmlns:a16="http://schemas.microsoft.com/office/drawing/2014/main" id="{DFC05EC7-9D6C-486B-9E2F-D3612013C0A1}"/>
+                <a16:creationId xmlns:a16="http://schemas.microsoft.com/office/drawing/2014/main" id="{DFC05EC7-9D6C-486B-9E2F-D3612013C0A1}"/>
               </a:ext>
             </a:extLst>
           </p:cNvPr>
@@ -10236,7 +10218,7 @@
           <p:cNvPr id="29" name="Segnaposto testo 10">
             <a:extLst>
               <a:ext uri="{FF2B5EF4-FFF2-40B4-BE49-F238E27FC236}">
-                <a16:creationId xmlns="" xmlns:a16="http://schemas.microsoft.com/office/drawing/2014/main" id="{98F455FB-241B-4E1F-B581-FA6CBA239545}"/>
+                <a16:creationId xmlns:a16="http://schemas.microsoft.com/office/drawing/2014/main" id="{98F455FB-241B-4E1F-B581-FA6CBA239545}"/>
               </a:ext>
             </a:extLst>
           </p:cNvPr>
@@ -10284,7 +10266,7 @@
           <p:cNvPr id="30" name="Segnaposto testo 10">
             <a:extLst>
               <a:ext uri="{FF2B5EF4-FFF2-40B4-BE49-F238E27FC236}">
-                <a16:creationId xmlns="" xmlns:a16="http://schemas.microsoft.com/office/drawing/2014/main" id="{9E38664A-8108-4E24-800B-3C32ADA43978}"/>
+                <a16:creationId xmlns:a16="http://schemas.microsoft.com/office/drawing/2014/main" id="{9E38664A-8108-4E24-800B-3C32ADA43978}"/>
               </a:ext>
             </a:extLst>
           </p:cNvPr>
@@ -10332,7 +10314,7 @@
           <p:cNvPr id="31" name="Segnaposto testo 10">
             <a:extLst>
               <a:ext uri="{FF2B5EF4-FFF2-40B4-BE49-F238E27FC236}">
-                <a16:creationId xmlns="" xmlns:a16="http://schemas.microsoft.com/office/drawing/2014/main" id="{2908458B-A3ED-4855-9E08-108D7C4A8D36}"/>
+                <a16:creationId xmlns:a16="http://schemas.microsoft.com/office/drawing/2014/main" id="{2908458B-A3ED-4855-9E08-108D7C4A8D36}"/>
               </a:ext>
             </a:extLst>
           </p:cNvPr>
@@ -10380,7 +10362,7 @@
           <p:cNvPr id="32" name="Rettangolo 31">
             <a:extLst>
               <a:ext uri="{FF2B5EF4-FFF2-40B4-BE49-F238E27FC236}">
-                <a16:creationId xmlns="" xmlns:a16="http://schemas.microsoft.com/office/drawing/2014/main" id="{FFA35437-CCDE-4D92-B879-F23B329C8EC3}"/>
+                <a16:creationId xmlns:a16="http://schemas.microsoft.com/office/drawing/2014/main" id="{FFA35437-CCDE-4D92-B879-F23B329C8EC3}"/>
               </a:ext>
             </a:extLst>
           </p:cNvPr>
@@ -10441,7 +10423,7 @@
           <p:cNvPr id="36" name="Segnaposto data 2">
             <a:extLst>
               <a:ext uri="{FF2B5EF4-FFF2-40B4-BE49-F238E27FC236}">
-                <a16:creationId xmlns="" xmlns:a16="http://schemas.microsoft.com/office/drawing/2014/main" id="{1CDC588F-73BC-4108-974B-0EAAB8213CE0}"/>
+                <a16:creationId xmlns:a16="http://schemas.microsoft.com/office/drawing/2014/main" id="{1CDC588F-73BC-4108-974B-0EAAB8213CE0}"/>
               </a:ext>
             </a:extLst>
           </p:cNvPr>
@@ -10479,7 +10461,7 @@
           <p:cNvPr id="37" name="Segnaposto piè di pagina 3">
             <a:extLst>
               <a:ext uri="{FF2B5EF4-FFF2-40B4-BE49-F238E27FC236}">
-                <a16:creationId xmlns="" xmlns:a16="http://schemas.microsoft.com/office/drawing/2014/main" id="{B2AC1EB2-9B8F-4077-8B66-64F9549F2C99}"/>
+                <a16:creationId xmlns:a16="http://schemas.microsoft.com/office/drawing/2014/main" id="{B2AC1EB2-9B8F-4077-8B66-64F9549F2C99}"/>
               </a:ext>
             </a:extLst>
           </p:cNvPr>
@@ -10517,7 +10499,7 @@
           <p:cNvPr id="38" name="Segnaposto numero diapositiva 4">
             <a:extLst>
               <a:ext uri="{FF2B5EF4-FFF2-40B4-BE49-F238E27FC236}">
-                <a16:creationId xmlns="" xmlns:a16="http://schemas.microsoft.com/office/drawing/2014/main" id="{28DE3E33-346A-45AF-B164-CB5DF04FAE6D}"/>
+                <a16:creationId xmlns:a16="http://schemas.microsoft.com/office/drawing/2014/main" id="{28DE3E33-346A-45AF-B164-CB5DF04FAE6D}"/>
               </a:ext>
             </a:extLst>
           </p:cNvPr>
@@ -10545,7 +10527,6 @@
             <a:pPr rtl="0"/>
             <a:fld id="{B5CEABB6-07DC-46E8-9B57-56EC44A396E5}" type="slidenum">
               <a:rPr lang="it-IT" noProof="0" smtClean="0"/>
-              <a:pPr rtl="0"/>
               <a:t>‹N›</a:t>
             </a:fld>
             <a:endParaRPr lang="it-IT" noProof="0"/>
@@ -10555,7 +10536,7 @@
     </p:spTree>
     <p:extLst>
       <p:ext uri="{BB962C8B-B14F-4D97-AF65-F5344CB8AC3E}">
-        <p14:creationId xmlns="" xmlns:p14="http://schemas.microsoft.com/office/powerpoint/2010/main" val="2056323463"/>
+        <p14:creationId xmlns:p14="http://schemas.microsoft.com/office/powerpoint/2010/main" val="2056323463"/>
       </p:ext>
     </p:extLst>
   </p:cSld>
@@ -10592,7 +10573,7 @@
           <p:cNvPr id="7" name="SmartArt Placeholder 6">
             <a:extLst>
               <a:ext uri="{FF2B5EF4-FFF2-40B4-BE49-F238E27FC236}">
-                <a16:creationId xmlns="" xmlns:a16="http://schemas.microsoft.com/office/drawing/2014/main" id="{156CA116-0F6E-4EE9-B34F-03BA07161A7A}"/>
+                <a16:creationId xmlns:a16="http://schemas.microsoft.com/office/drawing/2014/main" id="{156CA116-0F6E-4EE9-B34F-03BA07161A7A}"/>
               </a:ext>
             </a:extLst>
           </p:cNvPr>
@@ -10637,7 +10618,7 @@
           <p:cNvPr id="2" name="Titolo 1">
             <a:extLst>
               <a:ext uri="{FF2B5EF4-FFF2-40B4-BE49-F238E27FC236}">
-                <a16:creationId xmlns="" xmlns:a16="http://schemas.microsoft.com/office/drawing/2014/main" id="{EE5C4E19-B78B-4E39-B661-7E6A2E6C5002}"/>
+                <a16:creationId xmlns:a16="http://schemas.microsoft.com/office/drawing/2014/main" id="{EE5C4E19-B78B-4E39-B661-7E6A2E6C5002}"/>
               </a:ext>
             </a:extLst>
           </p:cNvPr>
@@ -10682,7 +10663,7 @@
           <p:cNvPr id="3" name="Segnaposto data 2">
             <a:extLst>
               <a:ext uri="{FF2B5EF4-FFF2-40B4-BE49-F238E27FC236}">
-                <a16:creationId xmlns="" xmlns:a16="http://schemas.microsoft.com/office/drawing/2014/main" id="{7E085D26-FA83-4414-959E-98936A772670}"/>
+                <a16:creationId xmlns:a16="http://schemas.microsoft.com/office/drawing/2014/main" id="{7E085D26-FA83-4414-959E-98936A772670}"/>
               </a:ext>
             </a:extLst>
           </p:cNvPr>
@@ -10715,7 +10696,7 @@
           <p:cNvPr id="4" name="Segnaposto piè di pagina 3">
             <a:extLst>
               <a:ext uri="{FF2B5EF4-FFF2-40B4-BE49-F238E27FC236}">
-                <a16:creationId xmlns="" xmlns:a16="http://schemas.microsoft.com/office/drawing/2014/main" id="{1FB52E93-DE4C-4341-8D83-F0230E38B1A1}"/>
+                <a16:creationId xmlns:a16="http://schemas.microsoft.com/office/drawing/2014/main" id="{1FB52E93-DE4C-4341-8D83-F0230E38B1A1}"/>
               </a:ext>
             </a:extLst>
           </p:cNvPr>
@@ -10748,7 +10729,7 @@
           <p:cNvPr id="10" name="Connettore diritto 9">
             <a:extLst>
               <a:ext uri="{FF2B5EF4-FFF2-40B4-BE49-F238E27FC236}">
-                <a16:creationId xmlns="" xmlns:a16="http://schemas.microsoft.com/office/drawing/2014/main" id="{66988B2D-0240-4256-8268-4B9FF1E72363}"/>
+                <a16:creationId xmlns:a16="http://schemas.microsoft.com/office/drawing/2014/main" id="{66988B2D-0240-4256-8268-4B9FF1E72363}"/>
               </a:ext>
             </a:extLst>
           </p:cNvPr>
@@ -10793,7 +10774,7 @@
           <p:cNvPr id="12" name="Connettore diritto 11">
             <a:extLst>
               <a:ext uri="{FF2B5EF4-FFF2-40B4-BE49-F238E27FC236}">
-                <a16:creationId xmlns="" xmlns:a16="http://schemas.microsoft.com/office/drawing/2014/main" id="{D8EEAAE1-3D04-41C3-B2D2-B3BEF34C3B27}"/>
+                <a16:creationId xmlns:a16="http://schemas.microsoft.com/office/drawing/2014/main" id="{D8EEAAE1-3D04-41C3-B2D2-B3BEF34C3B27}"/>
               </a:ext>
             </a:extLst>
           </p:cNvPr>
@@ -10838,7 +10819,7 @@
           <p:cNvPr id="5" name="Segnaposto numero diapositiva 4">
             <a:extLst>
               <a:ext uri="{FF2B5EF4-FFF2-40B4-BE49-F238E27FC236}">
-                <a16:creationId xmlns="" xmlns:a16="http://schemas.microsoft.com/office/drawing/2014/main" id="{AC467230-4A0F-4B18-8BA9-C3B2FDD59CB0}"/>
+                <a16:creationId xmlns:a16="http://schemas.microsoft.com/office/drawing/2014/main" id="{AC467230-4A0F-4B18-8BA9-C3B2FDD59CB0}"/>
               </a:ext>
             </a:extLst>
           </p:cNvPr>
@@ -10861,7 +10842,6 @@
             <a:pPr rtl="0"/>
             <a:fld id="{B5CEABB6-07DC-46E8-9B57-56EC44A396E5}" type="slidenum">
               <a:rPr lang="it-IT" noProof="0" smtClean="0"/>
-              <a:pPr rtl="0"/>
               <a:t>‹N›</a:t>
             </a:fld>
             <a:endParaRPr lang="it-IT" noProof="0"/>
@@ -10871,7 +10851,7 @@
     </p:spTree>
     <p:extLst>
       <p:ext uri="{BB962C8B-B14F-4D97-AF65-F5344CB8AC3E}">
-        <p14:creationId xmlns="" xmlns:p14="http://schemas.microsoft.com/office/powerpoint/2010/main" val="23543133"/>
+        <p14:creationId xmlns:p14="http://schemas.microsoft.com/office/powerpoint/2010/main" val="23543133"/>
       </p:ext>
     </p:extLst>
   </p:cSld>
@@ -10911,7 +10891,7 @@
           <p:cNvPr id="2" name="Titolo 1">
             <a:extLst>
               <a:ext uri="{FF2B5EF4-FFF2-40B4-BE49-F238E27FC236}">
-                <a16:creationId xmlns="" xmlns:a16="http://schemas.microsoft.com/office/drawing/2014/main" id="{81CF3B5C-31C4-46BA-9FAD-72DF917A84DA}"/>
+                <a16:creationId xmlns:a16="http://schemas.microsoft.com/office/drawing/2014/main" id="{81CF3B5C-31C4-46BA-9FAD-72DF917A84DA}"/>
               </a:ext>
             </a:extLst>
           </p:cNvPr>
@@ -10961,7 +10941,7 @@
           <p:cNvPr id="11" name="Segnaposto contenuto 10">
             <a:extLst>
               <a:ext uri="{FF2B5EF4-FFF2-40B4-BE49-F238E27FC236}">
-                <a16:creationId xmlns="" xmlns:a16="http://schemas.microsoft.com/office/drawing/2014/main" id="{ADC2540D-94C4-405B-8607-0CEDD6F54B9C}"/>
+                <a16:creationId xmlns:a16="http://schemas.microsoft.com/office/drawing/2014/main" id="{ADC2540D-94C4-405B-8607-0CEDD6F54B9C}"/>
               </a:ext>
             </a:extLst>
           </p:cNvPr>
@@ -11018,7 +10998,7 @@
           <p:cNvPr id="3" name="Segnaposto testo 2">
             <a:extLst>
               <a:ext uri="{FF2B5EF4-FFF2-40B4-BE49-F238E27FC236}">
-                <a16:creationId xmlns="" xmlns:a16="http://schemas.microsoft.com/office/drawing/2014/main" id="{B659CD1F-9DFB-4048-9B9B-2BD7D4EC6400}"/>
+                <a16:creationId xmlns:a16="http://schemas.microsoft.com/office/drawing/2014/main" id="{B659CD1F-9DFB-4048-9B9B-2BD7D4EC6400}"/>
               </a:ext>
             </a:extLst>
           </p:cNvPr>
@@ -11101,7 +11081,7 @@
           <p:cNvPr id="17" name="Segnaposto testo 2">
             <a:extLst>
               <a:ext uri="{FF2B5EF4-FFF2-40B4-BE49-F238E27FC236}">
-                <a16:creationId xmlns="" xmlns:a16="http://schemas.microsoft.com/office/drawing/2014/main" id="{E43D2F47-FAF2-42C2-967D-251DD4B940D7}"/>
+                <a16:creationId xmlns:a16="http://schemas.microsoft.com/office/drawing/2014/main" id="{E43D2F47-FAF2-42C2-967D-251DD4B940D7}"/>
               </a:ext>
             </a:extLst>
           </p:cNvPr>
@@ -11184,7 +11164,7 @@
           <p:cNvPr id="4" name="Segnaposto contenuto 3">
             <a:extLst>
               <a:ext uri="{FF2B5EF4-FFF2-40B4-BE49-F238E27FC236}">
-                <a16:creationId xmlns="" xmlns:a16="http://schemas.microsoft.com/office/drawing/2014/main" id="{AC9B20CF-6B91-4562-B799-0ABDAEBC0D2A}"/>
+                <a16:creationId xmlns:a16="http://schemas.microsoft.com/office/drawing/2014/main" id="{AC9B20CF-6B91-4562-B799-0ABDAEBC0D2A}"/>
               </a:ext>
             </a:extLst>
           </p:cNvPr>
@@ -11263,7 +11243,7 @@
           <p:cNvPr id="24" name="Segnaposto contenuto 10">
             <a:extLst>
               <a:ext uri="{FF2B5EF4-FFF2-40B4-BE49-F238E27FC236}">
-                <a16:creationId xmlns="" xmlns:a16="http://schemas.microsoft.com/office/drawing/2014/main" id="{11C6EC54-ADFA-4CFF-9E9B-DC7E96C854C2}"/>
+                <a16:creationId xmlns:a16="http://schemas.microsoft.com/office/drawing/2014/main" id="{11C6EC54-ADFA-4CFF-9E9B-DC7E96C854C2}"/>
               </a:ext>
             </a:extLst>
           </p:cNvPr>
@@ -11320,7 +11300,7 @@
           <p:cNvPr id="5" name="Segnaposto testo 4">
             <a:extLst>
               <a:ext uri="{FF2B5EF4-FFF2-40B4-BE49-F238E27FC236}">
-                <a16:creationId xmlns="" xmlns:a16="http://schemas.microsoft.com/office/drawing/2014/main" id="{B374FC39-67F6-42EA-BCD1-F69AE2F0F22D}"/>
+                <a16:creationId xmlns:a16="http://schemas.microsoft.com/office/drawing/2014/main" id="{B374FC39-67F6-42EA-BCD1-F69AE2F0F22D}"/>
               </a:ext>
             </a:extLst>
           </p:cNvPr>
@@ -11403,7 +11383,7 @@
           <p:cNvPr id="18" name="Segnaposto testo 4">
             <a:extLst>
               <a:ext uri="{FF2B5EF4-FFF2-40B4-BE49-F238E27FC236}">
-                <a16:creationId xmlns="" xmlns:a16="http://schemas.microsoft.com/office/drawing/2014/main" id="{3322C250-87FC-4F14-A42C-FFDA120D0D64}"/>
+                <a16:creationId xmlns:a16="http://schemas.microsoft.com/office/drawing/2014/main" id="{3322C250-87FC-4F14-A42C-FFDA120D0D64}"/>
               </a:ext>
             </a:extLst>
           </p:cNvPr>
@@ -11495,7 +11475,7 @@
           <p:cNvPr id="6" name="Segnaposto contenuto 5">
             <a:extLst>
               <a:ext uri="{FF2B5EF4-FFF2-40B4-BE49-F238E27FC236}">
-                <a16:creationId xmlns="" xmlns:a16="http://schemas.microsoft.com/office/drawing/2014/main" id="{B36EE64B-44BF-4634-97BC-5ED74C6DF280}"/>
+                <a16:creationId xmlns:a16="http://schemas.microsoft.com/office/drawing/2014/main" id="{B36EE64B-44BF-4634-97BC-5ED74C6DF280}"/>
               </a:ext>
             </a:extLst>
           </p:cNvPr>
@@ -11574,7 +11554,7 @@
           <p:cNvPr id="25" name="Segnaposto contenuto 10">
             <a:extLst>
               <a:ext uri="{FF2B5EF4-FFF2-40B4-BE49-F238E27FC236}">
-                <a16:creationId xmlns="" xmlns:a16="http://schemas.microsoft.com/office/drawing/2014/main" id="{1B6DD41C-FCE2-4AC6-A235-2FF1B905DAAD}"/>
+                <a16:creationId xmlns:a16="http://schemas.microsoft.com/office/drawing/2014/main" id="{1B6DD41C-FCE2-4AC6-A235-2FF1B905DAAD}"/>
               </a:ext>
             </a:extLst>
           </p:cNvPr>
@@ -11631,7 +11611,7 @@
           <p:cNvPr id="21" name="Segnaposto testo 2">
             <a:extLst>
               <a:ext uri="{FF2B5EF4-FFF2-40B4-BE49-F238E27FC236}">
-                <a16:creationId xmlns="" xmlns:a16="http://schemas.microsoft.com/office/drawing/2014/main" id="{1F60A771-8BBC-4565-AB09-402DA7CB2780}"/>
+                <a16:creationId xmlns:a16="http://schemas.microsoft.com/office/drawing/2014/main" id="{1F60A771-8BBC-4565-AB09-402DA7CB2780}"/>
               </a:ext>
             </a:extLst>
           </p:cNvPr>
@@ -11714,7 +11694,7 @@
           <p:cNvPr id="19" name="Segnaposto testo 2">
             <a:extLst>
               <a:ext uri="{FF2B5EF4-FFF2-40B4-BE49-F238E27FC236}">
-                <a16:creationId xmlns="" xmlns:a16="http://schemas.microsoft.com/office/drawing/2014/main" id="{D3C675D6-83FA-4036-B516-098EDCAF2506}"/>
+                <a16:creationId xmlns:a16="http://schemas.microsoft.com/office/drawing/2014/main" id="{D3C675D6-83FA-4036-B516-098EDCAF2506}"/>
               </a:ext>
             </a:extLst>
           </p:cNvPr>
@@ -11797,7 +11777,7 @@
           <p:cNvPr id="22" name="Segnaposto contenuto 3">
             <a:extLst>
               <a:ext uri="{FF2B5EF4-FFF2-40B4-BE49-F238E27FC236}">
-                <a16:creationId xmlns="" xmlns:a16="http://schemas.microsoft.com/office/drawing/2014/main" id="{C464A9BD-B815-4632-8F54-6EB70E48BAFF}"/>
+                <a16:creationId xmlns:a16="http://schemas.microsoft.com/office/drawing/2014/main" id="{C464A9BD-B815-4632-8F54-6EB70E48BAFF}"/>
               </a:ext>
             </a:extLst>
           </p:cNvPr>
@@ -11876,7 +11856,7 @@
           <p:cNvPr id="26" name="Segnaposto contenuto 10">
             <a:extLst>
               <a:ext uri="{FF2B5EF4-FFF2-40B4-BE49-F238E27FC236}">
-                <a16:creationId xmlns="" xmlns:a16="http://schemas.microsoft.com/office/drawing/2014/main" id="{CEB4C3DB-E51E-4479-90C2-DFE5DB4B2482}"/>
+                <a16:creationId xmlns:a16="http://schemas.microsoft.com/office/drawing/2014/main" id="{CEB4C3DB-E51E-4479-90C2-DFE5DB4B2482}"/>
               </a:ext>
             </a:extLst>
           </p:cNvPr>
@@ -11933,7 +11913,7 @@
           <p:cNvPr id="14" name="Segnaposto testo 2">
             <a:extLst>
               <a:ext uri="{FF2B5EF4-FFF2-40B4-BE49-F238E27FC236}">
-                <a16:creationId xmlns="" xmlns:a16="http://schemas.microsoft.com/office/drawing/2014/main" id="{84A1E92D-A5BF-4268-BFF3-1418A1F03589}"/>
+                <a16:creationId xmlns:a16="http://schemas.microsoft.com/office/drawing/2014/main" id="{84A1E92D-A5BF-4268-BFF3-1418A1F03589}"/>
               </a:ext>
             </a:extLst>
           </p:cNvPr>
@@ -12016,7 +11996,7 @@
           <p:cNvPr id="23" name="Segnaposto testo 2">
             <a:extLst>
               <a:ext uri="{FF2B5EF4-FFF2-40B4-BE49-F238E27FC236}">
-                <a16:creationId xmlns="" xmlns:a16="http://schemas.microsoft.com/office/drawing/2014/main" id="{B6439AAC-8A96-4015-8A87-ED8DF7027B60}"/>
+                <a16:creationId xmlns:a16="http://schemas.microsoft.com/office/drawing/2014/main" id="{B6439AAC-8A96-4015-8A87-ED8DF7027B60}"/>
               </a:ext>
             </a:extLst>
           </p:cNvPr>
@@ -12099,10 +12079,10 @@
           <p:cNvPr id="16" name="Connettore diritto 15">
             <a:extLst>
               <a:ext uri="{FF2B5EF4-FFF2-40B4-BE49-F238E27FC236}">
-                <a16:creationId xmlns="" xmlns:a16="http://schemas.microsoft.com/office/drawing/2014/main" id="{463D7850-C2A6-43CE-BBE4-8E81A0A593BF}"/>
+                <a16:creationId xmlns:a16="http://schemas.microsoft.com/office/drawing/2014/main" id="{463D7850-C2A6-43CE-BBE4-8E81A0A593BF}"/>
               </a:ext>
               <a:ext uri="{C183D7F6-B498-43B3-948B-1728B52AA6E4}">
-                <adec:decorative xmlns="" xmlns:adec="http://schemas.microsoft.com/office/drawing/2017/decorative" val="1"/>
+                <adec:decorative xmlns:adec="http://schemas.microsoft.com/office/drawing/2017/decorative" val="1"/>
               </a:ext>
             </a:extLst>
           </p:cNvPr>
@@ -12147,10 +12127,10 @@
           <p:cNvPr id="20" name="Connettore diritto 19">
             <a:extLst>
               <a:ext uri="{FF2B5EF4-FFF2-40B4-BE49-F238E27FC236}">
-                <a16:creationId xmlns="" xmlns:a16="http://schemas.microsoft.com/office/drawing/2014/main" id="{EBAD3E03-2E3B-440C-9105-6F9D33006D66}"/>
+                <a16:creationId xmlns:a16="http://schemas.microsoft.com/office/drawing/2014/main" id="{EBAD3E03-2E3B-440C-9105-6F9D33006D66}"/>
               </a:ext>
               <a:ext uri="{C183D7F6-B498-43B3-948B-1728B52AA6E4}">
-                <adec:decorative xmlns="" xmlns:adec="http://schemas.microsoft.com/office/drawing/2017/decorative" val="1"/>
+                <adec:decorative xmlns:adec="http://schemas.microsoft.com/office/drawing/2017/decorative" val="1"/>
               </a:ext>
             </a:extLst>
           </p:cNvPr>
@@ -12195,7 +12175,7 @@
           <p:cNvPr id="15" name="Segnaposto contenuto 3">
             <a:extLst>
               <a:ext uri="{FF2B5EF4-FFF2-40B4-BE49-F238E27FC236}">
-                <a16:creationId xmlns="" xmlns:a16="http://schemas.microsoft.com/office/drawing/2014/main" id="{492F9083-A886-4EEB-94D6-1FAE6DC33000}"/>
+                <a16:creationId xmlns:a16="http://schemas.microsoft.com/office/drawing/2014/main" id="{492F9083-A886-4EEB-94D6-1FAE6DC33000}"/>
               </a:ext>
             </a:extLst>
           </p:cNvPr>
@@ -12274,7 +12254,7 @@
           <p:cNvPr id="7" name="Segnaposto data 6">
             <a:extLst>
               <a:ext uri="{FF2B5EF4-FFF2-40B4-BE49-F238E27FC236}">
-                <a16:creationId xmlns="" xmlns:a16="http://schemas.microsoft.com/office/drawing/2014/main" id="{F255C16C-AA88-4BBF-8040-11ECFED618E0}"/>
+                <a16:creationId xmlns:a16="http://schemas.microsoft.com/office/drawing/2014/main" id="{F255C16C-AA88-4BBF-8040-11ECFED618E0}"/>
               </a:ext>
             </a:extLst>
           </p:cNvPr>
@@ -12307,7 +12287,7 @@
           <p:cNvPr id="8" name="Segnaposto piè di pagina 7">
             <a:extLst>
               <a:ext uri="{FF2B5EF4-FFF2-40B4-BE49-F238E27FC236}">
-                <a16:creationId xmlns="" xmlns:a16="http://schemas.microsoft.com/office/drawing/2014/main" id="{CBE560E3-F935-488F-8F0E-191D7B6B54B8}"/>
+                <a16:creationId xmlns:a16="http://schemas.microsoft.com/office/drawing/2014/main" id="{CBE560E3-F935-488F-8F0E-191D7B6B54B8}"/>
               </a:ext>
             </a:extLst>
           </p:cNvPr>
@@ -12340,7 +12320,7 @@
           <p:cNvPr id="9" name="Segnaposto numero diapositiva 8">
             <a:extLst>
               <a:ext uri="{FF2B5EF4-FFF2-40B4-BE49-F238E27FC236}">
-                <a16:creationId xmlns="" xmlns:a16="http://schemas.microsoft.com/office/drawing/2014/main" id="{9B9CD8B2-CC23-467F-B0EE-2CC06D6308BD}"/>
+                <a16:creationId xmlns:a16="http://schemas.microsoft.com/office/drawing/2014/main" id="{9B9CD8B2-CC23-467F-B0EE-2CC06D6308BD}"/>
               </a:ext>
             </a:extLst>
           </p:cNvPr>
@@ -12363,7 +12343,6 @@
             <a:pPr rtl="0"/>
             <a:fld id="{B5CEABB6-07DC-46E8-9B57-56EC44A396E5}" type="slidenum">
               <a:rPr lang="it-IT" noProof="0" smtClean="0"/>
-              <a:pPr rtl="0"/>
               <a:t>‹N›</a:t>
             </a:fld>
             <a:endParaRPr lang="it-IT" noProof="0"/>
@@ -12373,7 +12352,7 @@
     </p:spTree>
     <p:extLst>
       <p:ext uri="{BB962C8B-B14F-4D97-AF65-F5344CB8AC3E}">
-        <p14:creationId xmlns="" xmlns:p14="http://schemas.microsoft.com/office/powerpoint/2010/main" val="1386696317"/>
+        <p14:creationId xmlns:p14="http://schemas.microsoft.com/office/powerpoint/2010/main" val="1386696317"/>
       </p:ext>
     </p:extLst>
   </p:cSld>
@@ -12412,7 +12391,7 @@
           <a:blip r:embed="rId2">
             <a:extLst>
               <a:ext uri="{28A0092B-C50C-407E-A947-70E740481C1C}">
-                <a14:useLocalDpi xmlns="" xmlns:a14="http://schemas.microsoft.com/office/drawing/2010/main" val="0"/>
+                <a14:useLocalDpi xmlns:a14="http://schemas.microsoft.com/office/drawing/2010/main" val="0"/>
               </a:ext>
             </a:extLst>
           </a:blip>
@@ -12678,7 +12657,7 @@
     </p:spTree>
     <p:extLst>
       <p:ext uri="{BB962C8B-B14F-4D97-AF65-F5344CB8AC3E}">
-        <p14:creationId xmlns="" xmlns:p14="http://schemas.microsoft.com/office/powerpoint/2010/main" val="2888040310"/>
+        <p14:creationId xmlns:p14="http://schemas.microsoft.com/office/powerpoint/2010/main" val="2888040310"/>
       </p:ext>
     </p:extLst>
   </p:cSld>
@@ -12917,7 +12896,7 @@
     </p:spTree>
     <p:extLst>
       <p:ext uri="{BB962C8B-B14F-4D97-AF65-F5344CB8AC3E}">
-        <p14:creationId xmlns="" xmlns:p14="http://schemas.microsoft.com/office/powerpoint/2010/main" val="1198963782"/>
+        <p14:creationId xmlns:p14="http://schemas.microsoft.com/office/powerpoint/2010/main" val="1198963782"/>
       </p:ext>
     </p:extLst>
   </p:cSld>
@@ -13303,7 +13282,7 @@
     </p:spTree>
     <p:extLst>
       <p:ext uri="{BB962C8B-B14F-4D97-AF65-F5344CB8AC3E}">
-        <p14:creationId xmlns="" xmlns:p14="http://schemas.microsoft.com/office/powerpoint/2010/main" val="2554309534"/>
+        <p14:creationId xmlns:p14="http://schemas.microsoft.com/office/powerpoint/2010/main" val="2554309534"/>
       </p:ext>
     </p:extLst>
   </p:cSld>
@@ -13428,7 +13407,7 @@
     </p:spTree>
     <p:extLst>
       <p:ext uri="{BB962C8B-B14F-4D97-AF65-F5344CB8AC3E}">
-        <p14:creationId xmlns="" xmlns:p14="http://schemas.microsoft.com/office/powerpoint/2010/main" val="480852014"/>
+        <p14:creationId xmlns:p14="http://schemas.microsoft.com/office/powerpoint/2010/main" val="480852014"/>
       </p:ext>
     </p:extLst>
   </p:cSld>
@@ -13530,7 +13509,7 @@
     </p:spTree>
     <p:extLst>
       <p:ext uri="{BB962C8B-B14F-4D97-AF65-F5344CB8AC3E}">
-        <p14:creationId xmlns="" xmlns:p14="http://schemas.microsoft.com/office/powerpoint/2010/main" val="910297996"/>
+        <p14:creationId xmlns:p14="http://schemas.microsoft.com/office/powerpoint/2010/main" val="910297996"/>
       </p:ext>
     </p:extLst>
   </p:cSld>
@@ -13786,7 +13765,7 @@
     </p:spTree>
     <p:extLst>
       <p:ext uri="{BB962C8B-B14F-4D97-AF65-F5344CB8AC3E}">
-        <p14:creationId xmlns="" xmlns:p14="http://schemas.microsoft.com/office/powerpoint/2010/main" val="2548057723"/>
+        <p14:creationId xmlns:p14="http://schemas.microsoft.com/office/powerpoint/2010/main" val="2548057723"/>
       </p:ext>
     </p:extLst>
   </p:cSld>
@@ -14050,7 +14029,7 @@
     </p:spTree>
     <p:extLst>
       <p:ext uri="{BB962C8B-B14F-4D97-AF65-F5344CB8AC3E}">
-        <p14:creationId xmlns="" xmlns:p14="http://schemas.microsoft.com/office/powerpoint/2010/main" val="221436517"/>
+        <p14:creationId xmlns:p14="http://schemas.microsoft.com/office/powerpoint/2010/main" val="221436517"/>
       </p:ext>
     </p:extLst>
   </p:cSld>
@@ -14095,7 +14074,7 @@
           <a:blip r:embed="rId28">
             <a:extLst>
               <a:ext uri="{28A0092B-C50C-407E-A947-70E740481C1C}">
-                <a14:useLocalDpi xmlns="" xmlns:a14="http://schemas.microsoft.com/office/drawing/2010/main" val="0"/>
+                <a14:useLocalDpi xmlns:a14="http://schemas.microsoft.com/office/drawing/2010/main" val="0"/>
               </a:ext>
             </a:extLst>
           </a:blip>
@@ -14336,7 +14315,7 @@
     </p:spTree>
     <p:extLst>
       <p:ext uri="{BB962C8B-B14F-4D97-AF65-F5344CB8AC3E}">
-        <p14:creationId xmlns="" xmlns:p14="http://schemas.microsoft.com/office/powerpoint/2010/main" val="719364668"/>
+        <p14:creationId xmlns:p14="http://schemas.microsoft.com/office/powerpoint/2010/main" val="719364668"/>
       </p:ext>
     </p:extLst>
   </p:cSld>
@@ -14656,6 +14635,14 @@
 <file path=ppt/slides/slide1.xml><?xml version="1.0" encoding="utf-8"?>
 <p:sld xmlns:a="http://schemas.openxmlformats.org/drawingml/2006/main" xmlns:r="http://schemas.openxmlformats.org/officeDocument/2006/relationships" xmlns:p="http://schemas.openxmlformats.org/presentationml/2006/main">
   <p:cSld>
+    <p:bg>
+      <p:bgPr>
+        <a:solidFill>
+          <a:schemeClr val="bg1"/>
+        </a:solidFill>
+        <a:effectLst/>
+      </p:bgPr>
+    </p:bg>
     <p:spTree>
       <p:nvGrpSpPr>
         <p:cNvPr id="1" name=""/>
@@ -14675,7 +14662,7 @@
           <p:cNvPr id="2" name="Titolo 1">
             <a:extLst>
               <a:ext uri="{FF2B5EF4-FFF2-40B4-BE49-F238E27FC236}">
-                <a16:creationId xmlns="" xmlns:a16="http://schemas.microsoft.com/office/drawing/2014/main" id="{216815C6-3AD0-46E6-A74A-1967BD91AF50}"/>
+                <a16:creationId xmlns:a16="http://schemas.microsoft.com/office/drawing/2014/main" id="{216815C6-3AD0-46E6-A74A-1967BD91AF50}"/>
               </a:ext>
             </a:extLst>
           </p:cNvPr>
@@ -14688,7 +14675,7 @@
         </p:nvSpPr>
         <p:spPr>
           <a:xfrm>
-            <a:off x="1763486" y="2366941"/>
+            <a:off x="1670180" y="3188035"/>
             <a:ext cx="9448800" cy="1825096"/>
           </a:xfrm>
         </p:spPr>
@@ -14706,10 +14693,6 @@
             <a:br>
               <a:rPr lang="it-IT" b="1" dirty="0"/>
             </a:br>
-            <a:r>
-              <a:rPr lang="it-IT" dirty="0"/>
-              <a:t/>
-            </a:r>
             <a:br>
               <a:rPr lang="it-IT" dirty="0"/>
             </a:br>
@@ -14717,6 +14700,9 @@
               <a:rPr lang="it-IT" dirty="0"/>
               <a:t>FALL SIMULATOR</a:t>
             </a:r>
+            <a:br>
+              <a:rPr lang="it-IT" dirty="0"/>
+            </a:br>
             <a:endParaRPr lang="it-IT" i="1" dirty="0"/>
           </a:p>
         </p:txBody>
@@ -14726,7 +14712,7 @@
           <p:cNvPr id="3" name="Sottotitolo 2">
             <a:extLst>
               <a:ext uri="{FF2B5EF4-FFF2-40B4-BE49-F238E27FC236}">
-                <a16:creationId xmlns="" xmlns:a16="http://schemas.microsoft.com/office/drawing/2014/main" id="{1901B20D-4C28-4DA3-ABBD-718C22A5E58B}"/>
+                <a16:creationId xmlns:a16="http://schemas.microsoft.com/office/drawing/2014/main" id="{1901B20D-4C28-4DA3-ABBD-718C22A5E58B}"/>
               </a:ext>
             </a:extLst>
           </p:cNvPr>
@@ -14739,7 +14725,7 @@
         </p:nvSpPr>
         <p:spPr>
           <a:xfrm>
-            <a:off x="1763486" y="4192037"/>
+            <a:off x="1735494" y="4327331"/>
             <a:ext cx="9448800" cy="685800"/>
           </a:xfrm>
         </p:spPr>
@@ -14759,33 +14745,51 @@
             <a:pPr rtl="0"/>
             <a:r>
               <a:rPr lang="it-IT" dirty="0"/>
-              <a:t>Nicolò Nava </a:t>
-            </a:r>
-            <a:r>
-              <a:rPr lang="it-IT" dirty="0" smtClean="0"/>
-              <a:t>1079151</a:t>
-            </a:r>
-            <a:endParaRPr lang="it-IT" dirty="0"/>
-          </a:p>
-        </p:txBody>
-      </p:sp>
+              <a:t>Nicolò Nava 1079151 </a:t>
+            </a:r>
+          </a:p>
+        </p:txBody>
+      </p:sp>
+      <p:pic>
+        <p:nvPicPr>
+          <p:cNvPr id="20" name="Immagine 19" descr="Immagine che contiene Policromia, cerchio, vortice, luce&#10;&#10;Descrizione generata automaticamente">
+            <a:extLst>
+              <a:ext uri="{FF2B5EF4-FFF2-40B4-BE49-F238E27FC236}">
+                <a16:creationId xmlns:a16="http://schemas.microsoft.com/office/drawing/2014/main" id="{7ECD4DDD-831A-38F2-9629-3DB5F5741795}"/>
+              </a:ext>
+            </a:extLst>
+          </p:cNvPr>
+          <p:cNvPicPr>
+            <a:picLocks noChangeAspect="1"/>
+          </p:cNvPicPr>
+          <p:nvPr/>
+        </p:nvPicPr>
+        <p:blipFill>
+          <a:blip r:embed="rId3"/>
+          <a:stretch>
+            <a:fillRect/>
+          </a:stretch>
+        </p:blipFill>
+        <p:spPr>
+          <a:xfrm>
+            <a:off x="8350897" y="1957993"/>
+            <a:ext cx="2669187" cy="2712238"/>
+          </a:xfrm>
+          <a:prstGeom prst="rect">
+            <a:avLst/>
+          </a:prstGeom>
+        </p:spPr>
+      </p:pic>
     </p:spTree>
     <p:extLst>
       <p:ext uri="{BB962C8B-B14F-4D97-AF65-F5344CB8AC3E}">
-        <p14:creationId xmlns="" xmlns:p14="http://schemas.microsoft.com/office/powerpoint/2010/main" val="1642425379"/>
+        <p14:creationId xmlns:p14="http://schemas.microsoft.com/office/powerpoint/2010/main" val="1642425379"/>
       </p:ext>
     </p:extLst>
   </p:cSld>
   <p:clrMapOvr>
     <a:masterClrMapping/>
   </p:clrMapOvr>
-  <p:timing>
-    <p:tnLst>
-      <p:par>
-        <p:cTn id="1" dur="indefinite" restart="never" nodeType="tmRoot"/>
-      </p:par>
-    </p:tnLst>
-  </p:timing>
 </p:sld>
 </file>
 
@@ -14811,7 +14815,7 @@
           <p:cNvPr id="2" name="Title 1">
             <a:extLst>
               <a:ext uri="{FF2B5EF4-FFF2-40B4-BE49-F238E27FC236}">
-                <a16:creationId xmlns="" xmlns:a16="http://schemas.microsoft.com/office/drawing/2014/main" id="{DDB7800B-90D1-8C4B-56B7-FA1626BB1375}"/>
+                <a16:creationId xmlns:a16="http://schemas.microsoft.com/office/drawing/2014/main" id="{DDB7800B-90D1-8C4B-56B7-FA1626BB1375}"/>
               </a:ext>
             </a:extLst>
           </p:cNvPr>
@@ -14845,7 +14849,7 @@
           <p:cNvPr id="3" name="Content Placeholder 2">
             <a:extLst>
               <a:ext uri="{FF2B5EF4-FFF2-40B4-BE49-F238E27FC236}">
-                <a16:creationId xmlns="" xmlns:a16="http://schemas.microsoft.com/office/drawing/2014/main" id="{A07BF9D8-A7CB-D3F1-7E12-AD682B8F05A3}"/>
+                <a16:creationId xmlns:a16="http://schemas.microsoft.com/office/drawing/2014/main" id="{A07BF9D8-A7CB-D3F1-7E12-AD682B8F05A3}"/>
               </a:ext>
             </a:extLst>
           </p:cNvPr>
@@ -15172,7 +15176,15 @@
             </a:r>
             <a:r>
               <a:rPr lang="en-US" dirty="0"/>
-              <a:t> definite in </a:t>
+              <a:t> </a:t>
+            </a:r>
+            <a:r>
+              <a:rPr lang="en-US" dirty="0" err="1"/>
+              <a:t>definito</a:t>
+            </a:r>
+            <a:r>
+              <a:rPr lang="en-US" dirty="0"/>
+              <a:t> in </a:t>
             </a:r>
             <a:r>
               <a:rPr lang="en-US" dirty="0" err="1"/>
@@ -15445,20 +15457,13 @@
     </p:spTree>
     <p:extLst>
       <p:ext uri="{BB962C8B-B14F-4D97-AF65-F5344CB8AC3E}">
-        <p14:creationId xmlns="" xmlns:p14="http://schemas.microsoft.com/office/powerpoint/2010/main" val="42136755"/>
+        <p14:creationId xmlns:p14="http://schemas.microsoft.com/office/powerpoint/2010/main" val="42136755"/>
       </p:ext>
     </p:extLst>
   </p:cSld>
   <p:clrMapOvr>
     <a:masterClrMapping/>
   </p:clrMapOvr>
-  <p:timing>
-    <p:tnLst>
-      <p:par>
-        <p:cTn id="1" dur="indefinite" restart="never" nodeType="tmRoot"/>
-      </p:par>
-    </p:tnLst>
-  </p:timing>
 </p:sld>
 </file>
 
@@ -15484,7 +15489,7 @@
           <p:cNvPr id="2" name="Titolo 1">
             <a:extLst>
               <a:ext uri="{FF2B5EF4-FFF2-40B4-BE49-F238E27FC236}">
-                <a16:creationId xmlns="" xmlns:a16="http://schemas.microsoft.com/office/drawing/2014/main" id="{75031FE9-9059-4FE8-B4AC-9771F23A1B89}"/>
+                <a16:creationId xmlns:a16="http://schemas.microsoft.com/office/drawing/2014/main" id="{75031FE9-9059-4FE8-B4AC-9771F23A1B89}"/>
               </a:ext>
             </a:extLst>
           </p:cNvPr>
@@ -15497,7 +15502,7 @@
         </p:nvSpPr>
         <p:spPr>
           <a:xfrm>
-            <a:off x="2715448" y="457233"/>
+            <a:off x="2735545" y="335557"/>
             <a:ext cx="8610600" cy="1293028"/>
           </a:xfrm>
         </p:spPr>
@@ -15520,7 +15525,7 @@
           <p:cNvPr id="4" name="Content Placeholder 3">
             <a:extLst>
               <a:ext uri="{FF2B5EF4-FFF2-40B4-BE49-F238E27FC236}">
-                <a16:creationId xmlns="" xmlns:a16="http://schemas.microsoft.com/office/drawing/2014/main" id="{E45B50AB-E09E-377A-4B46-AFA47F523EAB}"/>
+                <a16:creationId xmlns:a16="http://schemas.microsoft.com/office/drawing/2014/main" id="{E45B50AB-E09E-377A-4B46-AFA47F523EAB}"/>
               </a:ext>
             </a:extLst>
           </p:cNvPr>
@@ -15531,9 +15536,16 @@
             <p:ph idx="1"/>
           </p:nvPr>
         </p:nvSpPr>
-        <p:spPr/>
-        <p:txBody>
-          <a:bodyPr/>
+        <p:spPr>
+          <a:xfrm>
+            <a:off x="685800" y="1517301"/>
+            <a:ext cx="10820400" cy="5084465"/>
+          </a:xfrm>
+        </p:spPr>
+        <p:txBody>
+          <a:bodyPr>
+            <a:normAutofit fontScale="92500" lnSpcReduction="20000"/>
+          </a:bodyPr>
           <a:lstStyle/>
           <a:p>
             <a:pPr marL="0" indent="0">
@@ -15686,7 +15698,19 @@
             </a:r>
             <a:r>
               <a:rPr lang="en-US" dirty="0"/>
-              <a:t> JavaFX per </a:t>
+              <a:t>:</a:t>
+            </a:r>
+          </a:p>
+          <a:p>
+            <a:pPr marL="0" indent="0">
+              <a:buNone/>
+            </a:pPr>
+            <a:endParaRPr lang="en-US" dirty="0"/>
+          </a:p>
+          <a:p>
+            <a:r>
+              <a:rPr lang="en-US" dirty="0"/>
+              <a:t>JavaFX per </a:t>
             </a:r>
             <a:r>
               <a:rPr lang="en-US" dirty="0" err="1"/>
@@ -15700,9 +15724,24 @@
               <a:rPr lang="en-US" dirty="0" err="1"/>
               <a:t>grafica</a:t>
             </a:r>
+            <a:endParaRPr lang="en-US" dirty="0"/>
+          </a:p>
+          <a:p>
+            <a:endParaRPr lang="en-US" dirty="0"/>
+          </a:p>
+          <a:p>
             <a:r>
               <a:rPr lang="en-US" dirty="0"/>
-              <a:t>, Log4J per il logging, Apache Common Math per </a:t>
+              <a:t>Log4J per il logging </a:t>
+            </a:r>
+          </a:p>
+          <a:p>
+            <a:endParaRPr lang="en-US" dirty="0"/>
+          </a:p>
+          <a:p>
+            <a:r>
+              <a:rPr lang="en-US" dirty="0"/>
+              <a:t>Apache Common Math per </a:t>
             </a:r>
             <a:r>
               <a:rPr lang="en-US" dirty="0" err="1"/>
@@ -15710,8 +15749,23 @@
             </a:r>
             <a:r>
               <a:rPr lang="en-US" dirty="0"/>
-              <a:t> spline e Junit per il testing.</a:t>
-            </a:r>
+              <a:t> spline </a:t>
+            </a:r>
+          </a:p>
+          <a:p>
+            <a:endParaRPr lang="en-US" dirty="0"/>
+          </a:p>
+          <a:p>
+            <a:r>
+              <a:rPr lang="en-US" dirty="0"/>
+              <a:t>Junit per il testing</a:t>
+            </a:r>
+          </a:p>
+          <a:p>
+            <a:pPr marL="0" indent="0">
+              <a:buNone/>
+            </a:pPr>
+            <a:endParaRPr lang="en-US" dirty="0"/>
           </a:p>
           <a:p>
             <a:pPr marL="0" indent="0">
@@ -15921,23 +15975,135 @@
           </a:p>
         </p:txBody>
       </p:sp>
+      <p:pic>
+        <p:nvPicPr>
+          <p:cNvPr id="5" name="Immagine 4" descr="Immagine che contiene testo, Carattere, logo, Elementi grafici&#10;&#10;Descrizione generata automaticamente">
+            <a:extLst>
+              <a:ext uri="{FF2B5EF4-FFF2-40B4-BE49-F238E27FC236}">
+                <a16:creationId xmlns:a16="http://schemas.microsoft.com/office/drawing/2014/main" id="{37B785C2-0C45-F708-4747-9192CD645ADA}"/>
+              </a:ext>
+            </a:extLst>
+          </p:cNvPr>
+          <p:cNvPicPr>
+            <a:picLocks noChangeAspect="1"/>
+          </p:cNvPicPr>
+          <p:nvPr/>
+        </p:nvPicPr>
+        <p:blipFill>
+          <a:blip r:embed="rId3"/>
+          <a:stretch>
+            <a:fillRect/>
+          </a:stretch>
+        </p:blipFill>
+        <p:spPr>
+          <a:xfrm>
+            <a:off x="5061854" y="2485328"/>
+            <a:ext cx="1617786" cy="641285"/>
+          </a:xfrm>
+          <a:prstGeom prst="rect">
+            <a:avLst/>
+          </a:prstGeom>
+        </p:spPr>
+      </p:pic>
+      <p:pic>
+        <p:nvPicPr>
+          <p:cNvPr id="9" name="Immagine 8" descr="Immagine che contiene testo, logo, Carattere, Elementi grafici&#10;&#10;Descrizione generata automaticamente">
+            <a:extLst>
+              <a:ext uri="{FF2B5EF4-FFF2-40B4-BE49-F238E27FC236}">
+                <a16:creationId xmlns:a16="http://schemas.microsoft.com/office/drawing/2014/main" id="{5B345A91-EDFF-696D-E62C-EC1C9DDE6D1E}"/>
+              </a:ext>
+            </a:extLst>
+          </p:cNvPr>
+          <p:cNvPicPr>
+            <a:picLocks noChangeAspect="1"/>
+          </p:cNvPicPr>
+          <p:nvPr/>
+        </p:nvPicPr>
+        <p:blipFill>
+          <a:blip r:embed="rId4"/>
+          <a:srcRect l="17328" t="24917" r="18811" b="23659"/>
+          <a:stretch/>
+        </p:blipFill>
+        <p:spPr>
+          <a:xfrm>
+            <a:off x="3515666" y="3230788"/>
+            <a:ext cx="1821908" cy="733530"/>
+          </a:xfrm>
+          <a:prstGeom prst="rect">
+            <a:avLst/>
+          </a:prstGeom>
+        </p:spPr>
+      </p:pic>
+      <p:pic>
+        <p:nvPicPr>
+          <p:cNvPr id="11" name="Immagine 10" descr="Immagine che contiene Elementi grafici, grafica, Carattere, clipart&#10;&#10;Descrizione generata automaticamente">
+            <a:extLst>
+              <a:ext uri="{FF2B5EF4-FFF2-40B4-BE49-F238E27FC236}">
+                <a16:creationId xmlns:a16="http://schemas.microsoft.com/office/drawing/2014/main" id="{556C6D20-EAC2-5730-56DC-BAD7C76C18EF}"/>
+              </a:ext>
+            </a:extLst>
+          </p:cNvPr>
+          <p:cNvPicPr>
+            <a:picLocks noChangeAspect="1"/>
+          </p:cNvPicPr>
+          <p:nvPr/>
+        </p:nvPicPr>
+        <p:blipFill>
+          <a:blip r:embed="rId5"/>
+          <a:stretch>
+            <a:fillRect/>
+          </a:stretch>
+        </p:blipFill>
+        <p:spPr>
+          <a:xfrm>
+            <a:off x="7288967" y="3867994"/>
+            <a:ext cx="1869844" cy="643227"/>
+          </a:xfrm>
+          <a:prstGeom prst="rect">
+            <a:avLst/>
+          </a:prstGeom>
+        </p:spPr>
+      </p:pic>
+      <p:pic>
+        <p:nvPicPr>
+          <p:cNvPr id="12" name="Immagine 11" descr="Immagine che contiene Carattere, Elementi grafici, testo, grafica&#10;&#10;Descrizione generata automaticamente">
+            <a:extLst>
+              <a:ext uri="{FF2B5EF4-FFF2-40B4-BE49-F238E27FC236}">
+                <a16:creationId xmlns:a16="http://schemas.microsoft.com/office/drawing/2014/main" id="{62E9FE20-B03A-6719-EDC0-B07DE3518D38}"/>
+              </a:ext>
+            </a:extLst>
+          </p:cNvPr>
+          <p:cNvPicPr>
+            <a:picLocks noChangeAspect="1"/>
+          </p:cNvPicPr>
+          <p:nvPr/>
+        </p:nvPicPr>
+        <p:blipFill>
+          <a:blip r:embed="rId6"/>
+          <a:stretch>
+            <a:fillRect/>
+          </a:stretch>
+        </p:blipFill>
+        <p:spPr>
+          <a:xfrm>
+            <a:off x="3254440" y="4305147"/>
+            <a:ext cx="1188665" cy="1188665"/>
+          </a:xfrm>
+          <a:prstGeom prst="rect">
+            <a:avLst/>
+          </a:prstGeom>
+        </p:spPr>
+      </p:pic>
     </p:spTree>
     <p:extLst>
       <p:ext uri="{BB962C8B-B14F-4D97-AF65-F5344CB8AC3E}">
-        <p14:creationId xmlns="" xmlns:p14="http://schemas.microsoft.com/office/powerpoint/2010/main" val="2728347993"/>
+        <p14:creationId xmlns:p14="http://schemas.microsoft.com/office/powerpoint/2010/main" val="2728347993"/>
       </p:ext>
     </p:extLst>
   </p:cSld>
   <p:clrMapOvr>
     <a:masterClrMapping/>
   </p:clrMapOvr>
-  <p:timing>
-    <p:tnLst>
-      <p:par>
-        <p:cTn id="1" dur="indefinite" restart="never" nodeType="tmRoot"/>
-      </p:par>
-    </p:tnLst>
-  </p:timing>
 </p:sld>
 </file>
 
@@ -15963,7 +16129,7 @@
           <p:cNvPr id="2" name="Titolo 1">
             <a:extLst>
               <a:ext uri="{FF2B5EF4-FFF2-40B4-BE49-F238E27FC236}">
-                <a16:creationId xmlns="" xmlns:a16="http://schemas.microsoft.com/office/drawing/2014/main" id="{75031FE9-9059-4FE8-B4AC-9771F23A1B89}"/>
+                <a16:creationId xmlns:a16="http://schemas.microsoft.com/office/drawing/2014/main" id="{75031FE9-9059-4FE8-B4AC-9771F23A1B89}"/>
               </a:ext>
             </a:extLst>
           </p:cNvPr>
@@ -15974,7 +16140,12 @@
             <p:ph type="title"/>
           </p:nvPr>
         </p:nvSpPr>
-        <p:spPr/>
+        <p:spPr>
+          <a:xfrm>
+            <a:off x="2423328" y="231811"/>
+            <a:ext cx="8610600" cy="1293028"/>
+          </a:xfrm>
+        </p:spPr>
         <p:txBody>
           <a:bodyPr rtlCol="0">
             <a:normAutofit/>
@@ -15994,7 +16165,7 @@
           <p:cNvPr id="4" name="Content Placeholder 3">
             <a:extLst>
               <a:ext uri="{FF2B5EF4-FFF2-40B4-BE49-F238E27FC236}">
-                <a16:creationId xmlns="" xmlns:a16="http://schemas.microsoft.com/office/drawing/2014/main" id="{E45B50AB-E09E-377A-4B46-AFA47F523EAB}"/>
+                <a16:creationId xmlns:a16="http://schemas.microsoft.com/office/drawing/2014/main" id="{E45B50AB-E09E-377A-4B46-AFA47F523EAB}"/>
               </a:ext>
             </a:extLst>
           </p:cNvPr>
@@ -16005,10 +16176,15 @@
             <p:ph idx="1"/>
           </p:nvPr>
         </p:nvSpPr>
-        <p:spPr/>
+        <p:spPr>
+          <a:xfrm>
+            <a:off x="190918" y="1524839"/>
+            <a:ext cx="11635991" cy="4440127"/>
+          </a:xfrm>
+        </p:spPr>
         <p:txBody>
           <a:bodyPr>
-            <a:normAutofit/>
+            <a:noAutofit/>
           </a:bodyPr>
           <a:lstStyle/>
           <a:p>
@@ -16016,139 +16192,139 @@
               <a:buNone/>
             </a:pPr>
             <a:r>
-              <a:rPr lang="en-US" dirty="0" err="1"/>
+              <a:rPr lang="en-US" sz="2400" dirty="0" err="1"/>
               <a:t>Oltre</a:t>
             </a:r>
             <a:r>
-              <a:rPr lang="en-US" dirty="0"/>
+              <a:rPr lang="en-US" sz="2400" dirty="0"/>
               <a:t> a </a:t>
             </a:r>
             <a:r>
-              <a:rPr lang="en-US" dirty="0" err="1"/>
+              <a:rPr lang="en-US" sz="2400" dirty="0" err="1"/>
               <a:t>svolgere</a:t>
             </a:r>
             <a:r>
-              <a:rPr lang="en-US" dirty="0"/>
+              <a:rPr lang="en-US" sz="2400" dirty="0"/>
               <a:t> test </a:t>
             </a:r>
             <a:r>
-              <a:rPr lang="en-US" dirty="0" err="1"/>
+              <a:rPr lang="en-US" sz="2400" dirty="0" err="1"/>
               <a:t>d’unità</a:t>
             </a:r>
             <a:r>
-              <a:rPr lang="en-US" dirty="0"/>
+              <a:rPr lang="en-US" sz="2400" dirty="0"/>
               <a:t> con Junit per </a:t>
             </a:r>
             <a:r>
-              <a:rPr lang="en-US" dirty="0" err="1"/>
+              <a:rPr lang="en-US" sz="2400" dirty="0" err="1"/>
               <a:t>dimostrare</a:t>
             </a:r>
             <a:r>
-              <a:rPr lang="en-US" dirty="0"/>
+              <a:rPr lang="en-US" sz="2400" dirty="0"/>
               <a:t> la </a:t>
             </a:r>
             <a:r>
-              <a:rPr lang="en-US" dirty="0" err="1"/>
+              <a:rPr lang="en-US" sz="2400" dirty="0" err="1"/>
               <a:t>correttezza</a:t>
             </a:r>
             <a:r>
-              <a:rPr lang="en-US" dirty="0"/>
-              <a:t> </a:t>
-            </a:r>
-            <a:r>
-              <a:rPr lang="en-US" dirty="0" err="1"/>
+              <a:rPr lang="en-US" sz="2400" dirty="0"/>
+              <a:t> </a:t>
+            </a:r>
+            <a:r>
+              <a:rPr lang="en-US" sz="2400" dirty="0" err="1"/>
               <a:t>dei</a:t>
             </a:r>
             <a:r>
-              <a:rPr lang="en-US" dirty="0"/>
-              <a:t> </a:t>
-            </a:r>
-            <a:r>
-              <a:rPr lang="en-US" dirty="0" err="1"/>
+              <a:rPr lang="en-US" sz="2400" dirty="0"/>
+              <a:t> </a:t>
+            </a:r>
+            <a:r>
+              <a:rPr lang="en-US" sz="2400" dirty="0" err="1"/>
               <a:t>metodi</a:t>
             </a:r>
             <a:r>
-              <a:rPr lang="en-US" dirty="0"/>
+              <a:rPr lang="en-US" sz="2400" dirty="0"/>
               <a:t>, </a:t>
             </a:r>
             <a:r>
-              <a:rPr lang="en-US" dirty="0" err="1"/>
+              <a:rPr lang="en-US" sz="2400" dirty="0" err="1"/>
               <a:t>l’attività</a:t>
             </a:r>
             <a:r>
-              <a:rPr lang="en-US" dirty="0"/>
+              <a:rPr lang="en-US" sz="2400" dirty="0"/>
               <a:t> di testing </a:t>
             </a:r>
             <a:r>
-              <a:rPr lang="en-US" dirty="0" err="1"/>
+              <a:rPr lang="en-US" sz="2400" dirty="0" err="1"/>
               <a:t>si</a:t>
             </a:r>
             <a:r>
-              <a:rPr lang="en-US" dirty="0"/>
+              <a:rPr lang="en-US" sz="2400" dirty="0"/>
               <a:t> è </a:t>
             </a:r>
             <a:r>
-              <a:rPr lang="en-US" dirty="0" err="1"/>
+              <a:rPr lang="en-US" sz="2400" dirty="0" err="1"/>
               <a:t>basata</a:t>
             </a:r>
             <a:r>
-              <a:rPr lang="en-US" dirty="0"/>
-              <a:t> </a:t>
-            </a:r>
-            <a:r>
-              <a:rPr lang="en-US" dirty="0" err="1"/>
+              <a:rPr lang="en-US" sz="2400" dirty="0"/>
+              <a:t> </a:t>
+            </a:r>
+            <a:r>
+              <a:rPr lang="en-US" sz="2400" dirty="0" err="1"/>
               <a:t>principalmente</a:t>
             </a:r>
             <a:r>
-              <a:rPr lang="en-US" dirty="0"/>
-              <a:t> </a:t>
-            </a:r>
-            <a:r>
-              <a:rPr lang="en-US" dirty="0" err="1"/>
+              <a:rPr lang="en-US" sz="2400" dirty="0"/>
+              <a:t> </a:t>
+            </a:r>
+            <a:r>
+              <a:rPr lang="en-US" sz="2400" dirty="0" err="1"/>
               <a:t>sul</a:t>
             </a:r>
             <a:r>
-              <a:rPr lang="en-US" dirty="0"/>
+              <a:rPr lang="en-US" sz="2400" dirty="0"/>
               <a:t> test </a:t>
             </a:r>
             <a:r>
-              <a:rPr lang="en-US" dirty="0" err="1"/>
+              <a:rPr lang="en-US" sz="2400" dirty="0" err="1"/>
               <a:t>manuale</a:t>
             </a:r>
             <a:r>
-              <a:rPr lang="en-US" dirty="0"/>
+              <a:rPr lang="en-US" sz="2400" dirty="0"/>
               <a:t>: </a:t>
             </a:r>
             <a:r>
-              <a:rPr lang="en-US" dirty="0" err="1"/>
+              <a:rPr lang="en-US" sz="2400" dirty="0" err="1"/>
               <a:t>eseguendo</a:t>
             </a:r>
             <a:r>
-              <a:rPr lang="en-US" dirty="0"/>
+              <a:rPr lang="en-US" sz="2400" dirty="0"/>
               <a:t> la </a:t>
             </a:r>
             <a:r>
-              <a:rPr lang="en-US" dirty="0" err="1"/>
+              <a:rPr lang="en-US" sz="2400" dirty="0" err="1"/>
               <a:t>simulazione</a:t>
             </a:r>
             <a:r>
-              <a:rPr lang="en-US" dirty="0"/>
+              <a:rPr lang="en-US" sz="2400" dirty="0"/>
               <a:t> e </a:t>
             </a:r>
             <a:r>
-              <a:rPr lang="en-US" dirty="0" err="1"/>
+              <a:rPr lang="en-US" sz="2400" dirty="0" err="1"/>
               <a:t>interagendo</a:t>
             </a:r>
             <a:r>
-              <a:rPr lang="en-US" dirty="0"/>
+              <a:rPr lang="en-US" sz="2400" dirty="0"/>
               <a:t> con </a:t>
             </a:r>
             <a:r>
-              <a:rPr lang="en-US" dirty="0" err="1"/>
+              <a:rPr lang="en-US" sz="2400" dirty="0" err="1"/>
               <a:t>l’interfaccia</a:t>
             </a:r>
             <a:r>
-              <a:rPr lang="en-US" dirty="0"/>
+              <a:rPr lang="en-US" sz="2400" dirty="0"/>
               <a:t>.</a:t>
             </a:r>
           </a:p>
@@ -16157,59 +16333,67 @@
               <a:buNone/>
             </a:pPr>
             <a:r>
-              <a:rPr lang="en-US" dirty="0" err="1"/>
+              <a:rPr lang="en-US" sz="2400" dirty="0" err="1"/>
               <a:t>Gli</a:t>
             </a:r>
             <a:r>
-              <a:rPr lang="en-US" dirty="0"/>
-              <a:t> </a:t>
-            </a:r>
-            <a:r>
-              <a:rPr lang="en-US" dirty="0" err="1"/>
+              <a:rPr lang="en-US" sz="2400" dirty="0"/>
+              <a:t> </a:t>
+            </a:r>
+            <a:r>
+              <a:rPr lang="en-US" sz="2400" dirty="0" err="1"/>
               <a:t>aspetti</a:t>
             </a:r>
             <a:r>
-              <a:rPr lang="en-US" dirty="0"/>
-              <a:t> </a:t>
-            </a:r>
-            <a:r>
-              <a:rPr lang="en-US" dirty="0" err="1"/>
+              <a:rPr lang="en-US" sz="2400" dirty="0"/>
+              <a:t> </a:t>
+            </a:r>
+            <a:r>
+              <a:rPr lang="en-US" sz="2400" dirty="0" err="1"/>
               <a:t>matematici</a:t>
             </a:r>
             <a:r>
-              <a:rPr lang="en-US" dirty="0"/>
-              <a:t> </a:t>
-            </a:r>
-            <a:r>
-              <a:rPr lang="en-US" dirty="0" err="1"/>
+              <a:rPr lang="en-US" sz="2400" dirty="0"/>
+              <a:t> </a:t>
+            </a:r>
+            <a:r>
+              <a:rPr lang="en-US" sz="2400" dirty="0" err="1"/>
               <a:t>sono</a:t>
             </a:r>
             <a:r>
-              <a:rPr lang="en-US" dirty="0"/>
-              <a:t> </a:t>
-            </a:r>
-            <a:r>
-              <a:rPr lang="en-US" dirty="0" err="1"/>
+              <a:rPr lang="en-US" sz="2400" dirty="0"/>
+              <a:t> </a:t>
+            </a:r>
+            <a:r>
+              <a:rPr lang="en-US" sz="2400" dirty="0" err="1"/>
               <a:t>stati</a:t>
             </a:r>
             <a:r>
-              <a:rPr lang="en-US" dirty="0"/>
-              <a:t> </a:t>
-            </a:r>
-            <a:r>
-              <a:rPr lang="en-US" dirty="0" err="1"/>
+              <a:rPr lang="en-US" sz="2400" dirty="0"/>
+              <a:t> </a:t>
+            </a:r>
+            <a:r>
+              <a:rPr lang="en-US" sz="2400" dirty="0" err="1"/>
               <a:t>valutati</a:t>
             </a:r>
             <a:r>
-              <a:rPr lang="en-US" dirty="0"/>
-              <a:t> con il support di </a:t>
-            </a:r>
-            <a:r>
-              <a:rPr lang="en-US" dirty="0" err="1"/>
+              <a:rPr lang="en-US" sz="2400" dirty="0"/>
+              <a:t> con il </a:t>
+            </a:r>
+            <a:r>
+              <a:rPr lang="en-US" sz="2400" dirty="0" err="1"/>
+              <a:t>supporto</a:t>
+            </a:r>
+            <a:r>
+              <a:rPr lang="en-US" sz="2400" dirty="0"/>
+              <a:t> di </a:t>
+            </a:r>
+            <a:r>
+              <a:rPr lang="en-US" sz="2400" dirty="0" err="1"/>
               <a:t>geogebra</a:t>
             </a:r>
             <a:r>
-              <a:rPr lang="en-US" dirty="0"/>
+              <a:rPr lang="en-US" sz="2400" dirty="0"/>
               <a:t>.</a:t>
             </a:r>
           </a:p>
@@ -16218,159 +16402,159 @@
               <a:buNone/>
             </a:pPr>
             <a:r>
-              <a:rPr lang="en-US" dirty="0"/>
+              <a:rPr lang="en-US" sz="2400" dirty="0"/>
               <a:t>Un’ </a:t>
             </a:r>
             <a:r>
-              <a:rPr lang="en-US" dirty="0" err="1"/>
+              <a:rPr lang="en-US" sz="2400" dirty="0" err="1"/>
               <a:t>importante</a:t>
             </a:r>
             <a:r>
-              <a:rPr lang="en-US" dirty="0"/>
-              <a:t> </a:t>
-            </a:r>
-            <a:r>
-              <a:rPr lang="en-US" dirty="0" err="1"/>
+              <a:rPr lang="en-US" sz="2400" dirty="0"/>
+              <a:t> </a:t>
+            </a:r>
+            <a:r>
+              <a:rPr lang="en-US" sz="2400" dirty="0" err="1"/>
               <a:t>prova</a:t>
             </a:r>
             <a:r>
-              <a:rPr lang="en-US" dirty="0"/>
-              <a:t> </a:t>
-            </a:r>
-            <a:r>
-              <a:rPr lang="en-US" dirty="0" err="1"/>
+              <a:rPr lang="en-US" sz="2400" dirty="0"/>
+              <a:t> </a:t>
+            </a:r>
+            <a:r>
+              <a:rPr lang="en-US" sz="2400" dirty="0" err="1"/>
               <a:t>della</a:t>
             </a:r>
             <a:r>
-              <a:rPr lang="en-US" dirty="0"/>
-              <a:t> </a:t>
-            </a:r>
-            <a:r>
-              <a:rPr lang="en-US" dirty="0" err="1"/>
+              <a:rPr lang="en-US" sz="2400" dirty="0"/>
+              <a:t> </a:t>
+            </a:r>
+            <a:r>
+              <a:rPr lang="en-US" sz="2400" dirty="0" err="1"/>
               <a:t>correttezza</a:t>
             </a:r>
             <a:r>
-              <a:rPr lang="en-US" dirty="0"/>
-              <a:t> </a:t>
-            </a:r>
-            <a:r>
-              <a:rPr lang="en-US" dirty="0" err="1"/>
+              <a:rPr lang="en-US" sz="2400" dirty="0"/>
+              <a:t> </a:t>
+            </a:r>
+            <a:r>
+              <a:rPr lang="en-US" sz="2400" dirty="0" err="1"/>
               <a:t>dei</a:t>
             </a:r>
             <a:r>
-              <a:rPr lang="en-US" dirty="0"/>
-              <a:t> </a:t>
-            </a:r>
-            <a:r>
-              <a:rPr lang="en-US" dirty="0" err="1"/>
+              <a:rPr lang="en-US" sz="2400" dirty="0"/>
+              <a:t> </a:t>
+            </a:r>
+            <a:r>
+              <a:rPr lang="en-US" sz="2400" dirty="0" err="1"/>
               <a:t>calcoli</a:t>
             </a:r>
             <a:r>
-              <a:rPr lang="en-US" dirty="0"/>
-              <a:t> </a:t>
-            </a:r>
-            <a:r>
-              <a:rPr lang="en-US" dirty="0" err="1"/>
+              <a:rPr lang="en-US" sz="2400" dirty="0"/>
+              <a:t> </a:t>
+            </a:r>
+            <a:r>
+              <a:rPr lang="en-US" sz="2400" dirty="0" err="1"/>
               <a:t>dei</a:t>
             </a:r>
             <a:r>
-              <a:rPr lang="en-US" dirty="0"/>
+              <a:rPr lang="en-US" sz="2400" dirty="0"/>
               <a:t> tempi di </a:t>
             </a:r>
             <a:r>
-              <a:rPr lang="en-US" dirty="0" err="1"/>
+              <a:rPr lang="en-US" sz="2400" dirty="0" err="1"/>
               <a:t>caduta</a:t>
             </a:r>
             <a:r>
-              <a:rPr lang="en-US" dirty="0"/>
+              <a:rPr lang="en-US" sz="2400" dirty="0"/>
               <a:t> è il </a:t>
             </a:r>
             <a:r>
-              <a:rPr lang="en-US" dirty="0" err="1"/>
+              <a:rPr lang="en-US" sz="2400" dirty="0" err="1"/>
               <a:t>fatto</a:t>
             </a:r>
             <a:r>
-              <a:rPr lang="en-US" dirty="0"/>
-              <a:t> </a:t>
-            </a:r>
-            <a:r>
-              <a:rPr lang="en-US" dirty="0" err="1"/>
+              <a:rPr lang="en-US" sz="2400" dirty="0"/>
+              <a:t> </a:t>
+            </a:r>
+            <a:r>
+              <a:rPr lang="en-US" sz="2400" dirty="0" err="1"/>
               <a:t>che</a:t>
             </a:r>
             <a:r>
-              <a:rPr lang="en-US" dirty="0"/>
+              <a:rPr lang="en-US" sz="2400" dirty="0"/>
               <a:t> la </a:t>
             </a:r>
             <a:r>
-              <a:rPr lang="en-US" dirty="0" err="1"/>
+              <a:rPr lang="en-US" sz="2400" dirty="0" err="1"/>
               <a:t>cicloide</a:t>
             </a:r>
             <a:r>
-              <a:rPr lang="en-US" dirty="0"/>
+              <a:rPr lang="en-US" sz="2400" dirty="0"/>
               <a:t>, </a:t>
             </a:r>
             <a:r>
-              <a:rPr lang="en-US" dirty="0" err="1"/>
+              <a:rPr lang="en-US" sz="2400" dirty="0" err="1"/>
               <a:t>cioè</a:t>
             </a:r>
             <a:r>
-              <a:rPr lang="en-US" dirty="0"/>
+              <a:rPr lang="en-US" sz="2400" dirty="0"/>
               <a:t> la </a:t>
             </a:r>
             <a:r>
-              <a:rPr lang="en-US" dirty="0" err="1"/>
+              <a:rPr lang="en-US" sz="2400" dirty="0" err="1"/>
               <a:t>soluzione</a:t>
             </a:r>
             <a:r>
-              <a:rPr lang="en-US" dirty="0"/>
+              <a:rPr lang="en-US" sz="2400" dirty="0"/>
               <a:t> del </a:t>
             </a:r>
             <a:r>
-              <a:rPr lang="en-US" dirty="0" err="1"/>
+              <a:rPr lang="en-US" sz="2400" dirty="0" err="1"/>
               <a:t>problema</a:t>
             </a:r>
             <a:r>
-              <a:rPr lang="en-US" dirty="0"/>
-              <a:t> </a:t>
-            </a:r>
-            <a:r>
-              <a:rPr lang="en-US" dirty="0" err="1"/>
+              <a:rPr lang="en-US" sz="2400" dirty="0"/>
+              <a:t> </a:t>
+            </a:r>
+            <a:r>
+              <a:rPr lang="en-US" sz="2400" dirty="0" err="1"/>
               <a:t>della</a:t>
             </a:r>
             <a:r>
-              <a:rPr lang="en-US" dirty="0"/>
-              <a:t> </a:t>
-            </a:r>
-            <a:r>
-              <a:rPr lang="en-US" dirty="0" err="1"/>
+              <a:rPr lang="en-US" sz="2400" dirty="0"/>
+              <a:t> </a:t>
+            </a:r>
+            <a:r>
+              <a:rPr lang="en-US" sz="2400" dirty="0" err="1"/>
               <a:t>brachistocrona</a:t>
             </a:r>
             <a:r>
-              <a:rPr lang="en-US" dirty="0"/>
+              <a:rPr lang="en-US" sz="2400" dirty="0"/>
               <a:t>, è </a:t>
             </a:r>
             <a:r>
-              <a:rPr lang="en-US" dirty="0" err="1"/>
+              <a:rPr lang="en-US" sz="2400" dirty="0" err="1"/>
               <a:t>effettivamente</a:t>
             </a:r>
             <a:r>
-              <a:rPr lang="en-US" dirty="0"/>
+              <a:rPr lang="en-US" sz="2400" dirty="0"/>
               <a:t> sempre la curva per cui il tempo di </a:t>
             </a:r>
             <a:r>
-              <a:rPr lang="en-US" dirty="0" err="1"/>
+              <a:rPr lang="en-US" sz="2400" dirty="0" err="1"/>
               <a:t>caduta</a:t>
             </a:r>
             <a:r>
-              <a:rPr lang="en-US" dirty="0"/>
+              <a:rPr lang="en-US" sz="2400" dirty="0"/>
               <a:t> è il </a:t>
             </a:r>
             <a:r>
-              <a:rPr lang="en-US" dirty="0" err="1"/>
+              <a:rPr lang="en-US" sz="2400" dirty="0" err="1"/>
               <a:t>minimo</a:t>
             </a:r>
             <a:r>
-              <a:rPr lang="en-US" dirty="0"/>
+              <a:rPr lang="en-US" sz="2400" dirty="0"/>
               <a:t>.</a:t>
             </a:r>
           </a:p>
@@ -16379,319 +16563,328 @@
               <a:buNone/>
             </a:pPr>
             <a:r>
-              <a:rPr lang="en-US" dirty="0"/>
+              <a:rPr lang="en-US" sz="2400" dirty="0"/>
               <a:t>Il </a:t>
             </a:r>
             <a:r>
-              <a:rPr lang="en-US" dirty="0" err="1"/>
+              <a:rPr lang="en-US" sz="2400" dirty="0" err="1"/>
               <a:t>rilevamento</a:t>
             </a:r>
             <a:r>
-              <a:rPr lang="en-US" dirty="0"/>
-              <a:t> </a:t>
-            </a:r>
-            <a:r>
-              <a:rPr lang="en-US" dirty="0" err="1"/>
+              <a:rPr lang="en-US" sz="2400" dirty="0"/>
+              <a:t> </a:t>
+            </a:r>
+            <a:r>
+              <a:rPr lang="en-US" sz="2400" dirty="0" err="1"/>
               <a:t>dei</a:t>
             </a:r>
             <a:r>
-              <a:rPr lang="en-US" dirty="0"/>
+              <a:rPr lang="en-US" sz="2400" dirty="0"/>
               <a:t> bug </a:t>
             </a:r>
             <a:r>
-              <a:rPr lang="en-US" dirty="0" err="1"/>
+              <a:rPr lang="en-US" sz="2400" dirty="0" err="1"/>
               <a:t>nell’interfaccia</a:t>
             </a:r>
             <a:r>
-              <a:rPr lang="en-US" dirty="0"/>
+              <a:rPr lang="en-US" sz="2400" dirty="0"/>
               <a:t> è </a:t>
             </a:r>
             <a:r>
-              <a:rPr lang="en-US" dirty="0" err="1"/>
+              <a:rPr lang="en-US" sz="2400" dirty="0" err="1"/>
               <a:t>stato</a:t>
             </a:r>
             <a:r>
-              <a:rPr lang="en-US" dirty="0"/>
-              <a:t> </a:t>
-            </a:r>
-            <a:r>
-              <a:rPr lang="en-US" dirty="0" err="1"/>
+              <a:rPr lang="en-US" sz="2400" dirty="0"/>
+              <a:t> </a:t>
+            </a:r>
+            <a:r>
+              <a:rPr lang="en-US" sz="2400" dirty="0" err="1"/>
               <a:t>svolto</a:t>
             </a:r>
             <a:r>
-              <a:rPr lang="en-US" dirty="0"/>
-              <a:t> </a:t>
-            </a:r>
-            <a:r>
-              <a:rPr lang="en-US" dirty="0" err="1"/>
+              <a:rPr lang="en-US" sz="2400" dirty="0"/>
+              <a:t> </a:t>
+            </a:r>
+            <a:r>
+              <a:rPr lang="en-US" sz="2400" dirty="0" err="1"/>
               <a:t>facendo</a:t>
             </a:r>
             <a:r>
-              <a:rPr lang="en-US" dirty="0"/>
-              <a:t> </a:t>
-            </a:r>
-            <a:r>
-              <a:rPr lang="en-US" dirty="0" err="1"/>
+              <a:rPr lang="en-US" sz="2400" dirty="0"/>
+              <a:t> </a:t>
+            </a:r>
+            <a:r>
+              <a:rPr lang="en-US" sz="2400" dirty="0" err="1"/>
               <a:t>interagire</a:t>
             </a:r>
             <a:r>
-              <a:rPr lang="en-US" dirty="0"/>
+              <a:rPr lang="en-US" sz="2400" dirty="0"/>
               <a:t> con il </a:t>
             </a:r>
             <a:r>
-              <a:rPr lang="en-US" dirty="0" err="1"/>
+              <a:rPr lang="en-US" sz="2400" dirty="0" err="1"/>
               <a:t>sistema</a:t>
             </a:r>
             <a:r>
-              <a:rPr lang="en-US" dirty="0"/>
-              <a:t> </a:t>
-            </a:r>
-            <a:r>
-              <a:rPr lang="en-US" dirty="0" err="1"/>
+              <a:rPr lang="en-US" sz="2400" dirty="0"/>
+              <a:t> </a:t>
+            </a:r>
+            <a:r>
+              <a:rPr lang="en-US" sz="2400" dirty="0" err="1"/>
               <a:t>utenti</a:t>
             </a:r>
             <a:r>
-              <a:rPr lang="en-US" dirty="0"/>
+              <a:rPr lang="en-US" sz="2400" dirty="0"/>
               <a:t> non </a:t>
             </a:r>
             <a:r>
-              <a:rPr lang="en-US" dirty="0" err="1"/>
+              <a:rPr lang="en-US" sz="2400" dirty="0" err="1"/>
               <a:t>implicitamente</a:t>
             </a:r>
             <a:r>
-              <a:rPr lang="en-US" dirty="0"/>
+              <a:rPr lang="en-US" sz="2400" dirty="0"/>
               <a:t> a </a:t>
             </a:r>
             <a:r>
-              <a:rPr lang="en-US" dirty="0" err="1"/>
+              <a:rPr lang="en-US" sz="2400" dirty="0" err="1"/>
               <a:t>conoscenza</a:t>
             </a:r>
             <a:r>
-              <a:rPr lang="en-US" dirty="0"/>
+              <a:rPr lang="en-US" sz="2400" dirty="0"/>
               <a:t> del </a:t>
             </a:r>
             <a:r>
-              <a:rPr lang="en-US" dirty="0" err="1"/>
+              <a:rPr lang="en-US" sz="2400" dirty="0" err="1"/>
               <a:t>flusso</a:t>
             </a:r>
             <a:r>
-              <a:rPr lang="en-US" dirty="0"/>
-              <a:t> </a:t>
-            </a:r>
-            <a:r>
-              <a:rPr lang="en-US" dirty="0" err="1"/>
+              <a:rPr lang="en-US" sz="2400" dirty="0"/>
+              <a:t> </a:t>
+            </a:r>
+            <a:r>
+              <a:rPr lang="en-US" sz="2400" dirty="0" err="1"/>
               <a:t>dell’interazione</a:t>
             </a:r>
             <a:r>
-              <a:rPr lang="en-US" dirty="0"/>
+              <a:rPr lang="en-US" sz="2400" dirty="0"/>
               <a:t>, in modo da </a:t>
             </a:r>
             <a:r>
-              <a:rPr lang="en-US" dirty="0" err="1"/>
+              <a:rPr lang="en-US" sz="2400" dirty="0" err="1"/>
               <a:t>sottoporre</a:t>
             </a:r>
             <a:r>
-              <a:rPr lang="en-US" dirty="0"/>
-              <a:t> </a:t>
-            </a:r>
-            <a:r>
-              <a:rPr lang="en-US" dirty="0" err="1"/>
+              <a:rPr lang="en-US" sz="2400" dirty="0"/>
+              <a:t> </a:t>
+            </a:r>
+            <a:r>
+              <a:rPr lang="en-US" sz="2400" dirty="0" err="1"/>
               <a:t>comportamenti</a:t>
             </a:r>
             <a:r>
-              <a:rPr lang="en-US" dirty="0"/>
+              <a:rPr lang="en-US" sz="2400" dirty="0"/>
               <a:t> non </a:t>
             </a:r>
             <a:r>
-              <a:rPr lang="en-US" dirty="0" err="1"/>
+              <a:rPr lang="en-US" sz="2400" dirty="0" err="1"/>
               <a:t>previsti</a:t>
             </a:r>
             <a:r>
-              <a:rPr lang="en-US" dirty="0"/>
-              <a:t>. Tale </a:t>
-            </a:r>
-            <a:r>
-              <a:rPr lang="en-US" dirty="0" err="1"/>
+              <a:rPr lang="en-US" sz="2400" dirty="0"/>
+              <a:t>. </a:t>
+            </a:r>
+          </a:p>
+          <a:p>
+            <a:pPr marL="457200" lvl="1" indent="0">
+              <a:buNone/>
+            </a:pPr>
+            <a:r>
+              <a:rPr lang="en-US" sz="2400" dirty="0"/>
+              <a:t>Tale </a:t>
+            </a:r>
+            <a:r>
+              <a:rPr lang="en-US" sz="2400" dirty="0" err="1"/>
               <a:t>approccio</a:t>
             </a:r>
             <a:r>
-              <a:rPr lang="en-US" dirty="0"/>
+              <a:rPr lang="en-US" sz="2400" dirty="0"/>
               <a:t> ha </a:t>
             </a:r>
             <a:r>
-              <a:rPr lang="en-US" dirty="0" err="1"/>
+              <a:rPr lang="en-US" sz="2400" dirty="0" err="1"/>
               <a:t>portato</a:t>
             </a:r>
             <a:r>
-              <a:rPr lang="en-US" dirty="0"/>
+              <a:rPr lang="en-US" sz="2400" dirty="0"/>
               <a:t> ad </a:t>
             </a:r>
             <a:r>
-              <a:rPr lang="en-US" dirty="0" err="1"/>
+              <a:rPr lang="en-US" sz="2400" dirty="0" err="1"/>
               <a:t>esempio</a:t>
             </a:r>
             <a:r>
-              <a:rPr lang="en-US" dirty="0"/>
-              <a:t> </a:t>
-            </a:r>
-            <a:r>
-              <a:rPr lang="en-US" dirty="0" err="1"/>
+              <a:rPr lang="en-US" sz="2400" dirty="0"/>
+              <a:t> </a:t>
+            </a:r>
+            <a:r>
+              <a:rPr lang="en-US" sz="2400" dirty="0" err="1"/>
               <a:t>alla</a:t>
             </a:r>
             <a:r>
-              <a:rPr lang="en-US" dirty="0"/>
+              <a:rPr lang="en-US" sz="2400" dirty="0"/>
               <a:t> luce </a:t>
             </a:r>
             <a:r>
-              <a:rPr lang="en-US" dirty="0" err="1"/>
+              <a:rPr lang="en-US" sz="2400" dirty="0" err="1"/>
               <a:t>una</a:t>
             </a:r>
             <a:r>
-              <a:rPr lang="en-US" dirty="0"/>
-              <a:t> </a:t>
-            </a:r>
-            <a:r>
-              <a:rPr lang="en-US" dirty="0" err="1"/>
+              <a:rPr lang="en-US" sz="2400" dirty="0"/>
+              <a:t> </a:t>
+            </a:r>
+            <a:r>
+              <a:rPr lang="en-US" sz="2400" dirty="0" err="1"/>
               <a:t>scorretta</a:t>
             </a:r>
             <a:r>
-              <a:rPr lang="en-US" dirty="0"/>
-              <a:t> </a:t>
-            </a:r>
-            <a:r>
-              <a:rPr lang="en-US" dirty="0" err="1"/>
+              <a:rPr lang="en-US" sz="2400" dirty="0"/>
+              <a:t> </a:t>
+            </a:r>
+            <a:r>
+              <a:rPr lang="en-US" sz="2400" dirty="0" err="1"/>
               <a:t>gestione</a:t>
             </a:r>
             <a:r>
-              <a:rPr lang="en-US" dirty="0"/>
-              <a:t> </a:t>
-            </a:r>
-            <a:r>
-              <a:rPr lang="en-US" dirty="0" err="1"/>
+              <a:rPr lang="en-US" sz="2400" dirty="0"/>
+              <a:t> </a:t>
+            </a:r>
+            <a:r>
+              <a:rPr lang="en-US" sz="2400" dirty="0" err="1"/>
               <a:t>degli</a:t>
             </a:r>
             <a:r>
-              <a:rPr lang="en-US" dirty="0"/>
+              <a:rPr lang="en-US" sz="2400" dirty="0"/>
               <a:t> input </a:t>
             </a:r>
             <a:r>
-              <a:rPr lang="en-US" dirty="0" err="1"/>
+              <a:rPr lang="en-US" sz="2400" dirty="0" err="1"/>
               <a:t>dei</a:t>
             </a:r>
             <a:r>
-              <a:rPr lang="en-US" dirty="0"/>
-              <a:t> </a:t>
-            </a:r>
-            <a:r>
-              <a:rPr lang="en-US" dirty="0" err="1"/>
+              <a:rPr lang="en-US" sz="2400" dirty="0"/>
+              <a:t> </a:t>
+            </a:r>
+            <a:r>
+              <a:rPr lang="en-US" sz="2400" dirty="0" err="1"/>
               <a:t>punti</a:t>
             </a:r>
             <a:r>
-              <a:rPr lang="en-US" dirty="0"/>
-              <a:t> </a:t>
-            </a:r>
-            <a:r>
-              <a:rPr lang="en-US" dirty="0" err="1"/>
+              <a:rPr lang="en-US" sz="2400" dirty="0"/>
+              <a:t> </a:t>
+            </a:r>
+            <a:r>
+              <a:rPr lang="en-US" sz="2400" dirty="0" err="1"/>
               <a:t>intermedi</a:t>
             </a:r>
             <a:r>
-              <a:rPr lang="en-US" dirty="0"/>
+              <a:rPr lang="en-US" sz="2400" dirty="0"/>
               <a:t> da </a:t>
             </a:r>
             <a:r>
-              <a:rPr lang="en-US" dirty="0" err="1"/>
+              <a:rPr lang="en-US" sz="2400" dirty="0" err="1"/>
               <a:t>interpolare</a:t>
             </a:r>
             <a:r>
-              <a:rPr lang="en-US" dirty="0"/>
+              <a:rPr lang="en-US" sz="2400" dirty="0"/>
               <a:t>, </a:t>
             </a:r>
             <a:r>
-              <a:rPr lang="en-US" dirty="0" err="1"/>
+              <a:rPr lang="en-US" sz="2400" dirty="0" err="1"/>
               <a:t>che</a:t>
             </a:r>
             <a:r>
-              <a:rPr lang="en-US" dirty="0"/>
-              <a:t> </a:t>
-            </a:r>
-            <a:r>
-              <a:rPr lang="en-US" dirty="0" err="1"/>
+              <a:rPr lang="en-US" sz="2400" dirty="0"/>
+              <a:t> </a:t>
+            </a:r>
+            <a:r>
+              <a:rPr lang="en-US" sz="2400" dirty="0" err="1"/>
               <a:t>potevano</a:t>
             </a:r>
             <a:r>
-              <a:rPr lang="en-US" dirty="0"/>
-              <a:t> </a:t>
-            </a:r>
-            <a:r>
-              <a:rPr lang="en-US" dirty="0" err="1"/>
+              <a:rPr lang="en-US" sz="2400" dirty="0"/>
+              <a:t> </a:t>
+            </a:r>
+            <a:r>
+              <a:rPr lang="en-US" sz="2400" dirty="0" err="1"/>
               <a:t>essere</a:t>
             </a:r>
             <a:r>
-              <a:rPr lang="en-US" dirty="0"/>
-              <a:t> </a:t>
-            </a:r>
-            <a:r>
-              <a:rPr lang="en-US" dirty="0" err="1"/>
+              <a:rPr lang="en-US" sz="2400" dirty="0"/>
+              <a:t> </a:t>
+            </a:r>
+            <a:r>
+              <a:rPr lang="en-US" sz="2400" dirty="0" err="1"/>
               <a:t>inseriti</a:t>
             </a:r>
             <a:r>
-              <a:rPr lang="en-US" dirty="0"/>
-              <a:t> </a:t>
-            </a:r>
-            <a:r>
-              <a:rPr lang="en-US" dirty="0" err="1"/>
+              <a:rPr lang="en-US" sz="2400" dirty="0"/>
+              <a:t> </a:t>
+            </a:r>
+            <a:r>
+              <a:rPr lang="en-US" sz="2400" dirty="0" err="1"/>
               <a:t>anche</a:t>
             </a:r>
             <a:r>
-              <a:rPr lang="en-US" dirty="0"/>
+              <a:rPr lang="en-US" sz="2400" dirty="0"/>
               <a:t> dopo </a:t>
             </a:r>
             <a:r>
-              <a:rPr lang="en-US" dirty="0" err="1"/>
+              <a:rPr lang="en-US" sz="2400" dirty="0" err="1"/>
               <a:t>che</a:t>
             </a:r>
             <a:r>
-              <a:rPr lang="en-US" dirty="0"/>
+              <a:rPr lang="en-US" sz="2400" dirty="0"/>
               <a:t> la spline era </a:t>
             </a:r>
             <a:r>
-              <a:rPr lang="en-US" dirty="0" err="1"/>
+              <a:rPr lang="en-US" sz="2400" dirty="0" err="1"/>
               <a:t>stata</a:t>
             </a:r>
             <a:r>
-              <a:rPr lang="en-US" dirty="0"/>
-              <a:t> </a:t>
-            </a:r>
-            <a:r>
-              <a:rPr lang="en-US" dirty="0" err="1"/>
+              <a:rPr lang="en-US" sz="2400" dirty="0"/>
+              <a:t> </a:t>
+            </a:r>
+            <a:r>
+              <a:rPr lang="en-US" sz="2400" dirty="0" err="1"/>
               <a:t>calcolata</a:t>
             </a:r>
             <a:r>
-              <a:rPr lang="en-US" dirty="0"/>
+              <a:rPr lang="en-US" sz="2400" dirty="0"/>
               <a:t> e </a:t>
             </a:r>
             <a:r>
-              <a:rPr lang="en-US" dirty="0" err="1"/>
+              <a:rPr lang="en-US" sz="2400" dirty="0" err="1"/>
               <a:t>disegnata</a:t>
             </a:r>
             <a:r>
-              <a:rPr lang="en-US" dirty="0"/>
-              <a:t> </a:t>
-            </a:r>
-            <a:r>
-              <a:rPr lang="en-US" dirty="0" err="1"/>
+              <a:rPr lang="en-US" sz="2400" dirty="0"/>
+              <a:t> </a:t>
+            </a:r>
+            <a:r>
+              <a:rPr lang="en-US" sz="2400" dirty="0" err="1"/>
               <a:t>nel</a:t>
             </a:r>
             <a:r>
-              <a:rPr lang="en-US" dirty="0"/>
-              <a:t> </a:t>
-            </a:r>
-            <a:r>
-              <a:rPr lang="en-US" dirty="0" err="1"/>
+              <a:rPr lang="en-US" sz="2400" dirty="0"/>
+              <a:t> </a:t>
+            </a:r>
+            <a:r>
+              <a:rPr lang="en-US" sz="2400" dirty="0" err="1"/>
               <a:t>pannello</a:t>
             </a:r>
             <a:r>
-              <a:rPr lang="en-US" dirty="0"/>
+              <a:rPr lang="en-US" sz="2400" dirty="0"/>
               <a:t>.</a:t>
             </a:r>
           </a:p>
@@ -16700,20 +16893,13 @@
     </p:spTree>
     <p:extLst>
       <p:ext uri="{BB962C8B-B14F-4D97-AF65-F5344CB8AC3E}">
-        <p14:creationId xmlns="" xmlns:p14="http://schemas.microsoft.com/office/powerpoint/2010/main" val="2214790197"/>
+        <p14:creationId xmlns:p14="http://schemas.microsoft.com/office/powerpoint/2010/main" val="2214790197"/>
       </p:ext>
     </p:extLst>
   </p:cSld>
   <p:clrMapOvr>
     <a:masterClrMapping/>
   </p:clrMapOvr>
-  <p:timing>
-    <p:tnLst>
-      <p:par>
-        <p:cTn id="1" dur="indefinite" restart="never" nodeType="tmRoot"/>
-      </p:par>
-    </p:tnLst>
-  </p:timing>
 </p:sld>
 </file>
 
@@ -16739,7 +16925,7 @@
           <p:cNvPr id="2" name="Titolo 1">
             <a:extLst>
               <a:ext uri="{FF2B5EF4-FFF2-40B4-BE49-F238E27FC236}">
-                <a16:creationId xmlns="" xmlns:a16="http://schemas.microsoft.com/office/drawing/2014/main" id="{33CD56C4-6E5B-3F50-8E45-0B5F76D24317}"/>
+                <a16:creationId xmlns:a16="http://schemas.microsoft.com/office/drawing/2014/main" id="{33CD56C4-6E5B-3F50-8E45-0B5F76D24317}"/>
               </a:ext>
             </a:extLst>
           </p:cNvPr>
@@ -16752,7 +16938,7 @@
         </p:nvSpPr>
         <p:spPr>
           <a:xfrm>
-            <a:off x="2895600" y="372487"/>
+            <a:off x="2718318" y="381817"/>
             <a:ext cx="8610600" cy="1293028"/>
           </a:xfrm>
         </p:spPr>
@@ -16772,7 +16958,7 @@
           <p:cNvPr id="3" name="Segnaposto contenuto 2">
             <a:extLst>
               <a:ext uri="{FF2B5EF4-FFF2-40B4-BE49-F238E27FC236}">
-                <a16:creationId xmlns="" xmlns:a16="http://schemas.microsoft.com/office/drawing/2014/main" id="{6C82BFE7-C732-8EE2-5773-C7A1C2B322DF}"/>
+                <a16:creationId xmlns:a16="http://schemas.microsoft.com/office/drawing/2014/main" id="{6C82BFE7-C732-8EE2-5773-C7A1C2B322DF}"/>
               </a:ext>
             </a:extLst>
           </p:cNvPr>
@@ -16783,7 +16969,12 @@
             <p:ph idx="1"/>
           </p:nvPr>
         </p:nvSpPr>
-        <p:spPr/>
+        <p:spPr>
+          <a:xfrm>
+            <a:off x="573833" y="1674845"/>
+            <a:ext cx="10820400" cy="4024125"/>
+          </a:xfrm>
+        </p:spPr>
         <p:txBody>
           <a:bodyPr>
             <a:normAutofit lnSpcReduction="10000"/>
@@ -16794,7 +16985,7 @@
               <a:buNone/>
             </a:pPr>
             <a:r>
-              <a:rPr lang="it-IT" dirty="0"/>
+              <a:rPr lang="it-IT" sz="2400" dirty="0"/>
               <a:t>In seguito al completamento del prototipo è stata eseguita una corposa attività di ristrutturazione guidata dai tool:</a:t>
             </a:r>
           </a:p>
@@ -16803,11 +16994,11 @@
               <a:buNone/>
             </a:pPr>
             <a:r>
-              <a:rPr lang="it-IT" dirty="0" err="1"/>
+              <a:rPr lang="it-IT" sz="2400" dirty="0" err="1"/>
               <a:t>SonarLint</a:t>
             </a:r>
             <a:r>
-              <a:rPr lang="it-IT" dirty="0"/>
+              <a:rPr lang="it-IT" sz="2400" dirty="0"/>
               <a:t> ha guidato il miglioramento della qualità del codice</a:t>
             </a:r>
           </a:p>
@@ -16816,11 +17007,11 @@
               <a:buNone/>
             </a:pPr>
             <a:r>
-              <a:rPr lang="it-IT" dirty="0" err="1"/>
+              <a:rPr lang="it-IT" sz="2400" dirty="0" err="1"/>
               <a:t>StanIDE</a:t>
             </a:r>
             <a:r>
-              <a:rPr lang="it-IT" dirty="0"/>
+              <a:rPr lang="it-IT" sz="2400" dirty="0"/>
               <a:t> ha suggerito miglioramenti nella struttura modulare del sistema.</a:t>
             </a:r>
           </a:p>
@@ -16829,7 +17020,7 @@
               <a:buNone/>
             </a:pPr>
             <a:r>
-              <a:rPr lang="it-IT" dirty="0"/>
+              <a:rPr lang="it-IT" sz="2400" dirty="0"/>
               <a:t>L’attività di manutenzione ha richiesto complessivamente uno sforzo circa pari a quello dello sviluppo.</a:t>
             </a:r>
           </a:p>
@@ -16838,16 +17029,8 @@
               <a:buNone/>
             </a:pPr>
             <a:r>
-              <a:rPr lang="it-IT" dirty="0"/>
-              <a:t>La manutenzione perfettiva ha riguardato l’aggiunta della possibilità di scegliere tra diversi campi gravitazionali per selezionare l’</a:t>
-            </a:r>
-            <a:r>
-              <a:rPr lang="it-IT" dirty="0" err="1"/>
-              <a:t>accellerazione</a:t>
-            </a:r>
-            <a:r>
-              <a:rPr lang="it-IT" dirty="0"/>
-              <a:t> di gravità.</a:t>
+              <a:rPr lang="it-IT" sz="2400" dirty="0"/>
+              <a:t>La manutenzione perfettiva ha riguardato l’aggiunta della possibilità di scegliere tra diversi campi gravitazionali per selezionare l’accelerazione di gravità.</a:t>
             </a:r>
           </a:p>
           <a:p>
@@ -16855,7 +17038,7 @@
               <a:buNone/>
             </a:pPr>
             <a:r>
-              <a:rPr lang="it-IT" dirty="0"/>
+              <a:rPr lang="it-IT" sz="2400" dirty="0"/>
               <a:t>La manutenzione preventiva ha riguardato l’aggiunta di commenti per esplicare il significato del codice.</a:t>
             </a:r>
           </a:p>
@@ -16870,20 +17053,13 @@
     </p:spTree>
     <p:extLst>
       <p:ext uri="{BB962C8B-B14F-4D97-AF65-F5344CB8AC3E}">
-        <p14:creationId xmlns="" xmlns:p14="http://schemas.microsoft.com/office/powerpoint/2010/main" val="2652939922"/>
+        <p14:creationId xmlns:p14="http://schemas.microsoft.com/office/powerpoint/2010/main" val="2652939922"/>
       </p:ext>
     </p:extLst>
   </p:cSld>
   <p:clrMapOvr>
     <a:masterClrMapping/>
   </p:clrMapOvr>
-  <p:timing>
-    <p:tnLst>
-      <p:par>
-        <p:cTn id="1" dur="indefinite" restart="never" nodeType="tmRoot"/>
-      </p:par>
-    </p:tnLst>
-  </p:timing>
 </p:sld>
 </file>
 
@@ -16909,7 +17085,7 @@
           <p:cNvPr id="2" name="Titolo 1">
             <a:extLst>
               <a:ext uri="{FF2B5EF4-FFF2-40B4-BE49-F238E27FC236}">
-                <a16:creationId xmlns:a16="http://schemas.microsoft.com/office/drawing/2014/main" xmlns="" id="{319C0A22-E6F8-667E-3A72-25D2351DA3CF}"/>
+                <a16:creationId xmlns:a16="http://schemas.microsoft.com/office/drawing/2014/main" id="{319C0A22-E6F8-667E-3A72-25D2351DA3CF}"/>
               </a:ext>
             </a:extLst>
           </p:cNvPr>
@@ -16942,7 +17118,7 @@
           <p:cNvPr id="15" name="Segnaposto contenuto 14" descr="Immagine che contiene testo, schermata&#10;&#10;Descrizione generata automaticamente">
             <a:extLst>
               <a:ext uri="{FF2B5EF4-FFF2-40B4-BE49-F238E27FC236}">
-                <a16:creationId xmlns:a16="http://schemas.microsoft.com/office/drawing/2014/main" xmlns="" id="{4F340178-FE59-2D39-9D8B-E6D37D07471F}"/>
+                <a16:creationId xmlns:a16="http://schemas.microsoft.com/office/drawing/2014/main" id="{4F340178-FE59-2D39-9D8B-E6D37D07471F}"/>
               </a:ext>
             </a:extLst>
           </p:cNvPr>
@@ -16971,7 +17147,7 @@
           <p:cNvPr id="16" name="CasellaDiTesto 15">
             <a:extLst>
               <a:ext uri="{FF2B5EF4-FFF2-40B4-BE49-F238E27FC236}">
-                <a16:creationId xmlns:a16="http://schemas.microsoft.com/office/drawing/2014/main" xmlns="" id="{0E0A8C1D-62C0-2BFA-6215-7AEE8D861046}"/>
+                <a16:creationId xmlns:a16="http://schemas.microsoft.com/office/drawing/2014/main" id="{0E0A8C1D-62C0-2BFA-6215-7AEE8D861046}"/>
               </a:ext>
             </a:extLst>
           </p:cNvPr>
@@ -17004,7 +17180,7 @@
     </p:spTree>
     <p:extLst>
       <p:ext uri="{BB962C8B-B14F-4D97-AF65-F5344CB8AC3E}">
-        <p14:creationId xmlns:p14="http://schemas.microsoft.com/office/powerpoint/2010/main" xmlns="" val="1907026003"/>
+        <p14:creationId xmlns:p14="http://schemas.microsoft.com/office/powerpoint/2010/main" val="1907026003"/>
       </p:ext>
     </p:extLst>
   </p:cSld>
@@ -17036,7 +17212,7 @@
           <p:cNvPr id="9" name="CasellaDiTesto 8">
             <a:extLst>
               <a:ext uri="{FF2B5EF4-FFF2-40B4-BE49-F238E27FC236}">
-                <a16:creationId xmlns:a16="http://schemas.microsoft.com/office/drawing/2014/main" xmlns="" id="{E946118C-3779-0329-388D-9A695FD7985A}"/>
+                <a16:creationId xmlns:a16="http://schemas.microsoft.com/office/drawing/2014/main" id="{E946118C-3779-0329-388D-9A695FD7985A}"/>
               </a:ext>
             </a:extLst>
           </p:cNvPr>
@@ -17071,7 +17247,7 @@
           <p:cNvPr id="14" name="Segnaposto contenuto 7">
             <a:extLst>
               <a:ext uri="{FF2B5EF4-FFF2-40B4-BE49-F238E27FC236}">
-                <a16:creationId xmlns:a16="http://schemas.microsoft.com/office/drawing/2014/main" xmlns="" id="{63516E48-DDF8-C555-128B-28861514E579}"/>
+                <a16:creationId xmlns:a16="http://schemas.microsoft.com/office/drawing/2014/main" id="{63516E48-DDF8-C555-128B-28861514E579}"/>
               </a:ext>
             </a:extLst>
           </p:cNvPr>
@@ -17098,7 +17274,7 @@
     </p:spTree>
     <p:extLst>
       <p:ext uri="{BB962C8B-B14F-4D97-AF65-F5344CB8AC3E}">
-        <p14:creationId xmlns:p14="http://schemas.microsoft.com/office/powerpoint/2010/main" xmlns="" val="3568766427"/>
+        <p14:creationId xmlns:p14="http://schemas.microsoft.com/office/powerpoint/2010/main" val="3568766427"/>
       </p:ext>
     </p:extLst>
   </p:cSld>
@@ -17130,7 +17306,7 @@
           <p:cNvPr id="2" name="Titolo 1">
             <a:extLst>
               <a:ext uri="{FF2B5EF4-FFF2-40B4-BE49-F238E27FC236}">
-                <a16:creationId xmlns:a16="http://schemas.microsoft.com/office/drawing/2014/main" xmlns="" id="{F8997902-2740-A6A6-E32B-E6B98F14A874}"/>
+                <a16:creationId xmlns:a16="http://schemas.microsoft.com/office/drawing/2014/main" id="{F8997902-2740-A6A6-E32B-E6B98F14A874}"/>
               </a:ext>
             </a:extLst>
           </p:cNvPr>
@@ -17165,7 +17341,7 @@
           <p:cNvPr id="8" name="Segnaposto contenuto 7">
             <a:extLst>
               <a:ext uri="{FF2B5EF4-FFF2-40B4-BE49-F238E27FC236}">
-                <a16:creationId xmlns:a16="http://schemas.microsoft.com/office/drawing/2014/main" xmlns="" id="{FC43A86B-8CE0-4CFE-9309-E157AE92D37E}"/>
+                <a16:creationId xmlns:a16="http://schemas.microsoft.com/office/drawing/2014/main" id="{FC43A86B-8CE0-4CFE-9309-E157AE92D37E}"/>
               </a:ext>
             </a:extLst>
           </p:cNvPr>
@@ -17192,7 +17368,7 @@
     </p:spTree>
     <p:extLst>
       <p:ext uri="{BB962C8B-B14F-4D97-AF65-F5344CB8AC3E}">
-        <p14:creationId xmlns:p14="http://schemas.microsoft.com/office/powerpoint/2010/main" xmlns="" val="21423114"/>
+        <p14:creationId xmlns:p14="http://schemas.microsoft.com/office/powerpoint/2010/main" val="21423114"/>
       </p:ext>
     </p:extLst>
   </p:cSld>
@@ -17224,7 +17400,7 @@
           <p:cNvPr id="2" name="Titolo 1">
             <a:extLst>
               <a:ext uri="{FF2B5EF4-FFF2-40B4-BE49-F238E27FC236}">
-                <a16:creationId xmlns:a16="http://schemas.microsoft.com/office/drawing/2014/main" xmlns="" id="{ABC55025-8C9F-FE27-78A4-3BB627817225}"/>
+                <a16:creationId xmlns:a16="http://schemas.microsoft.com/office/drawing/2014/main" id="{ABC55025-8C9F-FE27-78A4-3BB627817225}"/>
               </a:ext>
             </a:extLst>
           </p:cNvPr>
@@ -17259,7 +17435,7 @@
           <p:cNvPr id="8" name="Segnaposto contenuto 7">
             <a:extLst>
               <a:ext uri="{FF2B5EF4-FFF2-40B4-BE49-F238E27FC236}">
-                <a16:creationId xmlns:a16="http://schemas.microsoft.com/office/drawing/2014/main" xmlns="" id="{322506BC-9FE7-529D-606F-08D4C265CB38}"/>
+                <a16:creationId xmlns:a16="http://schemas.microsoft.com/office/drawing/2014/main" id="{322506BC-9FE7-529D-606F-08D4C265CB38}"/>
               </a:ext>
             </a:extLst>
           </p:cNvPr>
@@ -17286,7 +17462,7 @@
     </p:spTree>
     <p:extLst>
       <p:ext uri="{BB962C8B-B14F-4D97-AF65-F5344CB8AC3E}">
-        <p14:creationId xmlns:p14="http://schemas.microsoft.com/office/powerpoint/2010/main" xmlns="" val="2530934986"/>
+        <p14:creationId xmlns:p14="http://schemas.microsoft.com/office/powerpoint/2010/main" val="2530934986"/>
       </p:ext>
     </p:extLst>
   </p:cSld>
@@ -17318,7 +17494,7 @@
           <p:cNvPr id="2" name="Titolo 1">
             <a:extLst>
               <a:ext uri="{FF2B5EF4-FFF2-40B4-BE49-F238E27FC236}">
-                <a16:creationId xmlns:a16="http://schemas.microsoft.com/office/drawing/2014/main" xmlns="" id="{7439A337-0D8B-CAD1-2EFF-98232D624556}"/>
+                <a16:creationId xmlns:a16="http://schemas.microsoft.com/office/drawing/2014/main" id="{7439A337-0D8B-CAD1-2EFF-98232D624556}"/>
               </a:ext>
             </a:extLst>
           </p:cNvPr>
@@ -17353,7 +17529,7 @@
           <p:cNvPr id="12" name="Segnaposto contenuto 11">
             <a:extLst>
               <a:ext uri="{FF2B5EF4-FFF2-40B4-BE49-F238E27FC236}">
-                <a16:creationId xmlns:a16="http://schemas.microsoft.com/office/drawing/2014/main" xmlns="" id="{D33852EB-FCEA-7E2D-7471-72199158D848}"/>
+                <a16:creationId xmlns:a16="http://schemas.microsoft.com/office/drawing/2014/main" id="{D33852EB-FCEA-7E2D-7471-72199158D848}"/>
               </a:ext>
             </a:extLst>
           </p:cNvPr>
@@ -17380,7 +17556,7 @@
     </p:spTree>
     <p:extLst>
       <p:ext uri="{BB962C8B-B14F-4D97-AF65-F5344CB8AC3E}">
-        <p14:creationId xmlns:p14="http://schemas.microsoft.com/office/powerpoint/2010/main" xmlns="" val="3292722586"/>
+        <p14:creationId xmlns:p14="http://schemas.microsoft.com/office/powerpoint/2010/main" val="3292722586"/>
       </p:ext>
     </p:extLst>
   </p:cSld>
@@ -17412,7 +17588,7 @@
           <p:cNvPr id="2" name="Titolo 1">
             <a:extLst>
               <a:ext uri="{FF2B5EF4-FFF2-40B4-BE49-F238E27FC236}">
-                <a16:creationId xmlns:a16="http://schemas.microsoft.com/office/drawing/2014/main" xmlns="" id="{ADDB99E4-5146-83CB-63D5-BA8603D23A6F}"/>
+                <a16:creationId xmlns:a16="http://schemas.microsoft.com/office/drawing/2014/main" id="{ADDB99E4-5146-83CB-63D5-BA8603D23A6F}"/>
               </a:ext>
             </a:extLst>
           </p:cNvPr>
@@ -17447,7 +17623,7 @@
           <p:cNvPr id="8" name="Segnaposto contenuto 7" descr="Immagine che contiene testo, schermata, logo&#10;&#10;Descrizione generata automaticamente">
             <a:extLst>
               <a:ext uri="{FF2B5EF4-FFF2-40B4-BE49-F238E27FC236}">
-                <a16:creationId xmlns:a16="http://schemas.microsoft.com/office/drawing/2014/main" xmlns="" id="{BE3FDDEF-DAAC-5813-C5DD-F7CEA57CE66C}"/>
+                <a16:creationId xmlns:a16="http://schemas.microsoft.com/office/drawing/2014/main" id="{BE3FDDEF-DAAC-5813-C5DD-F7CEA57CE66C}"/>
               </a:ext>
             </a:extLst>
           </p:cNvPr>
@@ -17474,7 +17650,7 @@
     </p:spTree>
     <p:extLst>
       <p:ext uri="{BB962C8B-B14F-4D97-AF65-F5344CB8AC3E}">
-        <p14:creationId xmlns:p14="http://schemas.microsoft.com/office/powerpoint/2010/main" xmlns="" val="585519967"/>
+        <p14:creationId xmlns:p14="http://schemas.microsoft.com/office/powerpoint/2010/main" val="585519967"/>
       </p:ext>
     </p:extLst>
   </p:cSld>
@@ -17506,7 +17682,7 @@
           <p:cNvPr id="2" name="Titolo 1">
             <a:extLst>
               <a:ext uri="{FF2B5EF4-FFF2-40B4-BE49-F238E27FC236}">
-                <a16:creationId xmlns="" xmlns:a16="http://schemas.microsoft.com/office/drawing/2014/main" id="{75031FE9-9059-4FE8-B4AC-9771F23A1B89}"/>
+                <a16:creationId xmlns:a16="http://schemas.microsoft.com/office/drawing/2014/main" id="{75031FE9-9059-4FE8-B4AC-9771F23A1B89}"/>
               </a:ext>
             </a:extLst>
           </p:cNvPr>
@@ -17517,7 +17693,12 @@
             <p:ph type="title"/>
           </p:nvPr>
         </p:nvSpPr>
-        <p:spPr/>
+        <p:spPr>
+          <a:xfrm>
+            <a:off x="2755640" y="363156"/>
+            <a:ext cx="8610600" cy="1293028"/>
+          </a:xfrm>
+        </p:spPr>
         <p:txBody>
           <a:bodyPr rtlCol="0">
             <a:normAutofit/>
@@ -17537,7 +17718,7 @@
           <p:cNvPr id="4" name="Content Placeholder 3">
             <a:extLst>
               <a:ext uri="{FF2B5EF4-FFF2-40B4-BE49-F238E27FC236}">
-                <a16:creationId xmlns="" xmlns:a16="http://schemas.microsoft.com/office/drawing/2014/main" id="{6EADD32B-2BED-B9CD-8880-5933A888D00B}"/>
+                <a16:creationId xmlns:a16="http://schemas.microsoft.com/office/drawing/2014/main" id="{6EADD32B-2BED-B9CD-8880-5933A888D00B}"/>
               </a:ext>
             </a:extLst>
           </p:cNvPr>
@@ -17548,7 +17729,12 @@
             <p:ph idx="1"/>
           </p:nvPr>
         </p:nvSpPr>
-        <p:spPr/>
+        <p:spPr>
+          <a:xfrm>
+            <a:off x="685800" y="1970626"/>
+            <a:ext cx="10820400" cy="4024125"/>
+          </a:xfrm>
+        </p:spPr>
         <p:txBody>
           <a:bodyPr>
             <a:normAutofit/>
@@ -17559,127 +17745,127 @@
               <a:buNone/>
             </a:pPr>
             <a:r>
-              <a:rPr lang="en-US" dirty="0"/>
+              <a:rPr lang="en-US" sz="2400" dirty="0"/>
               <a:t>Il </a:t>
             </a:r>
             <a:r>
-              <a:rPr lang="en-US" dirty="0" err="1"/>
+              <a:rPr lang="en-US" sz="2400" dirty="0" err="1"/>
               <a:t>progetto</a:t>
             </a:r>
             <a:r>
-              <a:rPr lang="en-US" dirty="0"/>
+              <a:rPr lang="en-US" sz="2400" dirty="0"/>
               <a:t> ha </a:t>
             </a:r>
             <a:r>
-              <a:rPr lang="en-US" dirty="0" err="1"/>
+              <a:rPr lang="en-US" sz="2400" dirty="0" err="1"/>
               <a:t>l’obiettivo</a:t>
             </a:r>
             <a:r>
-              <a:rPr lang="en-US" dirty="0"/>
+              <a:rPr lang="en-US" sz="2400" dirty="0"/>
               <a:t> di </a:t>
             </a:r>
             <a:r>
-              <a:rPr lang="en-US" dirty="0" err="1"/>
+              <a:rPr lang="en-US" sz="2400" dirty="0" err="1"/>
               <a:t>realizzare</a:t>
             </a:r>
             <a:r>
-              <a:rPr lang="en-US" dirty="0"/>
-              <a:t> </a:t>
-            </a:r>
-            <a:r>
-              <a:rPr lang="en-US" dirty="0" err="1"/>
+              <a:rPr lang="en-US" sz="2400" dirty="0"/>
+              <a:t> </a:t>
+            </a:r>
+            <a:r>
+              <a:rPr lang="en-US" sz="2400" dirty="0" err="1"/>
               <a:t>una</a:t>
             </a:r>
             <a:r>
-              <a:rPr lang="en-US" dirty="0"/>
-              <a:t> </a:t>
-            </a:r>
-            <a:r>
-              <a:rPr lang="en-US" dirty="0" err="1"/>
+              <a:rPr lang="en-US" sz="2400" dirty="0"/>
+              <a:t> </a:t>
+            </a:r>
+            <a:r>
+              <a:rPr lang="en-US" sz="2400" dirty="0" err="1"/>
               <a:t>simulazione</a:t>
             </a:r>
             <a:r>
-              <a:rPr lang="en-US" dirty="0"/>
-              <a:t> </a:t>
-            </a:r>
-            <a:r>
-              <a:rPr lang="en-US" dirty="0" err="1"/>
-              <a:t>fisica</a:t>
-            </a:r>
-            <a:r>
-              <a:rPr lang="en-US" dirty="0"/>
+              <a:rPr lang="en-US" sz="2400" dirty="0"/>
               <a:t> del </a:t>
             </a:r>
             <a:r>
-              <a:rPr lang="en-US" dirty="0" err="1"/>
+              <a:rPr lang="en-US" sz="2400" dirty="0" err="1"/>
               <a:t>fenomeno</a:t>
             </a:r>
             <a:r>
-              <a:rPr lang="en-US" dirty="0"/>
-              <a:t> </a:t>
-            </a:r>
-            <a:r>
-              <a:rPr lang="en-US" dirty="0" err="1"/>
+              <a:rPr lang="en-US" sz="2400" dirty="0"/>
+              <a:t> </a:t>
+            </a:r>
+            <a:r>
+              <a:rPr lang="en-US" sz="2400" dirty="0" err="1"/>
+              <a:t>fisico</a:t>
+            </a:r>
+            <a:r>
+              <a:rPr lang="en-US" sz="2400" dirty="0"/>
+              <a:t> </a:t>
+            </a:r>
+            <a:r>
+              <a:rPr lang="en-US" sz="2400" dirty="0" err="1"/>
               <a:t>della</a:t>
             </a:r>
             <a:r>
-              <a:rPr lang="en-US" dirty="0"/>
-              <a:t> </a:t>
-            </a:r>
-            <a:r>
-              <a:rPr lang="en-US" dirty="0" err="1"/>
+              <a:rPr lang="en-US" sz="2400" dirty="0"/>
+              <a:t> </a:t>
+            </a:r>
+            <a:r>
+              <a:rPr lang="en-US" sz="2400" dirty="0" err="1"/>
               <a:t>caduta</a:t>
             </a:r>
             <a:r>
-              <a:rPr lang="en-US" dirty="0"/>
+              <a:rPr lang="en-US" sz="2400" dirty="0"/>
               <a:t> di </a:t>
             </a:r>
             <a:r>
-              <a:rPr lang="en-US" dirty="0" err="1"/>
+              <a:rPr lang="en-US" sz="2400" dirty="0" err="1"/>
               <a:t>gravi</a:t>
             </a:r>
             <a:r>
-              <a:rPr lang="en-US" dirty="0"/>
+              <a:rPr lang="en-US" sz="2400" dirty="0"/>
               <a:t>, sotto </a:t>
             </a:r>
             <a:r>
-              <a:rPr lang="en-US" dirty="0" err="1"/>
+              <a:rPr lang="en-US" sz="2400" dirty="0" err="1"/>
               <a:t>l’influenza</a:t>
             </a:r>
             <a:r>
-              <a:rPr lang="en-US" dirty="0"/>
-              <a:t> </a:t>
-            </a:r>
-            <a:r>
-              <a:rPr lang="en-US" dirty="0" err="1"/>
+              <a:rPr lang="en-US" sz="2400" dirty="0"/>
+              <a:t> </a:t>
+            </a:r>
+            <a:r>
+              <a:rPr lang="en-US" sz="2400" dirty="0" err="1"/>
               <a:t>della</a:t>
             </a:r>
             <a:r>
-              <a:rPr lang="en-US" dirty="0"/>
+              <a:rPr lang="en-US" sz="2400" dirty="0"/>
               <a:t> forza di </a:t>
             </a:r>
             <a:r>
-              <a:rPr lang="en-US" dirty="0" err="1"/>
+              <a:rPr lang="en-US" sz="2400" dirty="0" err="1"/>
               <a:t>gravità</a:t>
             </a:r>
             <a:r>
-              <a:rPr lang="en-US" dirty="0"/>
+              <a:rPr lang="en-US" sz="2400" dirty="0"/>
               <a:t>, </a:t>
             </a:r>
             <a:r>
-              <a:rPr lang="en-US" dirty="0" err="1"/>
+              <a:rPr lang="en-US" sz="2400" dirty="0" err="1"/>
               <a:t>lungo</a:t>
             </a:r>
             <a:r>
-              <a:rPr lang="en-US" dirty="0"/>
-              <a:t> </a:t>
-            </a:r>
-            <a:r>
-              <a:rPr lang="en-US" dirty="0" err="1"/>
+              <a:rPr lang="en-US" sz="2400" dirty="0"/>
+              <a:t> </a:t>
+            </a:r>
+            <a:r>
+              <a:rPr lang="en-US" sz="2400" dirty="0" err="1"/>
               <a:t>diversi</a:t>
             </a:r>
             <a:r>
-              <a:rPr lang="en-US" dirty="0"/>
+              <a:rPr lang="en-US" sz="2400" dirty="0"/>
               <a:t> tipi di curve. </a:t>
             </a:r>
           </a:p>
@@ -17688,99 +17874,99 @@
               <a:buNone/>
             </a:pPr>
             <a:r>
-              <a:rPr lang="en-US" dirty="0" err="1"/>
+              <a:rPr lang="en-US" sz="2400" dirty="0" err="1"/>
               <a:t>L’idea</a:t>
             </a:r>
             <a:r>
-              <a:rPr lang="en-US" dirty="0"/>
+              <a:rPr lang="en-US" sz="2400" dirty="0"/>
               <a:t> ha origine dal </a:t>
             </a:r>
             <a:r>
-              <a:rPr lang="en-US" dirty="0" err="1"/>
+              <a:rPr lang="en-US" sz="2400" dirty="0" err="1"/>
               <a:t>problema</a:t>
             </a:r>
             <a:r>
-              <a:rPr lang="en-US" dirty="0"/>
-              <a:t> </a:t>
-            </a:r>
-            <a:r>
-              <a:rPr lang="en-US" dirty="0" err="1"/>
+              <a:rPr lang="en-US" sz="2400" dirty="0"/>
+              <a:t> </a:t>
+            </a:r>
+            <a:r>
+              <a:rPr lang="en-US" sz="2400" dirty="0" err="1"/>
               <a:t>della</a:t>
             </a:r>
             <a:r>
-              <a:rPr lang="en-US" dirty="0"/>
-              <a:t> </a:t>
-            </a:r>
-            <a:r>
-              <a:rPr lang="en-US" dirty="0" err="1"/>
+              <a:rPr lang="en-US" sz="2400" dirty="0"/>
+              <a:t> </a:t>
+            </a:r>
+            <a:r>
+              <a:rPr lang="en-US" sz="2400" dirty="0" err="1"/>
               <a:t>Brachistocrona</a:t>
             </a:r>
             <a:r>
-              <a:rPr lang="en-US" dirty="0"/>
+              <a:rPr lang="en-US" sz="2400" dirty="0"/>
               <a:t>, di cui </a:t>
             </a:r>
             <a:r>
-              <a:rPr lang="en-US" dirty="0" err="1"/>
+              <a:rPr lang="en-US" sz="2400" dirty="0" err="1"/>
               <a:t>si</a:t>
             </a:r>
             <a:r>
-              <a:rPr lang="en-US" dirty="0"/>
-              <a:t> </a:t>
-            </a:r>
-            <a:r>
-              <a:rPr lang="en-US" dirty="0" err="1"/>
+              <a:rPr lang="en-US" sz="2400" dirty="0"/>
+              <a:t> </a:t>
+            </a:r>
+            <a:r>
+              <a:rPr lang="en-US" sz="2400" dirty="0" err="1"/>
               <a:t>vuole</a:t>
             </a:r>
             <a:r>
-              <a:rPr lang="en-US" dirty="0"/>
-              <a:t> </a:t>
-            </a:r>
-            <a:r>
-              <a:rPr lang="en-US" dirty="0" err="1"/>
+              <a:rPr lang="en-US" sz="2400" dirty="0"/>
+              <a:t> </a:t>
+            </a:r>
+            <a:r>
+              <a:rPr lang="en-US" sz="2400" dirty="0" err="1"/>
               <a:t>comprovare</a:t>
             </a:r>
             <a:r>
-              <a:rPr lang="en-US" dirty="0"/>
-              <a:t> </a:t>
-            </a:r>
-            <a:r>
-              <a:rPr lang="en-US" dirty="0" err="1"/>
+              <a:rPr lang="en-US" sz="2400" dirty="0"/>
+              <a:t> </a:t>
+            </a:r>
+            <a:r>
+              <a:rPr lang="en-US" sz="2400" dirty="0" err="1"/>
               <a:t>che</a:t>
             </a:r>
             <a:r>
-              <a:rPr lang="en-US" dirty="0"/>
+              <a:rPr lang="en-US" sz="2400" dirty="0"/>
               <a:t> la </a:t>
             </a:r>
             <a:r>
-              <a:rPr lang="en-US" dirty="0" err="1"/>
+              <a:rPr lang="en-US" sz="2400" dirty="0" err="1"/>
               <a:t>soluzione</a:t>
             </a:r>
             <a:r>
-              <a:rPr lang="en-US" dirty="0"/>
+              <a:rPr lang="en-US" sz="2400" dirty="0"/>
               <a:t>: la </a:t>
             </a:r>
             <a:r>
-              <a:rPr lang="en-US" dirty="0" err="1"/>
+              <a:rPr lang="en-US" sz="2400" dirty="0" err="1"/>
               <a:t>cicloide</a:t>
             </a:r>
             <a:r>
-              <a:rPr lang="en-US" dirty="0"/>
+              <a:rPr lang="en-US" sz="2400" dirty="0"/>
               <a:t>, è </a:t>
             </a:r>
             <a:r>
-              <a:rPr lang="en-US" dirty="0" err="1"/>
+              <a:rPr lang="en-US" sz="2400" dirty="0" err="1"/>
               <a:t>effettivamente</a:t>
             </a:r>
             <a:r>
-              <a:rPr lang="en-US" dirty="0"/>
+              <a:rPr lang="en-US" sz="2400" dirty="0"/>
               <a:t> la curva </a:t>
             </a:r>
             <a:r>
-              <a:rPr lang="en-US" dirty="0" err="1"/>
+              <a:rPr lang="en-US" sz="2400" dirty="0" err="1"/>
               <a:t>più</a:t>
             </a:r>
             <a:r>
-              <a:rPr lang="en-US" dirty="0"/>
+              <a:rPr lang="en-US" sz="2400" dirty="0"/>
               <a:t> veloce.</a:t>
             </a:r>
           </a:p>
@@ -17789,127 +17975,127 @@
               <a:buNone/>
             </a:pPr>
             <a:r>
-              <a:rPr lang="en-US" dirty="0"/>
+              <a:rPr lang="en-US" sz="2400" dirty="0"/>
               <a:t>Il </a:t>
             </a:r>
             <a:r>
-              <a:rPr lang="en-US" dirty="0" err="1"/>
+              <a:rPr lang="en-US" sz="2400" dirty="0" err="1"/>
               <a:t>progetto</a:t>
             </a:r>
             <a:r>
-              <a:rPr lang="en-US" dirty="0"/>
-              <a:t> </a:t>
-            </a:r>
-            <a:r>
-              <a:rPr lang="en-US" dirty="0" err="1"/>
+              <a:rPr lang="en-US" sz="2400" dirty="0"/>
+              <a:t> </a:t>
+            </a:r>
+            <a:r>
+              <a:rPr lang="en-US" sz="2400" dirty="0" err="1"/>
               <a:t>si</a:t>
             </a:r>
             <a:r>
-              <a:rPr lang="en-US" dirty="0"/>
+              <a:rPr lang="en-US" sz="2400" dirty="0"/>
               <a:t> propone di </a:t>
             </a:r>
             <a:r>
-              <a:rPr lang="en-US" dirty="0" err="1"/>
+              <a:rPr lang="en-US" sz="2400" dirty="0" err="1"/>
               <a:t>conciliare</a:t>
             </a:r>
             <a:r>
-              <a:rPr lang="en-US" dirty="0"/>
+              <a:rPr lang="en-US" sz="2400" dirty="0"/>
               <a:t> un </a:t>
             </a:r>
             <a:r>
-              <a:rPr lang="en-US" dirty="0" err="1"/>
+              <a:rPr lang="en-US" sz="2400" dirty="0" err="1"/>
               <a:t>rigoroso</a:t>
             </a:r>
             <a:r>
-              <a:rPr lang="en-US" dirty="0"/>
+              <a:rPr lang="en-US" sz="2400" dirty="0"/>
               <a:t> studio </a:t>
             </a:r>
             <a:r>
-              <a:rPr lang="en-US" dirty="0" err="1"/>
+              <a:rPr lang="en-US" sz="2400" dirty="0" err="1"/>
               <a:t>simulativo</a:t>
             </a:r>
             <a:r>
-              <a:rPr lang="en-US" dirty="0"/>
+              <a:rPr lang="en-US" sz="2400" dirty="0"/>
               <a:t> del </a:t>
             </a:r>
             <a:r>
-              <a:rPr lang="en-US" dirty="0" err="1"/>
+              <a:rPr lang="en-US" sz="2400" dirty="0" err="1"/>
               <a:t>fenomeno</a:t>
             </a:r>
             <a:r>
-              <a:rPr lang="en-US" dirty="0"/>
+              <a:rPr lang="en-US" sz="2400" dirty="0"/>
               <a:t> a un </a:t>
             </a:r>
             <a:r>
-              <a:rPr lang="en-US" dirty="0" err="1"/>
+              <a:rPr lang="en-US" sz="2400" dirty="0" err="1"/>
               <a:t>utilizzo</a:t>
             </a:r>
             <a:r>
-              <a:rPr lang="en-US" dirty="0"/>
+              <a:rPr lang="en-US" sz="2400" dirty="0"/>
               <a:t> semplice e </a:t>
             </a:r>
             <a:r>
-              <a:rPr lang="en-US" dirty="0" err="1"/>
+              <a:rPr lang="en-US" sz="2400" dirty="0" err="1"/>
               <a:t>ricreativo</a:t>
             </a:r>
             <a:r>
-              <a:rPr lang="en-US" dirty="0"/>
-              <a:t> </a:t>
-            </a:r>
-            <a:r>
-              <a:rPr lang="en-US" dirty="0" err="1"/>
+              <a:rPr lang="en-US" sz="2400" dirty="0"/>
+              <a:t> </a:t>
+            </a:r>
+            <a:r>
+              <a:rPr lang="en-US" sz="2400" dirty="0" err="1"/>
               <a:t>che</a:t>
             </a:r>
             <a:r>
-              <a:rPr lang="en-US" dirty="0"/>
-              <a:t> </a:t>
-            </a:r>
-            <a:r>
-              <a:rPr lang="en-US" dirty="0" err="1"/>
+              <a:rPr lang="en-US" sz="2400" dirty="0"/>
+              <a:t> </a:t>
+            </a:r>
+            <a:r>
+              <a:rPr lang="en-US" sz="2400" dirty="0" err="1"/>
               <a:t>può</a:t>
             </a:r>
             <a:r>
-              <a:rPr lang="en-US" dirty="0"/>
-              <a:t> </a:t>
-            </a:r>
-            <a:r>
-              <a:rPr lang="en-US" dirty="0" err="1"/>
+              <a:rPr lang="en-US" sz="2400" dirty="0"/>
+              <a:t> </a:t>
+            </a:r>
+            <a:r>
+              <a:rPr lang="en-US" sz="2400" dirty="0" err="1"/>
               <a:t>soddisfare</a:t>
             </a:r>
             <a:r>
-              <a:rPr lang="en-US" dirty="0"/>
-              <a:t> </a:t>
-            </a:r>
-            <a:r>
-              <a:rPr lang="en-US" dirty="0" err="1"/>
+              <a:rPr lang="en-US" sz="2400" dirty="0"/>
+              <a:t> </a:t>
+            </a:r>
+            <a:r>
+              <a:rPr lang="en-US" sz="2400" dirty="0" err="1"/>
               <a:t>anche</a:t>
             </a:r>
             <a:r>
-              <a:rPr lang="en-US" dirty="0"/>
-              <a:t> </a:t>
-            </a:r>
-            <a:r>
-              <a:rPr lang="en-US" dirty="0" err="1"/>
+              <a:rPr lang="en-US" sz="2400" dirty="0"/>
+              <a:t> </a:t>
+            </a:r>
+            <a:r>
+              <a:rPr lang="en-US" sz="2400" dirty="0" err="1"/>
               <a:t>l’utente</a:t>
             </a:r>
             <a:r>
-              <a:rPr lang="en-US" dirty="0"/>
-              <a:t> </a:t>
-            </a:r>
-            <a:r>
-              <a:rPr lang="en-US" dirty="0" err="1"/>
+              <a:rPr lang="en-US" sz="2400" dirty="0"/>
+              <a:t> </a:t>
+            </a:r>
+            <a:r>
+              <a:rPr lang="en-US" sz="2400" dirty="0" err="1"/>
               <a:t>meno</a:t>
             </a:r>
             <a:r>
-              <a:rPr lang="en-US" dirty="0"/>
-              <a:t> </a:t>
-            </a:r>
-            <a:r>
-              <a:rPr lang="en-US" dirty="0" err="1"/>
+              <a:rPr lang="en-US" sz="2400" dirty="0"/>
+              <a:t> </a:t>
+            </a:r>
+            <a:r>
+              <a:rPr lang="en-US" sz="2400" dirty="0" err="1"/>
               <a:t>esperto</a:t>
             </a:r>
             <a:r>
-              <a:rPr lang="en-US" dirty="0"/>
+              <a:rPr lang="en-US" sz="2400" dirty="0"/>
               <a:t>.</a:t>
             </a:r>
           </a:p>
@@ -17924,20 +18110,13 @@
     </p:spTree>
     <p:extLst>
       <p:ext uri="{BB962C8B-B14F-4D97-AF65-F5344CB8AC3E}">
-        <p14:creationId xmlns="" xmlns:p14="http://schemas.microsoft.com/office/powerpoint/2010/main" val="3250768115"/>
+        <p14:creationId xmlns:p14="http://schemas.microsoft.com/office/powerpoint/2010/main" val="3250768115"/>
       </p:ext>
     </p:extLst>
   </p:cSld>
   <p:clrMapOvr>
     <a:masterClrMapping/>
   </p:clrMapOvr>
-  <p:timing>
-    <p:tnLst>
-      <p:par>
-        <p:cTn id="1" dur="indefinite" restart="never" nodeType="tmRoot"/>
-      </p:par>
-    </p:tnLst>
-  </p:timing>
 </p:sld>
 </file>
 
@@ -17963,7 +18142,7 @@
           <p:cNvPr id="2" name="Titolo 1">
             <a:extLst>
               <a:ext uri="{FF2B5EF4-FFF2-40B4-BE49-F238E27FC236}">
-                <a16:creationId xmlns:a16="http://schemas.microsoft.com/office/drawing/2014/main" xmlns="" id="{1074AA9D-2BC8-FBC6-DC35-2C07E35FB353}"/>
+                <a16:creationId xmlns:a16="http://schemas.microsoft.com/office/drawing/2014/main" id="{00356CF6-6203-30AE-195E-BD1948F3E109}"/>
               </a:ext>
             </a:extLst>
           </p:cNvPr>
@@ -17976,7 +18155,7 @@
         </p:nvSpPr>
         <p:spPr>
           <a:xfrm>
-            <a:off x="1076848" y="456103"/>
+            <a:off x="1524000" y="393979"/>
             <a:ext cx="8610600" cy="1293028"/>
           </a:xfrm>
         </p:spPr>
@@ -17988,7 +18167,7 @@
           <a:p>
             <a:r>
               <a:rPr lang="it-IT" sz="2000" dirty="0"/>
-              <a:t>Inserimento dei punti intermedi da interpolare</a:t>
+              <a:t>Selezione della convessità della circonferenza</a:t>
             </a:r>
           </a:p>
         </p:txBody>
@@ -17998,7 +18177,7 @@
           <p:cNvPr id="8" name="Segnaposto contenuto 7" descr="Immagine che contiene schermata, testo&#10;&#10;Descrizione generata automaticamente">
             <a:extLst>
               <a:ext uri="{FF2B5EF4-FFF2-40B4-BE49-F238E27FC236}">
-                <a16:creationId xmlns:a16="http://schemas.microsoft.com/office/drawing/2014/main" xmlns="" id="{7B3B6A84-9BB4-E864-1B73-4E478E5D2680}"/>
+                <a16:creationId xmlns:a16="http://schemas.microsoft.com/office/drawing/2014/main" id="{BBECCF44-3C6E-CB90-2F81-BFCAE868BADA}"/>
               </a:ext>
             </a:extLst>
           </p:cNvPr>
@@ -18017,15 +18196,15 @@
         </p:blipFill>
         <p:spPr>
           <a:xfrm>
-            <a:off x="1076848" y="1627833"/>
-            <a:ext cx="10159589" cy="4530115"/>
+            <a:off x="1027377" y="1591701"/>
+            <a:ext cx="10137245" cy="4526053"/>
           </a:xfrm>
         </p:spPr>
       </p:pic>
     </p:spTree>
     <p:extLst>
       <p:ext uri="{BB962C8B-B14F-4D97-AF65-F5344CB8AC3E}">
-        <p14:creationId xmlns:p14="http://schemas.microsoft.com/office/powerpoint/2010/main" xmlns="" val="1480993664"/>
+        <p14:creationId xmlns:p14="http://schemas.microsoft.com/office/powerpoint/2010/main" val="2527635943"/>
       </p:ext>
     </p:extLst>
   </p:cSld>
@@ -18057,7 +18236,7 @@
           <p:cNvPr id="2" name="Titolo 1">
             <a:extLst>
               <a:ext uri="{FF2B5EF4-FFF2-40B4-BE49-F238E27FC236}">
-                <a16:creationId xmlns:a16="http://schemas.microsoft.com/office/drawing/2014/main" xmlns="" id="{213E7B61-8AE6-BD8A-D699-8C16BAB73B8D}"/>
+                <a16:creationId xmlns:a16="http://schemas.microsoft.com/office/drawing/2014/main" id="{145B183D-6DCE-09B9-3299-09B8E906B5BD}"/>
               </a:ext>
             </a:extLst>
           </p:cNvPr>
@@ -18070,7 +18249,7 @@
         </p:nvSpPr>
         <p:spPr>
           <a:xfrm>
-            <a:off x="-433754" y="481867"/>
+            <a:off x="1449356" y="395611"/>
             <a:ext cx="8610600" cy="1293028"/>
           </a:xfrm>
         </p:spPr>
@@ -18082,22 +18261,17 @@
           <a:p>
             <a:r>
               <a:rPr lang="it-IT" sz="2000" dirty="0"/>
-              <a:t>Disegno della </a:t>
-            </a:r>
-            <a:r>
-              <a:rPr lang="it-IT" sz="2000" dirty="0" err="1"/>
-              <a:t>spline</a:t>
-            </a:r>
-            <a:endParaRPr lang="it-IT" sz="2000" dirty="0"/>
+              <a:t>Selezione del raggio della circonferenza</a:t>
+            </a:r>
           </a:p>
         </p:txBody>
       </p:sp>
       <p:pic>
         <p:nvPicPr>
-          <p:cNvPr id="8" name="Segnaposto contenuto 7" descr="Immagine che contiene testo, schermata, design&#10;&#10;Descrizione generata automaticamente">
+          <p:cNvPr id="8" name="Segnaposto contenuto 7" descr="Immagine che contiene schermata, testo, Sistema operativo&#10;&#10;Descrizione generata automaticamente">
             <a:extLst>
               <a:ext uri="{FF2B5EF4-FFF2-40B4-BE49-F238E27FC236}">
-                <a16:creationId xmlns:a16="http://schemas.microsoft.com/office/drawing/2014/main" xmlns="" id="{7AFDB912-69F5-B843-11B6-65768A060666}"/>
+                <a16:creationId xmlns:a16="http://schemas.microsoft.com/office/drawing/2014/main" id="{98E8AB7B-FE70-98D8-3DE5-A482654C3C30}"/>
               </a:ext>
             </a:extLst>
           </p:cNvPr>
@@ -18116,15 +18290,15 @@
         </p:blipFill>
         <p:spPr>
           <a:xfrm>
-            <a:off x="942624" y="1698173"/>
-            <a:ext cx="10306751" cy="4439680"/>
+            <a:off x="1256844" y="1578428"/>
+            <a:ext cx="9678311" cy="4716010"/>
           </a:xfrm>
         </p:spPr>
       </p:pic>
     </p:spTree>
     <p:extLst>
       <p:ext uri="{BB962C8B-B14F-4D97-AF65-F5344CB8AC3E}">
-        <p14:creationId xmlns:p14="http://schemas.microsoft.com/office/powerpoint/2010/main" xmlns="" val="1430744010"/>
+        <p14:creationId xmlns:p14="http://schemas.microsoft.com/office/powerpoint/2010/main" val="1135729879"/>
       </p:ext>
     </p:extLst>
   </p:cSld>
@@ -18156,7 +18330,7 @@
           <p:cNvPr id="2" name="Titolo 1">
             <a:extLst>
               <a:ext uri="{FF2B5EF4-FFF2-40B4-BE49-F238E27FC236}">
-                <a16:creationId xmlns:a16="http://schemas.microsoft.com/office/drawing/2014/main" xmlns="" id="{00356CF6-6203-30AE-195E-BD1948F3E109}"/>
+                <a16:creationId xmlns:a16="http://schemas.microsoft.com/office/drawing/2014/main" id="{1074AA9D-2BC8-FBC6-DC35-2C07E35FB353}"/>
               </a:ext>
             </a:extLst>
           </p:cNvPr>
@@ -18169,7 +18343,7 @@
         </p:nvSpPr>
         <p:spPr>
           <a:xfrm>
-            <a:off x="1524000" y="393979"/>
+            <a:off x="1076848" y="456103"/>
             <a:ext cx="8610600" cy="1293028"/>
           </a:xfrm>
         </p:spPr>
@@ -18181,7 +18355,7 @@
           <a:p>
             <a:r>
               <a:rPr lang="it-IT" sz="2000" dirty="0"/>
-              <a:t>Selezione della convessità della circonferenza</a:t>
+              <a:t>Inserimento dei punti intermedi da interpolare</a:t>
             </a:r>
           </a:p>
         </p:txBody>
@@ -18191,7 +18365,7 @@
           <p:cNvPr id="8" name="Segnaposto contenuto 7" descr="Immagine che contiene schermata, testo&#10;&#10;Descrizione generata automaticamente">
             <a:extLst>
               <a:ext uri="{FF2B5EF4-FFF2-40B4-BE49-F238E27FC236}">
-                <a16:creationId xmlns:a16="http://schemas.microsoft.com/office/drawing/2014/main" xmlns="" id="{BBECCF44-3C6E-CB90-2F81-BFCAE868BADA}"/>
+                <a16:creationId xmlns:a16="http://schemas.microsoft.com/office/drawing/2014/main" id="{7B3B6A84-9BB4-E864-1B73-4E478E5D2680}"/>
               </a:ext>
             </a:extLst>
           </p:cNvPr>
@@ -18210,15 +18384,15 @@
         </p:blipFill>
         <p:spPr>
           <a:xfrm>
-            <a:off x="1027377" y="1591701"/>
-            <a:ext cx="10137245" cy="4526053"/>
+            <a:off x="1076848" y="1627833"/>
+            <a:ext cx="10159589" cy="4530115"/>
           </a:xfrm>
         </p:spPr>
       </p:pic>
     </p:spTree>
     <p:extLst>
       <p:ext uri="{BB962C8B-B14F-4D97-AF65-F5344CB8AC3E}">
-        <p14:creationId xmlns:p14="http://schemas.microsoft.com/office/powerpoint/2010/main" xmlns="" val="2527635943"/>
+        <p14:creationId xmlns:p14="http://schemas.microsoft.com/office/powerpoint/2010/main" val="1480993664"/>
       </p:ext>
     </p:extLst>
   </p:cSld>
@@ -18250,7 +18424,7 @@
           <p:cNvPr id="2" name="Titolo 1">
             <a:extLst>
               <a:ext uri="{FF2B5EF4-FFF2-40B4-BE49-F238E27FC236}">
-                <a16:creationId xmlns:a16="http://schemas.microsoft.com/office/drawing/2014/main" xmlns="" id="{145B183D-6DCE-09B9-3299-09B8E906B5BD}"/>
+                <a16:creationId xmlns:a16="http://schemas.microsoft.com/office/drawing/2014/main" id="{213E7B61-8AE6-BD8A-D699-8C16BAB73B8D}"/>
               </a:ext>
             </a:extLst>
           </p:cNvPr>
@@ -18263,7 +18437,7 @@
         </p:nvSpPr>
         <p:spPr>
           <a:xfrm>
-            <a:off x="1449356" y="395611"/>
+            <a:off x="-433754" y="481867"/>
             <a:ext cx="8610600" cy="1293028"/>
           </a:xfrm>
         </p:spPr>
@@ -18275,17 +18449,22 @@
           <a:p>
             <a:r>
               <a:rPr lang="it-IT" sz="2000" dirty="0"/>
-              <a:t>Selezione del raggio della circonferenza</a:t>
-            </a:r>
+              <a:t>Disegno della </a:t>
+            </a:r>
+            <a:r>
+              <a:rPr lang="it-IT" sz="2000" dirty="0" err="1"/>
+              <a:t>spline</a:t>
+            </a:r>
+            <a:endParaRPr lang="it-IT" sz="2000" dirty="0"/>
           </a:p>
         </p:txBody>
       </p:sp>
       <p:pic>
         <p:nvPicPr>
-          <p:cNvPr id="8" name="Segnaposto contenuto 7" descr="Immagine che contiene schermata, testo, Sistema operativo&#10;&#10;Descrizione generata automaticamente">
+          <p:cNvPr id="8" name="Segnaposto contenuto 7" descr="Immagine che contiene testo, schermata, design&#10;&#10;Descrizione generata automaticamente">
             <a:extLst>
               <a:ext uri="{FF2B5EF4-FFF2-40B4-BE49-F238E27FC236}">
-                <a16:creationId xmlns:a16="http://schemas.microsoft.com/office/drawing/2014/main" xmlns="" id="{98E8AB7B-FE70-98D8-3DE5-A482654C3C30}"/>
+                <a16:creationId xmlns:a16="http://schemas.microsoft.com/office/drawing/2014/main" id="{7AFDB912-69F5-B843-11B6-65768A060666}"/>
               </a:ext>
             </a:extLst>
           </p:cNvPr>
@@ -18304,15 +18483,15 @@
         </p:blipFill>
         <p:spPr>
           <a:xfrm>
-            <a:off x="1256844" y="1578428"/>
-            <a:ext cx="9678311" cy="4716010"/>
+            <a:off x="942624" y="1698173"/>
+            <a:ext cx="10306751" cy="4439680"/>
           </a:xfrm>
         </p:spPr>
       </p:pic>
     </p:spTree>
     <p:extLst>
       <p:ext uri="{BB962C8B-B14F-4D97-AF65-F5344CB8AC3E}">
-        <p14:creationId xmlns:p14="http://schemas.microsoft.com/office/powerpoint/2010/main" xmlns="" val="1135729879"/>
+        <p14:creationId xmlns:p14="http://schemas.microsoft.com/office/powerpoint/2010/main" val="1430744010"/>
       </p:ext>
     </p:extLst>
   </p:cSld>
@@ -18344,7 +18523,7 @@
           <p:cNvPr id="2" name="Titolo 1">
             <a:extLst>
               <a:ext uri="{FF2B5EF4-FFF2-40B4-BE49-F238E27FC236}">
-                <a16:creationId xmlns:a16="http://schemas.microsoft.com/office/drawing/2014/main" xmlns="" id="{6C08DC7F-C9DA-023A-17DC-A41B185726F1}"/>
+                <a16:creationId xmlns:a16="http://schemas.microsoft.com/office/drawing/2014/main" id="{6C08DC7F-C9DA-023A-17DC-A41B185726F1}"/>
               </a:ext>
             </a:extLst>
           </p:cNvPr>
@@ -18379,7 +18558,7 @@
           <p:cNvPr id="8" name="Segnaposto contenuto 7">
             <a:extLst>
               <a:ext uri="{FF2B5EF4-FFF2-40B4-BE49-F238E27FC236}">
-                <a16:creationId xmlns:a16="http://schemas.microsoft.com/office/drawing/2014/main" xmlns="" id="{315E4EFF-3696-5E80-CCAF-3C562A794926}"/>
+                <a16:creationId xmlns:a16="http://schemas.microsoft.com/office/drawing/2014/main" id="{315E4EFF-3696-5E80-CCAF-3C562A794926}"/>
               </a:ext>
             </a:extLst>
           </p:cNvPr>
@@ -18406,192 +18585,13 @@
     </p:spTree>
     <p:extLst>
       <p:ext uri="{BB962C8B-B14F-4D97-AF65-F5344CB8AC3E}">
-        <p14:creationId xmlns:p14="http://schemas.microsoft.com/office/powerpoint/2010/main" xmlns="" val="2136751782"/>
+        <p14:creationId xmlns:p14="http://schemas.microsoft.com/office/powerpoint/2010/main" val="2136751782"/>
       </p:ext>
     </p:extLst>
   </p:cSld>
   <p:clrMapOvr>
     <a:masterClrMapping/>
   </p:clrMapOvr>
-</p:sld>
-</file>
-
-<file path=ppt/slides/slide25.xml><?xml version="1.0" encoding="utf-8"?>
-<p:sld xmlns:a="http://schemas.openxmlformats.org/drawingml/2006/main" xmlns:r="http://schemas.openxmlformats.org/officeDocument/2006/relationships" xmlns:p="http://schemas.openxmlformats.org/presentationml/2006/main">
-  <p:cSld>
-    <p:spTree>
-      <p:nvGrpSpPr>
-        <p:cNvPr id="1" name=""/>
-        <p:cNvGrpSpPr/>
-        <p:nvPr/>
-      </p:nvGrpSpPr>
-      <p:grpSpPr>
-        <a:xfrm>
-          <a:off x="0" y="0"/>
-          <a:ext cx="0" cy="0"/>
-          <a:chOff x="0" y="0"/>
-          <a:chExt cx="0" cy="0"/>
-        </a:xfrm>
-      </p:grpSpPr>
-      <p:pic>
-        <p:nvPicPr>
-          <p:cNvPr id="5" name="Fall Simulator 2025-01-20 11-48-29.mp4">
-            <a:hlinkClick r:id="" action="ppaction://media"/>
-          </p:cNvPr>
-          <p:cNvPicPr>
-            <a:picLocks noRot="1" noChangeAspect="1"/>
-          </p:cNvPicPr>
-          <p:nvPr>
-            <a:videoFile r:link="rId1"/>
-          </p:nvPr>
-        </p:nvPicPr>
-        <p:blipFill>
-          <a:blip r:embed="rId3"/>
-          <a:stretch>
-            <a:fillRect/>
-          </a:stretch>
-        </p:blipFill>
-        <p:spPr>
-          <a:xfrm>
-            <a:off x="4742347" y="2214694"/>
-            <a:ext cx="2879250" cy="2520174"/>
-          </a:xfrm>
-          <a:prstGeom prst="rect">
-            <a:avLst/>
-          </a:prstGeom>
-          <a:ln>
-            <a:noFill/>
-          </a:ln>
-          <a:effectLst/>
-        </p:spPr>
-      </p:pic>
-      <p:sp>
-        <p:nvSpPr>
-          <p:cNvPr id="6" name="CasellaDiTesto 5"/>
-          <p:cNvSpPr txBox="1"/>
-          <p:nvPr/>
-        </p:nvSpPr>
-        <p:spPr>
-          <a:xfrm>
-            <a:off x="6054621" y="568562"/>
-            <a:ext cx="7224583" cy="707886"/>
-          </a:xfrm>
-          <a:prstGeom prst="rect">
-            <a:avLst/>
-          </a:prstGeom>
-          <a:noFill/>
-        </p:spPr>
-        <p:txBody>
-          <a:bodyPr wrap="square" rtlCol="0">
-            <a:spAutoFit/>
-          </a:bodyPr>
-          <a:lstStyle/>
-          <a:p>
-            <a:r>
-              <a:rPr lang="it-IT" sz="4000" b="1" dirty="0" smtClean="0"/>
-              <a:t>DEMO FALLSIMULATOR</a:t>
-            </a:r>
-            <a:endParaRPr lang="it-IT" sz="4000" b="1" dirty="0"/>
-          </a:p>
-        </p:txBody>
-      </p:sp>
-    </p:spTree>
-  </p:cSld>
-  <p:clrMapOvr>
-    <a:masterClrMapping/>
-  </p:clrMapOvr>
-  <p:timing>
-    <p:tnLst>
-      <p:par>
-        <p:cTn id="1" dur="indefinite" restart="never" nodeType="tmRoot">
-          <p:childTnLst>
-            <p:seq concurrent="1" nextAc="seek">
-              <p:cTn id="2" restart="whenNotActive" fill="hold" evtFilter="cancelBubble" nodeType="interactiveSeq">
-                <p:stCondLst>
-                  <p:cond evt="onClick" delay="0">
-                    <p:tgtEl>
-                      <p:spTgt spid="5"/>
-                    </p:tgtEl>
-                  </p:cond>
-                </p:stCondLst>
-                <p:endSync evt="end" delay="0">
-                  <p:rtn val="all"/>
-                </p:endSync>
-                <p:childTnLst>
-                  <p:par>
-                    <p:cTn id="3" fill="hold">
-                      <p:stCondLst>
-                        <p:cond delay="0"/>
-                      </p:stCondLst>
-                      <p:childTnLst>
-                        <p:par>
-                          <p:cTn id="4" fill="hold">
-                            <p:stCondLst>
-                              <p:cond delay="0"/>
-                            </p:stCondLst>
-                            <p:childTnLst>
-                              <p:par>
-                                <p:cTn id="5" presetID="2" presetClass="mediacall" presetSubtype="0" fill="hold" nodeType="clickEffect">
-                                  <p:stCondLst>
-                                    <p:cond delay="0"/>
-                                  </p:stCondLst>
-                                  <p:childTnLst>
-                                    <p:cmd type="call" cmd="togglePause">
-                                      <p:cBhvr>
-                                        <p:cTn id="6" dur="1" fill="hold"/>
-                                        <p:tgtEl>
-                                          <p:spTgt spid="5"/>
-                                        </p:tgtEl>
-                                      </p:cBhvr>
-                                    </p:cmd>
-                                  </p:childTnLst>
-                                </p:cTn>
-                              </p:par>
-                            </p:childTnLst>
-                          </p:cTn>
-                        </p:par>
-                      </p:childTnLst>
-                    </p:cTn>
-                  </p:par>
-                </p:childTnLst>
-              </p:cTn>
-              <p:nextCondLst>
-                <p:cond evt="onClick" delay="0">
-                  <p:tgtEl>
-                    <p:spTgt spid="5"/>
-                  </p:tgtEl>
-                </p:cond>
-              </p:nextCondLst>
-            </p:seq>
-            <p:video fullScrn="1">
-              <p:cMediaNode>
-                <p:cTn id="7" fill="hold" display="0">
-                  <p:stCondLst>
-                    <p:cond delay="indefinite"/>
-                  </p:stCondLst>
-                  <p:endCondLst>
-                    <p:cond evt="onNext" delay="0">
-                      <p:tgtEl>
-                        <p:sldTgt/>
-                      </p:tgtEl>
-                    </p:cond>
-                    <p:cond evt="onPrev" delay="0">
-                      <p:tgtEl>
-                        <p:sldTgt/>
-                      </p:tgtEl>
-                    </p:cond>
-                  </p:endCondLst>
-                </p:cTn>
-                <p:tgtEl>
-                  <p:spTgt spid="5"/>
-                </p:tgtEl>
-              </p:cMediaNode>
-            </p:video>
-          </p:childTnLst>
-        </p:cTn>
-      </p:par>
-    </p:tnLst>
-  </p:timing>
 </p:sld>
 </file>
 
@@ -18617,7 +18617,7 @@
           <p:cNvPr id="2" name="Titolo 1">
             <a:extLst>
               <a:ext uri="{FF2B5EF4-FFF2-40B4-BE49-F238E27FC236}">
-                <a16:creationId xmlns="" xmlns:a16="http://schemas.microsoft.com/office/drawing/2014/main" id="{75031FE9-9059-4FE8-B4AC-9771F23A1B89}"/>
+                <a16:creationId xmlns:a16="http://schemas.microsoft.com/office/drawing/2014/main" id="{75031FE9-9059-4FE8-B4AC-9771F23A1B89}"/>
               </a:ext>
             </a:extLst>
           </p:cNvPr>
@@ -18628,7 +18628,12 @@
             <p:ph type="title"/>
           </p:nvPr>
         </p:nvSpPr>
-        <p:spPr/>
+        <p:spPr>
+          <a:xfrm>
+            <a:off x="3100873" y="475124"/>
+            <a:ext cx="8610600" cy="1293028"/>
+          </a:xfrm>
+        </p:spPr>
         <p:txBody>
           <a:bodyPr rtlCol="0">
             <a:normAutofit/>
@@ -18648,7 +18653,7 @@
           <p:cNvPr id="4" name="Content Placeholder 3">
             <a:extLst>
               <a:ext uri="{FF2B5EF4-FFF2-40B4-BE49-F238E27FC236}">
-                <a16:creationId xmlns="" xmlns:a16="http://schemas.microsoft.com/office/drawing/2014/main" id="{0B9BE06A-2A10-766E-30FB-68BA1AE33F20}"/>
+                <a16:creationId xmlns:a16="http://schemas.microsoft.com/office/drawing/2014/main" id="{0B9BE06A-2A10-766E-30FB-68BA1AE33F20}"/>
               </a:ext>
             </a:extLst>
           </p:cNvPr>
@@ -18661,282 +18666,248 @@
         </p:nvSpPr>
         <p:spPr/>
         <p:txBody>
-          <a:bodyPr/>
+          <a:bodyPr>
+            <a:normAutofit/>
+          </a:bodyPr>
           <a:lstStyle/>
           <a:p>
             <a:r>
-              <a:rPr lang="en-US" dirty="0"/>
-              <a:t>La </a:t>
-            </a:r>
-            <a:r>
-              <a:rPr lang="en-US" dirty="0" err="1"/>
-              <a:t>difficoltà</a:t>
-            </a:r>
-            <a:r>
-              <a:rPr lang="en-US" dirty="0"/>
-              <a:t> </a:t>
-            </a:r>
-            <a:r>
-              <a:rPr lang="en-US" dirty="0" err="1"/>
-              <a:t>principale</a:t>
-            </a:r>
-            <a:r>
-              <a:rPr lang="en-US" dirty="0"/>
-              <a:t> è </a:t>
-            </a:r>
-            <a:r>
-              <a:rPr lang="en-US" dirty="0" err="1"/>
-              <a:t>stata</a:t>
-            </a:r>
-            <a:r>
-              <a:rPr lang="en-US" dirty="0"/>
-              <a:t> la </a:t>
-            </a:r>
-            <a:r>
-              <a:rPr lang="en-US" dirty="0" err="1"/>
+              <a:rPr lang="en-US" sz="2400" dirty="0" err="1"/>
+              <a:t>Progettazione</a:t>
+            </a:r>
+            <a:r>
+              <a:rPr lang="en-US" sz="2400" dirty="0"/>
+              <a:t> e </a:t>
+            </a:r>
+            <a:r>
+              <a:rPr lang="en-US" sz="2400" dirty="0" err="1"/>
+              <a:t>sviluppo</a:t>
+            </a:r>
+            <a:r>
+              <a:rPr lang="en-US" sz="2400" dirty="0"/>
+              <a:t>  del </a:t>
+            </a:r>
+            <a:r>
+              <a:rPr lang="en-US" sz="2400" dirty="0" err="1"/>
+              <a:t>sistema</a:t>
+            </a:r>
+            <a:r>
+              <a:rPr lang="en-US" sz="2400" dirty="0"/>
+              <a:t> a causa dell </a:t>
+            </a:r>
+            <a:r>
+              <a:rPr lang="en-US" sz="2400" dirty="0" err="1"/>
+              <a:t>mancanza</a:t>
+            </a:r>
+            <a:r>
+              <a:rPr lang="en-US" sz="2400" dirty="0"/>
+              <a:t> di </a:t>
+            </a:r>
+            <a:r>
+              <a:rPr lang="en-US" sz="2400" dirty="0" err="1"/>
+              <a:t>esperienza</a:t>
+            </a:r>
+            <a:r>
+              <a:rPr lang="en-US" sz="2400" dirty="0"/>
+              <a:t> </a:t>
+            </a:r>
+            <a:r>
+              <a:rPr lang="en-US" sz="2400" dirty="0" err="1"/>
+              <a:t>precedente</a:t>
+            </a:r>
+            <a:r>
+              <a:rPr lang="en-US" sz="2400" dirty="0"/>
+              <a:t> </a:t>
+            </a:r>
+            <a:r>
+              <a:rPr lang="en-US" sz="2400" dirty="0" err="1"/>
+              <a:t>nella</a:t>
+            </a:r>
+            <a:r>
+              <a:rPr lang="en-US" sz="2400" dirty="0"/>
+              <a:t> </a:t>
+            </a:r>
+            <a:r>
+              <a:rPr lang="en-US" sz="2400" dirty="0" err="1"/>
+              <a:t>realizzazione</a:t>
+            </a:r>
+            <a:r>
+              <a:rPr lang="en-US" sz="2400" dirty="0"/>
+              <a:t> di software di tale </a:t>
+            </a:r>
+            <a:r>
+              <a:rPr lang="en-US" sz="2400" dirty="0" err="1"/>
+              <a:t>complessità</a:t>
+            </a:r>
+            <a:r>
+              <a:rPr lang="en-US" sz="2400" dirty="0"/>
+              <a:t>. </a:t>
+            </a:r>
+          </a:p>
+          <a:p>
+            <a:r>
+              <a:rPr lang="en-US" sz="2400" dirty="0" err="1"/>
+              <a:t>Numerosi</a:t>
+            </a:r>
+            <a:r>
+              <a:rPr lang="en-US" sz="2400" dirty="0"/>
+              <a:t> </a:t>
+            </a:r>
+            <a:r>
+              <a:rPr lang="en-US" sz="2400" dirty="0" err="1"/>
+              <a:t>problematiche</a:t>
+            </a:r>
+            <a:r>
+              <a:rPr lang="en-US" sz="2400" dirty="0"/>
+              <a:t> e </a:t>
+            </a:r>
+            <a:r>
+              <a:rPr lang="en-US" sz="2400" dirty="0" err="1"/>
+              <a:t>questioni</a:t>
+            </a:r>
+            <a:r>
+              <a:rPr lang="en-US" sz="2400" dirty="0"/>
+              <a:t> </a:t>
+            </a:r>
+            <a:r>
+              <a:rPr lang="en-US" sz="2400" dirty="0" err="1"/>
+              <a:t>matematiche</a:t>
+            </a:r>
+            <a:r>
+              <a:rPr lang="en-US" sz="2400" dirty="0"/>
+              <a:t> da </a:t>
+            </a:r>
+            <a:r>
+              <a:rPr lang="en-US" sz="2400" dirty="0" err="1"/>
+              <a:t>affrontare</a:t>
+            </a:r>
+            <a:r>
+              <a:rPr lang="en-US" sz="2400" dirty="0"/>
+              <a:t> </a:t>
+            </a:r>
+            <a:r>
+              <a:rPr lang="en-US" sz="2400" dirty="0" err="1"/>
+              <a:t>nella</a:t>
+            </a:r>
+            <a:r>
+              <a:rPr lang="en-US" sz="2400" dirty="0"/>
+              <a:t> </a:t>
+            </a:r>
+            <a:r>
+              <a:rPr lang="en-US" sz="2400" dirty="0" err="1"/>
               <a:t>progettazione</a:t>
             </a:r>
             <a:r>
-              <a:rPr lang="en-US" dirty="0"/>
-              <a:t> e lo </a:t>
-            </a:r>
-            <a:r>
-              <a:rPr lang="en-US" dirty="0" err="1"/>
-              <a:t>sviluppo</a:t>
-            </a:r>
-            <a:r>
-              <a:rPr lang="en-US" dirty="0"/>
-              <a:t>  del </a:t>
-            </a:r>
-            <a:r>
-              <a:rPr lang="en-US" dirty="0" err="1"/>
-              <a:t>sistema</a:t>
-            </a:r>
-            <a:r>
-              <a:rPr lang="en-US" dirty="0"/>
-              <a:t> a causa dell </a:t>
-            </a:r>
-            <a:r>
-              <a:rPr lang="en-US" dirty="0" err="1"/>
-              <a:t>mancanza</a:t>
-            </a:r>
-            <a:r>
-              <a:rPr lang="en-US" dirty="0"/>
+              <a:rPr lang="en-US" sz="2400" dirty="0"/>
+              <a:t>.</a:t>
+            </a:r>
+          </a:p>
+          <a:p>
+            <a:r>
+              <a:rPr lang="en-US" sz="2400" dirty="0" err="1"/>
+              <a:t>Ricerca</a:t>
+            </a:r>
+            <a:r>
+              <a:rPr lang="en-US" sz="2400" dirty="0"/>
+              <a:t> </a:t>
+            </a:r>
+            <a:r>
+              <a:rPr lang="en-US" sz="2400" dirty="0" err="1"/>
+              <a:t>dei</a:t>
+            </a:r>
+            <a:r>
+              <a:rPr lang="en-US" sz="2400" dirty="0"/>
+              <a:t> </a:t>
+            </a:r>
+            <a:r>
+              <a:rPr lang="en-US" sz="2400" dirty="0" err="1"/>
+              <a:t>componenti</a:t>
+            </a:r>
+            <a:r>
+              <a:rPr lang="en-US" sz="2400" dirty="0"/>
+              <a:t> da </a:t>
+            </a:r>
+            <a:r>
+              <a:rPr lang="en-US" sz="2400" dirty="0" err="1"/>
+              <a:t>librerie</a:t>
+            </a:r>
+            <a:r>
+              <a:rPr lang="en-US" sz="2400" dirty="0"/>
+              <a:t> </a:t>
+            </a:r>
+            <a:r>
+              <a:rPr lang="en-US" sz="2400" dirty="0" err="1"/>
+              <a:t>adeguati</a:t>
+            </a:r>
+            <a:r>
+              <a:rPr lang="en-US" sz="2400" dirty="0"/>
+              <a:t> al </a:t>
+            </a:r>
+            <a:r>
+              <a:rPr lang="en-US" sz="2400" dirty="0" err="1"/>
+              <a:t>contesto</a:t>
+            </a:r>
+            <a:r>
+              <a:rPr lang="en-US" sz="2400" dirty="0"/>
+              <a:t>.</a:t>
+            </a:r>
+          </a:p>
+          <a:p>
+            <a:r>
+              <a:rPr lang="en-US" sz="2400" dirty="0" err="1"/>
+              <a:t>Utilizzo</a:t>
+            </a:r>
+            <a:r>
+              <a:rPr lang="en-US" sz="2400" dirty="0"/>
               <a:t> di </a:t>
             </a:r>
             <a:r>
-              <a:rPr lang="en-US" dirty="0" err="1"/>
-              <a:t>esperienza</a:t>
-            </a:r>
-            <a:r>
-              <a:rPr lang="en-US" dirty="0"/>
-              <a:t> </a:t>
-            </a:r>
-            <a:r>
-              <a:rPr lang="en-US" dirty="0" err="1"/>
-              <a:t>precedente</a:t>
-            </a:r>
-            <a:r>
-              <a:rPr lang="en-US" dirty="0"/>
-              <a:t> </a:t>
-            </a:r>
-            <a:r>
-              <a:rPr lang="en-US" dirty="0" err="1"/>
-              <a:t>nella</a:t>
-            </a:r>
-            <a:r>
-              <a:rPr lang="en-US" dirty="0"/>
-              <a:t> </a:t>
-            </a:r>
-            <a:r>
-              <a:rPr lang="en-US" dirty="0" err="1"/>
-              <a:t>realizzazione</a:t>
-            </a:r>
-            <a:r>
-              <a:rPr lang="en-US" dirty="0"/>
-              <a:t> di software di tale </a:t>
-            </a:r>
-            <a:r>
-              <a:rPr lang="en-US" dirty="0" err="1"/>
-              <a:t>complessità</a:t>
-            </a:r>
-            <a:r>
-              <a:rPr lang="en-US" dirty="0"/>
-              <a:t>. </a:t>
-            </a:r>
-          </a:p>
-          <a:p>
-            <a:r>
-              <a:rPr lang="en-US" dirty="0" err="1"/>
-              <a:t>Numerosi</a:t>
-            </a:r>
-            <a:r>
-              <a:rPr lang="en-US" dirty="0"/>
-              <a:t> </a:t>
-            </a:r>
-            <a:r>
-              <a:rPr lang="en-US" dirty="0" err="1"/>
-              <a:t>problematiche</a:t>
-            </a:r>
-            <a:r>
-              <a:rPr lang="en-US" dirty="0"/>
-              <a:t> e </a:t>
-            </a:r>
-            <a:r>
-              <a:rPr lang="en-US" dirty="0" err="1"/>
-              <a:t>questioni</a:t>
-            </a:r>
-            <a:r>
-              <a:rPr lang="en-US" dirty="0"/>
-              <a:t> </a:t>
-            </a:r>
-            <a:r>
-              <a:rPr lang="en-US" dirty="0" err="1"/>
-              <a:t>matematiche</a:t>
-            </a:r>
-            <a:r>
-              <a:rPr lang="en-US" dirty="0"/>
-              <a:t> da </a:t>
-            </a:r>
-            <a:r>
-              <a:rPr lang="en-US" dirty="0" err="1"/>
-              <a:t>affrontare</a:t>
-            </a:r>
-            <a:r>
-              <a:rPr lang="en-US" dirty="0"/>
-              <a:t> </a:t>
-            </a:r>
-            <a:r>
-              <a:rPr lang="en-US" dirty="0" err="1"/>
-              <a:t>nella</a:t>
-            </a:r>
-            <a:r>
-              <a:rPr lang="en-US" dirty="0"/>
-              <a:t> </a:t>
-            </a:r>
-            <a:r>
-              <a:rPr lang="en-US" dirty="0" err="1"/>
-              <a:t>progettazione</a:t>
-            </a:r>
-            <a:r>
-              <a:rPr lang="en-US" dirty="0"/>
+              <a:rPr lang="en-US" sz="2400" dirty="0" err="1"/>
+              <a:t>numerosi</a:t>
+            </a:r>
+            <a:r>
+              <a:rPr lang="en-US" sz="2400" dirty="0"/>
+              <a:t> tool </a:t>
+            </a:r>
+            <a:r>
+              <a:rPr lang="en-US" sz="2400" dirty="0" err="1"/>
+              <a:t>diversi</a:t>
+            </a:r>
+            <a:r>
+              <a:rPr lang="en-US" sz="2400" dirty="0"/>
               <a:t>.</a:t>
             </a:r>
           </a:p>
           <a:p>
             <a:r>
-              <a:rPr lang="en-US" dirty="0" err="1"/>
-              <a:t>Ricerca</a:t>
-            </a:r>
-            <a:r>
-              <a:rPr lang="en-US" dirty="0"/>
-              <a:t> </a:t>
-            </a:r>
-            <a:r>
-              <a:rPr lang="en-US" dirty="0" err="1"/>
-              <a:t>dei</a:t>
-            </a:r>
-            <a:r>
-              <a:rPr lang="en-US" dirty="0"/>
-              <a:t> </a:t>
-            </a:r>
-            <a:r>
-              <a:rPr lang="en-US" dirty="0" err="1"/>
-              <a:t>componenti</a:t>
-            </a:r>
-            <a:r>
-              <a:rPr lang="en-US" dirty="0"/>
-              <a:t> da </a:t>
-            </a:r>
-            <a:r>
-              <a:rPr lang="en-US" dirty="0" err="1"/>
-              <a:t>librerie</a:t>
-            </a:r>
-            <a:r>
-              <a:rPr lang="en-US" dirty="0"/>
-              <a:t> </a:t>
-            </a:r>
-            <a:r>
-              <a:rPr lang="en-US" dirty="0" err="1"/>
-              <a:t>adeguati</a:t>
-            </a:r>
-            <a:r>
-              <a:rPr lang="en-US" dirty="0"/>
-              <a:t> al </a:t>
-            </a:r>
-            <a:r>
-              <a:rPr lang="en-US" dirty="0" err="1"/>
-              <a:t>contesto</a:t>
-            </a:r>
-            <a:r>
-              <a:rPr lang="en-US" dirty="0"/>
+              <a:rPr lang="en-US" sz="2400" dirty="0" err="1"/>
+              <a:t>Realizzazione</a:t>
+            </a:r>
+            <a:r>
+              <a:rPr lang="en-US" sz="2400" dirty="0"/>
+              <a:t> </a:t>
+            </a:r>
+            <a:r>
+              <a:rPr lang="en-US" sz="2400" dirty="0" err="1"/>
+              <a:t>dell’animazione</a:t>
+            </a:r>
+            <a:r>
+              <a:rPr lang="en-US" sz="2400" dirty="0"/>
               <a:t>.</a:t>
             </a:r>
-          </a:p>
-          <a:p>
-            <a:r>
-              <a:rPr lang="en-US" dirty="0"/>
-              <a:t> </a:t>
-            </a:r>
-            <a:r>
-              <a:rPr lang="en-US" dirty="0" err="1"/>
-              <a:t>Utilizzo</a:t>
-            </a:r>
-            <a:r>
-              <a:rPr lang="en-US" dirty="0"/>
-              <a:t> di </a:t>
-            </a:r>
-            <a:r>
-              <a:rPr lang="en-US" dirty="0" err="1"/>
-              <a:t>numerosi</a:t>
-            </a:r>
-            <a:r>
-              <a:rPr lang="en-US" dirty="0"/>
-              <a:t> tool </a:t>
-            </a:r>
-            <a:r>
-              <a:rPr lang="en-US" dirty="0" err="1"/>
-              <a:t>diversi</a:t>
-            </a:r>
-            <a:r>
-              <a:rPr lang="en-US" dirty="0"/>
-              <a:t> </a:t>
-            </a:r>
-          </a:p>
-          <a:p>
-            <a:r>
-              <a:rPr lang="en-US" dirty="0" err="1"/>
-              <a:t>Realizzazione</a:t>
-            </a:r>
-            <a:r>
-              <a:rPr lang="en-US" dirty="0"/>
-              <a:t> </a:t>
-            </a:r>
-            <a:r>
-              <a:rPr lang="en-US" dirty="0" err="1"/>
-              <a:t>dell’animazione</a:t>
-            </a:r>
-            <a:endParaRPr lang="en-US" dirty="0"/>
           </a:p>
         </p:txBody>
       </p:sp>
     </p:spTree>
     <p:extLst>
       <p:ext uri="{BB962C8B-B14F-4D97-AF65-F5344CB8AC3E}">
-        <p14:creationId xmlns="" xmlns:p14="http://schemas.microsoft.com/office/powerpoint/2010/main" val="1249612630"/>
+        <p14:creationId xmlns:p14="http://schemas.microsoft.com/office/powerpoint/2010/main" val="1249612630"/>
       </p:ext>
     </p:extLst>
   </p:cSld>
   <p:clrMapOvr>
     <a:masterClrMapping/>
   </p:clrMapOvr>
-  <p:timing>
-    <p:tnLst>
-      <p:par>
-        <p:cTn id="1" dur="indefinite" restart="never" nodeType="tmRoot"/>
-      </p:par>
-    </p:tnLst>
-  </p:timing>
 </p:sld>
 </file>
 
@@ -18962,7 +18933,7 @@
           <p:cNvPr id="2" name="Titolo 1">
             <a:extLst>
               <a:ext uri="{FF2B5EF4-FFF2-40B4-BE49-F238E27FC236}">
-                <a16:creationId xmlns="" xmlns:a16="http://schemas.microsoft.com/office/drawing/2014/main" id="{75031FE9-9059-4FE8-B4AC-9771F23A1B89}"/>
+                <a16:creationId xmlns:a16="http://schemas.microsoft.com/office/drawing/2014/main" id="{75031FE9-9059-4FE8-B4AC-9771F23A1B89}"/>
               </a:ext>
             </a:extLst>
           </p:cNvPr>
@@ -18975,7 +18946,7 @@
         </p:nvSpPr>
         <p:spPr>
           <a:xfrm>
-            <a:off x="1959429" y="764373"/>
+            <a:off x="1959429" y="517061"/>
             <a:ext cx="9546771" cy="1293028"/>
           </a:xfrm>
         </p:spPr>
@@ -18998,7 +18969,7 @@
           <p:cNvPr id="6" name="Content Placeholder 5">
             <a:extLst>
               <a:ext uri="{FF2B5EF4-FFF2-40B4-BE49-F238E27FC236}">
-                <a16:creationId xmlns="" xmlns:a16="http://schemas.microsoft.com/office/drawing/2014/main" id="{C7EED8C2-BF86-0679-9809-36A68E5A29A3}"/>
+                <a16:creationId xmlns:a16="http://schemas.microsoft.com/office/drawing/2014/main" id="{C7EED8C2-BF86-0679-9809-36A68E5A29A3}"/>
               </a:ext>
             </a:extLst>
           </p:cNvPr>
@@ -19009,367 +18980,551 @@
             <p:ph idx="1"/>
           </p:nvPr>
         </p:nvSpPr>
-        <p:spPr/>
-        <p:txBody>
-          <a:bodyPr/>
+        <p:spPr>
+          <a:xfrm>
+            <a:off x="685800" y="1951964"/>
+            <a:ext cx="10820400" cy="4635459"/>
+          </a:xfrm>
+        </p:spPr>
+        <p:txBody>
+          <a:bodyPr>
+            <a:normAutofit/>
+          </a:bodyPr>
           <a:lstStyle/>
           <a:p>
             <a:pPr marL="0" indent="0">
               <a:buNone/>
             </a:pPr>
-            <a:endParaRPr lang="en-US" dirty="0"/>
+            <a:r>
+              <a:rPr lang="en-US" sz="2400" dirty="0"/>
+              <a:t>Il </a:t>
+            </a:r>
+            <a:r>
+              <a:rPr lang="en-US" sz="2400" dirty="0" err="1"/>
+              <a:t>progetto</a:t>
+            </a:r>
+            <a:r>
+              <a:rPr lang="en-US" sz="2400" dirty="0"/>
+              <a:t> </a:t>
+            </a:r>
+            <a:r>
+              <a:rPr lang="en-US" sz="2400" dirty="0" err="1"/>
+              <a:t>si</a:t>
+            </a:r>
+            <a:r>
+              <a:rPr lang="en-US" sz="2400" dirty="0"/>
+              <a:t> </a:t>
+            </a:r>
+            <a:r>
+              <a:rPr lang="en-US" sz="2400" dirty="0" err="1"/>
+              <a:t>basa</a:t>
+            </a:r>
+            <a:r>
+              <a:rPr lang="en-US" sz="2400" dirty="0"/>
+              <a:t> </a:t>
+            </a:r>
+            <a:r>
+              <a:rPr lang="en-US" sz="2400" dirty="0" err="1"/>
+              <a:t>sul</a:t>
+            </a:r>
+            <a:r>
+              <a:rPr lang="en-US" sz="2400" dirty="0"/>
+              <a:t> </a:t>
+            </a:r>
+            <a:r>
+              <a:rPr lang="en-US" sz="2400" dirty="0" err="1"/>
+              <a:t>paradigma</a:t>
+            </a:r>
+            <a:r>
+              <a:rPr lang="en-US" sz="2400" dirty="0"/>
+              <a:t> </a:t>
+            </a:r>
+            <a:r>
+              <a:rPr lang="en-US" sz="2400" dirty="0" err="1"/>
+              <a:t>della</a:t>
+            </a:r>
+            <a:r>
+              <a:rPr lang="en-US" sz="2400" dirty="0"/>
+              <a:t> </a:t>
+            </a:r>
+            <a:r>
+              <a:rPr lang="en-US" sz="2400" dirty="0" err="1"/>
+              <a:t>programmazione</a:t>
+            </a:r>
+            <a:r>
+              <a:rPr lang="en-US" sz="2400" dirty="0"/>
+              <a:t> </a:t>
+            </a:r>
+            <a:r>
+              <a:rPr lang="en-US" sz="2400" dirty="0" err="1"/>
+              <a:t>orientata</a:t>
+            </a:r>
+            <a:r>
+              <a:rPr lang="en-US" sz="2400" dirty="0"/>
+              <a:t> </a:t>
+            </a:r>
+            <a:r>
+              <a:rPr lang="en-US" sz="2400" dirty="0" err="1"/>
+              <a:t>agli</a:t>
+            </a:r>
+            <a:r>
+              <a:rPr lang="en-US" sz="2400" dirty="0"/>
+              <a:t> </a:t>
+            </a:r>
+            <a:r>
+              <a:rPr lang="en-US" sz="2400" dirty="0" err="1"/>
+              <a:t>oggetti</a:t>
+            </a:r>
+            <a:r>
+              <a:rPr lang="en-US" sz="2400" dirty="0"/>
+              <a:t>, ed </a:t>
+            </a:r>
+            <a:r>
+              <a:rPr lang="en-US" sz="2400" dirty="0" err="1"/>
+              <a:t>infatti</a:t>
+            </a:r>
+            <a:r>
+              <a:rPr lang="en-US" sz="2400" dirty="0"/>
+              <a:t> è </a:t>
+            </a:r>
+            <a:r>
+              <a:rPr lang="en-US" sz="2400" dirty="0" err="1"/>
+              <a:t>stato</a:t>
+            </a:r>
+            <a:r>
+              <a:rPr lang="en-US" sz="2400" dirty="0"/>
+              <a:t> </a:t>
+            </a:r>
+            <a:r>
+              <a:rPr lang="en-US" sz="2400" dirty="0" err="1"/>
+              <a:t>scritto</a:t>
+            </a:r>
+            <a:r>
+              <a:rPr lang="en-US" sz="2400" dirty="0"/>
+              <a:t> con Java. </a:t>
+            </a:r>
           </a:p>
           <a:p>
             <a:pPr marL="0" indent="0">
               <a:buNone/>
             </a:pPr>
             <a:r>
+              <a:rPr lang="en-US" sz="2400" dirty="0" err="1"/>
+              <a:t>L’interfaccia</a:t>
+            </a:r>
+            <a:r>
+              <a:rPr lang="en-US" sz="2400" dirty="0"/>
+              <a:t> </a:t>
+            </a:r>
+            <a:r>
+              <a:rPr lang="en-US" sz="2400" dirty="0" err="1"/>
+              <a:t>grafica</a:t>
+            </a:r>
+            <a:r>
+              <a:rPr lang="en-US" sz="2400" dirty="0"/>
+              <a:t> è </a:t>
+            </a:r>
+            <a:r>
+              <a:rPr lang="en-US" sz="2400" dirty="0" err="1"/>
+              <a:t>stata</a:t>
+            </a:r>
+            <a:r>
+              <a:rPr lang="en-US" sz="2400" dirty="0"/>
+              <a:t> </a:t>
+            </a:r>
+            <a:r>
+              <a:rPr lang="en-US" sz="2400" dirty="0" err="1"/>
+              <a:t>realizzata</a:t>
+            </a:r>
+            <a:r>
+              <a:rPr lang="en-US" sz="2400" dirty="0"/>
+              <a:t> con il framework JavaFX per </a:t>
+            </a:r>
+            <a:r>
+              <a:rPr lang="en-US" sz="2400" dirty="0" err="1"/>
+              <a:t>assicurare</a:t>
+            </a:r>
+            <a:r>
+              <a:rPr lang="en-US" sz="2400" dirty="0"/>
+              <a:t> </a:t>
+            </a:r>
+            <a:r>
+              <a:rPr lang="en-US" sz="2400" dirty="0" err="1"/>
+              <a:t>una</a:t>
+            </a:r>
+            <a:r>
+              <a:rPr lang="en-US" sz="2400" dirty="0"/>
+              <a:t> </a:t>
+            </a:r>
+            <a:r>
+              <a:rPr lang="en-US" sz="2400" dirty="0" err="1"/>
+              <a:t>interfaccia</a:t>
+            </a:r>
+            <a:r>
+              <a:rPr lang="en-US" sz="2400" dirty="0"/>
+              <a:t> moderna e </a:t>
+            </a:r>
+            <a:r>
+              <a:rPr lang="en-US" sz="2400" dirty="0" err="1"/>
+              <a:t>prestante</a:t>
+            </a:r>
+            <a:r>
+              <a:rPr lang="en-US" sz="2400" dirty="0"/>
+              <a:t>, </a:t>
+            </a:r>
+            <a:r>
+              <a:rPr lang="en-US" sz="2400" dirty="0" err="1"/>
+              <a:t>soprattutto</a:t>
+            </a:r>
+            <a:r>
+              <a:rPr lang="en-US" sz="2400" dirty="0"/>
+              <a:t> per </a:t>
+            </a:r>
+            <a:r>
+              <a:rPr lang="en-US" sz="2400" dirty="0" err="1"/>
+              <a:t>l’animazione</a:t>
+            </a:r>
+            <a:r>
+              <a:rPr lang="en-US" sz="2400" dirty="0"/>
+              <a:t> </a:t>
+            </a:r>
+            <a:r>
+              <a:rPr lang="en-US" sz="2400" dirty="0" err="1"/>
+              <a:t>della</a:t>
+            </a:r>
+            <a:r>
+              <a:rPr lang="en-US" sz="2400" dirty="0"/>
+              <a:t> </a:t>
+            </a:r>
+            <a:r>
+              <a:rPr lang="en-US" sz="2400" dirty="0" err="1"/>
+              <a:t>caduta</a:t>
+            </a:r>
+            <a:r>
+              <a:rPr lang="en-US" sz="2400" dirty="0"/>
+              <a:t>.</a:t>
+            </a:r>
+          </a:p>
+          <a:p>
+            <a:pPr marL="0" indent="0">
+              <a:buNone/>
+            </a:pPr>
+            <a:r>
+              <a:rPr lang="en-US" sz="2400" dirty="0"/>
+              <a:t>Per la </a:t>
+            </a:r>
+            <a:r>
+              <a:rPr lang="en-US" sz="2400" dirty="0" err="1"/>
+              <a:t>progettazione</a:t>
+            </a:r>
+            <a:r>
+              <a:rPr lang="en-US" sz="2400" dirty="0"/>
+              <a:t> è </a:t>
+            </a:r>
+            <a:r>
+              <a:rPr lang="en-US" sz="2400" dirty="0" err="1"/>
+              <a:t>stata</a:t>
+            </a:r>
+            <a:r>
+              <a:rPr lang="en-US" sz="2400" dirty="0"/>
+              <a:t> </a:t>
+            </a:r>
+            <a:r>
+              <a:rPr lang="en-US" sz="2400" dirty="0" err="1"/>
+              <a:t>usata</a:t>
+            </a:r>
+            <a:r>
+              <a:rPr lang="en-US" sz="2400" dirty="0"/>
+              <a:t> </a:t>
+            </a:r>
+            <a:r>
+              <a:rPr lang="en-US" sz="2400" dirty="0" err="1"/>
+              <a:t>principalmente</a:t>
+            </a:r>
+            <a:r>
+              <a:rPr lang="en-US" sz="2400" dirty="0"/>
+              <a:t> la </a:t>
+            </a:r>
+            <a:r>
+              <a:rPr lang="en-US" sz="2400" dirty="0" err="1"/>
+              <a:t>modellazione</a:t>
+            </a:r>
+            <a:r>
+              <a:rPr lang="en-US" sz="2400" dirty="0"/>
+              <a:t> UML, </a:t>
+            </a:r>
+            <a:r>
+              <a:rPr lang="en-US" sz="2400" dirty="0" err="1"/>
+              <a:t>tramite</a:t>
+            </a:r>
+            <a:r>
+              <a:rPr lang="en-US" sz="2400" dirty="0"/>
+              <a:t> Papyrus.</a:t>
+            </a:r>
+          </a:p>
+          <a:p>
+            <a:pPr marL="0" indent="0">
+              <a:buNone/>
+            </a:pPr>
+            <a:r>
+              <a:rPr lang="en-US" sz="2400" dirty="0"/>
+              <a:t>I tool </a:t>
+            </a:r>
+            <a:r>
+              <a:rPr lang="en-US" sz="2400" dirty="0" err="1"/>
+              <a:t>utilizzati</a:t>
+            </a:r>
+            <a:r>
+              <a:rPr lang="en-US" sz="2400" dirty="0"/>
+              <a:t> </a:t>
+            </a:r>
+            <a:r>
+              <a:rPr lang="en-US" sz="2400" dirty="0" err="1"/>
+              <a:t>comprendono</a:t>
+            </a:r>
+            <a:r>
+              <a:rPr lang="en-US" sz="2400" dirty="0"/>
+              <a:t> </a:t>
+            </a:r>
+            <a:r>
+              <a:rPr lang="en-US" sz="2400" dirty="0" err="1"/>
+              <a:t>Github</a:t>
+            </a:r>
+            <a:r>
+              <a:rPr lang="en-US" sz="2400" dirty="0"/>
+              <a:t>             Eclipse              Papyrus     </a:t>
+            </a:r>
+          </a:p>
+          <a:p>
+            <a:pPr marL="0" indent="0">
+              <a:buNone/>
+            </a:pPr>
+            <a:endParaRPr lang="en-US" sz="2400" dirty="0"/>
+          </a:p>
+          <a:p>
+            <a:pPr marL="0" indent="0">
+              <a:buNone/>
+            </a:pPr>
+            <a:r>
+              <a:rPr lang="en-US" sz="2400" dirty="0" err="1"/>
+              <a:t>StanIDE</a:t>
+            </a:r>
+            <a:r>
+              <a:rPr lang="en-US" sz="2400" dirty="0"/>
+              <a:t>             </a:t>
+            </a:r>
+            <a:r>
+              <a:rPr lang="en-US" sz="2400" dirty="0" err="1"/>
+              <a:t>SonarLint</a:t>
+            </a:r>
+            <a:r>
+              <a:rPr lang="en-US" sz="2400" dirty="0"/>
+              <a:t>                        </a:t>
+            </a:r>
+            <a:r>
+              <a:rPr lang="en-US" sz="2400" dirty="0" err="1"/>
+              <a:t>Geogebra</a:t>
+            </a:r>
+            <a:endParaRPr lang="en-US" sz="2400" dirty="0"/>
+          </a:p>
+          <a:p>
+            <a:pPr marL="0" indent="0">
+              <a:buNone/>
+            </a:pPr>
+            <a:r>
               <a:rPr lang="en-US" dirty="0"/>
-              <a:t>Il </a:t>
-            </a:r>
-            <a:r>
-              <a:rPr lang="en-US" dirty="0" err="1"/>
-              <a:t>progetto</a:t>
-            </a:r>
-            <a:r>
-              <a:rPr lang="en-US" dirty="0"/>
-              <a:t> </a:t>
-            </a:r>
-            <a:r>
-              <a:rPr lang="en-US" dirty="0" err="1"/>
-              <a:t>si</a:t>
-            </a:r>
-            <a:r>
-              <a:rPr lang="en-US" dirty="0"/>
-              <a:t> </a:t>
-            </a:r>
-            <a:r>
-              <a:rPr lang="en-US" dirty="0" err="1"/>
-              <a:t>basa</a:t>
-            </a:r>
-            <a:r>
-              <a:rPr lang="en-US" dirty="0"/>
-              <a:t> </a:t>
-            </a:r>
-            <a:r>
-              <a:rPr lang="en-US" dirty="0" err="1"/>
-              <a:t>sul</a:t>
-            </a:r>
-            <a:r>
-              <a:rPr lang="en-US" dirty="0"/>
-              <a:t> </a:t>
-            </a:r>
-            <a:r>
-              <a:rPr lang="en-US" dirty="0" err="1"/>
-              <a:t>paradigma</a:t>
-            </a:r>
-            <a:r>
-              <a:rPr lang="en-US" dirty="0"/>
-              <a:t> </a:t>
-            </a:r>
-            <a:r>
-              <a:rPr lang="en-US" dirty="0" err="1"/>
-              <a:t>della</a:t>
-            </a:r>
-            <a:r>
-              <a:rPr lang="en-US" dirty="0"/>
-              <a:t> </a:t>
-            </a:r>
-            <a:r>
-              <a:rPr lang="en-US" dirty="0" err="1"/>
-              <a:t>programmazione</a:t>
-            </a:r>
-            <a:r>
-              <a:rPr lang="en-US" dirty="0"/>
-              <a:t> </a:t>
-            </a:r>
-            <a:r>
-              <a:rPr lang="en-US" dirty="0" err="1"/>
-              <a:t>orientata</a:t>
-            </a:r>
-            <a:r>
-              <a:rPr lang="en-US" dirty="0"/>
-              <a:t> </a:t>
-            </a:r>
-            <a:r>
-              <a:rPr lang="en-US" dirty="0" err="1"/>
-              <a:t>agli</a:t>
-            </a:r>
-            <a:r>
-              <a:rPr lang="en-US" dirty="0"/>
-              <a:t> </a:t>
-            </a:r>
-            <a:r>
-              <a:rPr lang="en-US" dirty="0" err="1"/>
-              <a:t>oggetti</a:t>
-            </a:r>
-            <a:r>
-              <a:rPr lang="en-US" dirty="0"/>
-              <a:t>, ed </a:t>
-            </a:r>
-            <a:r>
-              <a:rPr lang="en-US" dirty="0" err="1"/>
-              <a:t>infatti</a:t>
-            </a:r>
-            <a:r>
-              <a:rPr lang="en-US" dirty="0"/>
-              <a:t> è </a:t>
-            </a:r>
-            <a:r>
-              <a:rPr lang="en-US" dirty="0" err="1"/>
-              <a:t>stato</a:t>
-            </a:r>
-            <a:r>
-              <a:rPr lang="en-US" dirty="0"/>
-              <a:t> </a:t>
-            </a:r>
-            <a:r>
-              <a:rPr lang="en-US" dirty="0" err="1"/>
-              <a:t>scritto</a:t>
-            </a:r>
-            <a:r>
-              <a:rPr lang="en-US" dirty="0"/>
-              <a:t> con Java. </a:t>
-            </a:r>
-            <a:r>
-              <a:rPr lang="en-US" dirty="0" err="1"/>
-              <a:t>L’interfaccia</a:t>
-            </a:r>
-            <a:r>
-              <a:rPr lang="en-US" dirty="0"/>
-              <a:t> </a:t>
-            </a:r>
-            <a:r>
-              <a:rPr lang="en-US" dirty="0" err="1"/>
-              <a:t>grafica</a:t>
-            </a:r>
-            <a:r>
-              <a:rPr lang="en-US" dirty="0"/>
-              <a:t> è </a:t>
-            </a:r>
-            <a:r>
-              <a:rPr lang="en-US" dirty="0" err="1"/>
-              <a:t>stata</a:t>
-            </a:r>
-            <a:r>
-              <a:rPr lang="en-US" dirty="0"/>
-              <a:t> </a:t>
-            </a:r>
-            <a:r>
-              <a:rPr lang="en-US" dirty="0" err="1"/>
-              <a:t>realizzata</a:t>
-            </a:r>
-            <a:r>
-              <a:rPr lang="en-US" dirty="0"/>
-              <a:t> con il framework JavaFX per </a:t>
-            </a:r>
-            <a:r>
-              <a:rPr lang="en-US" dirty="0" err="1"/>
-              <a:t>assicurare</a:t>
-            </a:r>
-            <a:r>
-              <a:rPr lang="en-US" dirty="0"/>
-              <a:t> </a:t>
-            </a:r>
-            <a:r>
-              <a:rPr lang="en-US" dirty="0" err="1"/>
-              <a:t>una</a:t>
-            </a:r>
-            <a:r>
-              <a:rPr lang="en-US" dirty="0"/>
-              <a:t> </a:t>
-            </a:r>
-            <a:r>
-              <a:rPr lang="en-US" dirty="0" err="1"/>
-              <a:t>interfaccia</a:t>
-            </a:r>
-            <a:r>
-              <a:rPr lang="en-US" dirty="0"/>
-              <a:t> moderna e </a:t>
-            </a:r>
-            <a:r>
-              <a:rPr lang="en-US" dirty="0" err="1"/>
-              <a:t>prestante</a:t>
-            </a:r>
-            <a:r>
-              <a:rPr lang="en-US" dirty="0"/>
-              <a:t>, </a:t>
-            </a:r>
-            <a:r>
-              <a:rPr lang="en-US" dirty="0" err="1"/>
-              <a:t>soprattutto</a:t>
-            </a:r>
-            <a:r>
-              <a:rPr lang="en-US" dirty="0"/>
-              <a:t> per </a:t>
-            </a:r>
-            <a:r>
-              <a:rPr lang="en-US" dirty="0" err="1"/>
-              <a:t>l’animazione</a:t>
-            </a:r>
-            <a:r>
-              <a:rPr lang="en-US" dirty="0"/>
-              <a:t> </a:t>
-            </a:r>
-            <a:r>
-              <a:rPr lang="en-US" dirty="0" err="1"/>
-              <a:t>della</a:t>
-            </a:r>
-            <a:r>
-              <a:rPr lang="en-US" dirty="0"/>
-              <a:t> </a:t>
-            </a:r>
-            <a:r>
-              <a:rPr lang="en-US" dirty="0" err="1"/>
-              <a:t>caduta</a:t>
-            </a:r>
-            <a:r>
-              <a:rPr lang="en-US" dirty="0"/>
-              <a:t>.</a:t>
-            </a:r>
-          </a:p>
-          <a:p>
-            <a:pPr marL="0" indent="0">
-              <a:buNone/>
-            </a:pPr>
-            <a:r>
-              <a:rPr lang="en-US" dirty="0"/>
-              <a:t>Per la </a:t>
-            </a:r>
-            <a:r>
-              <a:rPr lang="en-US" dirty="0" err="1"/>
-              <a:t>progettazione</a:t>
-            </a:r>
-            <a:r>
-              <a:rPr lang="en-US" dirty="0"/>
-              <a:t> è </a:t>
-            </a:r>
-            <a:r>
-              <a:rPr lang="en-US" dirty="0" err="1"/>
-              <a:t>stata</a:t>
-            </a:r>
-            <a:r>
-              <a:rPr lang="en-US" dirty="0"/>
-              <a:t> </a:t>
-            </a:r>
-            <a:r>
-              <a:rPr lang="en-US" dirty="0" err="1"/>
-              <a:t>usata</a:t>
-            </a:r>
-            <a:r>
-              <a:rPr lang="en-US" dirty="0"/>
-              <a:t> </a:t>
-            </a:r>
-            <a:r>
-              <a:rPr lang="en-US" dirty="0" err="1"/>
-              <a:t>principalmente</a:t>
-            </a:r>
-            <a:r>
-              <a:rPr lang="en-US" dirty="0"/>
-              <a:t> la </a:t>
-            </a:r>
-            <a:r>
-              <a:rPr lang="en-US" dirty="0" err="1"/>
-              <a:t>modellazione</a:t>
-            </a:r>
-            <a:r>
-              <a:rPr lang="en-US" dirty="0"/>
-              <a:t> UML, </a:t>
-            </a:r>
-            <a:r>
-              <a:rPr lang="en-US" dirty="0" err="1"/>
-              <a:t>tramite</a:t>
-            </a:r>
-            <a:r>
-              <a:rPr lang="en-US" dirty="0"/>
-              <a:t> Papyrus.</a:t>
-            </a:r>
-          </a:p>
-          <a:p>
-            <a:pPr marL="0" indent="0">
-              <a:buNone/>
-            </a:pPr>
-            <a:r>
-              <a:rPr lang="en-US" dirty="0"/>
-              <a:t>I tool </a:t>
-            </a:r>
-            <a:r>
-              <a:rPr lang="en-US" dirty="0" err="1"/>
-              <a:t>utilizzati</a:t>
-            </a:r>
-            <a:r>
-              <a:rPr lang="en-US" dirty="0"/>
-              <a:t> </a:t>
-            </a:r>
-            <a:r>
-              <a:rPr lang="en-US" dirty="0" err="1"/>
-              <a:t>comprendono</a:t>
-            </a:r>
-            <a:r>
-              <a:rPr lang="en-US" dirty="0"/>
-              <a:t> </a:t>
-            </a:r>
-            <a:r>
-              <a:rPr lang="en-US" dirty="0" err="1"/>
-              <a:t>github</a:t>
-            </a:r>
-            <a:r>
-              <a:rPr lang="en-US" dirty="0"/>
-              <a:t>, Eclipse, Papyrus, Junit, </a:t>
-            </a:r>
-            <a:r>
-              <a:rPr lang="en-US" dirty="0" err="1"/>
-              <a:t>StanID</a:t>
-            </a:r>
-            <a:r>
-              <a:rPr lang="en-US" dirty="0"/>
-              <a:t>, </a:t>
-            </a:r>
-            <a:r>
-              <a:rPr lang="en-US" dirty="0" err="1"/>
-              <a:t>SonarLint</a:t>
-            </a:r>
-            <a:r>
-              <a:rPr lang="en-US" dirty="0"/>
-              <a:t> e </a:t>
-            </a:r>
-            <a:r>
-              <a:rPr lang="en-US" dirty="0" err="1"/>
-              <a:t>Geogebra</a:t>
-            </a:r>
-            <a:r>
-              <a:rPr lang="en-US" dirty="0"/>
-              <a:t>.</a:t>
-            </a:r>
-          </a:p>
-          <a:p>
-            <a:pPr marL="0" indent="0">
-              <a:buNone/>
-            </a:pPr>
-            <a:r>
-              <a:rPr lang="en-US" dirty="0"/>
-              <a:t> </a:t>
-            </a:r>
-          </a:p>
-        </p:txBody>
-      </p:sp>
+              <a:t> </a:t>
+            </a:r>
+          </a:p>
+        </p:txBody>
+      </p:sp>
+      <p:pic>
+        <p:nvPicPr>
+          <p:cNvPr id="7" name="Immagine 6" descr="Immagine che contiene cerchio, Elementi grafici, Policromia, design&#10;&#10;Descrizione generata automaticamente">
+            <a:extLst>
+              <a:ext uri="{FF2B5EF4-FFF2-40B4-BE49-F238E27FC236}">
+                <a16:creationId xmlns:a16="http://schemas.microsoft.com/office/drawing/2014/main" id="{07C0C5E0-E287-0DEE-F468-EEC0A119D3FC}"/>
+              </a:ext>
+            </a:extLst>
+          </p:cNvPr>
+          <p:cNvPicPr>
+            <a:picLocks noChangeAspect="1"/>
+          </p:cNvPicPr>
+          <p:nvPr/>
+        </p:nvPicPr>
+        <p:blipFill>
+          <a:blip r:embed="rId3"/>
+          <a:stretch>
+            <a:fillRect/>
+          </a:stretch>
+        </p:blipFill>
+        <p:spPr>
+          <a:xfrm>
+            <a:off x="8247698" y="4283565"/>
+            <a:ext cx="904351" cy="904351"/>
+          </a:xfrm>
+          <a:prstGeom prst="rect">
+            <a:avLst/>
+          </a:prstGeom>
+        </p:spPr>
+      </p:pic>
+      <p:pic>
+        <p:nvPicPr>
+          <p:cNvPr id="9" name="Immagine 8" descr="Immagine che contiene clipart, simbolo&#10;&#10;Descrizione generata automaticamente">
+            <a:extLst>
+              <a:ext uri="{FF2B5EF4-FFF2-40B4-BE49-F238E27FC236}">
+                <a16:creationId xmlns:a16="http://schemas.microsoft.com/office/drawing/2014/main" id="{BDD252E1-06B3-EF6E-1A92-B34D064E69B7}"/>
+              </a:ext>
+            </a:extLst>
+          </p:cNvPr>
+          <p:cNvPicPr>
+            <a:picLocks noChangeAspect="1"/>
+          </p:cNvPicPr>
+          <p:nvPr/>
+        </p:nvPicPr>
+        <p:blipFill>
+          <a:blip r:embed="rId4"/>
+          <a:stretch>
+            <a:fillRect/>
+          </a:stretch>
+        </p:blipFill>
+        <p:spPr>
+          <a:xfrm>
+            <a:off x="6162150" y="4359434"/>
+            <a:ext cx="844505" cy="844505"/>
+          </a:xfrm>
+          <a:prstGeom prst="rect">
+            <a:avLst/>
+          </a:prstGeom>
+        </p:spPr>
+      </p:pic>
+      <p:pic>
+        <p:nvPicPr>
+          <p:cNvPr id="11" name="Immagine 10" descr="Immagine che contiene Rettangolo, Policromia, Elementi grafici, design&#10;&#10;Descrizione generata automaticamente">
+            <a:extLst>
+              <a:ext uri="{FF2B5EF4-FFF2-40B4-BE49-F238E27FC236}">
+                <a16:creationId xmlns:a16="http://schemas.microsoft.com/office/drawing/2014/main" id="{B8F3FB95-FC4D-4EED-3581-FB021D119E76}"/>
+              </a:ext>
+            </a:extLst>
+          </p:cNvPr>
+          <p:cNvPicPr>
+            <a:picLocks noChangeAspect="1"/>
+          </p:cNvPicPr>
+          <p:nvPr/>
+        </p:nvPicPr>
+        <p:blipFill>
+          <a:blip r:embed="rId5"/>
+          <a:srcRect l="23631" t="22425" r="24176" b="25385"/>
+          <a:stretch/>
+        </p:blipFill>
+        <p:spPr>
+          <a:xfrm>
+            <a:off x="1959429" y="5276017"/>
+            <a:ext cx="826702" cy="826702"/>
+          </a:xfrm>
+          <a:prstGeom prst="rect">
+            <a:avLst/>
+          </a:prstGeom>
+        </p:spPr>
+      </p:pic>
+      <p:pic>
+        <p:nvPicPr>
+          <p:cNvPr id="13" name="Immagine 12" descr="Immagine che contiene uccello, Elementi grafici, cartone animato&#10;&#10;Descrizione generata automaticamente">
+            <a:extLst>
+              <a:ext uri="{FF2B5EF4-FFF2-40B4-BE49-F238E27FC236}">
+                <a16:creationId xmlns:a16="http://schemas.microsoft.com/office/drawing/2014/main" id="{25335398-1C79-515D-AEED-96DFB03E8A68}"/>
+              </a:ext>
+            </a:extLst>
+          </p:cNvPr>
+          <p:cNvPicPr>
+            <a:picLocks noChangeAspect="1"/>
+          </p:cNvPicPr>
+          <p:nvPr/>
+        </p:nvPicPr>
+        <p:blipFill>
+          <a:blip r:embed="rId6"/>
+          <a:stretch>
+            <a:fillRect/>
+          </a:stretch>
+        </p:blipFill>
+        <p:spPr>
+          <a:xfrm>
+            <a:off x="10393092" y="4179187"/>
+            <a:ext cx="1113108" cy="1113108"/>
+          </a:xfrm>
+          <a:prstGeom prst="rect">
+            <a:avLst/>
+          </a:prstGeom>
+        </p:spPr>
+      </p:pic>
+      <p:pic>
+        <p:nvPicPr>
+          <p:cNvPr id="15" name="Immagine 14" descr="Immagine che contiene Carattere, logo, Elementi grafici, testo&#10;&#10;Descrizione generata automaticamente">
+            <a:extLst>
+              <a:ext uri="{FF2B5EF4-FFF2-40B4-BE49-F238E27FC236}">
+                <a16:creationId xmlns:a16="http://schemas.microsoft.com/office/drawing/2014/main" id="{CC4F7CBA-E35C-B1C9-9BE1-9EA5D03A8CB6}"/>
+              </a:ext>
+            </a:extLst>
+          </p:cNvPr>
+          <p:cNvPicPr>
+            <a:picLocks noChangeAspect="1"/>
+          </p:cNvPicPr>
+          <p:nvPr/>
+        </p:nvPicPr>
+        <p:blipFill>
+          <a:blip r:embed="rId7"/>
+          <a:srcRect l="1433" t="1363" r="4878" b="6504"/>
+          <a:stretch/>
+        </p:blipFill>
+        <p:spPr>
+          <a:xfrm>
+            <a:off x="4445314" y="5436123"/>
+            <a:ext cx="1773953" cy="562827"/>
+          </a:xfrm>
+          <a:prstGeom prst="rect">
+            <a:avLst/>
+          </a:prstGeom>
+        </p:spPr>
+      </p:pic>
+      <p:pic>
+        <p:nvPicPr>
+          <p:cNvPr id="17" name="Immagine 16" descr="Immagine che contiene cerchio, Policromia, arte&#10;&#10;Descrizione generata automaticamente">
+            <a:extLst>
+              <a:ext uri="{FF2B5EF4-FFF2-40B4-BE49-F238E27FC236}">
+                <a16:creationId xmlns:a16="http://schemas.microsoft.com/office/drawing/2014/main" id="{8FC166F8-8360-7827-AC6B-3DD6A2D1DA44}"/>
+              </a:ext>
+            </a:extLst>
+          </p:cNvPr>
+          <p:cNvPicPr>
+            <a:picLocks noChangeAspect="1"/>
+          </p:cNvPicPr>
+          <p:nvPr/>
+        </p:nvPicPr>
+        <p:blipFill>
+          <a:blip r:embed="rId8"/>
+          <a:srcRect l="9522" t="12035" r="8782" b="10118"/>
+          <a:stretch/>
+        </p:blipFill>
+        <p:spPr>
+          <a:xfrm>
+            <a:off x="8033356" y="5276017"/>
+            <a:ext cx="926717" cy="883041"/>
+          </a:xfrm>
+          <a:prstGeom prst="rect">
+            <a:avLst/>
+          </a:prstGeom>
+        </p:spPr>
+      </p:pic>
     </p:spTree>
     <p:extLst>
       <p:ext uri="{BB962C8B-B14F-4D97-AF65-F5344CB8AC3E}">
-        <p14:creationId xmlns="" xmlns:p14="http://schemas.microsoft.com/office/powerpoint/2010/main" val="1306003422"/>
+        <p14:creationId xmlns:p14="http://schemas.microsoft.com/office/powerpoint/2010/main" val="1306003422"/>
       </p:ext>
     </p:extLst>
   </p:cSld>
   <p:clrMapOvr>
     <a:masterClrMapping/>
   </p:clrMapOvr>
-  <p:timing>
-    <p:tnLst>
-      <p:par>
-        <p:cTn id="1" dur="indefinite" restart="never" nodeType="tmRoot"/>
-      </p:par>
-    </p:tnLst>
-  </p:timing>
 </p:sld>
 </file>
 
@@ -19395,7 +19550,7 @@
           <p:cNvPr id="2" name="Titolo 1">
             <a:extLst>
               <a:ext uri="{FF2B5EF4-FFF2-40B4-BE49-F238E27FC236}">
-                <a16:creationId xmlns="" xmlns:a16="http://schemas.microsoft.com/office/drawing/2014/main" id="{75031FE9-9059-4FE8-B4AC-9771F23A1B89}"/>
+                <a16:creationId xmlns:a16="http://schemas.microsoft.com/office/drawing/2014/main" id="{75031FE9-9059-4FE8-B4AC-9771F23A1B89}"/>
               </a:ext>
             </a:extLst>
           </p:cNvPr>
@@ -19426,7 +19581,7 @@
           <p:cNvPr id="4" name="Content Placeholder 3">
             <a:extLst>
               <a:ext uri="{FF2B5EF4-FFF2-40B4-BE49-F238E27FC236}">
-                <a16:creationId xmlns="" xmlns:a16="http://schemas.microsoft.com/office/drawing/2014/main" id="{747F007E-FE0A-2A87-17AB-DD88FD1E8115}"/>
+                <a16:creationId xmlns:a16="http://schemas.microsoft.com/office/drawing/2014/main" id="{747F007E-FE0A-2A87-17AB-DD88FD1E8115}"/>
               </a:ext>
             </a:extLst>
           </p:cNvPr>
@@ -19437,32 +19592,39 @@
             <p:ph idx="1"/>
           </p:nvPr>
         </p:nvSpPr>
-        <p:spPr/>
-        <p:txBody>
-          <a:bodyPr/>
+        <p:spPr>
+          <a:xfrm>
+            <a:off x="685800" y="2268416"/>
+            <a:ext cx="11090868" cy="4261767"/>
+          </a:xfrm>
+        </p:spPr>
+        <p:txBody>
+          <a:bodyPr>
+            <a:normAutofit/>
+          </a:bodyPr>
           <a:lstStyle/>
           <a:p>
             <a:pPr marL="0" indent="0">
               <a:buNone/>
             </a:pPr>
             <a:r>
-              <a:rPr lang="it-IT" dirty="0"/>
+              <a:rPr lang="it-IT" sz="2800" dirty="0"/>
               <a:t>La gestione della configurazione è stata supportata da </a:t>
             </a:r>
             <a:r>
-              <a:rPr lang="it-IT" dirty="0" err="1"/>
+              <a:rPr lang="it-IT" sz="2800" dirty="0" err="1"/>
               <a:t>github</a:t>
             </a:r>
             <a:r>
-              <a:rPr lang="it-IT" dirty="0"/>
+              <a:rPr lang="it-IT" sz="2800" dirty="0"/>
               <a:t> e </a:t>
             </a:r>
             <a:r>
-              <a:rPr lang="it-IT" dirty="0" err="1"/>
+              <a:rPr lang="it-IT" sz="2800" dirty="0" err="1"/>
               <a:t>github</a:t>
             </a:r>
             <a:r>
-              <a:rPr lang="it-IT" dirty="0"/>
+              <a:rPr lang="it-IT" sz="2800" dirty="0"/>
               <a:t> desktop, per il controllo delle versioni, l’implementazione delle modifiche e la collaborazione.</a:t>
             </a:r>
           </a:p>
@@ -19471,39 +19633,39 @@
               <a:buNone/>
             </a:pPr>
             <a:r>
-              <a:rPr lang="it-IT" dirty="0"/>
+              <a:rPr lang="it-IT" sz="2800" dirty="0"/>
               <a:t>Sono state utilizzate le principali caratteristiche di </a:t>
             </a:r>
             <a:r>
-              <a:rPr lang="it-IT" dirty="0" err="1"/>
+              <a:rPr lang="it-IT" sz="2800" dirty="0" err="1"/>
               <a:t>github</a:t>
             </a:r>
             <a:r>
-              <a:rPr lang="it-IT" dirty="0"/>
+              <a:rPr lang="it-IT" sz="2800" dirty="0"/>
               <a:t>, come gli </a:t>
             </a:r>
             <a:r>
-              <a:rPr lang="it-IT" dirty="0" err="1"/>
+              <a:rPr lang="it-IT" sz="2800" dirty="0" err="1"/>
               <a:t>issue</a:t>
             </a:r>
             <a:r>
-              <a:rPr lang="it-IT" dirty="0"/>
+              <a:rPr lang="it-IT" sz="2800" dirty="0"/>
               <a:t> per la comunicazione di esigenze e problematiche, i </a:t>
             </a:r>
             <a:r>
-              <a:rPr lang="it-IT" dirty="0" err="1"/>
+              <a:rPr lang="it-IT" sz="2800" dirty="0" err="1"/>
               <a:t>branch</a:t>
             </a:r>
             <a:r>
-              <a:rPr lang="it-IT" dirty="0"/>
+              <a:rPr lang="it-IT" sz="2800" dirty="0"/>
               <a:t> e le pull </a:t>
             </a:r>
             <a:r>
-              <a:rPr lang="it-IT" dirty="0" err="1"/>
+              <a:rPr lang="it-IT" sz="2800" dirty="0" err="1"/>
               <a:t>request</a:t>
             </a:r>
             <a:r>
-              <a:rPr lang="it-IT" dirty="0"/>
+              <a:rPr lang="it-IT" sz="2800" dirty="0"/>
               <a:t> per lo sviluppo di nuove modifiche incerte che rischiavano di invalidare la correttezza della baseline funzionante.</a:t>
             </a:r>
           </a:p>
@@ -19512,20 +19674,13 @@
     </p:spTree>
     <p:extLst>
       <p:ext uri="{BB962C8B-B14F-4D97-AF65-F5344CB8AC3E}">
-        <p14:creationId xmlns="" xmlns:p14="http://schemas.microsoft.com/office/powerpoint/2010/main" val="3996999348"/>
+        <p14:creationId xmlns:p14="http://schemas.microsoft.com/office/powerpoint/2010/main" val="3996999348"/>
       </p:ext>
     </p:extLst>
   </p:cSld>
   <p:clrMapOvr>
     <a:masterClrMapping/>
   </p:clrMapOvr>
-  <p:timing>
-    <p:tnLst>
-      <p:par>
-        <p:cTn id="1" dur="indefinite" restart="never" nodeType="tmRoot"/>
-      </p:par>
-    </p:tnLst>
-  </p:timing>
 </p:sld>
 </file>
 
@@ -19551,7 +19706,7 @@
           <p:cNvPr id="2" name="Titolo 1">
             <a:extLst>
               <a:ext uri="{FF2B5EF4-FFF2-40B4-BE49-F238E27FC236}">
-                <a16:creationId xmlns="" xmlns:a16="http://schemas.microsoft.com/office/drawing/2014/main" id="{75031FE9-9059-4FE8-B4AC-9771F23A1B89}"/>
+                <a16:creationId xmlns:a16="http://schemas.microsoft.com/office/drawing/2014/main" id="{75031FE9-9059-4FE8-B4AC-9771F23A1B89}"/>
               </a:ext>
             </a:extLst>
           </p:cNvPr>
@@ -19562,7 +19717,12 @@
             <p:ph type="title"/>
           </p:nvPr>
         </p:nvSpPr>
-        <p:spPr/>
+        <p:spPr>
+          <a:xfrm>
+            <a:off x="2895600" y="543310"/>
+            <a:ext cx="8610600" cy="1293028"/>
+          </a:xfrm>
+        </p:spPr>
         <p:txBody>
           <a:bodyPr rtlCol="0">
             <a:normAutofit/>
@@ -19587,7 +19747,7 @@
           <p:cNvPr id="5" name="Content Placeholder 4">
             <a:extLst>
               <a:ext uri="{FF2B5EF4-FFF2-40B4-BE49-F238E27FC236}">
-                <a16:creationId xmlns="" xmlns:a16="http://schemas.microsoft.com/office/drawing/2014/main" id="{BE1F23F2-64C7-BE07-E80F-A34081568AA8}"/>
+                <a16:creationId xmlns:a16="http://schemas.microsoft.com/office/drawing/2014/main" id="{BE1F23F2-64C7-BE07-E80F-A34081568AA8}"/>
               </a:ext>
             </a:extLst>
           </p:cNvPr>
@@ -19598,10 +19758,15 @@
             <p:ph idx="1"/>
           </p:nvPr>
         </p:nvSpPr>
-        <p:spPr/>
+        <p:spPr>
+          <a:xfrm>
+            <a:off x="685800" y="1836338"/>
+            <a:ext cx="10820400" cy="4024125"/>
+          </a:xfrm>
+        </p:spPr>
         <p:txBody>
           <a:bodyPr>
-            <a:normAutofit/>
+            <a:noAutofit/>
           </a:bodyPr>
           <a:lstStyle/>
           <a:p>
@@ -19609,199 +19774,208 @@
               <a:buNone/>
             </a:pPr>
             <a:r>
-              <a:rPr lang="en-US" dirty="0"/>
+              <a:rPr lang="en-US" sz="2400" dirty="0"/>
               <a:t>Il </a:t>
             </a:r>
             <a:r>
-              <a:rPr lang="en-US" dirty="0" err="1"/>
+              <a:rPr lang="en-US" sz="2400" dirty="0" err="1"/>
               <a:t>progetto</a:t>
             </a:r>
             <a:r>
-              <a:rPr lang="en-US" dirty="0"/>
+              <a:rPr lang="en-US" sz="2400" dirty="0"/>
               <a:t> è </a:t>
             </a:r>
             <a:r>
-              <a:rPr lang="en-US" dirty="0" err="1"/>
+              <a:rPr lang="en-US" sz="2400" dirty="0" err="1"/>
               <a:t>stato</a:t>
             </a:r>
             <a:r>
-              <a:rPr lang="en-US" dirty="0"/>
-              <a:t> </a:t>
-            </a:r>
-            <a:r>
-              <a:rPr lang="en-US" dirty="0" err="1"/>
+              <a:rPr lang="en-US" sz="2400" dirty="0"/>
+              <a:t> </a:t>
+            </a:r>
+            <a:r>
+              <a:rPr lang="en-US" sz="2400" dirty="0" err="1"/>
               <a:t>realizzato</a:t>
             </a:r>
             <a:r>
-              <a:rPr lang="en-US" dirty="0"/>
+              <a:rPr lang="en-US" sz="2400" dirty="0"/>
               <a:t> con </a:t>
             </a:r>
             <a:r>
-              <a:rPr lang="en-US" dirty="0" err="1"/>
+              <a:rPr lang="en-US" sz="2400" dirty="0" err="1"/>
               <a:t>l’approccio</a:t>
             </a:r>
             <a:r>
-              <a:rPr lang="en-US" dirty="0"/>
-              <a:t> </a:t>
-            </a:r>
-            <a:r>
-              <a:rPr lang="en-US" dirty="0" err="1"/>
+              <a:rPr lang="en-US" sz="2400" dirty="0"/>
+              <a:t> </a:t>
+            </a:r>
+            <a:r>
+              <a:rPr lang="en-US" sz="2400" dirty="0" err="1"/>
               <a:t>della</a:t>
             </a:r>
             <a:r>
-              <a:rPr lang="en-US" dirty="0"/>
-              <a:t> </a:t>
-            </a:r>
-            <a:r>
-              <a:rPr lang="en-US" dirty="0" err="1"/>
+              <a:rPr lang="en-US" sz="2400" dirty="0"/>
+              <a:t> </a:t>
+            </a:r>
+            <a:r>
+              <a:rPr lang="en-US" sz="2400" dirty="0" err="1"/>
               <a:t>prototipazione</a:t>
             </a:r>
             <a:r>
-              <a:rPr lang="en-US" dirty="0"/>
-              <a:t> </a:t>
-            </a:r>
-            <a:r>
-              <a:rPr lang="en-US" dirty="0" err="1"/>
+              <a:rPr lang="en-US" sz="2400" dirty="0"/>
+              <a:t> </a:t>
+            </a:r>
+            <a:r>
+              <a:rPr lang="en-US" sz="2400" dirty="0" err="1"/>
               <a:t>evolutiva</a:t>
             </a:r>
             <a:r>
-              <a:rPr lang="en-US" dirty="0"/>
+              <a:rPr lang="en-US" sz="2400" dirty="0"/>
               <a:t>, a causa </a:t>
             </a:r>
             <a:r>
-              <a:rPr lang="en-US" dirty="0" err="1"/>
+              <a:rPr lang="en-US" sz="2400" dirty="0" err="1"/>
               <a:t>dell’elevata</a:t>
             </a:r>
             <a:r>
-              <a:rPr lang="en-US" dirty="0"/>
-              <a:t> </a:t>
-            </a:r>
-            <a:r>
-              <a:rPr lang="en-US" dirty="0" err="1"/>
+              <a:rPr lang="en-US" sz="2400" dirty="0"/>
+              <a:t> </a:t>
+            </a:r>
+            <a:r>
+              <a:rPr lang="en-US" sz="2400" dirty="0" err="1"/>
               <a:t>incertezza</a:t>
             </a:r>
             <a:r>
-              <a:rPr lang="en-US" dirty="0"/>
-              <a:t> </a:t>
-            </a:r>
-            <a:r>
-              <a:rPr lang="en-US" dirty="0" err="1"/>
+              <a:rPr lang="en-US" sz="2400" dirty="0"/>
+              <a:t> </a:t>
+            </a:r>
+            <a:r>
+              <a:rPr lang="en-US" sz="2400" dirty="0" err="1"/>
               <a:t>dovuta</a:t>
             </a:r>
             <a:r>
-              <a:rPr lang="en-US" dirty="0"/>
-              <a:t> </a:t>
-            </a:r>
-            <a:r>
-              <a:rPr lang="en-US" dirty="0" err="1"/>
+              <a:rPr lang="en-US" sz="2400" dirty="0"/>
+              <a:t> </a:t>
+            </a:r>
+            <a:r>
+              <a:rPr lang="en-US" sz="2400" dirty="0" err="1"/>
               <a:t>alla</a:t>
             </a:r>
             <a:r>
-              <a:rPr lang="en-US" dirty="0"/>
-              <a:t> </a:t>
-            </a:r>
-            <a:r>
-              <a:rPr lang="en-US" dirty="0" err="1"/>
+              <a:rPr lang="en-US" sz="2400" dirty="0"/>
+              <a:t> </a:t>
+            </a:r>
+            <a:r>
+              <a:rPr lang="en-US" sz="2400" dirty="0" err="1"/>
               <a:t>mancanza</a:t>
             </a:r>
             <a:r>
-              <a:rPr lang="en-US" dirty="0"/>
+              <a:rPr lang="en-US" sz="2400" dirty="0"/>
               <a:t> di </a:t>
             </a:r>
             <a:r>
-              <a:rPr lang="en-US" dirty="0" err="1"/>
+              <a:rPr lang="en-US" sz="2400" dirty="0" err="1"/>
               <a:t>esperienza</a:t>
             </a:r>
             <a:r>
-              <a:rPr lang="en-US" dirty="0"/>
-              <a:t>. Si ha </a:t>
-            </a:r>
-            <a:r>
-              <a:rPr lang="en-US" dirty="0" err="1"/>
+              <a:rPr lang="en-US" sz="2400" dirty="0"/>
+              <a:t>. </a:t>
+            </a:r>
+          </a:p>
+          <a:p>
+            <a:pPr marL="0" indent="0">
+              <a:buNone/>
+            </a:pPr>
+            <a:r>
+              <a:rPr lang="en-US" sz="2400" dirty="0"/>
+              <a:t>Si ha </a:t>
+            </a:r>
+            <a:r>
+              <a:rPr lang="en-US" sz="2400" dirty="0" err="1"/>
               <a:t>cercato</a:t>
             </a:r>
             <a:r>
-              <a:rPr lang="en-US" dirty="0"/>
+              <a:rPr lang="en-US" sz="2400" dirty="0"/>
               <a:t> di </a:t>
             </a:r>
             <a:r>
-              <a:rPr lang="en-US" dirty="0" err="1"/>
+              <a:rPr lang="en-US" sz="2400" dirty="0" err="1"/>
               <a:t>raggiungere</a:t>
             </a:r>
             <a:r>
-              <a:rPr lang="en-US" dirty="0"/>
+              <a:rPr lang="en-US" sz="2400" dirty="0"/>
               <a:t> il prima possible un </a:t>
             </a:r>
             <a:r>
-              <a:rPr lang="en-US" dirty="0" err="1"/>
+              <a:rPr lang="en-US" sz="2400" dirty="0" err="1"/>
               <a:t>sistema</a:t>
             </a:r>
             <a:r>
-              <a:rPr lang="en-US" dirty="0"/>
-              <a:t> </a:t>
-            </a:r>
-            <a:r>
-              <a:rPr lang="en-US" dirty="0" err="1"/>
+              <a:rPr lang="en-US" sz="2400" dirty="0"/>
+              <a:t> </a:t>
+            </a:r>
+            <a:r>
+              <a:rPr lang="en-US" sz="2400" dirty="0" err="1"/>
               <a:t>funzionante</a:t>
             </a:r>
             <a:r>
-              <a:rPr lang="en-US" dirty="0"/>
+              <a:rPr lang="en-US" sz="2400" dirty="0"/>
               <a:t> e </a:t>
             </a:r>
             <a:r>
-              <a:rPr lang="en-US" dirty="0" err="1"/>
+              <a:rPr lang="en-US" sz="2400" dirty="0" err="1"/>
               <a:t>successivamente</a:t>
             </a:r>
             <a:r>
-              <a:rPr lang="en-US" dirty="0"/>
+              <a:rPr lang="en-US" sz="2400" dirty="0"/>
               <a:t> è </a:t>
             </a:r>
             <a:r>
-              <a:rPr lang="en-US" dirty="0" err="1"/>
+              <a:rPr lang="en-US" sz="2400" dirty="0" err="1"/>
               <a:t>stata</a:t>
             </a:r>
             <a:r>
-              <a:rPr lang="en-US" dirty="0"/>
-              <a:t> </a:t>
-            </a:r>
-            <a:r>
-              <a:rPr lang="en-US" dirty="0" err="1"/>
+              <a:rPr lang="en-US" sz="2400" dirty="0"/>
+              <a:t> </a:t>
+            </a:r>
+            <a:r>
+              <a:rPr lang="en-US" sz="2400" dirty="0" err="1"/>
               <a:t>svolta</a:t>
             </a:r>
             <a:r>
-              <a:rPr lang="en-US" dirty="0"/>
-              <a:t> </a:t>
-            </a:r>
-            <a:r>
-              <a:rPr lang="en-US" dirty="0" err="1"/>
+              <a:rPr lang="en-US" sz="2400" dirty="0"/>
+              <a:t> </a:t>
+            </a:r>
+            <a:r>
+              <a:rPr lang="en-US" sz="2400" dirty="0" err="1"/>
               <a:t>una</a:t>
             </a:r>
             <a:r>
-              <a:rPr lang="en-US" dirty="0"/>
-              <a:t> </a:t>
-            </a:r>
-            <a:r>
-              <a:rPr lang="en-US" dirty="0" err="1"/>
+              <a:rPr lang="en-US" sz="2400" dirty="0"/>
+              <a:t> </a:t>
+            </a:r>
+            <a:r>
+              <a:rPr lang="en-US" sz="2400" dirty="0" err="1"/>
               <a:t>corposa</a:t>
             </a:r>
             <a:r>
-              <a:rPr lang="en-US" dirty="0"/>
-              <a:t> </a:t>
-            </a:r>
-            <a:r>
-              <a:rPr lang="en-US" dirty="0" err="1"/>
+              <a:rPr lang="en-US" sz="2400" dirty="0"/>
+              <a:t> </a:t>
+            </a:r>
+            <a:r>
+              <a:rPr lang="en-US" sz="2400" dirty="0" err="1"/>
               <a:t>attività</a:t>
             </a:r>
             <a:r>
-              <a:rPr lang="en-US" dirty="0"/>
+              <a:rPr lang="en-US" sz="2400" dirty="0"/>
               <a:t> di </a:t>
             </a:r>
             <a:r>
-              <a:rPr lang="en-US" dirty="0" err="1"/>
+              <a:rPr lang="en-US" sz="2400" dirty="0" err="1"/>
               <a:t>ristrutturazione</a:t>
             </a:r>
             <a:r>
-              <a:rPr lang="en-US" dirty="0"/>
+              <a:rPr lang="en-US" sz="2400" dirty="0"/>
               <a:t>.</a:t>
             </a:r>
           </a:p>
@@ -19810,135 +19984,135 @@
               <a:buNone/>
             </a:pPr>
             <a:r>
-              <a:rPr lang="en-US" dirty="0"/>
+              <a:rPr lang="en-US" sz="2400" dirty="0"/>
               <a:t>Nel </a:t>
             </a:r>
             <a:r>
-              <a:rPr lang="en-US" dirty="0" err="1"/>
+              <a:rPr lang="en-US" sz="2400" dirty="0" err="1"/>
               <a:t>contesto</a:t>
             </a:r>
             <a:r>
-              <a:rPr lang="en-US" dirty="0"/>
-              <a:t> </a:t>
-            </a:r>
-            <a:r>
-              <a:rPr lang="en-US" dirty="0" err="1"/>
+              <a:rPr lang="en-US" sz="2400" dirty="0"/>
+              <a:t> </a:t>
+            </a:r>
+            <a:r>
+              <a:rPr lang="en-US" sz="2400" dirty="0" err="1"/>
               <a:t>dello</a:t>
             </a:r>
             <a:r>
-              <a:rPr lang="en-US" dirty="0"/>
-              <a:t> </a:t>
-            </a:r>
-            <a:r>
-              <a:rPr lang="en-US" dirty="0" err="1"/>
+              <a:rPr lang="en-US" sz="2400" dirty="0"/>
+              <a:t> </a:t>
+            </a:r>
+            <a:r>
+              <a:rPr lang="en-US" sz="2400" dirty="0" err="1"/>
               <a:t>sviluppo</a:t>
             </a:r>
             <a:r>
-              <a:rPr lang="en-US" dirty="0"/>
+              <a:rPr lang="en-US" sz="2400" dirty="0"/>
               <a:t> del </a:t>
             </a:r>
             <a:r>
-              <a:rPr lang="en-US" dirty="0" err="1"/>
+              <a:rPr lang="en-US" sz="2400" dirty="0" err="1"/>
               <a:t>prototipo</a:t>
             </a:r>
             <a:r>
-              <a:rPr lang="en-US" dirty="0"/>
+              <a:rPr lang="en-US" sz="2400" dirty="0"/>
               <a:t> è </a:t>
             </a:r>
             <a:r>
-              <a:rPr lang="en-US" dirty="0" err="1"/>
+              <a:rPr lang="en-US" sz="2400" dirty="0" err="1"/>
               <a:t>stato</a:t>
             </a:r>
             <a:r>
-              <a:rPr lang="en-US" dirty="0"/>
-              <a:t> </a:t>
-            </a:r>
-            <a:r>
-              <a:rPr lang="en-US" dirty="0" err="1"/>
+              <a:rPr lang="en-US" sz="2400" dirty="0"/>
+              <a:t> </a:t>
+            </a:r>
+            <a:r>
+              <a:rPr lang="en-US" sz="2400" dirty="0" err="1"/>
               <a:t>seguito</a:t>
             </a:r>
             <a:r>
-              <a:rPr lang="en-US" dirty="0"/>
+              <a:rPr lang="en-US" sz="2400" dirty="0"/>
               <a:t> il </a:t>
             </a:r>
             <a:r>
-              <a:rPr lang="en-US" dirty="0" err="1"/>
+              <a:rPr lang="en-US" sz="2400" dirty="0" err="1"/>
               <a:t>modello</a:t>
             </a:r>
             <a:r>
-              <a:rPr lang="en-US" dirty="0"/>
-              <a:t> </a:t>
-            </a:r>
-            <a:r>
-              <a:rPr lang="en-US" dirty="0" err="1"/>
+              <a:rPr lang="en-US" sz="2400" dirty="0"/>
+              <a:t> </a:t>
+            </a:r>
+            <a:r>
+              <a:rPr lang="en-US" sz="2400" dirty="0" err="1"/>
               <a:t>dello</a:t>
             </a:r>
             <a:r>
-              <a:rPr lang="en-US" dirty="0"/>
-              <a:t> </a:t>
-            </a:r>
-            <a:r>
-              <a:rPr lang="en-US" dirty="0" err="1"/>
+              <a:rPr lang="en-US" sz="2400" dirty="0"/>
+              <a:t> </a:t>
+            </a:r>
+            <a:r>
+              <a:rPr lang="en-US" sz="2400" dirty="0" err="1"/>
               <a:t>sviluppo</a:t>
             </a:r>
             <a:r>
-              <a:rPr lang="en-US" dirty="0"/>
-              <a:t> </a:t>
-            </a:r>
-            <a:r>
-              <a:rPr lang="en-US" dirty="0" err="1"/>
+              <a:rPr lang="en-US" sz="2400" dirty="0"/>
+              <a:t> </a:t>
+            </a:r>
+            <a:r>
+              <a:rPr lang="en-US" sz="2400" dirty="0" err="1"/>
               <a:t>incrementale</a:t>
             </a:r>
             <a:r>
-              <a:rPr lang="en-US" dirty="0"/>
+              <a:rPr lang="en-US" sz="2400" dirty="0"/>
               <a:t>, </a:t>
             </a:r>
             <a:r>
-              <a:rPr lang="en-US" dirty="0" err="1"/>
+              <a:rPr lang="en-US" sz="2400" dirty="0" err="1"/>
               <a:t>partendo</a:t>
             </a:r>
             <a:r>
-              <a:rPr lang="en-US" dirty="0"/>
+              <a:rPr lang="en-US" sz="2400" dirty="0"/>
               <a:t> fin da subito con un </a:t>
             </a:r>
             <a:r>
-              <a:rPr lang="en-US" dirty="0" err="1"/>
+              <a:rPr lang="en-US" sz="2400" dirty="0" err="1"/>
               <a:t>sistema</a:t>
             </a:r>
             <a:r>
-              <a:rPr lang="en-US" dirty="0"/>
-              <a:t> </a:t>
-            </a:r>
-            <a:r>
-              <a:rPr lang="en-US" dirty="0" err="1"/>
+              <a:rPr lang="en-US" sz="2400" dirty="0"/>
+              <a:t> </a:t>
+            </a:r>
+            <a:r>
+              <a:rPr lang="en-US" sz="2400" dirty="0" err="1"/>
               <a:t>funzionante</a:t>
             </a:r>
             <a:r>
-              <a:rPr lang="en-US" dirty="0"/>
+              <a:rPr lang="en-US" sz="2400" dirty="0"/>
               <a:t> e </a:t>
             </a:r>
             <a:r>
-              <a:rPr lang="en-US" dirty="0" err="1"/>
+              <a:rPr lang="en-US" sz="2400" dirty="0" err="1"/>
               <a:t>aggiungendo</a:t>
             </a:r>
             <a:r>
-              <a:rPr lang="en-US" dirty="0"/>
+              <a:rPr lang="en-US" sz="2400" dirty="0"/>
               <a:t> le </a:t>
             </a:r>
             <a:r>
-              <a:rPr lang="en-US" dirty="0" err="1"/>
+              <a:rPr lang="en-US" sz="2400" dirty="0" err="1"/>
               <a:t>funzionalità</a:t>
             </a:r>
             <a:r>
-              <a:rPr lang="en-US" dirty="0"/>
-              <a:t> </a:t>
-            </a:r>
-            <a:r>
-              <a:rPr lang="en-US" dirty="0" err="1"/>
+              <a:rPr lang="en-US" sz="2400" dirty="0"/>
+              <a:t> </a:t>
+            </a:r>
+            <a:r>
+              <a:rPr lang="en-US" sz="2400" dirty="0" err="1"/>
               <a:t>gradualmente</a:t>
             </a:r>
             <a:r>
-              <a:rPr lang="en-US" dirty="0"/>
+              <a:rPr lang="en-US" sz="2400" dirty="0"/>
               <a:t>. </a:t>
             </a:r>
           </a:p>
@@ -19947,159 +20121,167 @@
               <a:buNone/>
             </a:pPr>
             <a:r>
-              <a:rPr lang="en-US" dirty="0"/>
+              <a:rPr lang="en-US" sz="2400" dirty="0"/>
               <a:t>Tale </a:t>
             </a:r>
             <a:r>
-              <a:rPr lang="en-US" dirty="0" err="1"/>
+              <a:rPr lang="en-US" sz="2400" dirty="0" err="1"/>
               <a:t>scelta</a:t>
             </a:r>
             <a:r>
-              <a:rPr lang="en-US" dirty="0"/>
+              <a:rPr lang="en-US" sz="2400" dirty="0"/>
               <a:t> è </a:t>
             </a:r>
             <a:r>
-              <a:rPr lang="en-US" dirty="0" err="1"/>
+              <a:rPr lang="en-US" sz="2400" dirty="0" err="1"/>
               <a:t>stata</a:t>
             </a:r>
             <a:r>
-              <a:rPr lang="en-US" dirty="0"/>
-              <a:t> </a:t>
-            </a:r>
-            <a:r>
-              <a:rPr lang="en-US" dirty="0" err="1"/>
+              <a:rPr lang="en-US" sz="2400" dirty="0"/>
+              <a:t> </a:t>
+            </a:r>
+            <a:r>
+              <a:rPr lang="en-US" sz="2400" dirty="0" err="1"/>
               <a:t>spinta</a:t>
             </a:r>
             <a:r>
-              <a:rPr lang="en-US" dirty="0"/>
-              <a:t> </a:t>
-            </a:r>
-            <a:r>
-              <a:rPr lang="en-US" dirty="0" err="1"/>
+              <a:rPr lang="en-US" sz="2400" dirty="0"/>
+              <a:t> </a:t>
+            </a:r>
+            <a:r>
+              <a:rPr lang="en-US" sz="2400" dirty="0" err="1"/>
               <a:t>dalla</a:t>
             </a:r>
             <a:r>
-              <a:rPr lang="en-US" dirty="0"/>
-              <a:t> </a:t>
-            </a:r>
-            <a:r>
-              <a:rPr lang="en-US" dirty="0" err="1"/>
+              <a:rPr lang="en-US" sz="2400" dirty="0"/>
+              <a:t> </a:t>
+            </a:r>
+            <a:r>
+              <a:rPr lang="en-US" sz="2400" dirty="0" err="1"/>
               <a:t>caratteristica</a:t>
             </a:r>
             <a:r>
-              <a:rPr lang="en-US" dirty="0"/>
-              <a:t> del Sistema di </a:t>
-            </a:r>
-            <a:r>
-              <a:rPr lang="en-US" dirty="0" err="1"/>
+              <a:rPr lang="en-US" sz="2400" dirty="0"/>
+              <a:t> del </a:t>
+            </a:r>
+            <a:r>
+              <a:rPr lang="en-US" sz="2400" dirty="0" err="1"/>
+              <a:t>sistema</a:t>
+            </a:r>
+            <a:r>
+              <a:rPr lang="en-US" sz="2400" dirty="0"/>
+              <a:t> di </a:t>
+            </a:r>
+            <a:r>
+              <a:rPr lang="en-US" sz="2400" dirty="0" err="1"/>
               <a:t>essere</a:t>
             </a:r>
             <a:r>
-              <a:rPr lang="en-US" dirty="0"/>
-              <a:t> </a:t>
-            </a:r>
-            <a:r>
-              <a:rPr lang="en-US" dirty="0" err="1"/>
+              <a:rPr lang="en-US" sz="2400" dirty="0"/>
+              <a:t> </a:t>
+            </a:r>
+            <a:r>
+              <a:rPr lang="en-US" sz="2400" dirty="0" err="1"/>
               <a:t>organizzato</a:t>
             </a:r>
             <a:r>
-              <a:rPr lang="en-US" dirty="0"/>
+              <a:rPr lang="en-US" sz="2400" dirty="0"/>
               <a:t> secondo un </a:t>
             </a:r>
             <a:r>
-              <a:rPr lang="en-US" dirty="0" err="1"/>
+              <a:rPr lang="en-US" sz="2400" dirty="0" err="1"/>
               <a:t>rigido</a:t>
             </a:r>
             <a:r>
-              <a:rPr lang="en-US" dirty="0"/>
+              <a:rPr lang="en-US" sz="2400" dirty="0"/>
               <a:t> schema di </a:t>
             </a:r>
             <a:r>
-              <a:rPr lang="en-US" dirty="0" err="1"/>
+              <a:rPr lang="en-US" sz="2400" dirty="0" err="1"/>
               <a:t>interazione</a:t>
             </a:r>
             <a:r>
-              <a:rPr lang="en-US" dirty="0"/>
+              <a:rPr lang="en-US" sz="2400" dirty="0"/>
               <a:t> con </a:t>
             </a:r>
             <a:r>
-              <a:rPr lang="en-US" dirty="0" err="1"/>
+              <a:rPr lang="en-US" sz="2400" dirty="0" err="1"/>
               <a:t>l’utente</a:t>
             </a:r>
             <a:r>
-              <a:rPr lang="en-US" dirty="0"/>
-              <a:t> e </a:t>
-            </a:r>
-            <a:r>
-              <a:rPr lang="en-US" dirty="0" err="1"/>
+              <a:rPr lang="en-US" sz="2400" dirty="0"/>
+              <a:t>, e </a:t>
+            </a:r>
+            <a:r>
+              <a:rPr lang="en-US" sz="2400" dirty="0" err="1"/>
               <a:t>pertanto</a:t>
             </a:r>
             <a:r>
-              <a:rPr lang="en-US" dirty="0"/>
+              <a:rPr lang="en-US" sz="2400" dirty="0"/>
               <a:t> la </a:t>
             </a:r>
             <a:r>
-              <a:rPr lang="en-US" dirty="0" err="1"/>
+              <a:rPr lang="en-US" sz="2400" dirty="0" err="1"/>
               <a:t>funzionalità</a:t>
             </a:r>
             <a:r>
-              <a:rPr lang="en-US" dirty="0"/>
+              <a:rPr lang="en-US" sz="2400" dirty="0"/>
               <a:t> è </a:t>
             </a:r>
             <a:r>
-              <a:rPr lang="en-US" dirty="0" err="1"/>
+              <a:rPr lang="en-US" sz="2400" dirty="0" err="1"/>
               <a:t>stata</a:t>
             </a:r>
             <a:r>
-              <a:rPr lang="en-US" dirty="0"/>
-              <a:t> </a:t>
-            </a:r>
-            <a:r>
-              <a:rPr lang="en-US" dirty="0" err="1"/>
+              <a:rPr lang="en-US" sz="2400" dirty="0"/>
+              <a:t> </a:t>
+            </a:r>
+            <a:r>
+              <a:rPr lang="en-US" sz="2400" dirty="0" err="1"/>
               <a:t>aggiunta</a:t>
             </a:r>
             <a:r>
-              <a:rPr lang="en-US" dirty="0"/>
-              <a:t> </a:t>
-            </a:r>
-            <a:r>
-              <a:rPr lang="en-US" dirty="0" err="1"/>
+              <a:rPr lang="en-US" sz="2400" dirty="0"/>
+              <a:t> </a:t>
+            </a:r>
+            <a:r>
+              <a:rPr lang="en-US" sz="2400" dirty="0" err="1"/>
               <a:t>seguendo</a:t>
             </a:r>
             <a:r>
-              <a:rPr lang="en-US" dirty="0"/>
-              <a:t> </a:t>
-            </a:r>
-            <a:r>
-              <a:rPr lang="en-US" dirty="0" err="1"/>
+              <a:rPr lang="en-US" sz="2400" dirty="0"/>
+              <a:t> </a:t>
+            </a:r>
+            <a:r>
+              <a:rPr lang="en-US" sz="2400" dirty="0" err="1"/>
               <a:t>l’ordinamento</a:t>
             </a:r>
             <a:r>
-              <a:rPr lang="en-US" dirty="0"/>
-              <a:t> </a:t>
-            </a:r>
-            <a:r>
-              <a:rPr lang="en-US" dirty="0" err="1"/>
+              <a:rPr lang="en-US" sz="2400" dirty="0"/>
+              <a:t> </a:t>
+            </a:r>
+            <a:r>
+              <a:rPr lang="en-US" sz="2400" dirty="0" err="1"/>
               <a:t>temporale</a:t>
             </a:r>
             <a:r>
-              <a:rPr lang="en-US" dirty="0"/>
+              <a:rPr lang="en-US" sz="2400" dirty="0"/>
               <a:t> di tale </a:t>
             </a:r>
             <a:r>
-              <a:rPr lang="en-US" dirty="0" err="1"/>
+              <a:rPr lang="en-US" sz="2400" dirty="0" err="1"/>
               <a:t>flusso</a:t>
             </a:r>
             <a:r>
-              <a:rPr lang="en-US" dirty="0"/>
+              <a:rPr lang="en-US" sz="2400" dirty="0"/>
               <a:t> di </a:t>
             </a:r>
             <a:r>
-              <a:rPr lang="en-US" dirty="0" err="1"/>
+              <a:rPr lang="en-US" sz="2400" dirty="0" err="1"/>
               <a:t>interazione</a:t>
             </a:r>
             <a:r>
-              <a:rPr lang="en-US" dirty="0"/>
+              <a:rPr lang="en-US" sz="2400" dirty="0"/>
               <a:t>.</a:t>
             </a:r>
           </a:p>
@@ -20108,20 +20290,13 @@
     </p:spTree>
     <p:extLst>
       <p:ext uri="{BB962C8B-B14F-4D97-AF65-F5344CB8AC3E}">
-        <p14:creationId xmlns="" xmlns:p14="http://schemas.microsoft.com/office/powerpoint/2010/main" val="930824607"/>
+        <p14:creationId xmlns:p14="http://schemas.microsoft.com/office/powerpoint/2010/main" val="930824607"/>
       </p:ext>
     </p:extLst>
   </p:cSld>
   <p:clrMapOvr>
     <a:masterClrMapping/>
   </p:clrMapOvr>
-  <p:timing>
-    <p:tnLst>
-      <p:par>
-        <p:cTn id="1" dur="indefinite" restart="never" nodeType="tmRoot"/>
-      </p:par>
-    </p:tnLst>
-  </p:timing>
 </p:sld>
 </file>
 
@@ -20147,7 +20322,7 @@
           <p:cNvPr id="2" name="Titolo 1">
             <a:extLst>
               <a:ext uri="{FF2B5EF4-FFF2-40B4-BE49-F238E27FC236}">
-                <a16:creationId xmlns="" xmlns:a16="http://schemas.microsoft.com/office/drawing/2014/main" id="{75031FE9-9059-4FE8-B4AC-9771F23A1B89}"/>
+                <a16:creationId xmlns:a16="http://schemas.microsoft.com/office/drawing/2014/main" id="{75031FE9-9059-4FE8-B4AC-9771F23A1B89}"/>
               </a:ext>
             </a:extLst>
           </p:cNvPr>
@@ -20158,7 +20333,12 @@
             <p:ph type="title"/>
           </p:nvPr>
         </p:nvSpPr>
-        <p:spPr/>
+        <p:spPr>
+          <a:xfrm>
+            <a:off x="2509456" y="434929"/>
+            <a:ext cx="8610600" cy="1293028"/>
+          </a:xfrm>
+        </p:spPr>
         <p:txBody>
           <a:bodyPr rtlCol="0">
             <a:normAutofit/>
@@ -20178,7 +20358,7 @@
           <p:cNvPr id="5" name="Content Placeholder 4">
             <a:extLst>
               <a:ext uri="{FF2B5EF4-FFF2-40B4-BE49-F238E27FC236}">
-                <a16:creationId xmlns="" xmlns:a16="http://schemas.microsoft.com/office/drawing/2014/main" id="{BE1F23F2-64C7-BE07-E80F-A34081568AA8}"/>
+                <a16:creationId xmlns:a16="http://schemas.microsoft.com/office/drawing/2014/main" id="{BE1F23F2-64C7-BE07-E80F-A34081568AA8}"/>
               </a:ext>
             </a:extLst>
           </p:cNvPr>
@@ -20189,10 +20369,15 @@
             <p:ph idx="1"/>
           </p:nvPr>
         </p:nvSpPr>
-        <p:spPr/>
+        <p:spPr>
+          <a:xfrm>
+            <a:off x="765110" y="1674219"/>
+            <a:ext cx="10860833" cy="4748852"/>
+          </a:xfrm>
+        </p:spPr>
         <p:txBody>
           <a:bodyPr>
-            <a:normAutofit/>
+            <a:noAutofit/>
           </a:bodyPr>
           <a:lstStyle/>
           <a:p>
@@ -20200,71 +20385,71 @@
               <a:buNone/>
             </a:pPr>
             <a:r>
-              <a:rPr lang="en-US" dirty="0"/>
+              <a:rPr lang="en-US" sz="2400" dirty="0"/>
               <a:t>I </a:t>
             </a:r>
             <a:r>
-              <a:rPr lang="en-US" dirty="0" err="1"/>
+              <a:rPr lang="en-US" sz="2400" dirty="0" err="1"/>
               <a:t>requisiti</a:t>
             </a:r>
             <a:r>
-              <a:rPr lang="en-US" dirty="0"/>
-              <a:t> </a:t>
-            </a:r>
-            <a:r>
-              <a:rPr lang="en-US" dirty="0" err="1"/>
+              <a:rPr lang="en-US" sz="2400" dirty="0"/>
+              <a:t> </a:t>
+            </a:r>
+            <a:r>
+              <a:rPr lang="en-US" sz="2400" dirty="0" err="1"/>
               <a:t>sono</a:t>
             </a:r>
             <a:r>
-              <a:rPr lang="en-US" dirty="0"/>
-              <a:t> </a:t>
-            </a:r>
-            <a:r>
-              <a:rPr lang="en-US" dirty="0" err="1"/>
+              <a:rPr lang="en-US" sz="2400" dirty="0"/>
+              <a:t> </a:t>
+            </a:r>
+            <a:r>
+              <a:rPr lang="en-US" sz="2400" dirty="0" err="1"/>
               <a:t>stati</a:t>
             </a:r>
             <a:r>
-              <a:rPr lang="en-US" dirty="0"/>
-              <a:t> </a:t>
-            </a:r>
-            <a:r>
-              <a:rPr lang="en-US" dirty="0" err="1"/>
+              <a:rPr lang="en-US" sz="2400" dirty="0"/>
+              <a:t> </a:t>
+            </a:r>
+            <a:r>
+              <a:rPr lang="en-US" sz="2400" dirty="0" err="1"/>
               <a:t>suggeriti</a:t>
             </a:r>
             <a:r>
-              <a:rPr lang="en-US" dirty="0"/>
+              <a:rPr lang="en-US" sz="2400" dirty="0"/>
               <a:t> dal </a:t>
             </a:r>
             <a:r>
-              <a:rPr lang="en-US" dirty="0" err="1"/>
+              <a:rPr lang="en-US" sz="2400" dirty="0" err="1"/>
               <a:t>contesto</a:t>
             </a:r>
             <a:r>
-              <a:rPr lang="en-US" dirty="0"/>
+              <a:rPr lang="en-US" sz="2400" dirty="0"/>
               <a:t> del </a:t>
             </a:r>
             <a:r>
-              <a:rPr lang="en-US" dirty="0" err="1"/>
+              <a:rPr lang="en-US" sz="2400" dirty="0" err="1"/>
               <a:t>problema</a:t>
             </a:r>
             <a:r>
-              <a:rPr lang="en-US" dirty="0"/>
-              <a:t> </a:t>
-            </a:r>
-            <a:r>
-              <a:rPr lang="en-US" dirty="0" err="1"/>
+              <a:rPr lang="en-US" sz="2400" dirty="0"/>
+              <a:t> </a:t>
+            </a:r>
+            <a:r>
+              <a:rPr lang="en-US" sz="2400" dirty="0" err="1"/>
               <a:t>della</a:t>
             </a:r>
             <a:r>
-              <a:rPr lang="en-US" dirty="0"/>
-              <a:t> </a:t>
-            </a:r>
-            <a:r>
-              <a:rPr lang="en-US" dirty="0" err="1"/>
+              <a:rPr lang="en-US" sz="2400" dirty="0"/>
+              <a:t> </a:t>
+            </a:r>
+            <a:r>
+              <a:rPr lang="en-US" sz="2400" dirty="0" err="1"/>
               <a:t>brachistocrona</a:t>
             </a:r>
             <a:r>
-              <a:rPr lang="en-US" dirty="0"/>
+              <a:rPr lang="en-US" sz="2400" dirty="0"/>
               <a:t>. </a:t>
             </a:r>
           </a:p>
@@ -20273,187 +20458,191 @@
               <a:buNone/>
             </a:pPr>
             <a:r>
-              <a:rPr lang="en-US" dirty="0"/>
+              <a:rPr lang="en-US" sz="2400" dirty="0"/>
               <a:t>Non è </a:t>
             </a:r>
             <a:r>
-              <a:rPr lang="en-US" dirty="0" err="1" smtClean="0"/>
+              <a:rPr lang="en-US" sz="2400" dirty="0" err="1"/>
               <a:t>stata</a:t>
             </a:r>
             <a:r>
-              <a:rPr lang="en-US" dirty="0" smtClean="0"/>
-              <a:t> </a:t>
-            </a:r>
-            <a:r>
-              <a:rPr lang="en-US" dirty="0"/>
-              <a:t>necessaria </a:t>
-            </a:r>
-            <a:r>
-              <a:rPr lang="en-US" dirty="0" err="1"/>
+              <a:rPr lang="en-US" sz="2400" dirty="0"/>
+              <a:t> necessaria </a:t>
+            </a:r>
+            <a:r>
+              <a:rPr lang="en-US" sz="2400" dirty="0" err="1"/>
               <a:t>una</a:t>
             </a:r>
             <a:r>
-              <a:rPr lang="en-US" dirty="0"/>
-              <a:t> </a:t>
-            </a:r>
-            <a:r>
-              <a:rPr lang="en-US" dirty="0" err="1"/>
+              <a:rPr lang="en-US" sz="2400" dirty="0"/>
+              <a:t> </a:t>
+            </a:r>
+            <a:r>
+              <a:rPr lang="en-US" sz="2400" dirty="0" err="1"/>
               <a:t>corposa</a:t>
             </a:r>
             <a:r>
-              <a:rPr lang="en-US" dirty="0"/>
-              <a:t> </a:t>
-            </a:r>
-            <a:r>
-              <a:rPr lang="en-US" dirty="0" err="1"/>
+              <a:rPr lang="en-US" sz="2400" dirty="0"/>
+              <a:t> </a:t>
+            </a:r>
+            <a:r>
+              <a:rPr lang="en-US" sz="2400" dirty="0" err="1"/>
               <a:t>fase</a:t>
             </a:r>
             <a:r>
-              <a:rPr lang="en-US" dirty="0"/>
+              <a:rPr lang="en-US" sz="2400" dirty="0"/>
               <a:t> di </a:t>
             </a:r>
             <a:r>
-              <a:rPr lang="en-US" dirty="0" err="1"/>
+              <a:rPr lang="en-US" sz="2400" dirty="0" err="1"/>
               <a:t>ingegneria</a:t>
             </a:r>
             <a:r>
-              <a:rPr lang="en-US" dirty="0"/>
-              <a:t> </a:t>
-            </a:r>
-            <a:r>
-              <a:rPr lang="en-US" dirty="0" err="1"/>
+              <a:rPr lang="en-US" sz="2400" dirty="0"/>
+              <a:t> </a:t>
+            </a:r>
+            <a:r>
+              <a:rPr lang="en-US" sz="2400" dirty="0" err="1"/>
               <a:t>dei</a:t>
             </a:r>
             <a:r>
-              <a:rPr lang="en-US" dirty="0"/>
-              <a:t> </a:t>
-            </a:r>
-            <a:r>
-              <a:rPr lang="en-US" dirty="0" err="1"/>
+              <a:rPr lang="en-US" sz="2400" dirty="0"/>
+              <a:t> </a:t>
+            </a:r>
+            <a:r>
+              <a:rPr lang="en-US" sz="2400" dirty="0" err="1"/>
               <a:t>requisiti</a:t>
             </a:r>
             <a:r>
-              <a:rPr lang="en-US" dirty="0"/>
+              <a:rPr lang="en-US" sz="2400" dirty="0"/>
               <a:t> in </a:t>
             </a:r>
             <a:r>
-              <a:rPr lang="en-US" dirty="0" err="1"/>
+              <a:rPr lang="en-US" sz="2400" dirty="0" err="1"/>
               <a:t>quanto</a:t>
             </a:r>
             <a:r>
-              <a:rPr lang="en-US" dirty="0"/>
+              <a:rPr lang="en-US" sz="2400" dirty="0"/>
               <a:t> la </a:t>
             </a:r>
             <a:r>
-              <a:rPr lang="en-US" dirty="0" err="1"/>
+              <a:rPr lang="en-US" sz="2400" dirty="0" err="1"/>
               <a:t>complessità</a:t>
             </a:r>
             <a:r>
-              <a:rPr lang="en-US" dirty="0"/>
-              <a:t> del Sistema non è </a:t>
-            </a:r>
-            <a:r>
-              <a:rPr lang="en-US" dirty="0" err="1"/>
+              <a:rPr lang="en-US" sz="2400" dirty="0"/>
+              <a:t> del </a:t>
+            </a:r>
+            <a:r>
+              <a:rPr lang="en-US" sz="2400" dirty="0" err="1"/>
+              <a:t>sistema</a:t>
+            </a:r>
+            <a:r>
+              <a:rPr lang="en-US" sz="2400" dirty="0"/>
+              <a:t> non è </a:t>
+            </a:r>
+            <a:r>
+              <a:rPr lang="en-US" sz="2400" dirty="0" err="1"/>
               <a:t>dovuta</a:t>
             </a:r>
             <a:r>
-              <a:rPr lang="en-US" dirty="0"/>
-              <a:t> </a:t>
-            </a:r>
-            <a:r>
-              <a:rPr lang="en-US" dirty="0" err="1"/>
+              <a:rPr lang="en-US" sz="2400" dirty="0"/>
+              <a:t> </a:t>
+            </a:r>
+            <a:r>
+              <a:rPr lang="en-US" sz="2400" dirty="0" err="1"/>
               <a:t>alla</a:t>
             </a:r>
             <a:r>
-              <a:rPr lang="en-US" dirty="0"/>
-              <a:t> </a:t>
-            </a:r>
-            <a:r>
-              <a:rPr lang="en-US" dirty="0" err="1"/>
+              <a:rPr lang="en-US" sz="2400" dirty="0"/>
+              <a:t> </a:t>
+            </a:r>
+            <a:r>
+              <a:rPr lang="en-US" sz="2400" dirty="0" err="1"/>
               <a:t>complessità</a:t>
             </a:r>
             <a:r>
-              <a:rPr lang="en-US" dirty="0"/>
-              <a:t> </a:t>
-            </a:r>
-            <a:r>
-              <a:rPr lang="en-US" dirty="0" err="1"/>
+              <a:rPr lang="en-US" sz="2400" dirty="0"/>
+              <a:t> </a:t>
+            </a:r>
+            <a:r>
+              <a:rPr lang="en-US" sz="2400" dirty="0" err="1"/>
               <a:t>della</a:t>
             </a:r>
             <a:r>
-              <a:rPr lang="en-US" dirty="0"/>
-              <a:t> </a:t>
-            </a:r>
-            <a:r>
-              <a:rPr lang="en-US" dirty="0" err="1"/>
+              <a:rPr lang="en-US" sz="2400" dirty="0"/>
+              <a:t> </a:t>
+            </a:r>
+            <a:r>
+              <a:rPr lang="en-US" sz="2400" dirty="0" err="1"/>
               <a:t>modellazione</a:t>
             </a:r>
             <a:r>
-              <a:rPr lang="en-US" dirty="0"/>
-              <a:t> </a:t>
-            </a:r>
-            <a:r>
-              <a:rPr lang="en-US" dirty="0" err="1"/>
+              <a:rPr lang="en-US" sz="2400" dirty="0"/>
+              <a:t> </a:t>
+            </a:r>
+            <a:r>
+              <a:rPr lang="en-US" sz="2400" dirty="0" err="1"/>
               <a:t>dell’UoD</a:t>
             </a:r>
             <a:r>
-              <a:rPr lang="en-US" dirty="0"/>
+              <a:rPr lang="en-US" sz="2400" dirty="0"/>
               <a:t>, </a:t>
             </a:r>
             <a:r>
-              <a:rPr lang="en-US" dirty="0" err="1"/>
+              <a:rPr lang="en-US" sz="2400" dirty="0" err="1"/>
               <a:t>quanto</a:t>
             </a:r>
             <a:r>
-              <a:rPr lang="en-US" dirty="0"/>
-              <a:t> </a:t>
-            </a:r>
-            <a:r>
-              <a:rPr lang="en-US" dirty="0" err="1"/>
+              <a:rPr lang="en-US" sz="2400" dirty="0"/>
+              <a:t> </a:t>
+            </a:r>
+            <a:r>
+              <a:rPr lang="en-US" sz="2400" dirty="0" err="1"/>
               <a:t>piuttosto</a:t>
             </a:r>
             <a:r>
-              <a:rPr lang="en-US" dirty="0"/>
-              <a:t> </a:t>
-            </a:r>
-            <a:r>
-              <a:rPr lang="en-US" dirty="0" err="1"/>
+              <a:rPr lang="en-US" sz="2400" dirty="0"/>
+              <a:t> </a:t>
+            </a:r>
+            <a:r>
+              <a:rPr lang="en-US" sz="2400" dirty="0" err="1"/>
               <a:t>dalla</a:t>
             </a:r>
             <a:r>
-              <a:rPr lang="en-US" dirty="0"/>
-              <a:t> </a:t>
-            </a:r>
-            <a:r>
-              <a:rPr lang="en-US" dirty="0" err="1"/>
+              <a:rPr lang="en-US" sz="2400" dirty="0"/>
+              <a:t> </a:t>
+            </a:r>
+            <a:r>
+              <a:rPr lang="en-US" sz="2400" dirty="0" err="1"/>
               <a:t>complessità</a:t>
             </a:r>
             <a:r>
-              <a:rPr lang="en-US" dirty="0"/>
-              <a:t> </a:t>
-            </a:r>
-            <a:r>
-              <a:rPr lang="en-US" dirty="0" err="1"/>
+              <a:rPr lang="en-US" sz="2400" dirty="0"/>
+              <a:t> </a:t>
+            </a:r>
+            <a:r>
+              <a:rPr lang="en-US" sz="2400" dirty="0" err="1"/>
               <a:t>intrinseca</a:t>
             </a:r>
             <a:r>
-              <a:rPr lang="en-US" dirty="0"/>
-              <a:t> </a:t>
-            </a:r>
-            <a:r>
-              <a:rPr lang="en-US" dirty="0" err="1"/>
+              <a:rPr lang="en-US" sz="2400" dirty="0"/>
+              <a:t> </a:t>
+            </a:r>
+            <a:r>
+              <a:rPr lang="en-US" sz="2400" dirty="0" err="1"/>
               <a:t>dei</a:t>
             </a:r>
             <a:r>
-              <a:rPr lang="en-US" dirty="0"/>
-              <a:t> </a:t>
-            </a:r>
-            <a:r>
-              <a:rPr lang="en-US" dirty="0" err="1"/>
+              <a:rPr lang="en-US" sz="2400" dirty="0"/>
+              <a:t> </a:t>
+            </a:r>
+            <a:r>
+              <a:rPr lang="en-US" sz="2400" dirty="0" err="1"/>
               <a:t>componenti</a:t>
             </a:r>
             <a:r>
-              <a:rPr lang="en-US" dirty="0"/>
+              <a:rPr lang="en-US" sz="2400" dirty="0"/>
               <a:t>.</a:t>
             </a:r>
           </a:p>
@@ -20462,111 +20651,111 @@
               <a:buNone/>
             </a:pPr>
             <a:r>
-              <a:rPr lang="en-US" dirty="0"/>
+              <a:rPr lang="en-US" sz="2400" dirty="0"/>
               <a:t>La </a:t>
             </a:r>
             <a:r>
-              <a:rPr lang="en-US" dirty="0" err="1"/>
+              <a:rPr lang="en-US" sz="2400" dirty="0" err="1"/>
               <a:t>fase</a:t>
             </a:r>
             <a:r>
-              <a:rPr lang="en-US" dirty="0"/>
-              <a:t> </a:t>
-            </a:r>
-            <a:r>
-              <a:rPr lang="en-US" dirty="0" err="1"/>
+              <a:rPr lang="en-US" sz="2400" dirty="0"/>
+              <a:t> </a:t>
+            </a:r>
+            <a:r>
+              <a:rPr lang="en-US" sz="2400" dirty="0" err="1"/>
               <a:t>dei</a:t>
             </a:r>
             <a:r>
-              <a:rPr lang="en-US" dirty="0"/>
-              <a:t> </a:t>
-            </a:r>
-            <a:r>
-              <a:rPr lang="en-US" dirty="0" err="1"/>
+              <a:rPr lang="en-US" sz="2400" dirty="0"/>
+              <a:t> </a:t>
+            </a:r>
+            <a:r>
+              <a:rPr lang="en-US" sz="2400" dirty="0" err="1"/>
               <a:t>requisiti</a:t>
             </a:r>
             <a:r>
-              <a:rPr lang="en-US" dirty="0"/>
+              <a:rPr lang="en-US" sz="2400" dirty="0"/>
               <a:t> ha </a:t>
             </a:r>
             <a:r>
-              <a:rPr lang="en-US" dirty="0" err="1"/>
+              <a:rPr lang="en-US" sz="2400" dirty="0" err="1"/>
               <a:t>riguardato</a:t>
             </a:r>
             <a:r>
-              <a:rPr lang="en-US" dirty="0"/>
-              <a:t> </a:t>
-            </a:r>
-            <a:r>
-              <a:rPr lang="en-US" dirty="0" err="1"/>
+              <a:rPr lang="en-US" sz="2400" dirty="0"/>
+              <a:t> </a:t>
+            </a:r>
+            <a:r>
+              <a:rPr lang="en-US" sz="2400" dirty="0" err="1"/>
               <a:t>principalemente</a:t>
             </a:r>
             <a:r>
-              <a:rPr lang="en-US" dirty="0"/>
+              <a:rPr lang="en-US" sz="2400" dirty="0"/>
               <a:t> le </a:t>
             </a:r>
             <a:r>
-              <a:rPr lang="en-US" dirty="0" err="1"/>
+              <a:rPr lang="en-US" sz="2400" dirty="0" err="1"/>
               <a:t>decisioni</a:t>
             </a:r>
             <a:r>
-              <a:rPr lang="en-US" dirty="0"/>
-              <a:t> </a:t>
-            </a:r>
-            <a:r>
-              <a:rPr lang="en-US" dirty="0" err="1"/>
+              <a:rPr lang="en-US" sz="2400" dirty="0"/>
+              <a:t> </a:t>
+            </a:r>
+            <a:r>
+              <a:rPr lang="en-US" sz="2400" dirty="0" err="1"/>
               <a:t>su</a:t>
             </a:r>
             <a:r>
-              <a:rPr lang="en-US" dirty="0"/>
+              <a:rPr lang="en-US" sz="2400" dirty="0"/>
               <a:t> come </a:t>
             </a:r>
             <a:r>
-              <a:rPr lang="en-US" dirty="0" err="1"/>
+              <a:rPr lang="en-US" sz="2400" dirty="0" err="1"/>
               <a:t>dovesse</a:t>
             </a:r>
             <a:r>
-              <a:rPr lang="en-US" dirty="0"/>
-              <a:t> </a:t>
-            </a:r>
-            <a:r>
-              <a:rPr lang="en-US" dirty="0" err="1"/>
+              <a:rPr lang="en-US" sz="2400" dirty="0"/>
+              <a:t> </a:t>
+            </a:r>
+            <a:r>
+              <a:rPr lang="en-US" sz="2400" dirty="0" err="1"/>
               <a:t>essere</a:t>
             </a:r>
             <a:r>
-              <a:rPr lang="en-US" dirty="0"/>
-              <a:t> </a:t>
-            </a:r>
-            <a:r>
-              <a:rPr lang="en-US" dirty="0" err="1"/>
+              <a:rPr lang="en-US" sz="2400" dirty="0"/>
+              <a:t> </a:t>
+            </a:r>
+            <a:r>
+              <a:rPr lang="en-US" sz="2400" dirty="0" err="1"/>
               <a:t>realizzata</a:t>
             </a:r>
             <a:r>
-              <a:rPr lang="en-US" dirty="0"/>
-              <a:t> </a:t>
-            </a:r>
-            <a:r>
-              <a:rPr lang="en-US" dirty="0" err="1"/>
+              <a:rPr lang="en-US" sz="2400" dirty="0"/>
+              <a:t> </a:t>
+            </a:r>
+            <a:r>
+              <a:rPr lang="en-US" sz="2400" dirty="0" err="1"/>
               <a:t>l’interfaccia</a:t>
             </a:r>
             <a:r>
-              <a:rPr lang="en-US" dirty="0"/>
+              <a:rPr lang="en-US" sz="2400" dirty="0"/>
               <a:t> e </a:t>
             </a:r>
             <a:r>
-              <a:rPr lang="en-US" dirty="0" err="1"/>
+              <a:rPr lang="en-US" sz="2400" dirty="0" err="1"/>
               <a:t>l’interazione</a:t>
             </a:r>
             <a:r>
-              <a:rPr lang="en-US" dirty="0"/>
+              <a:rPr lang="en-US" sz="2400" dirty="0"/>
               <a:t> con </a:t>
             </a:r>
             <a:r>
-              <a:rPr lang="en-US" dirty="0" err="1"/>
+              <a:rPr lang="en-US" sz="2400" dirty="0" err="1"/>
               <a:t>l’utente</a:t>
             </a:r>
             <a:r>
-              <a:rPr lang="en-US" dirty="0"/>
+              <a:rPr lang="en-US" sz="2400" dirty="0"/>
               <a:t>.</a:t>
             </a:r>
           </a:p>
@@ -20575,131 +20764,127 @@
               <a:buNone/>
             </a:pPr>
             <a:r>
-              <a:rPr lang="en-US" dirty="0"/>
+              <a:rPr lang="en-US" sz="2400" dirty="0"/>
               <a:t>Si è </a:t>
             </a:r>
             <a:r>
-              <a:rPr lang="en-US" dirty="0" err="1" smtClean="0"/>
+              <a:rPr lang="en-US" sz="2400" dirty="0" err="1"/>
               <a:t>optato</a:t>
             </a:r>
             <a:r>
-              <a:rPr lang="en-US" dirty="0" smtClean="0"/>
-              <a:t> </a:t>
-            </a:r>
-            <a:r>
-              <a:rPr lang="en-US" dirty="0"/>
-              <a:t>per un </a:t>
-            </a:r>
-            <a:r>
-              <a:rPr lang="en-US" dirty="0" err="1"/>
+              <a:rPr lang="en-US" sz="2400" dirty="0"/>
+              <a:t> per un </a:t>
+            </a:r>
+            <a:r>
+              <a:rPr lang="en-US" sz="2400" dirty="0" err="1"/>
               <a:t>approccio</a:t>
             </a:r>
             <a:r>
-              <a:rPr lang="en-US" dirty="0"/>
-              <a:t> </a:t>
-            </a:r>
-            <a:r>
-              <a:rPr lang="en-US" dirty="0" err="1"/>
+              <a:rPr lang="en-US" sz="2400" dirty="0"/>
+              <a:t> </a:t>
+            </a:r>
+            <a:r>
+              <a:rPr lang="en-US" sz="2400" dirty="0" err="1"/>
               <a:t>caratterizzato</a:t>
             </a:r>
             <a:r>
-              <a:rPr lang="en-US" dirty="0"/>
+              <a:rPr lang="en-US" sz="2400" dirty="0"/>
               <a:t> da </a:t>
             </a:r>
             <a:r>
-              <a:rPr lang="en-US" dirty="0" err="1"/>
+              <a:rPr lang="en-US" sz="2400" dirty="0" err="1"/>
               <a:t>un’interfaccia</a:t>
             </a:r>
             <a:r>
-              <a:rPr lang="en-US" dirty="0"/>
-              <a:t> </a:t>
-            </a:r>
-            <a:r>
-              <a:rPr lang="en-US" dirty="0" err="1"/>
+              <a:rPr lang="en-US" sz="2400" dirty="0"/>
+              <a:t> </a:t>
+            </a:r>
+            <a:r>
+              <a:rPr lang="en-US" sz="2400" dirty="0" err="1"/>
               <a:t>pulita</a:t>
             </a:r>
             <a:r>
-              <a:rPr lang="en-US" dirty="0"/>
+              <a:rPr lang="en-US" sz="2400" dirty="0"/>
               <a:t>, con </a:t>
             </a:r>
             <a:r>
-              <a:rPr lang="en-US" dirty="0" err="1"/>
+              <a:rPr lang="en-US" sz="2400" dirty="0" err="1"/>
               <a:t>pochi</a:t>
             </a:r>
             <a:r>
-              <a:rPr lang="en-US" dirty="0"/>
-              <a:t> </a:t>
-            </a:r>
-            <a:r>
-              <a:rPr lang="en-US" dirty="0" err="1"/>
+              <a:rPr lang="en-US" sz="2400" dirty="0"/>
+              <a:t> </a:t>
+            </a:r>
+            <a:r>
+              <a:rPr lang="en-US" sz="2400" dirty="0" err="1"/>
               <a:t>elementi</a:t>
             </a:r>
             <a:r>
-              <a:rPr lang="en-US" dirty="0"/>
+              <a:rPr lang="en-US" sz="2400" dirty="0"/>
               <a:t> e un’ </a:t>
             </a:r>
             <a:r>
-              <a:rPr lang="en-US" dirty="0" err="1"/>
+              <a:rPr lang="en-US" sz="2400" dirty="0" err="1"/>
               <a:t>interazione</a:t>
             </a:r>
             <a:r>
-              <a:rPr lang="en-US" dirty="0"/>
+              <a:rPr lang="en-US" sz="2400" dirty="0"/>
               <a:t> con </a:t>
             </a:r>
             <a:r>
-              <a:rPr lang="en-US" dirty="0" err="1"/>
+              <a:rPr lang="en-US" sz="2400" dirty="0" err="1"/>
               <a:t>l’utente</a:t>
             </a:r>
             <a:r>
-              <a:rPr lang="en-US" dirty="0"/>
+              <a:rPr lang="en-US" sz="2400" dirty="0"/>
               <a:t> semplice, veloce, e </a:t>
             </a:r>
             <a:r>
-              <a:rPr lang="en-US" dirty="0" err="1"/>
+              <a:rPr lang="en-US" sz="2400" dirty="0" err="1"/>
               <a:t>finalizzata</a:t>
             </a:r>
             <a:r>
-              <a:rPr lang="en-US" dirty="0"/>
-              <a:t> </a:t>
-            </a:r>
-            <a:r>
-              <a:rPr lang="en-US" dirty="0" err="1"/>
+              <a:rPr lang="en-US" sz="2400" dirty="0"/>
+              <a:t> </a:t>
+            </a:r>
+            <a:r>
+              <a:rPr lang="en-US" sz="2400" dirty="0" err="1"/>
               <a:t>all’obiettivo</a:t>
             </a:r>
             <a:r>
-              <a:rPr lang="en-US" dirty="0"/>
+              <a:rPr lang="en-US" sz="2400" dirty="0"/>
               <a:t>, senza </a:t>
             </a:r>
             <a:r>
-              <a:rPr lang="en-US" dirty="0" err="1"/>
+              <a:rPr lang="en-US" sz="2400" dirty="0" err="1"/>
               <a:t>richiedere</a:t>
             </a:r>
             <a:r>
-              <a:rPr lang="en-US" dirty="0"/>
-              <a:t> </a:t>
-            </a:r>
-            <a:r>
-              <a:rPr lang="en-US" dirty="0" err="1"/>
+              <a:rPr lang="en-US" sz="2400" dirty="0"/>
+              <a:t> </a:t>
+            </a:r>
+            <a:r>
+              <a:rPr lang="en-US" sz="2400" dirty="0" err="1"/>
               <a:t>lunghe</a:t>
             </a:r>
             <a:r>
-              <a:rPr lang="en-US" dirty="0"/>
+              <a:rPr lang="en-US" sz="2400" dirty="0"/>
               <a:t> e </a:t>
             </a:r>
             <a:r>
-              <a:rPr lang="en-US" dirty="0" err="1"/>
+              <a:rPr lang="en-US" sz="2400" dirty="0" err="1"/>
               <a:t>ingombranti</a:t>
             </a:r>
             <a:r>
-              <a:rPr lang="en-US" dirty="0"/>
-              <a:t> </a:t>
-            </a:r>
-            <a:r>
-              <a:rPr lang="en-US" dirty="0" err="1"/>
+              <a:rPr lang="en-US" sz="2400" dirty="0"/>
+              <a:t> </a:t>
+            </a:r>
+            <a:r>
+              <a:rPr lang="en-US" sz="2400" dirty="0" err="1"/>
               <a:t>configurazioni</a:t>
             </a:r>
             <a:r>
-              <a:rPr lang="en-US" dirty="0"/>
+              <a:rPr lang="en-US" sz="2400" dirty="0"/>
               <a:t>.</a:t>
             </a:r>
           </a:p>
@@ -20708,20 +20893,13 @@
     </p:spTree>
     <p:extLst>
       <p:ext uri="{BB962C8B-B14F-4D97-AF65-F5344CB8AC3E}">
-        <p14:creationId xmlns="" xmlns:p14="http://schemas.microsoft.com/office/powerpoint/2010/main" val="1581940243"/>
+        <p14:creationId xmlns:p14="http://schemas.microsoft.com/office/powerpoint/2010/main" val="1581940243"/>
       </p:ext>
     </p:extLst>
   </p:cSld>
   <p:clrMapOvr>
     <a:masterClrMapping/>
   </p:clrMapOvr>
-  <p:timing>
-    <p:tnLst>
-      <p:par>
-        <p:cTn id="1" dur="indefinite" restart="never" nodeType="tmRoot"/>
-      </p:par>
-    </p:tnLst>
-  </p:timing>
 </p:sld>
 </file>
 
@@ -20747,7 +20925,7 @@
           <p:cNvPr id="2" name="Titolo 1">
             <a:extLst>
               <a:ext uri="{FF2B5EF4-FFF2-40B4-BE49-F238E27FC236}">
-                <a16:creationId xmlns="" xmlns:a16="http://schemas.microsoft.com/office/drawing/2014/main" id="{75031FE9-9059-4FE8-B4AC-9771F23A1B89}"/>
+                <a16:creationId xmlns:a16="http://schemas.microsoft.com/office/drawing/2014/main" id="{75031FE9-9059-4FE8-B4AC-9771F23A1B89}"/>
               </a:ext>
             </a:extLst>
           </p:cNvPr>
@@ -20778,7 +20956,7 @@
           <p:cNvPr id="4" name="Content Placeholder 3">
             <a:extLst>
               <a:ext uri="{FF2B5EF4-FFF2-40B4-BE49-F238E27FC236}">
-                <a16:creationId xmlns="" xmlns:a16="http://schemas.microsoft.com/office/drawing/2014/main" id="{49E5AF19-2813-23F3-53D8-44D5983D20DA}"/>
+                <a16:creationId xmlns:a16="http://schemas.microsoft.com/office/drawing/2014/main" id="{49E5AF19-2813-23F3-53D8-44D5983D20DA}"/>
               </a:ext>
             </a:extLst>
           </p:cNvPr>
@@ -20791,332 +20969,313 @@
         </p:nvSpPr>
         <p:spPr/>
         <p:txBody>
-          <a:bodyPr/>
+          <a:bodyPr>
+            <a:normAutofit/>
+          </a:bodyPr>
           <a:lstStyle/>
           <a:p>
             <a:pPr marL="0" indent="0">
               <a:buNone/>
             </a:pPr>
             <a:r>
-              <a:rPr lang="en-US" dirty="0"/>
+              <a:rPr lang="en-US" sz="2400" dirty="0"/>
               <a:t>Non è </a:t>
             </a:r>
             <a:r>
-              <a:rPr lang="en-US" dirty="0" err="1"/>
+              <a:rPr lang="en-US" sz="2400" dirty="0" err="1"/>
               <a:t>stata</a:t>
             </a:r>
             <a:r>
-              <a:rPr lang="en-US" dirty="0"/>
-              <a:t> </a:t>
-            </a:r>
-            <a:r>
-              <a:rPr lang="en-US" dirty="0" err="1"/>
+              <a:rPr lang="en-US" sz="2400" dirty="0"/>
+              <a:t> </a:t>
+            </a:r>
+            <a:r>
+              <a:rPr lang="en-US" sz="2400" dirty="0" err="1"/>
               <a:t>eseguita</a:t>
             </a:r>
             <a:r>
-              <a:rPr lang="en-US" dirty="0"/>
-              <a:t> </a:t>
-            </a:r>
-            <a:r>
-              <a:rPr lang="en-US" dirty="0" err="1"/>
+              <a:rPr lang="en-US" sz="2400" dirty="0"/>
+              <a:t> </a:t>
+            </a:r>
+            <a:r>
+              <a:rPr lang="en-US" sz="2400" dirty="0" err="1"/>
               <a:t>una</a:t>
             </a:r>
             <a:r>
-              <a:rPr lang="en-US" dirty="0"/>
-              <a:t> </a:t>
-            </a:r>
-            <a:r>
-              <a:rPr lang="en-US" dirty="0" err="1"/>
+              <a:rPr lang="en-US" sz="2400" dirty="0"/>
+              <a:t> </a:t>
+            </a:r>
+            <a:r>
+              <a:rPr lang="en-US" sz="2400" dirty="0" err="1"/>
               <a:t>approfondita</a:t>
             </a:r>
             <a:r>
-              <a:rPr lang="en-US" dirty="0"/>
-              <a:t> </a:t>
-            </a:r>
-            <a:r>
-              <a:rPr lang="en-US" dirty="0" err="1"/>
+              <a:rPr lang="en-US" sz="2400" dirty="0"/>
+              <a:t> </a:t>
+            </a:r>
+            <a:r>
+              <a:rPr lang="en-US" sz="2400" dirty="0" err="1"/>
               <a:t>fase</a:t>
             </a:r>
             <a:r>
-              <a:rPr lang="en-US" dirty="0"/>
-              <a:t> </a:t>
-            </a:r>
-            <a:r>
-              <a:rPr lang="en-US" dirty="0" err="1"/>
+              <a:rPr lang="en-US" sz="2400" dirty="0"/>
+              <a:t> </a:t>
+            </a:r>
+            <a:r>
+              <a:rPr lang="en-US" sz="2400" dirty="0" err="1"/>
               <a:t>architettonica</a:t>
             </a:r>
             <a:r>
-              <a:rPr lang="en-US" dirty="0"/>
+              <a:rPr lang="en-US" sz="2400" dirty="0"/>
               <a:t>. La </a:t>
             </a:r>
             <a:r>
-              <a:rPr lang="en-US" dirty="0" err="1"/>
+              <a:rPr lang="en-US" sz="2400" dirty="0" err="1"/>
               <a:t>qualità</a:t>
             </a:r>
             <a:r>
-              <a:rPr lang="en-US" dirty="0"/>
+              <a:rPr lang="en-US" sz="2400" dirty="0"/>
               <a:t> è </a:t>
             </a:r>
             <a:r>
-              <a:rPr lang="en-US" dirty="0" err="1"/>
+              <a:rPr lang="en-US" sz="2400" dirty="0" err="1"/>
               <a:t>stata</a:t>
             </a:r>
             <a:r>
-              <a:rPr lang="en-US" dirty="0"/>
-              <a:t> </a:t>
-            </a:r>
-            <a:r>
-              <a:rPr lang="en-US" dirty="0" err="1"/>
+              <a:rPr lang="en-US" sz="2400" dirty="0"/>
+              <a:t> </a:t>
+            </a:r>
+            <a:r>
+              <a:rPr lang="en-US" sz="2400" dirty="0" err="1"/>
               <a:t>incorporata</a:t>
             </a:r>
             <a:r>
-              <a:rPr lang="en-US" dirty="0"/>
-              <a:t> </a:t>
-            </a:r>
-            <a:r>
-              <a:rPr lang="en-US" dirty="0" err="1"/>
+              <a:rPr lang="en-US" sz="2400" dirty="0"/>
+              <a:t> </a:t>
+            </a:r>
+            <a:r>
+              <a:rPr lang="en-US" sz="2400" dirty="0" err="1"/>
               <a:t>durante</a:t>
             </a:r>
             <a:r>
-              <a:rPr lang="en-US" dirty="0"/>
+              <a:rPr lang="en-US" sz="2400" dirty="0"/>
               <a:t> lo </a:t>
             </a:r>
             <a:r>
-              <a:rPr lang="en-US" dirty="0" err="1"/>
+              <a:rPr lang="en-US" sz="2400" dirty="0" err="1"/>
               <a:t>sviluppo</a:t>
             </a:r>
             <a:r>
-              <a:rPr lang="en-US" dirty="0"/>
+              <a:rPr lang="en-US" sz="2400" dirty="0"/>
               <a:t> con </a:t>
             </a:r>
             <a:r>
-              <a:rPr lang="en-US" dirty="0" err="1"/>
+              <a:rPr lang="en-US" sz="2400" dirty="0" err="1"/>
               <a:t>miglioramenti</a:t>
             </a:r>
             <a:r>
-              <a:rPr lang="en-US" dirty="0"/>
-              <a:t> </a:t>
-            </a:r>
-            <a:r>
-              <a:rPr lang="en-US" dirty="0" err="1"/>
+              <a:rPr lang="en-US" sz="2400" dirty="0"/>
+              <a:t> </a:t>
+            </a:r>
+            <a:r>
+              <a:rPr lang="en-US" sz="2400" dirty="0" err="1"/>
               <a:t>suggeriti</a:t>
             </a:r>
             <a:r>
-              <a:rPr lang="en-US" dirty="0"/>
-              <a:t> </a:t>
-            </a:r>
-            <a:r>
-              <a:rPr lang="en-US" dirty="0" err="1" smtClean="0"/>
-              <a:t>dai</a:t>
-            </a:r>
-            <a:r>
-              <a:rPr lang="en-US" dirty="0" smtClean="0"/>
-              <a:t> </a:t>
-            </a:r>
-            <a:r>
-              <a:rPr lang="en-US" dirty="0"/>
-              <a:t>test </a:t>
-            </a:r>
-            <a:r>
-              <a:rPr lang="en-US" dirty="0" err="1" smtClean="0"/>
-              <a:t>manuali</a:t>
-            </a:r>
-            <a:r>
-              <a:rPr lang="en-US" dirty="0" smtClean="0"/>
+              <a:rPr lang="en-US" sz="2400" dirty="0"/>
+              <a:t> dal test </a:t>
+            </a:r>
+            <a:r>
+              <a:rPr lang="en-US" sz="2400" dirty="0" err="1"/>
+              <a:t>manuale</a:t>
+            </a:r>
+            <a:r>
+              <a:rPr lang="en-US" sz="2400" dirty="0"/>
               <a:t>.</a:t>
             </a:r>
-            <a:endParaRPr lang="en-US" dirty="0"/>
           </a:p>
           <a:p>
             <a:pPr marL="0" indent="0">
               <a:buNone/>
             </a:pPr>
             <a:r>
-              <a:rPr lang="en-US" dirty="0"/>
+              <a:rPr lang="en-US" sz="2400" dirty="0"/>
               <a:t>Il </a:t>
             </a:r>
             <a:r>
-              <a:rPr lang="en-US" dirty="0" err="1"/>
+              <a:rPr lang="en-US" sz="2400" dirty="0" err="1"/>
               <a:t>sistema</a:t>
             </a:r>
             <a:r>
-              <a:rPr lang="en-US" dirty="0"/>
-              <a:t> </a:t>
-            </a:r>
-            <a:r>
-              <a:rPr lang="en-US" dirty="0" err="1"/>
+              <a:rPr lang="en-US" sz="2400" dirty="0"/>
+              <a:t> </a:t>
+            </a:r>
+            <a:r>
+              <a:rPr lang="en-US" sz="2400" dirty="0" err="1"/>
               <a:t>presenta</a:t>
             </a:r>
             <a:r>
-              <a:rPr lang="en-US" dirty="0"/>
+              <a:rPr lang="en-US" sz="2400" dirty="0"/>
               <a:t> uno stile </a:t>
             </a:r>
             <a:r>
-              <a:rPr lang="en-US" dirty="0" err="1"/>
+              <a:rPr lang="en-US" sz="2400" dirty="0" err="1"/>
               <a:t>architetturale</a:t>
             </a:r>
             <a:r>
-              <a:rPr lang="en-US" dirty="0"/>
-              <a:t> </a:t>
-            </a:r>
-            <a:r>
-              <a:rPr lang="en-US" dirty="0" err="1"/>
+              <a:rPr lang="en-US" sz="2400" dirty="0"/>
+              <a:t> </a:t>
+            </a:r>
+            <a:r>
+              <a:rPr lang="en-US" sz="2400" dirty="0" err="1"/>
               <a:t>che</a:t>
             </a:r>
             <a:r>
-              <a:rPr lang="en-US" dirty="0"/>
-              <a:t> </a:t>
-            </a:r>
-            <a:r>
-              <a:rPr lang="en-US" dirty="0" err="1"/>
+              <a:rPr lang="en-US" sz="2400" dirty="0"/>
+              <a:t> </a:t>
+            </a:r>
+            <a:r>
+              <a:rPr lang="en-US" sz="2400" dirty="0" err="1"/>
               <a:t>si</a:t>
             </a:r>
             <a:r>
-              <a:rPr lang="en-US" dirty="0"/>
-              <a:t> </a:t>
-            </a:r>
-            <a:r>
-              <a:rPr lang="en-US" dirty="0" err="1"/>
+              <a:rPr lang="en-US" sz="2400" dirty="0"/>
+              <a:t> </a:t>
+            </a:r>
+            <a:r>
+              <a:rPr lang="en-US" sz="2400" dirty="0" err="1"/>
               <a:t>ispira</a:t>
             </a:r>
             <a:r>
-              <a:rPr lang="en-US" dirty="0"/>
+              <a:rPr lang="en-US" sz="2400" dirty="0"/>
               <a:t> a MVC: Il model </a:t>
             </a:r>
             <a:r>
-              <a:rPr lang="en-US" dirty="0" err="1"/>
+              <a:rPr lang="en-US" sz="2400" dirty="0" err="1"/>
               <a:t>gestisce</a:t>
             </a:r>
             <a:r>
-              <a:rPr lang="en-US" dirty="0"/>
+              <a:rPr lang="en-US" sz="2400" dirty="0"/>
               <a:t> I </a:t>
             </a:r>
             <a:r>
-              <a:rPr lang="en-US" dirty="0" err="1"/>
+              <a:rPr lang="en-US" sz="2400" dirty="0" err="1"/>
               <a:t>calcoli</a:t>
             </a:r>
             <a:r>
-              <a:rPr lang="en-US" dirty="0"/>
+              <a:rPr lang="en-US" sz="2400" dirty="0"/>
               <a:t> e il </a:t>
             </a:r>
             <a:r>
-              <a:rPr lang="en-US" dirty="0" err="1"/>
+              <a:rPr lang="en-US" sz="2400" dirty="0" err="1"/>
               <a:t>popolamento</a:t>
             </a:r>
             <a:r>
-              <a:rPr lang="en-US" dirty="0"/>
-              <a:t> </a:t>
-            </a:r>
-            <a:r>
-              <a:rPr lang="en-US" dirty="0" err="1"/>
+              <a:rPr lang="en-US" sz="2400" dirty="0"/>
+              <a:t> </a:t>
+            </a:r>
+            <a:r>
+              <a:rPr lang="en-US" sz="2400" dirty="0" err="1"/>
               <a:t>delle</a:t>
             </a:r>
             <a:r>
-              <a:rPr lang="en-US" dirty="0"/>
-              <a:t> </a:t>
-            </a:r>
-            <a:r>
-              <a:rPr lang="en-US" dirty="0" err="1"/>
+              <a:rPr lang="en-US" sz="2400" dirty="0"/>
+              <a:t> </a:t>
+            </a:r>
+            <a:r>
+              <a:rPr lang="en-US" sz="2400" dirty="0" err="1"/>
               <a:t>strutture</a:t>
             </a:r>
             <a:r>
-              <a:rPr lang="en-US" dirty="0"/>
-              <a:t> </a:t>
-            </a:r>
-            <a:r>
-              <a:rPr lang="en-US" dirty="0" err="1"/>
+              <a:rPr lang="en-US" sz="2400" dirty="0"/>
+              <a:t> </a:t>
+            </a:r>
+            <a:r>
+              <a:rPr lang="en-US" sz="2400" dirty="0" err="1"/>
               <a:t>dati</a:t>
             </a:r>
             <a:r>
-              <a:rPr lang="en-US" dirty="0"/>
+              <a:rPr lang="en-US" sz="2400" dirty="0"/>
               <a:t> in background, Il View </a:t>
             </a:r>
             <a:r>
-              <a:rPr lang="en-US" dirty="0" err="1"/>
+              <a:rPr lang="en-US" sz="2400" dirty="0" err="1"/>
               <a:t>rappresenta</a:t>
             </a:r>
             <a:r>
-              <a:rPr lang="en-US" dirty="0"/>
-              <a:t> </a:t>
-            </a:r>
-            <a:r>
-              <a:rPr lang="en-US" dirty="0" err="1"/>
-              <a:t>tutta</a:t>
-            </a:r>
-            <a:r>
-              <a:rPr lang="en-US" dirty="0"/>
+              <a:rPr lang="en-US" sz="2400" dirty="0"/>
               <a:t> la </a:t>
             </a:r>
             <a:r>
-              <a:rPr lang="en-US" dirty="0" err="1"/>
+              <a:rPr lang="en-US" sz="2400" dirty="0" err="1"/>
               <a:t>parte</a:t>
             </a:r>
             <a:r>
-              <a:rPr lang="en-US" dirty="0"/>
-              <a:t> </a:t>
-            </a:r>
-            <a:r>
-              <a:rPr lang="en-US" dirty="0" err="1"/>
+              <a:rPr lang="en-US" sz="2400" dirty="0"/>
+              <a:t> </a:t>
+            </a:r>
+            <a:r>
+              <a:rPr lang="en-US" sz="2400" dirty="0" err="1"/>
               <a:t>dell’interfaccia</a:t>
             </a:r>
             <a:r>
-              <a:rPr lang="en-US" dirty="0"/>
-              <a:t> </a:t>
-            </a:r>
-            <a:r>
-              <a:rPr lang="en-US" dirty="0" err="1"/>
+              <a:rPr lang="en-US" sz="2400" dirty="0"/>
+              <a:t> </a:t>
+            </a:r>
+            <a:r>
+              <a:rPr lang="en-US" sz="2400" dirty="0" err="1"/>
               <a:t>utente</a:t>
             </a:r>
             <a:r>
-              <a:rPr lang="en-US" dirty="0"/>
+              <a:rPr lang="en-US" sz="2400" dirty="0"/>
               <a:t>, </a:t>
             </a:r>
             <a:r>
-              <a:rPr lang="en-US" dirty="0" err="1"/>
+              <a:rPr lang="en-US" sz="2400" dirty="0" err="1"/>
               <a:t>mentre</a:t>
             </a:r>
             <a:r>
-              <a:rPr lang="en-US" dirty="0"/>
+              <a:rPr lang="en-US" sz="2400" dirty="0"/>
               <a:t> il controller </a:t>
             </a:r>
             <a:r>
-              <a:rPr lang="en-US" dirty="0" err="1"/>
+              <a:rPr lang="en-US" sz="2400" dirty="0" err="1"/>
               <a:t>valida</a:t>
             </a:r>
             <a:r>
-              <a:rPr lang="en-US" dirty="0"/>
-              <a:t> </a:t>
-            </a:r>
-            <a:r>
-              <a:rPr lang="en-US" dirty="0" err="1"/>
+              <a:rPr lang="en-US" sz="2400" dirty="0"/>
+              <a:t> </a:t>
+            </a:r>
+            <a:r>
+              <a:rPr lang="en-US" sz="2400" dirty="0" err="1"/>
               <a:t>gli</a:t>
             </a:r>
             <a:r>
-              <a:rPr lang="en-US" dirty="0"/>
+              <a:rPr lang="en-US" sz="2400" dirty="0"/>
               <a:t> input </a:t>
             </a:r>
             <a:r>
-              <a:rPr lang="en-US" dirty="0" err="1"/>
+              <a:rPr lang="en-US" sz="2400" dirty="0" err="1"/>
               <a:t>dell’utente</a:t>
             </a:r>
             <a:r>
-              <a:rPr lang="en-US" dirty="0"/>
+              <a:rPr lang="en-US" sz="2400" dirty="0"/>
               <a:t> e </a:t>
             </a:r>
             <a:r>
-              <a:rPr lang="en-US" dirty="0" err="1"/>
+              <a:rPr lang="en-US" sz="2400" dirty="0" err="1"/>
               <a:t>trasmette</a:t>
             </a:r>
             <a:r>
-              <a:rPr lang="en-US" dirty="0"/>
+              <a:rPr lang="en-US" sz="2400" dirty="0"/>
               <a:t> I </a:t>
             </a:r>
             <a:r>
-              <a:rPr lang="en-US" dirty="0" err="1"/>
+              <a:rPr lang="en-US" sz="2400" dirty="0" err="1"/>
               <a:t>comandi</a:t>
             </a:r>
             <a:r>
-              <a:rPr lang="en-US" dirty="0"/>
+              <a:rPr lang="en-US" sz="2400" dirty="0"/>
               <a:t> al model.</a:t>
             </a:r>
           </a:p>
@@ -21125,83 +21284,83 @@
               <a:buNone/>
             </a:pPr>
             <a:r>
-              <a:rPr lang="en-US" dirty="0" err="1"/>
+              <a:rPr lang="en-US" sz="2400" dirty="0" err="1"/>
               <a:t>Inoltre</a:t>
             </a:r>
             <a:r>
-              <a:rPr lang="en-US" dirty="0"/>
+              <a:rPr lang="en-US" sz="2400" dirty="0"/>
               <a:t>, </a:t>
             </a:r>
             <a:r>
-              <a:rPr lang="en-US" dirty="0" err="1"/>
+              <a:rPr lang="en-US" sz="2400" dirty="0" err="1"/>
               <a:t>viene</a:t>
             </a:r>
             <a:r>
-              <a:rPr lang="en-US" dirty="0"/>
-              <a:t> </a:t>
-            </a:r>
-            <a:r>
-              <a:rPr lang="en-US" dirty="0" err="1"/>
+              <a:rPr lang="en-US" sz="2400" dirty="0"/>
+              <a:t> </a:t>
+            </a:r>
+            <a:r>
+              <a:rPr lang="en-US" sz="2400" dirty="0" err="1"/>
               <a:t>fatto</a:t>
             </a:r>
             <a:r>
-              <a:rPr lang="en-US" dirty="0"/>
-              <a:t> </a:t>
-            </a:r>
-            <a:r>
-              <a:rPr lang="en-US" dirty="0" err="1"/>
+              <a:rPr lang="en-US" sz="2400" dirty="0"/>
+              <a:t> </a:t>
+            </a:r>
+            <a:r>
+              <a:rPr lang="en-US" sz="2400" dirty="0" err="1"/>
               <a:t>ampio</a:t>
             </a:r>
             <a:r>
-              <a:rPr lang="en-US" dirty="0"/>
-              <a:t> </a:t>
-            </a:r>
-            <a:r>
-              <a:rPr lang="en-US" dirty="0" err="1"/>
+              <a:rPr lang="en-US" sz="2400" dirty="0"/>
+              <a:t> </a:t>
+            </a:r>
+            <a:r>
+              <a:rPr lang="en-US" sz="2400" dirty="0" err="1"/>
               <a:t>uso</a:t>
             </a:r>
             <a:r>
-              <a:rPr lang="en-US" dirty="0"/>
-              <a:t> </a:t>
-            </a:r>
-            <a:r>
-              <a:rPr lang="en-US" dirty="0" err="1"/>
+              <a:rPr lang="en-US" sz="2400" dirty="0"/>
+              <a:t> </a:t>
+            </a:r>
+            <a:r>
+              <a:rPr lang="en-US" sz="2400" dirty="0" err="1"/>
               <a:t>dell’invocazione</a:t>
             </a:r>
             <a:r>
-              <a:rPr lang="en-US" dirty="0"/>
-              <a:t> </a:t>
-            </a:r>
-            <a:r>
-              <a:rPr lang="en-US" dirty="0" err="1"/>
+              <a:rPr lang="en-US" sz="2400" dirty="0"/>
+              <a:t> </a:t>
+            </a:r>
+            <a:r>
+              <a:rPr lang="en-US" sz="2400" dirty="0" err="1"/>
               <a:t>implicita</a:t>
             </a:r>
             <a:r>
-              <a:rPr lang="en-US" dirty="0"/>
+              <a:rPr lang="en-US" sz="2400" dirty="0"/>
               <a:t> per la </a:t>
             </a:r>
             <a:r>
-              <a:rPr lang="en-US" dirty="0" err="1"/>
+              <a:rPr lang="en-US" sz="2400" dirty="0" err="1"/>
               <a:t>realizzazione</a:t>
             </a:r>
             <a:r>
-              <a:rPr lang="en-US" dirty="0"/>
-              <a:t> </a:t>
-            </a:r>
-            <a:r>
-              <a:rPr lang="en-US" dirty="0" err="1"/>
+              <a:rPr lang="en-US" sz="2400" dirty="0"/>
+              <a:t> </a:t>
+            </a:r>
+            <a:r>
+              <a:rPr lang="en-US" sz="2400" dirty="0" err="1"/>
               <a:t>dell’interfaccia</a:t>
             </a:r>
             <a:r>
-              <a:rPr lang="en-US" dirty="0"/>
-              <a:t> </a:t>
-            </a:r>
-            <a:r>
-              <a:rPr lang="en-US" dirty="0" err="1"/>
+              <a:rPr lang="en-US" sz="2400" dirty="0"/>
+              <a:t> </a:t>
+            </a:r>
+            <a:r>
+              <a:rPr lang="en-US" sz="2400" dirty="0" err="1"/>
               <a:t>interattiva</a:t>
             </a:r>
             <a:r>
-              <a:rPr lang="en-US" dirty="0"/>
+              <a:rPr lang="en-US" sz="2400" dirty="0"/>
               <a:t>.</a:t>
             </a:r>
           </a:p>
@@ -21210,20 +21369,13 @@
     </p:spTree>
     <p:extLst>
       <p:ext uri="{BB962C8B-B14F-4D97-AF65-F5344CB8AC3E}">
-        <p14:creationId xmlns="" xmlns:p14="http://schemas.microsoft.com/office/powerpoint/2010/main" val="141201089"/>
+        <p14:creationId xmlns:p14="http://schemas.microsoft.com/office/powerpoint/2010/main" val="141201089"/>
       </p:ext>
     </p:extLst>
   </p:cSld>
   <p:clrMapOvr>
     <a:masterClrMapping/>
   </p:clrMapOvr>
-  <p:timing>
-    <p:tnLst>
-      <p:par>
-        <p:cTn id="1" dur="indefinite" restart="never" nodeType="tmRoot"/>
-      </p:par>
-    </p:tnLst>
-  </p:timing>
 </p:sld>
 </file>
 
@@ -21249,7 +21401,7 @@
           <p:cNvPr id="2" name="Titolo 1">
             <a:extLst>
               <a:ext uri="{FF2B5EF4-FFF2-40B4-BE49-F238E27FC236}">
-                <a16:creationId xmlns="" xmlns:a16="http://schemas.microsoft.com/office/drawing/2014/main" id="{75031FE9-9059-4FE8-B4AC-9771F23A1B89}"/>
+                <a16:creationId xmlns:a16="http://schemas.microsoft.com/office/drawing/2014/main" id="{75031FE9-9059-4FE8-B4AC-9771F23A1B89}"/>
               </a:ext>
             </a:extLst>
           </p:cNvPr>
@@ -21280,7 +21432,7 @@
           <p:cNvPr id="4" name="Content Placeholder 3">
             <a:extLst>
               <a:ext uri="{FF2B5EF4-FFF2-40B4-BE49-F238E27FC236}">
-                <a16:creationId xmlns="" xmlns:a16="http://schemas.microsoft.com/office/drawing/2014/main" id="{834029E2-3A07-28E1-FE72-E1D9FA770926}"/>
+                <a16:creationId xmlns:a16="http://schemas.microsoft.com/office/drawing/2014/main" id="{834029E2-3A07-28E1-FE72-E1D9FA770926}"/>
               </a:ext>
             </a:extLst>
           </p:cNvPr>
@@ -21293,165 +21445,167 @@
         </p:nvSpPr>
         <p:spPr/>
         <p:txBody>
-          <a:bodyPr/>
+          <a:bodyPr>
+            <a:normAutofit/>
+          </a:bodyPr>
           <a:lstStyle/>
           <a:p>
             <a:r>
-              <a:rPr lang="en-US" dirty="0"/>
+              <a:rPr lang="en-US" sz="2400" dirty="0"/>
               <a:t>Singleton pattern per le </a:t>
             </a:r>
             <a:r>
-              <a:rPr lang="en-US" dirty="0" err="1"/>
+              <a:rPr lang="en-US" sz="2400" dirty="0" err="1"/>
               <a:t>classi</a:t>
             </a:r>
             <a:r>
-              <a:rPr lang="en-US" dirty="0"/>
+              <a:rPr lang="en-US" sz="2400" dirty="0"/>
               <a:t> Layout e </a:t>
             </a:r>
             <a:r>
-              <a:rPr lang="en-US" dirty="0" err="1"/>
+              <a:rPr lang="en-US" sz="2400" dirty="0" err="1"/>
               <a:t>EventHandler</a:t>
             </a:r>
             <a:r>
-              <a:rPr lang="en-US" dirty="0"/>
+              <a:rPr lang="en-US" sz="2400" dirty="0"/>
               <a:t>.</a:t>
             </a:r>
           </a:p>
           <a:p>
             <a:r>
-              <a:rPr lang="en-US" dirty="0"/>
+              <a:rPr lang="en-US" sz="2400" dirty="0"/>
               <a:t>Observer pattern per </a:t>
             </a:r>
             <a:r>
-              <a:rPr lang="en-US" dirty="0" err="1"/>
+              <a:rPr lang="en-US" sz="2400" dirty="0" err="1"/>
               <a:t>reagire</a:t>
             </a:r>
             <a:r>
-              <a:rPr lang="en-US" dirty="0"/>
-              <a:t> </a:t>
-            </a:r>
-            <a:r>
-              <a:rPr lang="en-US" dirty="0" err="1"/>
+              <a:rPr lang="en-US" sz="2400" dirty="0"/>
+              <a:t> </a:t>
+            </a:r>
+            <a:r>
+              <a:rPr lang="en-US" sz="2400" dirty="0" err="1"/>
               <a:t>all’arrivo</a:t>
             </a:r>
             <a:r>
-              <a:rPr lang="en-US" dirty="0"/>
+              <a:rPr lang="en-US" sz="2400" dirty="0"/>
               <a:t> del grave e per </a:t>
             </a:r>
             <a:r>
-              <a:rPr lang="en-US" dirty="0" err="1"/>
+              <a:rPr lang="en-US" sz="2400" dirty="0" err="1"/>
               <a:t>reagire</a:t>
             </a:r>
             <a:r>
-              <a:rPr lang="en-US" dirty="0"/>
+              <a:rPr lang="en-US" sz="2400" dirty="0"/>
               <a:t> a </a:t>
             </a:r>
             <a:r>
-              <a:rPr lang="en-US" dirty="0" err="1"/>
+              <a:rPr lang="en-US" sz="2400" dirty="0" err="1"/>
               <a:t>cambiamenti</a:t>
             </a:r>
             <a:r>
-              <a:rPr lang="en-US" dirty="0"/>
-              <a:t> </a:t>
-            </a:r>
-            <a:r>
-              <a:rPr lang="en-US" dirty="0" err="1"/>
+              <a:rPr lang="en-US" sz="2400" dirty="0"/>
+              <a:t> </a:t>
+            </a:r>
+            <a:r>
+              <a:rPr lang="en-US" sz="2400" dirty="0" err="1"/>
               <a:t>della</a:t>
             </a:r>
             <a:r>
-              <a:rPr lang="en-US" dirty="0"/>
-              <a:t> </a:t>
-            </a:r>
-            <a:r>
-              <a:rPr lang="en-US" dirty="0" err="1"/>
+              <a:rPr lang="en-US" sz="2400" dirty="0"/>
+              <a:t> </a:t>
+            </a:r>
+            <a:r>
+              <a:rPr lang="en-US" sz="2400" dirty="0" err="1"/>
               <a:t>dimensione</a:t>
             </a:r>
             <a:r>
-              <a:rPr lang="en-US" dirty="0"/>
-              <a:t> </a:t>
-            </a:r>
-            <a:r>
-              <a:rPr lang="en-US" dirty="0" err="1"/>
+              <a:rPr lang="en-US" sz="2400" dirty="0"/>
+              <a:t> </a:t>
+            </a:r>
+            <a:r>
+              <a:rPr lang="en-US" sz="2400" dirty="0" err="1"/>
               <a:t>della</a:t>
             </a:r>
             <a:r>
-              <a:rPr lang="en-US" dirty="0"/>
-              <a:t> </a:t>
-            </a:r>
-            <a:r>
-              <a:rPr lang="en-US" dirty="0" err="1"/>
+              <a:rPr lang="en-US" sz="2400" dirty="0"/>
+              <a:t> </a:t>
+            </a:r>
+            <a:r>
+              <a:rPr lang="en-US" sz="2400" dirty="0" err="1"/>
               <a:t>finestra</a:t>
             </a:r>
-            <a:endParaRPr lang="en-US" dirty="0"/>
+            <a:endParaRPr lang="en-US" sz="2400" dirty="0"/>
           </a:p>
           <a:p>
             <a:pPr marL="0" indent="0">
               <a:buNone/>
             </a:pPr>
-            <a:endParaRPr lang="en-US" dirty="0"/>
+            <a:endParaRPr lang="en-US" sz="2400" dirty="0"/>
           </a:p>
           <a:p>
             <a:pPr marL="0" indent="0">
               <a:buNone/>
             </a:pPr>
             <a:r>
-              <a:rPr lang="en-US" dirty="0"/>
+              <a:rPr lang="en-US" sz="2400" dirty="0"/>
               <a:t>Le </a:t>
             </a:r>
             <a:r>
-              <a:rPr lang="en-US" dirty="0" err="1"/>
+              <a:rPr lang="en-US" sz="2400" dirty="0" err="1"/>
               <a:t>metriche</a:t>
             </a:r>
             <a:r>
-              <a:rPr lang="en-US" dirty="0"/>
+              <a:rPr lang="en-US" sz="2400" dirty="0"/>
               <a:t> di </a:t>
             </a:r>
             <a:r>
-              <a:rPr lang="en-US" dirty="0" err="1"/>
+              <a:rPr lang="en-US" sz="2400" dirty="0" err="1"/>
               <a:t>complessità</a:t>
             </a:r>
             <a:r>
-              <a:rPr lang="en-US" dirty="0"/>
+              <a:rPr lang="en-US" sz="2400" dirty="0"/>
               <a:t> e la </a:t>
             </a:r>
             <a:r>
-              <a:rPr lang="en-US" dirty="0" err="1"/>
+              <a:rPr lang="en-US" sz="2400" dirty="0" err="1"/>
               <a:t>struttura</a:t>
             </a:r>
             <a:r>
-              <a:rPr lang="en-US" dirty="0"/>
-              <a:t> </a:t>
-            </a:r>
-            <a:r>
-              <a:rPr lang="en-US" dirty="0" err="1"/>
+              <a:rPr lang="en-US" sz="2400" dirty="0"/>
+              <a:t> </a:t>
+            </a:r>
+            <a:r>
+              <a:rPr lang="en-US" sz="2400" dirty="0" err="1"/>
               <a:t>modulare</a:t>
             </a:r>
             <a:r>
-              <a:rPr lang="en-US" dirty="0"/>
-              <a:t> </a:t>
-            </a:r>
-            <a:r>
-              <a:rPr lang="en-US" dirty="0" err="1"/>
+              <a:rPr lang="en-US" sz="2400" dirty="0"/>
+              <a:t> </a:t>
+            </a:r>
+            <a:r>
+              <a:rPr lang="en-US" sz="2400" dirty="0" err="1"/>
               <a:t>sono</a:t>
             </a:r>
             <a:r>
-              <a:rPr lang="en-US" dirty="0"/>
+              <a:rPr lang="en-US" sz="2400" dirty="0"/>
               <a:t> state </a:t>
             </a:r>
             <a:r>
-              <a:rPr lang="en-US" dirty="0" err="1"/>
+              <a:rPr lang="en-US" sz="2400" dirty="0" err="1"/>
               <a:t>valutate</a:t>
             </a:r>
             <a:r>
-              <a:rPr lang="en-US" dirty="0"/>
+              <a:rPr lang="en-US" sz="2400" dirty="0"/>
               <a:t> con </a:t>
             </a:r>
             <a:r>
-              <a:rPr lang="en-US" dirty="0" err="1"/>
+              <a:rPr lang="en-US" sz="2400" dirty="0" err="1"/>
               <a:t>stanIDE</a:t>
             </a:r>
             <a:r>
-              <a:rPr lang="en-US" dirty="0"/>
+              <a:rPr lang="en-US" sz="2400" dirty="0"/>
               <a:t>.</a:t>
             </a:r>
           </a:p>
@@ -21460,27 +21614,20 @@
     </p:spTree>
     <p:extLst>
       <p:ext uri="{BB962C8B-B14F-4D97-AF65-F5344CB8AC3E}">
-        <p14:creationId xmlns="" xmlns:p14="http://schemas.microsoft.com/office/powerpoint/2010/main" val="2944479634"/>
+        <p14:creationId xmlns:p14="http://schemas.microsoft.com/office/powerpoint/2010/main" val="2944479634"/>
       </p:ext>
     </p:extLst>
   </p:cSld>
   <p:clrMapOvr>
     <a:masterClrMapping/>
   </p:clrMapOvr>
-  <p:timing>
-    <p:tnLst>
-      <p:par>
-        <p:cTn id="1" dur="indefinite" restart="never" nodeType="tmRoot"/>
-      </p:par>
-    </p:tnLst>
-  </p:timing>
 </p:sld>
 </file>
 
 <file path=ppt/theme/theme1.xml><?xml version="1.0" encoding="utf-8"?>
 <a:theme xmlns:a="http://schemas.openxmlformats.org/drawingml/2006/main" name="Scia di vapore">
   <a:themeElements>
-    <a:clrScheme name="Scia di vapore">
+    <a:clrScheme name="Gradazioni di grigio">
       <a:dk1>
         <a:sysClr val="windowText" lastClr="000000"/>
       </a:dk1>
@@ -21488,39 +21635,39 @@
         <a:sysClr val="window" lastClr="FFFFFF"/>
       </a:lt1>
       <a:dk2>
-        <a:srgbClr val="454545"/>
+        <a:srgbClr val="000000"/>
       </a:dk2>
       <a:lt2>
-        <a:srgbClr val="DADADA"/>
+        <a:srgbClr val="F8F8F8"/>
       </a:lt2>
       <a:accent1>
-        <a:srgbClr val="DF2E28"/>
+        <a:srgbClr val="DDDDDD"/>
       </a:accent1>
       <a:accent2>
-        <a:srgbClr val="FE801A"/>
+        <a:srgbClr val="B2B2B2"/>
       </a:accent2>
       <a:accent3>
-        <a:srgbClr val="E9BF35"/>
+        <a:srgbClr val="969696"/>
       </a:accent3>
       <a:accent4>
-        <a:srgbClr val="81BB42"/>
+        <a:srgbClr val="808080"/>
       </a:accent4>
       <a:accent5>
-        <a:srgbClr val="32C7A9"/>
+        <a:srgbClr val="5F5F5F"/>
       </a:accent5>
       <a:accent6>
-        <a:srgbClr val="4A9BDC"/>
+        <a:srgbClr val="4D4D4D"/>
       </a:accent6>
       <a:hlink>
-        <a:srgbClr val="F0532B"/>
+        <a:srgbClr val="5F5F5F"/>
       </a:hlink>
       <a:folHlink>
-        <a:srgbClr val="F38B53"/>
+        <a:srgbClr val="919191"/>
       </a:folHlink>
     </a:clrScheme>
     <a:fontScheme name="Scia di vapore">
       <a:majorFont>
-        <a:latin typeface="Century Gothic"/>
+        <a:latin typeface="Century Gothic" panose="020B0502020202020204"/>
         <a:ea typeface=""/>
         <a:cs typeface=""/>
         <a:font script="Jpan" typeface="ＭＳ Ｐゴシック"/>
@@ -21555,7 +21702,7 @@
         <a:font script="Geor" typeface="Sylfaen"/>
       </a:majorFont>
       <a:minorFont>
-        <a:latin typeface="Century Gothic"/>
+        <a:latin typeface="Century Gothic" panose="020B0502020202020204"/>
         <a:ea typeface=""/>
         <a:cs typeface=""/>
         <a:font script="Jpan" typeface="ＭＳ Ｐゴシック"/>
@@ -21741,7 +21888,7 @@
   <a:extraClrSchemeLst/>
   <a:extLst>
     <a:ext uri="{05A4C25C-085E-4340-85A3-A5531E510DB2}">
-      <thm15:themeFamily xmlns="" xmlns:thm15="http://schemas.microsoft.com/office/thememl/2012/main" name="Vapor Trail" id="{4FDF2955-7D9C-493C-B9F9-C205151B46CD}" vid="{8F31A783-2159-4870-BC29-2BA7D038EA44}"/>
+      <thm15:themeFamily xmlns:thm15="http://schemas.microsoft.com/office/thememl/2012/main" name="Vapor Trail" id="{4FDF2955-7D9C-493C-B9F9-C205151B46CD}" vid="{8F31A783-2159-4870-BC29-2BA7D038EA44}"/>
     </a:ext>
   </a:extLst>
 </a:theme>
@@ -21790,7 +21937,7 @@
     </a:clrScheme>
     <a:fontScheme name="Office">
       <a:majorFont>
-        <a:latin typeface="Calibri Light"/>
+        <a:latin typeface="Calibri Light" panose="020F0302020204030204"/>
         <a:ea typeface=""/>
         <a:cs typeface=""/>
         <a:font script="Jpan" typeface="游ゴシック Light"/>
@@ -21842,7 +21989,7 @@
         <a:font script="Tfng" typeface="Ebrima"/>
       </a:majorFont>
       <a:minorFont>
-        <a:latin typeface="Calibri"/>
+        <a:latin typeface="Calibri" panose="020F0502020204030204"/>
         <a:ea typeface=""/>
         <a:cs typeface=""/>
         <a:font script="Jpan" typeface="游ゴシック"/>
@@ -22036,7 +22183,7 @@
   <a:extraClrSchemeLst/>
   <a:extLst>
     <a:ext uri="{05A4C25C-085E-4340-85A3-A5531E510DB2}">
-      <thm15:themeFamily xmlns="" xmlns:thm15="http://schemas.microsoft.com/office/thememl/2012/main" name="Office Theme" id="{62F939B6-93AF-4DB8-9C6B-D6C7DFDC589F}" vid="{4A3C46E8-61CC-4603-A589-7422A47A8E4A}"/>
+      <thm15:themeFamily xmlns:thm15="http://schemas.microsoft.com/office/thememl/2012/main" name="Office Theme" id="{62F939B6-93AF-4DB8-9C6B-D6C7DFDC589F}" vid="{4A3C46E8-61CC-4603-A589-7422A47A8E4A}"/>
     </a:ext>
   </a:extLst>
 </a:theme>
@@ -22085,7 +22232,7 @@
     </a:clrScheme>
     <a:fontScheme name="Office">
       <a:majorFont>
-        <a:latin typeface="Calibri Light"/>
+        <a:latin typeface="Calibri Light" panose="020F0302020204030204"/>
         <a:ea typeface=""/>
         <a:cs typeface=""/>
         <a:font script="Jpan" typeface="游ゴシック Light"/>
@@ -22137,7 +22284,7 @@
         <a:font script="Tfng" typeface="Ebrima"/>
       </a:majorFont>
       <a:minorFont>
-        <a:latin typeface="Calibri"/>
+        <a:latin typeface="Calibri" panose="020F0502020204030204"/>
         <a:ea typeface=""/>
         <a:cs typeface=""/>
         <a:font script="Jpan" typeface="游ゴシック"/>
@@ -22331,7 +22478,7 @@
   <a:extraClrSchemeLst/>
   <a:extLst>
     <a:ext uri="{05A4C25C-085E-4340-85A3-A5531E510DB2}">
-      <thm15:themeFamily xmlns="" xmlns:thm15="http://schemas.microsoft.com/office/thememl/2012/main" name="Office Theme" id="{62F939B6-93AF-4DB8-9C6B-D6C7DFDC589F}" vid="{4A3C46E8-61CC-4603-A589-7422A47A8E4A}"/>
+      <thm15:themeFamily xmlns:thm15="http://schemas.microsoft.com/office/thememl/2012/main" name="Office Theme" id="{62F939B6-93AF-4DB8-9C6B-D6C7DFDC589F}" vid="{4A3C46E8-61CC-4603-A589-7422A47A8E4A}"/>
     </a:ext>
   </a:extLst>
 </a:theme>
